--- a/documentation/Presentation/presentation.pptx
+++ b/documentation/Presentation/presentation.pptx
@@ -5,25 +5,21 @@
     <p:sldMasterId id="2147483648" r:id="rId1"/>
   </p:sldMasterIdLst>
   <p:notesMasterIdLst>
-    <p:notesMasterId r:id="rId18"/>
+    <p:notesMasterId r:id="rId14"/>
   </p:notesMasterIdLst>
   <p:sldIdLst>
     <p:sldId id="256" r:id="rId2"/>
     <p:sldId id="257" r:id="rId3"/>
     <p:sldId id="266" r:id="rId4"/>
-    <p:sldId id="270" r:id="rId5"/>
-    <p:sldId id="269" r:id="rId6"/>
-    <p:sldId id="258" r:id="rId7"/>
-    <p:sldId id="259" r:id="rId8"/>
-    <p:sldId id="272" r:id="rId9"/>
-    <p:sldId id="260" r:id="rId10"/>
-    <p:sldId id="262" r:id="rId11"/>
-    <p:sldId id="273" r:id="rId12"/>
-    <p:sldId id="261" r:id="rId13"/>
-    <p:sldId id="274" r:id="rId14"/>
-    <p:sldId id="263" r:id="rId15"/>
-    <p:sldId id="264" r:id="rId16"/>
-    <p:sldId id="265" r:id="rId17"/>
+    <p:sldId id="275" r:id="rId5"/>
+    <p:sldId id="270" r:id="rId6"/>
+    <p:sldId id="262" r:id="rId7"/>
+    <p:sldId id="273" r:id="rId8"/>
+    <p:sldId id="261" r:id="rId9"/>
+    <p:sldId id="274" r:id="rId10"/>
+    <p:sldId id="263" r:id="rId11"/>
+    <p:sldId id="264" r:id="rId12"/>
+    <p:sldId id="265" r:id="rId13"/>
   </p:sldIdLst>
   <p:sldSz cx="12192000" cy="6858000"/>
   <p:notesSz cx="6858000" cy="9144000"/>
@@ -1305,7 +1301,7 @@
           <a:p>
             <a:fld id="{D322D285-FB50-4793-AABD-2575DE8C1D5D}" type="datetimeFigureOut">
               <a:rPr lang="ru-RU" smtClean="0"/>
-              <a:t>07.06.2021</a:t>
+              <a:t>15.12.2021</a:t>
             </a:fld>
             <a:endParaRPr lang="ru-RU"/>
           </a:p>
@@ -1719,7 +1715,7 @@
           <a:p>
             <a:fld id="{2CB17DDD-3B56-4F6F-9842-7AC5DF5A2CEF}" type="datetime1">
               <a:rPr lang="ru-RU" smtClean="0"/>
-              <a:t>07.06.2021</a:t>
+              <a:t>15.12.2021</a:t>
             </a:fld>
             <a:endParaRPr lang="ru-RU"/>
           </a:p>
@@ -1917,7 +1913,7 @@
           <a:p>
             <a:fld id="{76BE8246-BC4F-40D6-A274-0E589DCF1927}" type="datetime1">
               <a:rPr lang="ru-RU" smtClean="0"/>
-              <a:t>07.06.2021</a:t>
+              <a:t>15.12.2021</a:t>
             </a:fld>
             <a:endParaRPr lang="ru-RU"/>
           </a:p>
@@ -2125,7 +2121,7 @@
           <a:p>
             <a:fld id="{BBB5C6C2-9FE9-4E2E-8DD6-89DA0275FD44}" type="datetime1">
               <a:rPr lang="ru-RU" smtClean="0"/>
-              <a:t>07.06.2021</a:t>
+              <a:t>15.12.2021</a:t>
             </a:fld>
             <a:endParaRPr lang="ru-RU"/>
           </a:p>
@@ -2323,7 +2319,7 @@
           <a:p>
             <a:fld id="{E36328A7-E82E-4EE2-9168-D666DE82EFD6}" type="datetime1">
               <a:rPr lang="ru-RU" smtClean="0"/>
-              <a:t>07.06.2021</a:t>
+              <a:t>15.12.2021</a:t>
             </a:fld>
             <a:endParaRPr lang="ru-RU"/>
           </a:p>
@@ -2598,7 +2594,7 @@
           <a:p>
             <a:fld id="{2E647997-ABF2-4BC1-9871-0491890CE2AD}" type="datetime1">
               <a:rPr lang="ru-RU" smtClean="0"/>
-              <a:t>07.06.2021</a:t>
+              <a:t>15.12.2021</a:t>
             </a:fld>
             <a:endParaRPr lang="ru-RU"/>
           </a:p>
@@ -2863,7 +2859,7 @@
           <a:p>
             <a:fld id="{07A0F077-BCBE-4910-994F-6E7CCA6F3789}" type="datetime1">
               <a:rPr lang="ru-RU" smtClean="0"/>
-              <a:t>07.06.2021</a:t>
+              <a:t>15.12.2021</a:t>
             </a:fld>
             <a:endParaRPr lang="ru-RU"/>
           </a:p>
@@ -3275,7 +3271,7 @@
           <a:p>
             <a:fld id="{2DC91322-7AB8-40A6-BF71-14CA9E824E8E}" type="datetime1">
               <a:rPr lang="ru-RU" smtClean="0"/>
-              <a:t>07.06.2021</a:t>
+              <a:t>15.12.2021</a:t>
             </a:fld>
             <a:endParaRPr lang="ru-RU"/>
           </a:p>
@@ -3416,7 +3412,7 @@
           <a:p>
             <a:fld id="{97C083DF-312B-4271-B91B-E107A59EB49D}" type="datetime1">
               <a:rPr lang="ru-RU" smtClean="0"/>
-              <a:t>07.06.2021</a:t>
+              <a:t>15.12.2021</a:t>
             </a:fld>
             <a:endParaRPr lang="ru-RU"/>
           </a:p>
@@ -3529,7 +3525,7 @@
           <a:p>
             <a:fld id="{3023BD20-5139-4B18-84E4-6360AA14479C}" type="datetime1">
               <a:rPr lang="ru-RU" smtClean="0"/>
-              <a:t>07.06.2021</a:t>
+              <a:t>15.12.2021</a:t>
             </a:fld>
             <a:endParaRPr lang="ru-RU"/>
           </a:p>
@@ -3840,7 +3836,7 @@
           <a:p>
             <a:fld id="{1C6A63DA-E7FA-4BA3-8A6D-FA75CAEA4864}" type="datetime1">
               <a:rPr lang="ru-RU" smtClean="0"/>
-              <a:t>07.06.2021</a:t>
+              <a:t>15.12.2021</a:t>
             </a:fld>
             <a:endParaRPr lang="ru-RU"/>
           </a:p>
@@ -4128,7 +4124,7 @@
           <a:p>
             <a:fld id="{827D114B-3C5E-4146-AD46-58479669C7F9}" type="datetime1">
               <a:rPr lang="ru-RU" smtClean="0"/>
-              <a:t>07.06.2021</a:t>
+              <a:t>15.12.2021</a:t>
             </a:fld>
             <a:endParaRPr lang="ru-RU"/>
           </a:p>
@@ -4369,7 +4365,7 @@
           <a:p>
             <a:fld id="{B36FEB34-0C34-4FF1-BF19-B26582C8F4FD}" type="datetime1">
               <a:rPr lang="ru-RU" smtClean="0"/>
-              <a:t>07.06.2021</a:t>
+              <a:t>15.12.2021</a:t>
             </a:fld>
             <a:endParaRPr lang="ru-RU"/>
           </a:p>
@@ -4820,7 +4816,7 @@
                 <a:latin typeface="Times New Roman" panose="02020603050405020304" pitchFamily="18" charset="0"/>
                 <a:cs typeface="Times New Roman" panose="02020603050405020304" pitchFamily="18" charset="0"/>
               </a:rPr>
-              <a:t>Система распознавания усталости оператора автоматизированного рабочего места</a:t>
+              <a:t>Серверное приложение для сбора статистики использования периферии АРМ</a:t>
             </a:r>
           </a:p>
         </p:txBody>
@@ -4856,7 +4852,7 @@
                 <a:latin typeface="Times New Roman" panose="02020603050405020304" pitchFamily="18" charset="0"/>
                 <a:cs typeface="Times New Roman" panose="02020603050405020304" pitchFamily="18" charset="0"/>
               </a:rPr>
-              <a:t>Студент: Дмитрий Васильевич Якуба, ИУ7-63Б</a:t>
+              <a:t>Студент: Дмитрий Васильевич Якуба, ИУ7-73Б</a:t>
             </a:r>
             <a:endParaRPr lang="en-US" dirty="0">
               <a:latin typeface="Times New Roman" panose="02020603050405020304" pitchFamily="18" charset="0"/>
@@ -4869,7 +4865,7 @@
                 <a:latin typeface="Times New Roman" panose="02020603050405020304" pitchFamily="18" charset="0"/>
                 <a:cs typeface="Times New Roman" panose="02020603050405020304" pitchFamily="18" charset="0"/>
               </a:rPr>
-              <a:t>Руководитель курсового проекта: Юрий Владимирович Строганов</a:t>
+              <a:t>Руководитель курсового проекта: Николай Олегович Рогозин</a:t>
             </a:r>
           </a:p>
         </p:txBody>
@@ -4995,1701 +4991,6 @@
           <p:cNvPr id="2" name="Заголовок 1">
             <a:extLst>
               <a:ext uri="{FF2B5EF4-FFF2-40B4-BE49-F238E27FC236}">
-                <a16:creationId xmlns:a16="http://schemas.microsoft.com/office/drawing/2014/main" id="{A52BB516-5B8F-4C76-A32E-F601AF3BC5D9}"/>
-              </a:ext>
-            </a:extLst>
-          </p:cNvPr>
-          <p:cNvSpPr>
-            <a:spLocks noGrp="1"/>
-          </p:cNvSpPr>
-          <p:nvPr>
-            <p:ph type="title"/>
-          </p:nvPr>
-        </p:nvSpPr>
-        <p:spPr>
-          <a:xfrm>
-            <a:off x="838200" y="0"/>
-            <a:ext cx="10515600" cy="1182487"/>
-          </a:xfrm>
-        </p:spPr>
-        <p:txBody>
-          <a:bodyPr>
-            <a:normAutofit/>
-          </a:bodyPr>
-          <a:lstStyle/>
-          <a:p>
-            <a:pPr algn="ctr"/>
-            <a:r>
-              <a:rPr lang="ru-RU" dirty="0">
-                <a:latin typeface="Times New Roman" panose="02020603050405020304" pitchFamily="18" charset="0"/>
-                <a:cs typeface="Times New Roman" panose="02020603050405020304" pitchFamily="18" charset="0"/>
-              </a:rPr>
-              <a:t>Компоненты предметной области</a:t>
-            </a:r>
-          </a:p>
-        </p:txBody>
-      </p:sp>
-      <p:pic>
-        <p:nvPicPr>
-          <p:cNvPr id="6" name="Объект 5">
-            <a:extLst>
-              <a:ext uri="{FF2B5EF4-FFF2-40B4-BE49-F238E27FC236}">
-                <a16:creationId xmlns:a16="http://schemas.microsoft.com/office/drawing/2014/main" id="{C5EF2155-2D87-4A13-8B7A-B71C32405B59}"/>
-              </a:ext>
-            </a:extLst>
-          </p:cNvPr>
-          <p:cNvPicPr>
-            <a:picLocks noGrp="1" noChangeAspect="1"/>
-          </p:cNvPicPr>
-          <p:nvPr>
-            <p:ph idx="1"/>
-          </p:nvPr>
-        </p:nvPicPr>
-        <p:blipFill>
-          <a:blip r:embed="rId2">
-            <a:extLst>
-              <a:ext uri="{28A0092B-C50C-407E-A947-70E740481C1C}">
-                <a14:useLocalDpi xmlns:a14="http://schemas.microsoft.com/office/drawing/2010/main" val="0"/>
-              </a:ext>
-            </a:extLst>
-          </a:blip>
-          <a:stretch>
-            <a:fillRect/>
-          </a:stretch>
-        </p:blipFill>
-        <p:spPr>
-          <a:xfrm>
-            <a:off x="1358193" y="1182487"/>
-            <a:ext cx="9169545" cy="5538988"/>
-          </a:xfrm>
-        </p:spPr>
-      </p:pic>
-      <p:sp>
-        <p:nvSpPr>
-          <p:cNvPr id="4" name="Номер слайда 3">
-            <a:extLst>
-              <a:ext uri="{FF2B5EF4-FFF2-40B4-BE49-F238E27FC236}">
-                <a16:creationId xmlns:a16="http://schemas.microsoft.com/office/drawing/2014/main" id="{91D0402C-0740-41E0-9CDD-A8827B217731}"/>
-              </a:ext>
-            </a:extLst>
-          </p:cNvPr>
-          <p:cNvSpPr>
-            <a:spLocks noGrp="1"/>
-          </p:cNvSpPr>
-          <p:nvPr>
-            <p:ph type="sldNum" sz="quarter" idx="12"/>
-          </p:nvPr>
-        </p:nvSpPr>
-        <p:spPr/>
-        <p:txBody>
-          <a:bodyPr/>
-          <a:lstStyle/>
-          <a:p>
-            <a:fld id="{356812A1-C132-42AC-87BC-7262BD3AB593}" type="slidenum">
-              <a:rPr lang="ru-RU" smtClean="0"/>
-              <a:t>10</a:t>
-            </a:fld>
-            <a:endParaRPr lang="ru-RU"/>
-          </a:p>
-        </p:txBody>
-      </p:sp>
-    </p:spTree>
-    <p:extLst>
-      <p:ext uri="{BB962C8B-B14F-4D97-AF65-F5344CB8AC3E}">
-        <p14:creationId xmlns:p14="http://schemas.microsoft.com/office/powerpoint/2010/main" val="529127709"/>
-      </p:ext>
-    </p:extLst>
-  </p:cSld>
-  <p:clrMapOvr>
-    <a:masterClrMapping/>
-  </p:clrMapOvr>
-</p:sld>
-</file>
-
-<file path=ppt/slides/slide11.xml><?xml version="1.0" encoding="utf-8"?>
-<p:sld xmlns:a="http://schemas.openxmlformats.org/drawingml/2006/main" xmlns:r="http://schemas.openxmlformats.org/officeDocument/2006/relationships" xmlns:p="http://schemas.openxmlformats.org/presentationml/2006/main">
-  <p:cSld>
-    <p:spTree>
-      <p:nvGrpSpPr>
-        <p:cNvPr id="1" name=""/>
-        <p:cNvGrpSpPr/>
-        <p:nvPr/>
-      </p:nvGrpSpPr>
-      <p:grpSpPr>
-        <a:xfrm>
-          <a:off x="0" y="0"/>
-          <a:ext cx="0" cy="0"/>
-          <a:chOff x="0" y="0"/>
-          <a:chExt cx="0" cy="0"/>
-        </a:xfrm>
-      </p:grpSpPr>
-      <p:sp>
-        <p:nvSpPr>
-          <p:cNvPr id="2" name="Заголовок 1">
-            <a:extLst>
-              <a:ext uri="{FF2B5EF4-FFF2-40B4-BE49-F238E27FC236}">
-                <a16:creationId xmlns:a16="http://schemas.microsoft.com/office/drawing/2014/main" id="{A52BB516-5B8F-4C76-A32E-F601AF3BC5D9}"/>
-              </a:ext>
-            </a:extLst>
-          </p:cNvPr>
-          <p:cNvSpPr>
-            <a:spLocks noGrp="1"/>
-          </p:cNvSpPr>
-          <p:nvPr>
-            <p:ph type="title"/>
-          </p:nvPr>
-        </p:nvSpPr>
-        <p:spPr>
-          <a:xfrm>
-            <a:off x="838200" y="0"/>
-            <a:ext cx="10515600" cy="1325563"/>
-          </a:xfrm>
-        </p:spPr>
-        <p:txBody>
-          <a:bodyPr/>
-          <a:lstStyle/>
-          <a:p>
-            <a:pPr algn="ctr"/>
-            <a:r>
-              <a:rPr lang="ru-RU" dirty="0">
-                <a:latin typeface="Times New Roman" panose="02020603050405020304" pitchFamily="18" charset="0"/>
-                <a:cs typeface="Times New Roman" panose="02020603050405020304" pitchFamily="18" charset="0"/>
-              </a:rPr>
-              <a:t>Участники системы</a:t>
-            </a:r>
-          </a:p>
-        </p:txBody>
-      </p:sp>
-      <p:sp>
-        <p:nvSpPr>
-          <p:cNvPr id="4" name="Номер слайда 3">
-            <a:extLst>
-              <a:ext uri="{FF2B5EF4-FFF2-40B4-BE49-F238E27FC236}">
-                <a16:creationId xmlns:a16="http://schemas.microsoft.com/office/drawing/2014/main" id="{91D0402C-0740-41E0-9CDD-A8827B217731}"/>
-              </a:ext>
-            </a:extLst>
-          </p:cNvPr>
-          <p:cNvSpPr>
-            <a:spLocks noGrp="1"/>
-          </p:cNvSpPr>
-          <p:nvPr>
-            <p:ph type="sldNum" sz="quarter" idx="12"/>
-          </p:nvPr>
-        </p:nvSpPr>
-        <p:spPr/>
-        <p:txBody>
-          <a:bodyPr/>
-          <a:lstStyle/>
-          <a:p>
-            <a:fld id="{356812A1-C132-42AC-87BC-7262BD3AB593}" type="slidenum">
-              <a:rPr lang="ru-RU" smtClean="0"/>
-              <a:t>11</a:t>
-            </a:fld>
-            <a:endParaRPr lang="ru-RU"/>
-          </a:p>
-        </p:txBody>
-      </p:sp>
-      <p:pic>
-        <p:nvPicPr>
-          <p:cNvPr id="7" name="Объект 6">
-            <a:extLst>
-              <a:ext uri="{FF2B5EF4-FFF2-40B4-BE49-F238E27FC236}">
-                <a16:creationId xmlns:a16="http://schemas.microsoft.com/office/drawing/2014/main" id="{7385B87A-6471-478F-B59C-A7020CAC4727}"/>
-              </a:ext>
-            </a:extLst>
-          </p:cNvPr>
-          <p:cNvPicPr>
-            <a:picLocks noGrp="1" noChangeAspect="1"/>
-          </p:cNvPicPr>
-          <p:nvPr>
-            <p:ph idx="1"/>
-          </p:nvPr>
-        </p:nvPicPr>
-        <p:blipFill>
-          <a:blip r:embed="rId2">
-            <a:extLst>
-              <a:ext uri="{28A0092B-C50C-407E-A947-70E740481C1C}">
-                <a14:useLocalDpi xmlns:a14="http://schemas.microsoft.com/office/drawing/2010/main" val="0"/>
-              </a:ext>
-            </a:extLst>
-          </a:blip>
-          <a:stretch>
-            <a:fillRect/>
-          </a:stretch>
-        </p:blipFill>
-        <p:spPr>
-          <a:xfrm>
-            <a:off x="5907327" y="1253331"/>
-            <a:ext cx="5446473" cy="4351338"/>
-          </a:xfrm>
-        </p:spPr>
-      </p:pic>
-      <p:sp>
-        <p:nvSpPr>
-          <p:cNvPr id="6" name="TextBox 5">
-            <a:extLst>
-              <a:ext uri="{FF2B5EF4-FFF2-40B4-BE49-F238E27FC236}">
-                <a16:creationId xmlns:a16="http://schemas.microsoft.com/office/drawing/2014/main" id="{E6B8B12C-BF69-4595-945C-7542A38A604E}"/>
-              </a:ext>
-            </a:extLst>
-          </p:cNvPr>
-          <p:cNvSpPr txBox="1"/>
-          <p:nvPr/>
-        </p:nvSpPr>
-        <p:spPr>
-          <a:xfrm>
-            <a:off x="838200" y="1173344"/>
-            <a:ext cx="5069127" cy="3539430"/>
-          </a:xfrm>
-          <a:prstGeom prst="rect">
-            <a:avLst/>
-          </a:prstGeom>
-          <a:noFill/>
-        </p:spPr>
-        <p:txBody>
-          <a:bodyPr wrap="square">
-            <a:spAutoFit/>
-          </a:bodyPr>
-          <a:lstStyle/>
-          <a:p>
-            <a:pPr algn="just"/>
-            <a:r>
-              <a:rPr lang="ru-RU" sz="1600" b="0" i="0" u="none" strike="noStrike" baseline="0" dirty="0">
-                <a:latin typeface="Times New Roman" panose="02020603050405020304" pitchFamily="18" charset="0"/>
-                <a:cs typeface="Times New Roman" panose="02020603050405020304" pitchFamily="18" charset="0"/>
-              </a:rPr>
-              <a:t>Согласно исследованиям 2014 года средняя продолжительность рабочего дня у российских организаций (без учёта круглосуточных) - 9 часов 50 минут.</a:t>
-            </a:r>
-            <a:endParaRPr lang="ru-RU" sz="1600" dirty="0">
-              <a:latin typeface="Times New Roman" panose="02020603050405020304" pitchFamily="18" charset="0"/>
-              <a:cs typeface="Times New Roman" panose="02020603050405020304" pitchFamily="18" charset="0"/>
-            </a:endParaRPr>
-          </a:p>
-          <a:p>
-            <a:pPr algn="just"/>
-            <a:r>
-              <a:rPr lang="ru-RU" sz="1600" b="0" i="0" u="none" strike="noStrike" baseline="0" dirty="0">
-                <a:latin typeface="Times New Roman" panose="02020603050405020304" pitchFamily="18" charset="0"/>
-                <a:cs typeface="Times New Roman" panose="02020603050405020304" pitchFamily="18" charset="0"/>
-              </a:rPr>
-              <a:t>Если от одного сотрудника данные с датчиков (по единственной характеристике) будут поступать каждую минуту, то количество полученных</a:t>
-            </a:r>
-          </a:p>
-          <a:p>
-            <a:pPr algn="just"/>
-            <a:r>
-              <a:rPr lang="ru-RU" sz="1600" b="0" i="0" u="none" strike="noStrike" baseline="0" dirty="0">
-                <a:latin typeface="Times New Roman" panose="02020603050405020304" pitchFamily="18" charset="0"/>
-                <a:cs typeface="Times New Roman" panose="02020603050405020304" pitchFamily="18" charset="0"/>
-              </a:rPr>
-              <a:t>системой записей за один рабочий день (в случае рассмотрения средней длительности рабочего дня по городу Москва) в среднем будет равняться 37,860. Если характеристик 14, то данная величина вырастет до 530,040, а при факте того, что участников в системе может быть и 50 человек из организации - </a:t>
-            </a:r>
-            <a:r>
-              <a:rPr lang="ru-RU" sz="1600" dirty="0">
-                <a:latin typeface="Times New Roman" panose="02020603050405020304" pitchFamily="18" charset="0"/>
-                <a:cs typeface="Times New Roman" panose="02020603050405020304" pitchFamily="18" charset="0"/>
-              </a:rPr>
-              <a:t>она вырастает до</a:t>
-            </a:r>
-            <a:r>
-              <a:rPr lang="ru-RU" sz="1600" b="0" i="0" u="none" strike="noStrike" baseline="0" dirty="0">
-                <a:latin typeface="Times New Roman" panose="02020603050405020304" pitchFamily="18" charset="0"/>
-                <a:cs typeface="Times New Roman" panose="02020603050405020304" pitchFamily="18" charset="0"/>
-              </a:rPr>
-              <a:t> 26,502,000.</a:t>
-            </a:r>
-            <a:endParaRPr lang="ru-RU" sz="1600" dirty="0">
-              <a:latin typeface="Times New Roman" panose="02020603050405020304" pitchFamily="18" charset="0"/>
-              <a:cs typeface="Times New Roman" panose="02020603050405020304" pitchFamily="18" charset="0"/>
-            </a:endParaRPr>
-          </a:p>
-        </p:txBody>
-      </p:sp>
-      <p:graphicFrame>
-        <p:nvGraphicFramePr>
-          <p:cNvPr id="3" name="Таблица 4">
-            <a:extLst>
-              <a:ext uri="{FF2B5EF4-FFF2-40B4-BE49-F238E27FC236}">
-                <a16:creationId xmlns:a16="http://schemas.microsoft.com/office/drawing/2014/main" id="{1229B554-F5E4-4790-A396-63E4932C5DAF}"/>
-              </a:ext>
-            </a:extLst>
-          </p:cNvPr>
-          <p:cNvGraphicFramePr>
-            <a:graphicFrameLocks noGrp="1"/>
-          </p:cNvGraphicFramePr>
-          <p:nvPr>
-            <p:extLst>
-              <p:ext uri="{D42A27DB-BD31-4B8C-83A1-F6EECF244321}">
-                <p14:modId xmlns:p14="http://schemas.microsoft.com/office/powerpoint/2010/main" val="3575465467"/>
-              </p:ext>
-            </p:extLst>
-          </p:nvPr>
-        </p:nvGraphicFramePr>
-        <p:xfrm>
-          <a:off x="155492" y="4632960"/>
-          <a:ext cx="7581126" cy="2042160"/>
-        </p:xfrm>
-        <a:graphic>
-          <a:graphicData uri="http://schemas.openxmlformats.org/drawingml/2006/table">
-            <a:tbl>
-              <a:tblPr firstRow="1" bandRow="1">
-                <a:tableStyleId>{073A0DAA-6AF3-43AB-8588-CEC1D06C72B9}</a:tableStyleId>
-              </a:tblPr>
-              <a:tblGrid>
-                <a:gridCol w="2527042">
-                  <a:extLst>
-                    <a:ext uri="{9D8B030D-6E8A-4147-A177-3AD203B41FA5}">
-                      <a16:colId xmlns:a16="http://schemas.microsoft.com/office/drawing/2014/main" val="1384500988"/>
-                    </a:ext>
-                  </a:extLst>
-                </a:gridCol>
-                <a:gridCol w="2527042">
-                  <a:extLst>
-                    <a:ext uri="{9D8B030D-6E8A-4147-A177-3AD203B41FA5}">
-                      <a16:colId xmlns:a16="http://schemas.microsoft.com/office/drawing/2014/main" val="3380031964"/>
-                    </a:ext>
-                  </a:extLst>
-                </a:gridCol>
-                <a:gridCol w="2527042">
-                  <a:extLst>
-                    <a:ext uri="{9D8B030D-6E8A-4147-A177-3AD203B41FA5}">
-                      <a16:colId xmlns:a16="http://schemas.microsoft.com/office/drawing/2014/main" val="2638188826"/>
-                    </a:ext>
-                  </a:extLst>
-                </a:gridCol>
-              </a:tblGrid>
-              <a:tr h="301266">
-                <a:tc>
-                  <a:txBody>
-                    <a:bodyPr/>
-                    <a:lstStyle/>
-                    <a:p>
-                      <a:r>
-                        <a:rPr lang="ru-RU" sz="1400" dirty="0">
-                          <a:latin typeface="Times New Roman" panose="02020603050405020304" pitchFamily="18" charset="0"/>
-                          <a:cs typeface="Times New Roman" panose="02020603050405020304" pitchFamily="18" charset="0"/>
-                        </a:rPr>
-                        <a:t>Заведение</a:t>
-                      </a:r>
-                      <a:r>
-                        <a:rPr lang="en-US" sz="1400" dirty="0">
-                          <a:latin typeface="Times New Roman" panose="02020603050405020304" pitchFamily="18" charset="0"/>
-                          <a:cs typeface="Times New Roman" panose="02020603050405020304" pitchFamily="18" charset="0"/>
-                        </a:rPr>
-                        <a:t>/</a:t>
-                      </a:r>
-                      <a:r>
-                        <a:rPr lang="ru-RU" sz="1400" dirty="0">
-                          <a:latin typeface="Times New Roman" panose="02020603050405020304" pitchFamily="18" charset="0"/>
-                          <a:cs typeface="Times New Roman" panose="02020603050405020304" pitchFamily="18" charset="0"/>
-                        </a:rPr>
-                        <a:t>Организация</a:t>
-                      </a:r>
-                    </a:p>
-                  </a:txBody>
-                  <a:tcPr/>
-                </a:tc>
-                <a:tc>
-                  <a:txBody>
-                    <a:bodyPr/>
-                    <a:lstStyle/>
-                    <a:p>
-                      <a:r>
-                        <a:rPr lang="ru-RU" sz="1400" dirty="0">
-                          <a:latin typeface="Times New Roman" panose="02020603050405020304" pitchFamily="18" charset="0"/>
-                          <a:cs typeface="Times New Roman" panose="02020603050405020304" pitchFamily="18" charset="0"/>
-                        </a:rPr>
-                        <a:t>Количество клиентов</a:t>
-                      </a:r>
-                    </a:p>
-                  </a:txBody>
-                  <a:tcPr/>
-                </a:tc>
-                <a:tc>
-                  <a:txBody>
-                    <a:bodyPr/>
-                    <a:lstStyle/>
-                    <a:p>
-                      <a:r>
-                        <a:rPr lang="ru-RU" sz="1400" dirty="0">
-                          <a:latin typeface="Times New Roman" panose="02020603050405020304" pitchFamily="18" charset="0"/>
-                          <a:cs typeface="Times New Roman" panose="02020603050405020304" pitchFamily="18" charset="0"/>
-                        </a:rPr>
-                        <a:t>Количество запросов в минуту</a:t>
-                      </a:r>
-                    </a:p>
-                  </a:txBody>
-                  <a:tcPr/>
-                </a:tc>
-                <a:extLst>
-                  <a:ext uri="{0D108BD9-81ED-4DB2-BD59-A6C34878D82A}">
-                    <a16:rowId xmlns:a16="http://schemas.microsoft.com/office/drawing/2014/main" val="340084288"/>
-                  </a:ext>
-                </a:extLst>
-              </a:tr>
-              <a:tr h="301266">
-                <a:tc>
-                  <a:txBody>
-                    <a:bodyPr/>
-                    <a:lstStyle/>
-                    <a:p>
-                      <a:r>
-                        <a:rPr lang="ru-RU" sz="1400" dirty="0">
-                          <a:latin typeface="Times New Roman" panose="02020603050405020304" pitchFamily="18" charset="0"/>
-                          <a:cs typeface="Times New Roman" panose="02020603050405020304" pitchFamily="18" charset="0"/>
-                        </a:rPr>
-                        <a:t>МГТУ им. Н.Э. Баумана</a:t>
-                      </a:r>
-                    </a:p>
-                  </a:txBody>
-                  <a:tcPr/>
-                </a:tc>
-                <a:tc>
-                  <a:txBody>
-                    <a:bodyPr/>
-                    <a:lstStyle/>
-                    <a:p>
-                      <a:r>
-                        <a:rPr lang="ru-RU" sz="1400" dirty="0">
-                          <a:latin typeface="Times New Roman" panose="02020603050405020304" pitchFamily="18" charset="0"/>
-                          <a:cs typeface="Times New Roman" panose="02020603050405020304" pitchFamily="18" charset="0"/>
-                        </a:rPr>
-                        <a:t>21,500</a:t>
-                      </a:r>
-                    </a:p>
-                  </a:txBody>
-                  <a:tcPr/>
-                </a:tc>
-                <a:tc>
-                  <a:txBody>
-                    <a:bodyPr/>
-                    <a:lstStyle/>
-                    <a:p>
-                      <a:r>
-                        <a:rPr lang="en-US" sz="1400" dirty="0">
-                          <a:latin typeface="Times New Roman" panose="02020603050405020304" pitchFamily="18" charset="0"/>
-                          <a:cs typeface="Times New Roman" panose="02020603050405020304" pitchFamily="18" charset="0"/>
-                        </a:rPr>
-                        <a:t>301,000</a:t>
-                      </a:r>
-                      <a:endParaRPr lang="ru-RU" sz="1400" dirty="0">
-                        <a:latin typeface="Times New Roman" panose="02020603050405020304" pitchFamily="18" charset="0"/>
-                        <a:cs typeface="Times New Roman" panose="02020603050405020304" pitchFamily="18" charset="0"/>
-                      </a:endParaRPr>
-                    </a:p>
-                  </a:txBody>
-                  <a:tcPr/>
-                </a:tc>
-                <a:extLst>
-                  <a:ext uri="{0D108BD9-81ED-4DB2-BD59-A6C34878D82A}">
-                    <a16:rowId xmlns:a16="http://schemas.microsoft.com/office/drawing/2014/main" val="302431099"/>
-                  </a:ext>
-                </a:extLst>
-              </a:tr>
-              <a:tr h="301266">
-                <a:tc>
-                  <a:txBody>
-                    <a:bodyPr/>
-                    <a:lstStyle/>
-                    <a:p>
-                      <a:r>
-                        <a:rPr lang="ru-RU" sz="1400" dirty="0">
-                          <a:latin typeface="Times New Roman" panose="02020603050405020304" pitchFamily="18" charset="0"/>
-                          <a:cs typeface="Times New Roman" panose="02020603050405020304" pitchFamily="18" charset="0"/>
-                        </a:rPr>
-                        <a:t>МГУ</a:t>
-                      </a:r>
-                    </a:p>
-                  </a:txBody>
-                  <a:tcPr/>
-                </a:tc>
-                <a:tc>
-                  <a:txBody>
-                    <a:bodyPr/>
-                    <a:lstStyle/>
-                    <a:p>
-                      <a:r>
-                        <a:rPr lang="ru-RU" sz="1400" dirty="0">
-                          <a:latin typeface="Times New Roman" panose="02020603050405020304" pitchFamily="18" charset="0"/>
-                          <a:cs typeface="Times New Roman" panose="02020603050405020304" pitchFamily="18" charset="0"/>
-                        </a:rPr>
-                        <a:t>40,000</a:t>
-                      </a:r>
-                    </a:p>
-                  </a:txBody>
-                  <a:tcPr/>
-                </a:tc>
-                <a:tc>
-                  <a:txBody>
-                    <a:bodyPr/>
-                    <a:lstStyle/>
-                    <a:p>
-                      <a:r>
-                        <a:rPr lang="en-US" sz="1400" dirty="0">
-                          <a:latin typeface="Times New Roman" panose="02020603050405020304" pitchFamily="18" charset="0"/>
-                          <a:cs typeface="Times New Roman" panose="02020603050405020304" pitchFamily="18" charset="0"/>
-                        </a:rPr>
-                        <a:t>560,000</a:t>
-                      </a:r>
-                      <a:endParaRPr lang="ru-RU" sz="1400" dirty="0">
-                        <a:latin typeface="Times New Roman" panose="02020603050405020304" pitchFamily="18" charset="0"/>
-                        <a:cs typeface="Times New Roman" panose="02020603050405020304" pitchFamily="18" charset="0"/>
-                      </a:endParaRPr>
-                    </a:p>
-                  </a:txBody>
-                  <a:tcPr/>
-                </a:tc>
-                <a:extLst>
-                  <a:ext uri="{0D108BD9-81ED-4DB2-BD59-A6C34878D82A}">
-                    <a16:rowId xmlns:a16="http://schemas.microsoft.com/office/drawing/2014/main" val="1425292578"/>
-                  </a:ext>
-                </a:extLst>
-              </a:tr>
-              <a:tr h="301266">
-                <a:tc>
-                  <a:txBody>
-                    <a:bodyPr/>
-                    <a:lstStyle/>
-                    <a:p>
-                      <a:r>
-                        <a:rPr lang="ru-RU" sz="1400" dirty="0">
-                          <a:latin typeface="Times New Roman" panose="02020603050405020304" pitchFamily="18" charset="0"/>
-                          <a:cs typeface="Times New Roman" panose="02020603050405020304" pitchFamily="18" charset="0"/>
-                        </a:rPr>
-                        <a:t>ВШЭ</a:t>
-                      </a:r>
-                    </a:p>
-                  </a:txBody>
-                  <a:tcPr/>
-                </a:tc>
-                <a:tc>
-                  <a:txBody>
-                    <a:bodyPr/>
-                    <a:lstStyle/>
-                    <a:p>
-                      <a:r>
-                        <a:rPr lang="ru-RU" sz="1400" dirty="0">
-                          <a:latin typeface="Times New Roman" panose="02020603050405020304" pitchFamily="18" charset="0"/>
-                          <a:cs typeface="Times New Roman" panose="02020603050405020304" pitchFamily="18" charset="0"/>
-                        </a:rPr>
-                        <a:t>47,000</a:t>
-                      </a:r>
-                    </a:p>
-                  </a:txBody>
-                  <a:tcPr/>
-                </a:tc>
-                <a:tc>
-                  <a:txBody>
-                    <a:bodyPr/>
-                    <a:lstStyle/>
-                    <a:p>
-                      <a:r>
-                        <a:rPr lang="en-US" sz="1400" dirty="0">
-                          <a:latin typeface="Times New Roman" panose="02020603050405020304" pitchFamily="18" charset="0"/>
-                          <a:cs typeface="Times New Roman" panose="02020603050405020304" pitchFamily="18" charset="0"/>
-                        </a:rPr>
-                        <a:t>658,000</a:t>
-                      </a:r>
-                      <a:endParaRPr lang="ru-RU" sz="1400" dirty="0">
-                        <a:latin typeface="Times New Roman" panose="02020603050405020304" pitchFamily="18" charset="0"/>
-                        <a:cs typeface="Times New Roman" panose="02020603050405020304" pitchFamily="18" charset="0"/>
-                      </a:endParaRPr>
-                    </a:p>
-                  </a:txBody>
-                  <a:tcPr/>
-                </a:tc>
-                <a:extLst>
-                  <a:ext uri="{0D108BD9-81ED-4DB2-BD59-A6C34878D82A}">
-                    <a16:rowId xmlns:a16="http://schemas.microsoft.com/office/drawing/2014/main" val="3842630511"/>
-                  </a:ext>
-                </a:extLst>
-              </a:tr>
-              <a:tr h="301266">
-                <a:tc>
-                  <a:txBody>
-                    <a:bodyPr/>
-                    <a:lstStyle/>
-                    <a:p>
-                      <a:r>
-                        <a:rPr lang="en-US" sz="1400" dirty="0">
-                          <a:latin typeface="Times New Roman" panose="02020603050405020304" pitchFamily="18" charset="0"/>
-                          <a:cs typeface="Times New Roman" panose="02020603050405020304" pitchFamily="18" charset="0"/>
-                        </a:rPr>
-                        <a:t>Google</a:t>
-                      </a:r>
-                      <a:endParaRPr lang="ru-RU" sz="1400" dirty="0">
-                        <a:latin typeface="Times New Roman" panose="02020603050405020304" pitchFamily="18" charset="0"/>
-                        <a:cs typeface="Times New Roman" panose="02020603050405020304" pitchFamily="18" charset="0"/>
-                      </a:endParaRPr>
-                    </a:p>
-                  </a:txBody>
-                  <a:tcPr/>
-                </a:tc>
-                <a:tc>
-                  <a:txBody>
-                    <a:bodyPr/>
-                    <a:lstStyle/>
-                    <a:p>
-                      <a:r>
-                        <a:rPr lang="en-US" sz="1400" dirty="0">
-                          <a:latin typeface="Times New Roman" panose="02020603050405020304" pitchFamily="18" charset="0"/>
-                          <a:cs typeface="Times New Roman" panose="02020603050405020304" pitchFamily="18" charset="0"/>
-                        </a:rPr>
-                        <a:t>140,000</a:t>
-                      </a:r>
-                      <a:endParaRPr lang="ru-RU" sz="1400" dirty="0">
-                        <a:latin typeface="Times New Roman" panose="02020603050405020304" pitchFamily="18" charset="0"/>
-                        <a:cs typeface="Times New Roman" panose="02020603050405020304" pitchFamily="18" charset="0"/>
-                      </a:endParaRPr>
-                    </a:p>
-                  </a:txBody>
-                  <a:tcPr/>
-                </a:tc>
-                <a:tc>
-                  <a:txBody>
-                    <a:bodyPr/>
-                    <a:lstStyle/>
-                    <a:p>
-                      <a:r>
-                        <a:rPr lang="en-US" sz="1400" dirty="0">
-                          <a:latin typeface="Times New Roman" panose="02020603050405020304" pitchFamily="18" charset="0"/>
-                          <a:cs typeface="Times New Roman" panose="02020603050405020304" pitchFamily="18" charset="0"/>
-                        </a:rPr>
-                        <a:t>1,960,000</a:t>
-                      </a:r>
-                      <a:endParaRPr lang="ru-RU" sz="1400" dirty="0">
-                        <a:latin typeface="Times New Roman" panose="02020603050405020304" pitchFamily="18" charset="0"/>
-                        <a:cs typeface="Times New Roman" panose="02020603050405020304" pitchFamily="18" charset="0"/>
-                      </a:endParaRPr>
-                    </a:p>
-                  </a:txBody>
-                  <a:tcPr/>
-                </a:tc>
-                <a:extLst>
-                  <a:ext uri="{0D108BD9-81ED-4DB2-BD59-A6C34878D82A}">
-                    <a16:rowId xmlns:a16="http://schemas.microsoft.com/office/drawing/2014/main" val="1883493953"/>
-                  </a:ext>
-                </a:extLst>
-              </a:tr>
-              <a:tr h="301266">
-                <a:tc>
-                  <a:txBody>
-                    <a:bodyPr/>
-                    <a:lstStyle/>
-                    <a:p>
-                      <a:r>
-                        <a:rPr lang="en-US" sz="1400" dirty="0">
-                          <a:latin typeface="Times New Roman" panose="02020603050405020304" pitchFamily="18" charset="0"/>
-                          <a:cs typeface="Times New Roman" panose="02020603050405020304" pitchFamily="18" charset="0"/>
-                        </a:rPr>
-                        <a:t>IBM</a:t>
-                      </a:r>
-                      <a:endParaRPr lang="ru-RU" sz="1400" dirty="0">
-                        <a:latin typeface="Times New Roman" panose="02020603050405020304" pitchFamily="18" charset="0"/>
-                        <a:cs typeface="Times New Roman" panose="02020603050405020304" pitchFamily="18" charset="0"/>
-                      </a:endParaRPr>
-                    </a:p>
-                  </a:txBody>
-                  <a:tcPr/>
-                </a:tc>
-                <a:tc>
-                  <a:txBody>
-                    <a:bodyPr/>
-                    <a:lstStyle/>
-                    <a:p>
-                      <a:r>
-                        <a:rPr lang="en-US" sz="1400" dirty="0">
-                          <a:latin typeface="Times New Roman" panose="02020603050405020304" pitchFamily="18" charset="0"/>
-                          <a:cs typeface="Times New Roman" panose="02020603050405020304" pitchFamily="18" charset="0"/>
-                        </a:rPr>
-                        <a:t>345,900</a:t>
-                      </a:r>
-                      <a:endParaRPr lang="ru-RU" sz="1400" dirty="0">
-                        <a:latin typeface="Times New Roman" panose="02020603050405020304" pitchFamily="18" charset="0"/>
-                        <a:cs typeface="Times New Roman" panose="02020603050405020304" pitchFamily="18" charset="0"/>
-                      </a:endParaRPr>
-                    </a:p>
-                  </a:txBody>
-                  <a:tcPr/>
-                </a:tc>
-                <a:tc>
-                  <a:txBody>
-                    <a:bodyPr/>
-                    <a:lstStyle/>
-                    <a:p>
-                      <a:r>
-                        <a:rPr lang="en-US" sz="1400" dirty="0">
-                          <a:latin typeface="Times New Roman" panose="02020603050405020304" pitchFamily="18" charset="0"/>
-                          <a:cs typeface="Times New Roman" panose="02020603050405020304" pitchFamily="18" charset="0"/>
-                        </a:rPr>
-                        <a:t>4,842,600</a:t>
-                      </a:r>
-                      <a:endParaRPr lang="ru-RU" sz="1400" dirty="0">
-                        <a:latin typeface="Times New Roman" panose="02020603050405020304" pitchFamily="18" charset="0"/>
-                        <a:cs typeface="Times New Roman" panose="02020603050405020304" pitchFamily="18" charset="0"/>
-                      </a:endParaRPr>
-                    </a:p>
-                  </a:txBody>
-                  <a:tcPr/>
-                </a:tc>
-                <a:extLst>
-                  <a:ext uri="{0D108BD9-81ED-4DB2-BD59-A6C34878D82A}">
-                    <a16:rowId xmlns:a16="http://schemas.microsoft.com/office/drawing/2014/main" val="4110086043"/>
-                  </a:ext>
-                </a:extLst>
-              </a:tr>
-            </a:tbl>
-          </a:graphicData>
-        </a:graphic>
-      </p:graphicFrame>
-    </p:spTree>
-    <p:extLst>
-      <p:ext uri="{BB962C8B-B14F-4D97-AF65-F5344CB8AC3E}">
-        <p14:creationId xmlns:p14="http://schemas.microsoft.com/office/powerpoint/2010/main" val="3386407847"/>
-      </p:ext>
-    </p:extLst>
-  </p:cSld>
-  <p:clrMapOvr>
-    <a:masterClrMapping/>
-  </p:clrMapOvr>
-</p:sld>
-</file>
-
-<file path=ppt/slides/slide12.xml><?xml version="1.0" encoding="utf-8"?>
-<p:sld xmlns:a="http://schemas.openxmlformats.org/drawingml/2006/main" xmlns:r="http://schemas.openxmlformats.org/officeDocument/2006/relationships" xmlns:p="http://schemas.openxmlformats.org/presentationml/2006/main">
-  <p:cSld>
-    <p:spTree>
-      <p:nvGrpSpPr>
-        <p:cNvPr id="1" name=""/>
-        <p:cNvGrpSpPr/>
-        <p:nvPr/>
-      </p:nvGrpSpPr>
-      <p:grpSpPr>
-        <a:xfrm>
-          <a:off x="0" y="0"/>
-          <a:ext cx="0" cy="0"/>
-          <a:chOff x="0" y="0"/>
-          <a:chExt cx="0" cy="0"/>
-        </a:xfrm>
-      </p:grpSpPr>
-      <p:sp>
-        <p:nvSpPr>
-          <p:cNvPr id="2" name="Заголовок 1">
-            <a:extLst>
-              <a:ext uri="{FF2B5EF4-FFF2-40B4-BE49-F238E27FC236}">
-                <a16:creationId xmlns:a16="http://schemas.microsoft.com/office/drawing/2014/main" id="{468B4AB4-7911-47AF-BE73-9C18F227ED44}"/>
-              </a:ext>
-            </a:extLst>
-          </p:cNvPr>
-          <p:cNvSpPr>
-            <a:spLocks noGrp="1"/>
-          </p:cNvSpPr>
-          <p:nvPr>
-            <p:ph type="title"/>
-          </p:nvPr>
-        </p:nvSpPr>
-        <p:spPr/>
-        <p:txBody>
-          <a:bodyPr/>
-          <a:lstStyle/>
-          <a:p>
-            <a:pPr algn="ctr"/>
-            <a:r>
-              <a:rPr lang="ru-RU" dirty="0">
-                <a:latin typeface="Times New Roman" panose="02020603050405020304" pitchFamily="18" charset="0"/>
-                <a:cs typeface="Times New Roman" panose="02020603050405020304" pitchFamily="18" charset="0"/>
-              </a:rPr>
-              <a:t>Классификация СУБД</a:t>
-            </a:r>
-          </a:p>
-        </p:txBody>
-      </p:sp>
-      <p:sp>
-        <p:nvSpPr>
-          <p:cNvPr id="3" name="Объект 2">
-            <a:extLst>
-              <a:ext uri="{FF2B5EF4-FFF2-40B4-BE49-F238E27FC236}">
-                <a16:creationId xmlns:a16="http://schemas.microsoft.com/office/drawing/2014/main" id="{21441452-5E8D-459A-842F-37AC39E54390}"/>
-              </a:ext>
-            </a:extLst>
-          </p:cNvPr>
-          <p:cNvSpPr>
-            <a:spLocks noGrp="1"/>
-          </p:cNvSpPr>
-          <p:nvPr>
-            <p:ph idx="1"/>
-          </p:nvPr>
-        </p:nvSpPr>
-        <p:spPr>
-          <a:xfrm>
-            <a:off x="838200" y="5272087"/>
-            <a:ext cx="10515600" cy="901700"/>
-          </a:xfrm>
-        </p:spPr>
-        <p:txBody>
-          <a:bodyPr>
-            <a:normAutofit/>
-          </a:bodyPr>
-          <a:lstStyle/>
-          <a:p>
-            <a:pPr marL="0" indent="0" algn="just">
-              <a:buNone/>
-            </a:pPr>
-            <a:r>
-              <a:rPr lang="ru-RU" dirty="0">
-                <a:latin typeface="Times New Roman" panose="02020603050405020304" pitchFamily="18" charset="0"/>
-                <a:cs typeface="Times New Roman" panose="02020603050405020304" pitchFamily="18" charset="0"/>
-              </a:rPr>
-              <a:t>Из назначения баз данных выбор был сделан в сторону баз данных временных рядов.</a:t>
-            </a:r>
-          </a:p>
-        </p:txBody>
-      </p:sp>
-      <p:sp>
-        <p:nvSpPr>
-          <p:cNvPr id="4" name="Номер слайда 3">
-            <a:extLst>
-              <a:ext uri="{FF2B5EF4-FFF2-40B4-BE49-F238E27FC236}">
-                <a16:creationId xmlns:a16="http://schemas.microsoft.com/office/drawing/2014/main" id="{BA467C9D-93CC-44EF-AC03-631FDDDFAD86}"/>
-              </a:ext>
-            </a:extLst>
-          </p:cNvPr>
-          <p:cNvSpPr>
-            <a:spLocks noGrp="1"/>
-          </p:cNvSpPr>
-          <p:nvPr>
-            <p:ph type="sldNum" sz="quarter" idx="12"/>
-          </p:nvPr>
-        </p:nvSpPr>
-        <p:spPr/>
-        <p:txBody>
-          <a:bodyPr/>
-          <a:lstStyle/>
-          <a:p>
-            <a:fld id="{356812A1-C132-42AC-87BC-7262BD3AB593}" type="slidenum">
-              <a:rPr lang="ru-RU" smtClean="0"/>
-              <a:t>12</a:t>
-            </a:fld>
-            <a:endParaRPr lang="ru-RU"/>
-          </a:p>
-        </p:txBody>
-      </p:sp>
-      <p:graphicFrame>
-        <p:nvGraphicFramePr>
-          <p:cNvPr id="5" name="Таблица 5">
-            <a:extLst>
-              <a:ext uri="{FF2B5EF4-FFF2-40B4-BE49-F238E27FC236}">
-                <a16:creationId xmlns:a16="http://schemas.microsoft.com/office/drawing/2014/main" id="{A8B2AED2-EE92-4C56-AE0A-EAD73459D9B7}"/>
-              </a:ext>
-            </a:extLst>
-          </p:cNvPr>
-          <p:cNvGraphicFramePr>
-            <a:graphicFrameLocks noGrp="1"/>
-          </p:cNvGraphicFramePr>
-          <p:nvPr>
-            <p:extLst>
-              <p:ext uri="{D42A27DB-BD31-4B8C-83A1-F6EECF244321}">
-                <p14:modId xmlns:p14="http://schemas.microsoft.com/office/powerpoint/2010/main" val="2786909878"/>
-              </p:ext>
-            </p:extLst>
-          </p:nvPr>
-        </p:nvGraphicFramePr>
-        <p:xfrm>
-          <a:off x="838200" y="1523365"/>
-          <a:ext cx="10515601" cy="3566160"/>
-        </p:xfrm>
-        <a:graphic>
-          <a:graphicData uri="http://schemas.openxmlformats.org/drawingml/2006/table">
-            <a:tbl>
-              <a:tblPr firstRow="1" bandRow="1">
-                <a:tableStyleId>{073A0DAA-6AF3-43AB-8588-CEC1D06C72B9}</a:tableStyleId>
-              </a:tblPr>
-              <a:tblGrid>
-                <a:gridCol w="2062105">
-                  <a:extLst>
-                    <a:ext uri="{9D8B030D-6E8A-4147-A177-3AD203B41FA5}">
-                      <a16:colId xmlns:a16="http://schemas.microsoft.com/office/drawing/2014/main" val="1882845221"/>
-                    </a:ext>
-                  </a:extLst>
-                </a:gridCol>
-                <a:gridCol w="4226748">
-                  <a:extLst>
-                    <a:ext uri="{9D8B030D-6E8A-4147-A177-3AD203B41FA5}">
-                      <a16:colId xmlns:a16="http://schemas.microsoft.com/office/drawing/2014/main" val="2337979915"/>
-                    </a:ext>
-                  </a:extLst>
-                </a:gridCol>
-                <a:gridCol w="4226748">
-                  <a:extLst>
-                    <a:ext uri="{9D8B030D-6E8A-4147-A177-3AD203B41FA5}">
-                      <a16:colId xmlns:a16="http://schemas.microsoft.com/office/drawing/2014/main" val="1513785433"/>
-                    </a:ext>
-                  </a:extLst>
-                </a:gridCol>
-              </a:tblGrid>
-              <a:tr h="300037">
-                <a:tc>
-                  <a:txBody>
-                    <a:bodyPr/>
-                    <a:lstStyle/>
-                    <a:p>
-                      <a:r>
-                        <a:rPr lang="ru-RU" dirty="0">
-                          <a:latin typeface="Times New Roman" panose="02020603050405020304" pitchFamily="18" charset="0"/>
-                          <a:cs typeface="Times New Roman" panose="02020603050405020304" pitchFamily="18" charset="0"/>
-                        </a:rPr>
-                        <a:t>Класс СУБД</a:t>
-                      </a:r>
-                    </a:p>
-                  </a:txBody>
-                  <a:tcPr/>
-                </a:tc>
-                <a:tc>
-                  <a:txBody>
-                    <a:bodyPr/>
-                    <a:lstStyle/>
-                    <a:p>
-                      <a:r>
-                        <a:rPr lang="ru-RU" dirty="0">
-                          <a:latin typeface="Times New Roman" panose="02020603050405020304" pitchFamily="18" charset="0"/>
-                          <a:cs typeface="Times New Roman" panose="02020603050405020304" pitchFamily="18" charset="0"/>
-                        </a:rPr>
-                        <a:t>Достоинства</a:t>
-                      </a:r>
-                    </a:p>
-                  </a:txBody>
-                  <a:tcPr/>
-                </a:tc>
-                <a:tc>
-                  <a:txBody>
-                    <a:bodyPr/>
-                    <a:lstStyle/>
-                    <a:p>
-                      <a:r>
-                        <a:rPr lang="ru-RU" dirty="0">
-                          <a:latin typeface="Times New Roman" panose="02020603050405020304" pitchFamily="18" charset="0"/>
-                          <a:cs typeface="Times New Roman" panose="02020603050405020304" pitchFamily="18" charset="0"/>
-                        </a:rPr>
-                        <a:t>Недостатки</a:t>
-                      </a:r>
-                    </a:p>
-                  </a:txBody>
-                  <a:tcPr/>
-                </a:tc>
-                <a:extLst>
-                  <a:ext uri="{0D108BD9-81ED-4DB2-BD59-A6C34878D82A}">
-                    <a16:rowId xmlns:a16="http://schemas.microsoft.com/office/drawing/2014/main" val="3655467984"/>
-                  </a:ext>
-                </a:extLst>
-              </a:tr>
-              <a:tr h="1071562">
-                <a:tc>
-                  <a:txBody>
-                    <a:bodyPr/>
-                    <a:lstStyle/>
-                    <a:p>
-                      <a:r>
-                        <a:rPr lang="ru-RU" dirty="0">
-                          <a:latin typeface="Times New Roman" panose="02020603050405020304" pitchFamily="18" charset="0"/>
-                          <a:cs typeface="Times New Roman" panose="02020603050405020304" pitchFamily="18" charset="0"/>
-                        </a:rPr>
-                        <a:t>Реляционные базы данных</a:t>
-                      </a:r>
-                    </a:p>
-                  </a:txBody>
-                  <a:tcPr/>
-                </a:tc>
-                <a:tc>
-                  <a:txBody>
-                    <a:bodyPr/>
-                    <a:lstStyle/>
-                    <a:p>
-                      <a:pPr marL="285750" indent="-285750">
-                        <a:buFont typeface="Arial" panose="020B0604020202020204" pitchFamily="34" charset="0"/>
-                        <a:buChar char="•"/>
-                      </a:pPr>
-                      <a:r>
-                        <a:rPr lang="ru-RU" dirty="0">
-                          <a:latin typeface="Times New Roman" panose="02020603050405020304" pitchFamily="18" charset="0"/>
-                          <a:cs typeface="Times New Roman" panose="02020603050405020304" pitchFamily="18" charset="0"/>
-                        </a:rPr>
-                        <a:t>простота и доступность для понимания пользователем</a:t>
-                      </a:r>
-                    </a:p>
-                    <a:p>
-                      <a:pPr marL="285750" indent="-285750">
-                        <a:buFont typeface="Arial" panose="020B0604020202020204" pitchFamily="34" charset="0"/>
-                        <a:buChar char="•"/>
-                      </a:pPr>
-                      <a:r>
-                        <a:rPr lang="ru-RU" dirty="0">
-                          <a:latin typeface="Times New Roman" panose="02020603050405020304" pitchFamily="18" charset="0"/>
-                          <a:cs typeface="Times New Roman" panose="02020603050405020304" pitchFamily="18" charset="0"/>
-                        </a:rPr>
-                        <a:t>строгие правила проектирования</a:t>
-                      </a:r>
-                    </a:p>
-                    <a:p>
-                      <a:pPr marL="285750" indent="-285750">
-                        <a:buFont typeface="Arial" panose="020B0604020202020204" pitchFamily="34" charset="0"/>
-                        <a:buChar char="•"/>
-                      </a:pPr>
-                      <a:r>
-                        <a:rPr lang="ru-RU" dirty="0">
-                          <a:latin typeface="Times New Roman" panose="02020603050405020304" pitchFamily="18" charset="0"/>
-                          <a:cs typeface="Times New Roman" panose="02020603050405020304" pitchFamily="18" charset="0"/>
-                        </a:rPr>
-                        <a:t>полная независимость данных</a:t>
-                      </a:r>
-                    </a:p>
-                    <a:p>
-                      <a:endParaRPr lang="ru-RU" dirty="0">
-                        <a:latin typeface="Times New Roman" panose="02020603050405020304" pitchFamily="18" charset="0"/>
-                        <a:cs typeface="Times New Roman" panose="02020603050405020304" pitchFamily="18" charset="0"/>
-                      </a:endParaRPr>
-                    </a:p>
-                  </a:txBody>
-                  <a:tcPr/>
-                </a:tc>
-                <a:tc>
-                  <a:txBody>
-                    <a:bodyPr/>
-                    <a:lstStyle/>
-                    <a:p>
-                      <a:pPr marL="285750" indent="-285750">
-                        <a:buFont typeface="Arial" panose="020B0604020202020204" pitchFamily="34" charset="0"/>
-                        <a:buChar char="•"/>
-                      </a:pPr>
-                      <a:r>
-                        <a:rPr lang="ru-RU" dirty="0">
-                          <a:latin typeface="Times New Roman" panose="02020603050405020304" pitchFamily="18" charset="0"/>
-                          <a:cs typeface="Times New Roman" panose="02020603050405020304" pitchFamily="18" charset="0"/>
-                        </a:rPr>
-                        <a:t>предметная область не всегда может быть вынесена в таблицы</a:t>
-                      </a:r>
-                    </a:p>
-                    <a:p>
-                      <a:pPr marL="285750" indent="-285750">
-                        <a:buFont typeface="Arial" panose="020B0604020202020204" pitchFamily="34" charset="0"/>
-                        <a:buChar char="•"/>
-                      </a:pPr>
-                      <a:r>
-                        <a:rPr lang="ru-RU" dirty="0">
-                          <a:latin typeface="Times New Roman" panose="02020603050405020304" pitchFamily="18" charset="0"/>
-                          <a:cs typeface="Times New Roman" panose="02020603050405020304" pitchFamily="18" charset="0"/>
-                        </a:rPr>
-                        <a:t>большое количество таблиц</a:t>
-                      </a:r>
-                    </a:p>
-                    <a:p>
-                      <a:pPr marL="285750" indent="-285750">
-                        <a:buFont typeface="Arial" panose="020B0604020202020204" pitchFamily="34" charset="0"/>
-                        <a:buChar char="•"/>
-                      </a:pPr>
-                      <a:r>
-                        <a:rPr lang="ru-RU" dirty="0">
-                          <a:latin typeface="Times New Roman" panose="02020603050405020304" pitchFamily="18" charset="0"/>
-                          <a:cs typeface="Times New Roman" panose="02020603050405020304" pitchFamily="18" charset="0"/>
-                        </a:rPr>
-                        <a:t>потребление внешней памяти</a:t>
-                      </a:r>
-                    </a:p>
-                    <a:p>
-                      <a:pPr marL="285750" indent="-285750">
-                        <a:buFont typeface="Arial" panose="020B0604020202020204" pitchFamily="34" charset="0"/>
-                        <a:buChar char="•"/>
-                      </a:pPr>
-                      <a:r>
-                        <a:rPr lang="ru-RU" dirty="0">
-                          <a:latin typeface="Times New Roman" panose="02020603050405020304" pitchFamily="18" charset="0"/>
-                          <a:cs typeface="Times New Roman" panose="02020603050405020304" pitchFamily="18" charset="0"/>
-                        </a:rPr>
-                        <a:t>низкая скорость доступа к данным</a:t>
-                      </a:r>
-                    </a:p>
-                  </a:txBody>
-                  <a:tcPr/>
-                </a:tc>
-                <a:extLst>
-                  <a:ext uri="{0D108BD9-81ED-4DB2-BD59-A6C34878D82A}">
-                    <a16:rowId xmlns:a16="http://schemas.microsoft.com/office/drawing/2014/main" val="2852959754"/>
-                  </a:ext>
-                </a:extLst>
-              </a:tr>
-              <a:tr h="1328737">
-                <a:tc>
-                  <a:txBody>
-                    <a:bodyPr/>
-                    <a:lstStyle/>
-                    <a:p>
-                      <a:pPr marL="0" marR="0" lvl="0" indent="0" algn="l" defTabSz="914400" rtl="0" eaLnBrk="1" fontAlgn="auto" latinLnBrk="0" hangingPunct="1">
-                        <a:lnSpc>
-                          <a:spcPct val="100000"/>
-                        </a:lnSpc>
-                        <a:spcBef>
-                          <a:spcPts val="0"/>
-                        </a:spcBef>
-                        <a:spcAft>
-                          <a:spcPts val="0"/>
-                        </a:spcAft>
-                        <a:buClrTx/>
-                        <a:buSzTx/>
-                        <a:buFontTx/>
-                        <a:buNone/>
-                        <a:tabLst/>
-                        <a:defRPr/>
-                      </a:pPr>
-                      <a:r>
-                        <a:rPr lang="ru-RU" dirty="0">
-                          <a:latin typeface="Times New Roman" panose="02020603050405020304" pitchFamily="18" charset="0"/>
-                          <a:cs typeface="Times New Roman" panose="02020603050405020304" pitchFamily="18" charset="0"/>
-                        </a:rPr>
-                        <a:t>Базы данных временных рядов</a:t>
-                      </a:r>
-                    </a:p>
-                    <a:p>
-                      <a:endParaRPr lang="ru-RU" dirty="0">
-                        <a:latin typeface="Times New Roman" panose="02020603050405020304" pitchFamily="18" charset="0"/>
-                        <a:cs typeface="Times New Roman" panose="02020603050405020304" pitchFamily="18" charset="0"/>
-                      </a:endParaRPr>
-                    </a:p>
-                  </a:txBody>
-                  <a:tcPr/>
-                </a:tc>
-                <a:tc>
-                  <a:txBody>
-                    <a:bodyPr/>
-                    <a:lstStyle/>
-                    <a:p>
-                      <a:pPr marL="285750" indent="-285750">
-                        <a:buFont typeface="Arial" panose="020B0604020202020204" pitchFamily="34" charset="0"/>
-                        <a:buChar char="•"/>
-                      </a:pPr>
-                      <a:r>
-                        <a:rPr lang="ru-RU" dirty="0">
-                          <a:latin typeface="Times New Roman" panose="02020603050405020304" pitchFamily="18" charset="0"/>
-                          <a:cs typeface="Times New Roman" panose="02020603050405020304" pitchFamily="18" charset="0"/>
-                        </a:rPr>
-                        <a:t>набор операций и инструментов для анализа статистических данных</a:t>
-                      </a:r>
-                    </a:p>
-                    <a:p>
-                      <a:pPr marL="285750" indent="-285750">
-                        <a:buFont typeface="Arial" panose="020B0604020202020204" pitchFamily="34" charset="0"/>
-                        <a:buChar char="•"/>
-                      </a:pPr>
-                      <a:r>
-                        <a:rPr lang="ru-RU" dirty="0">
-                          <a:latin typeface="Times New Roman" panose="02020603050405020304" pitchFamily="18" charset="0"/>
-                          <a:cs typeface="Times New Roman" panose="02020603050405020304" pitchFamily="18" charset="0"/>
-                        </a:rPr>
-                        <a:t>стремящаяся к константе скорость обработки запросов</a:t>
-                      </a:r>
-                    </a:p>
-                    <a:p>
-                      <a:pPr marL="285750" indent="-285750">
-                        <a:buFont typeface="Arial" panose="020B0604020202020204" pitchFamily="34" charset="0"/>
-                        <a:buChar char="•"/>
-                      </a:pPr>
-                      <a:endParaRPr lang="ru-RU" dirty="0">
-                        <a:latin typeface="Times New Roman" panose="02020603050405020304" pitchFamily="18" charset="0"/>
-                        <a:cs typeface="Times New Roman" panose="02020603050405020304" pitchFamily="18" charset="0"/>
-                      </a:endParaRPr>
-                    </a:p>
-                    <a:p>
-                      <a:pPr marL="285750" indent="-285750">
-                        <a:buFont typeface="Arial" panose="020B0604020202020204" pitchFamily="34" charset="0"/>
-                        <a:buChar char="•"/>
-                      </a:pPr>
-                      <a:endParaRPr lang="ru-RU" dirty="0">
-                        <a:latin typeface="Times New Roman" panose="02020603050405020304" pitchFamily="18" charset="0"/>
-                        <a:cs typeface="Times New Roman" panose="02020603050405020304" pitchFamily="18" charset="0"/>
-                      </a:endParaRPr>
-                    </a:p>
-                  </a:txBody>
-                  <a:tcPr/>
-                </a:tc>
-                <a:tc>
-                  <a:txBody>
-                    <a:bodyPr/>
-                    <a:lstStyle/>
-                    <a:p>
-                      <a:pPr marL="285750" indent="-285750">
-                        <a:buFont typeface="Arial" panose="020B0604020202020204" pitchFamily="34" charset="0"/>
-                        <a:buChar char="•"/>
-                      </a:pPr>
-                      <a:r>
-                        <a:rPr lang="ru-RU" dirty="0">
-                          <a:latin typeface="Times New Roman" panose="02020603050405020304" pitchFamily="18" charset="0"/>
-                          <a:cs typeface="Times New Roman" panose="02020603050405020304" pitchFamily="18" charset="0"/>
-                        </a:rPr>
-                        <a:t>узкая специализация на сборе статистических данных</a:t>
-                      </a:r>
-                    </a:p>
-                  </a:txBody>
-                  <a:tcPr/>
-                </a:tc>
-                <a:extLst>
-                  <a:ext uri="{0D108BD9-81ED-4DB2-BD59-A6C34878D82A}">
-                    <a16:rowId xmlns:a16="http://schemas.microsoft.com/office/drawing/2014/main" val="2017050532"/>
-                  </a:ext>
-                </a:extLst>
-              </a:tr>
-            </a:tbl>
-          </a:graphicData>
-        </a:graphic>
-      </p:graphicFrame>
-    </p:spTree>
-    <p:extLst>
-      <p:ext uri="{BB962C8B-B14F-4D97-AF65-F5344CB8AC3E}">
-        <p14:creationId xmlns:p14="http://schemas.microsoft.com/office/powerpoint/2010/main" val="3746025936"/>
-      </p:ext>
-    </p:extLst>
-  </p:cSld>
-  <p:clrMapOvr>
-    <a:masterClrMapping/>
-  </p:clrMapOvr>
-</p:sld>
-</file>
-
-<file path=ppt/slides/slide13.xml><?xml version="1.0" encoding="utf-8"?>
-<p:sld xmlns:a="http://schemas.openxmlformats.org/drawingml/2006/main" xmlns:r="http://schemas.openxmlformats.org/officeDocument/2006/relationships" xmlns:p="http://schemas.openxmlformats.org/presentationml/2006/main">
-  <p:cSld>
-    <p:spTree>
-      <p:nvGrpSpPr>
-        <p:cNvPr id="1" name=""/>
-        <p:cNvGrpSpPr/>
-        <p:nvPr/>
-      </p:nvGrpSpPr>
-      <p:grpSpPr>
-        <a:xfrm>
-          <a:off x="0" y="0"/>
-          <a:ext cx="0" cy="0"/>
-          <a:chOff x="0" y="0"/>
-          <a:chExt cx="0" cy="0"/>
-        </a:xfrm>
-      </p:grpSpPr>
-      <p:sp>
-        <p:nvSpPr>
-          <p:cNvPr id="2" name="Заголовок 1">
-            <a:extLst>
-              <a:ext uri="{FF2B5EF4-FFF2-40B4-BE49-F238E27FC236}">
-                <a16:creationId xmlns:a16="http://schemas.microsoft.com/office/drawing/2014/main" id="{E7D3F968-33A2-4E4B-9105-AFAA6F76252E}"/>
-              </a:ext>
-            </a:extLst>
-          </p:cNvPr>
-          <p:cNvSpPr>
-            <a:spLocks noGrp="1"/>
-          </p:cNvSpPr>
-          <p:nvPr>
-            <p:ph type="title"/>
-          </p:nvPr>
-        </p:nvSpPr>
-        <p:spPr/>
-        <p:txBody>
-          <a:bodyPr/>
-          <a:lstStyle/>
-          <a:p>
-            <a:pPr algn="ctr"/>
-            <a:r>
-              <a:rPr lang="en-US" dirty="0">
-                <a:latin typeface="Times New Roman" panose="02020603050405020304" pitchFamily="18" charset="0"/>
-                <a:cs typeface="Times New Roman" panose="02020603050405020304" pitchFamily="18" charset="0"/>
-              </a:rPr>
-              <a:t>InfluxDB</a:t>
-            </a:r>
-            <a:endParaRPr lang="ru-RU" dirty="0">
-              <a:latin typeface="Times New Roman" panose="02020603050405020304" pitchFamily="18" charset="0"/>
-              <a:cs typeface="Times New Roman" panose="02020603050405020304" pitchFamily="18" charset="0"/>
-            </a:endParaRPr>
-          </a:p>
-        </p:txBody>
-      </p:sp>
-      <p:sp>
-        <p:nvSpPr>
-          <p:cNvPr id="3" name="Объект 2">
-            <a:extLst>
-              <a:ext uri="{FF2B5EF4-FFF2-40B4-BE49-F238E27FC236}">
-                <a16:creationId xmlns:a16="http://schemas.microsoft.com/office/drawing/2014/main" id="{069814F5-5532-470B-8757-E196820FDE98}"/>
-              </a:ext>
-            </a:extLst>
-          </p:cNvPr>
-          <p:cNvSpPr>
-            <a:spLocks noGrp="1"/>
-          </p:cNvSpPr>
-          <p:nvPr>
-            <p:ph idx="1"/>
-          </p:nvPr>
-        </p:nvSpPr>
-        <p:spPr>
-          <a:xfrm>
-            <a:off x="838201" y="1825624"/>
-            <a:ext cx="10442096" cy="3344553"/>
-          </a:xfrm>
-        </p:spPr>
-        <p:txBody>
-          <a:bodyPr>
-            <a:normAutofit/>
-          </a:bodyPr>
-          <a:lstStyle/>
-          <a:p>
-            <a:pPr marL="0" indent="0" algn="just">
-              <a:buNone/>
-            </a:pPr>
-            <a:r>
-              <a:rPr lang="ru-RU" dirty="0">
-                <a:latin typeface="Times New Roman" panose="02020603050405020304" pitchFamily="18" charset="0"/>
-                <a:cs typeface="Times New Roman" panose="02020603050405020304" pitchFamily="18" charset="0"/>
-              </a:rPr>
-              <a:t>Назначение: хранение больших объёмов данных с метками времени.</a:t>
-            </a:r>
-          </a:p>
-          <a:p>
-            <a:pPr marL="0" indent="0" algn="just">
-              <a:buNone/>
-            </a:pPr>
-            <a:r>
-              <a:rPr lang="ru-RU" dirty="0">
-                <a:latin typeface="Times New Roman" panose="02020603050405020304" pitchFamily="18" charset="0"/>
-                <a:cs typeface="Times New Roman" panose="02020603050405020304" pitchFamily="18" charset="0"/>
-              </a:rPr>
-              <a:t>Сценарии позволяют удалять данные по времени.</a:t>
-            </a:r>
-          </a:p>
-          <a:p>
-            <a:pPr marL="0" indent="0" algn="just">
-              <a:buNone/>
-            </a:pPr>
-            <a:r>
-              <a:rPr lang="ru-RU" dirty="0">
-                <a:latin typeface="Times New Roman" panose="02020603050405020304" pitchFamily="18" charset="0"/>
-                <a:cs typeface="Times New Roman" panose="02020603050405020304" pitchFamily="18" charset="0"/>
-              </a:rPr>
-              <a:t>Является одной из самых популярных СУБД временных рядов, продолжает развиваться.</a:t>
-            </a:r>
-          </a:p>
-          <a:p>
-            <a:pPr marL="0" indent="0" algn="just">
-              <a:buNone/>
-            </a:pPr>
-            <a:endParaRPr lang="ru-RU" dirty="0">
-              <a:latin typeface="Times New Roman" panose="02020603050405020304" pitchFamily="18" charset="0"/>
-              <a:cs typeface="Times New Roman" panose="02020603050405020304" pitchFamily="18" charset="0"/>
-            </a:endParaRPr>
-          </a:p>
-        </p:txBody>
-      </p:sp>
-      <p:sp>
-        <p:nvSpPr>
-          <p:cNvPr id="4" name="Номер слайда 3">
-            <a:extLst>
-              <a:ext uri="{FF2B5EF4-FFF2-40B4-BE49-F238E27FC236}">
-                <a16:creationId xmlns:a16="http://schemas.microsoft.com/office/drawing/2014/main" id="{5E78739E-0F5D-41FA-922D-5101DAF64E6F}"/>
-              </a:ext>
-            </a:extLst>
-          </p:cNvPr>
-          <p:cNvSpPr>
-            <a:spLocks noGrp="1"/>
-          </p:cNvSpPr>
-          <p:nvPr>
-            <p:ph type="sldNum" sz="quarter" idx="12"/>
-          </p:nvPr>
-        </p:nvSpPr>
-        <p:spPr/>
-        <p:txBody>
-          <a:bodyPr/>
-          <a:lstStyle/>
-          <a:p>
-            <a:fld id="{356812A1-C132-42AC-87BC-7262BD3AB593}" type="slidenum">
-              <a:rPr lang="ru-RU" smtClean="0"/>
-              <a:t>13</a:t>
-            </a:fld>
-            <a:endParaRPr lang="ru-RU"/>
-          </a:p>
-        </p:txBody>
-      </p:sp>
-      <p:pic>
-        <p:nvPicPr>
-          <p:cNvPr id="1026" name="Picture 2" descr="InfluxDB — Википедия">
-            <a:extLst>
-              <a:ext uri="{FF2B5EF4-FFF2-40B4-BE49-F238E27FC236}">
-                <a16:creationId xmlns:a16="http://schemas.microsoft.com/office/drawing/2014/main" id="{B50982BA-AA30-4B6C-B85C-22FD9B657790}"/>
-              </a:ext>
-            </a:extLst>
-          </p:cNvPr>
-          <p:cNvPicPr>
-            <a:picLocks noChangeAspect="1" noChangeArrowheads="1"/>
-          </p:cNvPicPr>
-          <p:nvPr/>
-        </p:nvPicPr>
-        <p:blipFill>
-          <a:blip r:embed="rId2">
-            <a:extLst>
-              <a:ext uri="{28A0092B-C50C-407E-A947-70E740481C1C}">
-                <a14:useLocalDpi xmlns:a14="http://schemas.microsoft.com/office/drawing/2010/main" val="0"/>
-              </a:ext>
-            </a:extLst>
-          </a:blip>
-          <a:srcRect/>
-          <a:stretch>
-            <a:fillRect/>
-          </a:stretch>
-        </p:blipFill>
-        <p:spPr bwMode="auto">
-          <a:xfrm>
-            <a:off x="2302581" y="3763450"/>
-            <a:ext cx="7586837" cy="2813453"/>
-          </a:xfrm>
-          <a:prstGeom prst="rect">
-            <a:avLst/>
-          </a:prstGeom>
-          <a:noFill/>
-          <a:extLst>
-            <a:ext uri="{909E8E84-426E-40DD-AFC4-6F175D3DCCD1}">
-              <a14:hiddenFill xmlns:a14="http://schemas.microsoft.com/office/drawing/2010/main">
-                <a:solidFill>
-                  <a:srgbClr val="FFFFFF"/>
-                </a:solidFill>
-              </a14:hiddenFill>
-            </a:ext>
-          </a:extLst>
-        </p:spPr>
-      </p:pic>
-      <p:sp>
-        <p:nvSpPr>
-          <p:cNvPr id="8" name="Объект 2">
-            <a:extLst>
-              <a:ext uri="{FF2B5EF4-FFF2-40B4-BE49-F238E27FC236}">
-                <a16:creationId xmlns:a16="http://schemas.microsoft.com/office/drawing/2014/main" id="{8EF4E2A5-F9F7-41D0-B73D-DCFDAE9CF85C}"/>
-              </a:ext>
-            </a:extLst>
-          </p:cNvPr>
-          <p:cNvSpPr txBox="1">
-            <a:spLocks/>
-          </p:cNvSpPr>
-          <p:nvPr/>
-        </p:nvSpPr>
-        <p:spPr>
-          <a:xfrm>
-            <a:off x="838199" y="4525564"/>
-            <a:ext cx="8038763" cy="1512152"/>
-          </a:xfrm>
-          <a:prstGeom prst="rect">
-            <a:avLst/>
-          </a:prstGeom>
-        </p:spPr>
-        <p:txBody>
-          <a:bodyPr vert="horz" lIns="91440" tIns="45720" rIns="91440" bIns="45720" rtlCol="0">
-            <a:normAutofit/>
-          </a:bodyPr>
-          <a:lstStyle>
-            <a:lvl1pPr marL="228600" indent="-228600" algn="l" defTabSz="914400" rtl="0" eaLnBrk="1" latinLnBrk="0" hangingPunct="1">
-              <a:lnSpc>
-                <a:spcPct val="90000"/>
-              </a:lnSpc>
-              <a:spcBef>
-                <a:spcPts val="1000"/>
-              </a:spcBef>
-              <a:buFont typeface="Arial" panose="020B0604020202020204" pitchFamily="34" charset="0"/>
-              <a:buChar char="•"/>
-              <a:defRPr sz="2800" kern="1200">
-                <a:solidFill>
-                  <a:schemeClr val="tx1"/>
-                </a:solidFill>
-                <a:latin typeface="+mn-lt"/>
-                <a:ea typeface="+mn-ea"/>
-                <a:cs typeface="+mn-cs"/>
-              </a:defRPr>
-            </a:lvl1pPr>
-            <a:lvl2pPr marL="685800" indent="-228600" algn="l" defTabSz="914400" rtl="0" eaLnBrk="1" latinLnBrk="0" hangingPunct="1">
-              <a:lnSpc>
-                <a:spcPct val="90000"/>
-              </a:lnSpc>
-              <a:spcBef>
-                <a:spcPts val="500"/>
-              </a:spcBef>
-              <a:buFont typeface="Arial" panose="020B0604020202020204" pitchFamily="34" charset="0"/>
-              <a:buChar char="•"/>
-              <a:defRPr sz="2400" kern="1200">
-                <a:solidFill>
-                  <a:schemeClr val="tx1"/>
-                </a:solidFill>
-                <a:latin typeface="+mn-lt"/>
-                <a:ea typeface="+mn-ea"/>
-                <a:cs typeface="+mn-cs"/>
-              </a:defRPr>
-            </a:lvl2pPr>
-            <a:lvl3pPr marL="1143000" indent="-228600" algn="l" defTabSz="914400" rtl="0" eaLnBrk="1" latinLnBrk="0" hangingPunct="1">
-              <a:lnSpc>
-                <a:spcPct val="90000"/>
-              </a:lnSpc>
-              <a:spcBef>
-                <a:spcPts val="500"/>
-              </a:spcBef>
-              <a:buFont typeface="Arial" panose="020B0604020202020204" pitchFamily="34" charset="0"/>
-              <a:buChar char="•"/>
-              <a:defRPr sz="2000" kern="1200">
-                <a:solidFill>
-                  <a:schemeClr val="tx1"/>
-                </a:solidFill>
-                <a:latin typeface="+mn-lt"/>
-                <a:ea typeface="+mn-ea"/>
-                <a:cs typeface="+mn-cs"/>
-              </a:defRPr>
-            </a:lvl3pPr>
-            <a:lvl4pPr marL="1600200" indent="-228600" algn="l" defTabSz="914400" rtl="0" eaLnBrk="1" latinLnBrk="0" hangingPunct="1">
-              <a:lnSpc>
-                <a:spcPct val="90000"/>
-              </a:lnSpc>
-              <a:spcBef>
-                <a:spcPts val="500"/>
-              </a:spcBef>
-              <a:buFont typeface="Arial" panose="020B0604020202020204" pitchFamily="34" charset="0"/>
-              <a:buChar char="•"/>
-              <a:defRPr sz="1800" kern="1200">
-                <a:solidFill>
-                  <a:schemeClr val="tx1"/>
-                </a:solidFill>
-                <a:latin typeface="+mn-lt"/>
-                <a:ea typeface="+mn-ea"/>
-                <a:cs typeface="+mn-cs"/>
-              </a:defRPr>
-            </a:lvl4pPr>
-            <a:lvl5pPr marL="2057400" indent="-228600" algn="l" defTabSz="914400" rtl="0" eaLnBrk="1" latinLnBrk="0" hangingPunct="1">
-              <a:lnSpc>
-                <a:spcPct val="90000"/>
-              </a:lnSpc>
-              <a:spcBef>
-                <a:spcPts val="500"/>
-              </a:spcBef>
-              <a:buFont typeface="Arial" panose="020B0604020202020204" pitchFamily="34" charset="0"/>
-              <a:buChar char="•"/>
-              <a:defRPr sz="1800" kern="1200">
-                <a:solidFill>
-                  <a:schemeClr val="tx1"/>
-                </a:solidFill>
-                <a:latin typeface="+mn-lt"/>
-                <a:ea typeface="+mn-ea"/>
-                <a:cs typeface="+mn-cs"/>
-              </a:defRPr>
-            </a:lvl5pPr>
-            <a:lvl6pPr marL="2514600" indent="-228600" algn="l" defTabSz="914400" rtl="0" eaLnBrk="1" latinLnBrk="0" hangingPunct="1">
-              <a:lnSpc>
-                <a:spcPct val="90000"/>
-              </a:lnSpc>
-              <a:spcBef>
-                <a:spcPts val="500"/>
-              </a:spcBef>
-              <a:buFont typeface="Arial" panose="020B0604020202020204" pitchFamily="34" charset="0"/>
-              <a:buChar char="•"/>
-              <a:defRPr sz="1800" kern="1200">
-                <a:solidFill>
-                  <a:schemeClr val="tx1"/>
-                </a:solidFill>
-                <a:latin typeface="+mn-lt"/>
-                <a:ea typeface="+mn-ea"/>
-                <a:cs typeface="+mn-cs"/>
-              </a:defRPr>
-            </a:lvl6pPr>
-            <a:lvl7pPr marL="2971800" indent="-228600" algn="l" defTabSz="914400" rtl="0" eaLnBrk="1" latinLnBrk="0" hangingPunct="1">
-              <a:lnSpc>
-                <a:spcPct val="90000"/>
-              </a:lnSpc>
-              <a:spcBef>
-                <a:spcPts val="500"/>
-              </a:spcBef>
-              <a:buFont typeface="Arial" panose="020B0604020202020204" pitchFamily="34" charset="0"/>
-              <a:buChar char="•"/>
-              <a:defRPr sz="1800" kern="1200">
-                <a:solidFill>
-                  <a:schemeClr val="tx1"/>
-                </a:solidFill>
-                <a:latin typeface="+mn-lt"/>
-                <a:ea typeface="+mn-ea"/>
-                <a:cs typeface="+mn-cs"/>
-              </a:defRPr>
-            </a:lvl7pPr>
-            <a:lvl8pPr marL="3429000" indent="-228600" algn="l" defTabSz="914400" rtl="0" eaLnBrk="1" latinLnBrk="0" hangingPunct="1">
-              <a:lnSpc>
-                <a:spcPct val="90000"/>
-              </a:lnSpc>
-              <a:spcBef>
-                <a:spcPts val="500"/>
-              </a:spcBef>
-              <a:buFont typeface="Arial" panose="020B0604020202020204" pitchFamily="34" charset="0"/>
-              <a:buChar char="•"/>
-              <a:defRPr sz="1800" kern="1200">
-                <a:solidFill>
-                  <a:schemeClr val="tx1"/>
-                </a:solidFill>
-                <a:latin typeface="+mn-lt"/>
-                <a:ea typeface="+mn-ea"/>
-                <a:cs typeface="+mn-cs"/>
-              </a:defRPr>
-            </a:lvl8pPr>
-            <a:lvl9pPr marL="3886200" indent="-228600" algn="l" defTabSz="914400" rtl="0" eaLnBrk="1" latinLnBrk="0" hangingPunct="1">
-              <a:lnSpc>
-                <a:spcPct val="90000"/>
-              </a:lnSpc>
-              <a:spcBef>
-                <a:spcPts val="500"/>
-              </a:spcBef>
-              <a:buFont typeface="Arial" panose="020B0604020202020204" pitchFamily="34" charset="0"/>
-              <a:buChar char="•"/>
-              <a:defRPr sz="1800" kern="1200">
-                <a:solidFill>
-                  <a:schemeClr val="tx1"/>
-                </a:solidFill>
-                <a:latin typeface="+mn-lt"/>
-                <a:ea typeface="+mn-ea"/>
-                <a:cs typeface="+mn-cs"/>
-              </a:defRPr>
-            </a:lvl9pPr>
-          </a:lstStyle>
-          <a:p>
-            <a:pPr marL="0" indent="0">
-              <a:buFont typeface="Arial" panose="020B0604020202020204" pitchFamily="34" charset="0"/>
-              <a:buNone/>
-            </a:pPr>
-            <a:endParaRPr lang="ru-RU" dirty="0"/>
-          </a:p>
-        </p:txBody>
-      </p:sp>
-    </p:spTree>
-    <p:extLst>
-      <p:ext uri="{BB962C8B-B14F-4D97-AF65-F5344CB8AC3E}">
-        <p14:creationId xmlns:p14="http://schemas.microsoft.com/office/powerpoint/2010/main" val="3731640840"/>
-      </p:ext>
-    </p:extLst>
-  </p:cSld>
-  <p:clrMapOvr>
-    <a:masterClrMapping/>
-  </p:clrMapOvr>
-</p:sld>
-</file>
-
-<file path=ppt/slides/slide14.xml><?xml version="1.0" encoding="utf-8"?>
-<p:sld xmlns:a="http://schemas.openxmlformats.org/drawingml/2006/main" xmlns:r="http://schemas.openxmlformats.org/officeDocument/2006/relationships" xmlns:p="http://schemas.openxmlformats.org/presentationml/2006/main">
-  <p:cSld>
-    <p:spTree>
-      <p:nvGrpSpPr>
-        <p:cNvPr id="1" name=""/>
-        <p:cNvGrpSpPr/>
-        <p:nvPr/>
-      </p:nvGrpSpPr>
-      <p:grpSpPr>
-        <a:xfrm>
-          <a:off x="0" y="0"/>
-          <a:ext cx="0" cy="0"/>
-          <a:chOff x="0" y="0"/>
-          <a:chExt cx="0" cy="0"/>
-        </a:xfrm>
-      </p:grpSpPr>
-      <p:sp>
-        <p:nvSpPr>
-          <p:cNvPr id="2" name="Заголовок 1">
-            <a:extLst>
-              <a:ext uri="{FF2B5EF4-FFF2-40B4-BE49-F238E27FC236}">
                 <a16:creationId xmlns:a16="http://schemas.microsoft.com/office/drawing/2014/main" id="{35BC007D-BFD1-4AFC-A4F4-D7A12CA851E7}"/>
               </a:ext>
             </a:extLst>
@@ -6747,7 +5048,7 @@
           <a:p>
             <a:fld id="{356812A1-C132-42AC-87BC-7262BD3AB593}" type="slidenum">
               <a:rPr lang="ru-RU" smtClean="0"/>
-              <a:t>14</a:t>
+              <a:t>10</a:t>
             </a:fld>
             <a:endParaRPr lang="ru-RU" dirty="0"/>
           </a:p>
@@ -8087,7 +6388,7 @@
 </p:sld>
 </file>
 
-<file path=ppt/slides/slide15.xml><?xml version="1.0" encoding="utf-8"?>
+<file path=ppt/slides/slide11.xml><?xml version="1.0" encoding="utf-8"?>
 <p:sld xmlns:a="http://schemas.openxmlformats.org/drawingml/2006/main" xmlns:r="http://schemas.openxmlformats.org/officeDocument/2006/relationships" xmlns:p="http://schemas.openxmlformats.org/presentationml/2006/main">
   <p:cSld>
     <p:spTree>
@@ -8259,7 +6560,7 @@
           <a:p>
             <a:fld id="{356812A1-C132-42AC-87BC-7262BD3AB593}" type="slidenum">
               <a:rPr lang="ru-RU" smtClean="0"/>
-              <a:t>15</a:t>
+              <a:t>11</a:t>
             </a:fld>
             <a:endParaRPr lang="ru-RU"/>
           </a:p>
@@ -8278,7 +6579,7 @@
 </p:sld>
 </file>
 
-<file path=ppt/slides/slide16.xml><?xml version="1.0" encoding="utf-8"?>
+<file path=ppt/slides/slide12.xml><?xml version="1.0" encoding="utf-8"?>
 <p:sld xmlns:a="http://schemas.openxmlformats.org/drawingml/2006/main" xmlns:r="http://schemas.openxmlformats.org/officeDocument/2006/relationships" xmlns:p="http://schemas.openxmlformats.org/presentationml/2006/main">
   <p:cSld>
     <p:spTree>
@@ -8370,7 +6671,7 @@
           <a:p>
             <a:fld id="{356812A1-C132-42AC-87BC-7262BD3AB593}" type="slidenum">
               <a:rPr lang="ru-RU" smtClean="0"/>
-              <a:t>16</a:t>
+              <a:t>12</a:t>
             </a:fld>
             <a:endParaRPr lang="ru-RU"/>
           </a:p>
@@ -8462,7 +6763,7 @@
         </p:spPr>
         <p:txBody>
           <a:bodyPr anchor="ctr">
-            <a:normAutofit lnSpcReduction="10000"/>
+            <a:normAutofit/>
           </a:bodyPr>
           <a:lstStyle/>
           <a:p>
@@ -8474,7 +6775,7 @@
                 <a:latin typeface="Times New Roman" panose="02020603050405020304" pitchFamily="18" charset="0"/>
                 <a:cs typeface="Times New Roman" panose="02020603050405020304" pitchFamily="18" charset="0"/>
               </a:rPr>
-              <a:t>Спроектировать базу данных для хранения информации о действиях и характеристиках, необходимых для определения усталости пользователей АРМ, и разработать программное обеспечение для взаимодействия с базой данных.</a:t>
+              <a:t>Спроектировать и реализовать серверное приложение для доступа к базе данных, предназначенной для хранения информации о действиях и характеристиках, необходимых для определения усталости пользователей автоматизированного рабочего места (АРМ).</a:t>
             </a:r>
           </a:p>
           <a:p>
@@ -8508,7 +6809,7 @@
                 <a:latin typeface="Times New Roman" panose="02020603050405020304" pitchFamily="18" charset="0"/>
                 <a:cs typeface="Times New Roman" panose="02020603050405020304" pitchFamily="18" charset="0"/>
               </a:rPr>
-              <a:t>провести анализ существующих решений в области определения усталости человека</a:t>
+              <a:t>формализовать задачу</a:t>
             </a:r>
             <a:r>
               <a:rPr lang="en-US" sz="2400" dirty="0">
@@ -8528,7 +6829,7 @@
                 <a:latin typeface="Times New Roman" panose="02020603050405020304" pitchFamily="18" charset="0"/>
                 <a:cs typeface="Times New Roman" panose="02020603050405020304" pitchFamily="18" charset="0"/>
               </a:rPr>
-              <a:t>провести анализ действий и характеристик, позволяющих определить усталость пользователей АРМ</a:t>
+              <a:t>определить требуемую функциональность</a:t>
             </a:r>
             <a:r>
               <a:rPr lang="en-US" sz="2400" dirty="0">
@@ -8552,7 +6853,7 @@
                 <a:latin typeface="Times New Roman" panose="02020603050405020304" pitchFamily="18" charset="0"/>
                 <a:cs typeface="Times New Roman" panose="02020603050405020304" pitchFamily="18" charset="0"/>
               </a:rPr>
-              <a:t>спроектировать базу данных, необходимую для хранения и структурирования данных</a:t>
+              <a:t>проанализировать существующие решения</a:t>
             </a:r>
             <a:r>
               <a:rPr lang="en-US" sz="2400" dirty="0">
@@ -8572,7 +6873,27 @@
                 <a:latin typeface="Times New Roman" panose="02020603050405020304" pitchFamily="18" charset="0"/>
                 <a:cs typeface="Times New Roman" panose="02020603050405020304" pitchFamily="18" charset="0"/>
               </a:rPr>
-              <a:t>разработать программу для взаимодействия с БД.</a:t>
+              <a:t>описать протокол взаимодействия клиента и сервера</a:t>
+            </a:r>
+            <a:r>
+              <a:rPr lang="en-US" sz="2400" dirty="0">
+                <a:latin typeface="Times New Roman" panose="02020603050405020304" pitchFamily="18" charset="0"/>
+                <a:cs typeface="Times New Roman" panose="02020603050405020304" pitchFamily="18" charset="0"/>
+              </a:rPr>
+              <a:t>;</a:t>
+            </a:r>
+          </a:p>
+          <a:p>
+            <a:pPr marL="514350" indent="-514350" algn="just">
+              <a:buFont typeface="+mj-lt"/>
+              <a:buAutoNum type="arabicParenR"/>
+            </a:pPr>
+            <a:r>
+              <a:rPr lang="ru-RU" sz="2400" dirty="0">
+                <a:latin typeface="Times New Roman" panose="02020603050405020304" pitchFamily="18" charset="0"/>
+                <a:cs typeface="Times New Roman" panose="02020603050405020304" pitchFamily="18" charset="0"/>
+              </a:rPr>
+              <a:t>разработать приложение для решения поставленной цели.</a:t>
             </a:r>
           </a:p>
         </p:txBody>
@@ -8663,65 +6984,7 @@
                 <a:latin typeface="Times New Roman" panose="02020603050405020304" pitchFamily="18" charset="0"/>
                 <a:cs typeface="Times New Roman" panose="02020603050405020304" pitchFamily="18" charset="0"/>
               </a:rPr>
-              <a:t>Термины предметной области</a:t>
-            </a:r>
-          </a:p>
-        </p:txBody>
-      </p:sp>
-      <p:sp>
-        <p:nvSpPr>
-          <p:cNvPr id="3" name="Объект 2">
-            <a:extLst>
-              <a:ext uri="{FF2B5EF4-FFF2-40B4-BE49-F238E27FC236}">
-                <a16:creationId xmlns:a16="http://schemas.microsoft.com/office/drawing/2014/main" id="{4326DA48-DB22-4385-B4DB-57824046568A}"/>
-              </a:ext>
-            </a:extLst>
-          </p:cNvPr>
-          <p:cNvSpPr>
-            <a:spLocks noGrp="1"/>
-          </p:cNvSpPr>
-          <p:nvPr>
-            <p:ph idx="1"/>
-          </p:nvPr>
-        </p:nvSpPr>
-        <p:spPr/>
-        <p:txBody>
-          <a:bodyPr/>
-          <a:lstStyle/>
-          <a:p>
-            <a:pPr marL="0" indent="0" algn="just">
-              <a:buNone/>
-            </a:pPr>
-            <a:r>
-              <a:rPr lang="ru-RU" dirty="0">
-                <a:latin typeface="Times New Roman" panose="02020603050405020304" pitchFamily="18" charset="0"/>
-                <a:cs typeface="Times New Roman" panose="02020603050405020304" pitchFamily="18" charset="0"/>
-              </a:rPr>
-              <a:t>Усталостью является затруднение в инициировании и поддержании активности вследствие отсутствия энергии, которое сопровождается желанием отдохнуть.</a:t>
-            </a:r>
-          </a:p>
-          <a:p>
-            <a:pPr marL="0" indent="0" algn="just">
-              <a:buNone/>
-            </a:pPr>
-            <a:r>
-              <a:rPr lang="ru-RU" dirty="0">
-                <a:latin typeface="Times New Roman" panose="02020603050405020304" pitchFamily="18" charset="0"/>
-                <a:cs typeface="Times New Roman" panose="02020603050405020304" pitchFamily="18" charset="0"/>
-              </a:rPr>
-              <a:t>Синдром хронической усталости – заболевание, характеризующееся необъяснимым чувством выраженной слабости, длящейся более 6 месяц.</a:t>
-            </a:r>
-          </a:p>
-          <a:p>
-            <a:pPr marL="0" indent="0" algn="just">
-              <a:buNone/>
-            </a:pPr>
-            <a:r>
-              <a:rPr lang="ru-RU" dirty="0">
-                <a:latin typeface="Times New Roman" panose="02020603050405020304" pitchFamily="18" charset="0"/>
-                <a:cs typeface="Times New Roman" panose="02020603050405020304" pitchFamily="18" charset="0"/>
-              </a:rPr>
-              <a:t>Стресс – это состояние организма, характеризующееся эмоциональным и физическим напряжением, вызванным воздействием различных неблагоприятных факторов.</a:t>
+              <a:t>Существующие решения</a:t>
             </a:r>
           </a:p>
         </p:txBody>
@@ -8755,6 +7018,497 @@
           </a:p>
         </p:txBody>
       </p:sp>
+      <p:pic>
+        <p:nvPicPr>
+          <p:cNvPr id="8" name="Рисунок 7">
+            <a:extLst>
+              <a:ext uri="{FF2B5EF4-FFF2-40B4-BE49-F238E27FC236}">
+                <a16:creationId xmlns:a16="http://schemas.microsoft.com/office/drawing/2014/main" id="{E2AD21CC-C61D-4771-AFB8-2A40E9BD703C}"/>
+              </a:ext>
+            </a:extLst>
+          </p:cNvPr>
+          <p:cNvPicPr>
+            <a:picLocks noChangeAspect="1"/>
+          </p:cNvPicPr>
+          <p:nvPr/>
+        </p:nvPicPr>
+        <p:blipFill rotWithShape="1">
+          <a:blip r:embed="rId2"/>
+          <a:srcRect r="26684" b="36721"/>
+          <a:stretch/>
+        </p:blipFill>
+        <p:spPr>
+          <a:xfrm>
+            <a:off x="6362153" y="1611752"/>
+            <a:ext cx="4991647" cy="1376019"/>
+          </a:xfrm>
+          <a:prstGeom prst="rect">
+            <a:avLst/>
+          </a:prstGeom>
+        </p:spPr>
+      </p:pic>
+      <p:sp>
+        <p:nvSpPr>
+          <p:cNvPr id="11" name="Объект 2">
+            <a:extLst>
+              <a:ext uri="{FF2B5EF4-FFF2-40B4-BE49-F238E27FC236}">
+                <a16:creationId xmlns:a16="http://schemas.microsoft.com/office/drawing/2014/main" id="{410BA931-50D8-4ADC-915E-109DA0156C43}"/>
+              </a:ext>
+            </a:extLst>
+          </p:cNvPr>
+          <p:cNvSpPr txBox="1">
+            <a:spLocks/>
+          </p:cNvSpPr>
+          <p:nvPr/>
+        </p:nvSpPr>
+        <p:spPr>
+          <a:xfrm>
+            <a:off x="990600" y="1611752"/>
+            <a:ext cx="5371553" cy="1444627"/>
+          </a:xfrm>
+          <a:prstGeom prst="rect">
+            <a:avLst/>
+          </a:prstGeom>
+        </p:spPr>
+        <p:txBody>
+          <a:bodyPr vert="horz" lIns="91440" tIns="45720" rIns="91440" bIns="45720" rtlCol="0">
+            <a:normAutofit fontScale="85000" lnSpcReduction="20000"/>
+          </a:bodyPr>
+          <a:lstStyle>
+            <a:lvl1pPr marL="228600" indent="-228600" algn="l" defTabSz="914400" rtl="0" eaLnBrk="1" latinLnBrk="0" hangingPunct="1">
+              <a:lnSpc>
+                <a:spcPct val="90000"/>
+              </a:lnSpc>
+              <a:spcBef>
+                <a:spcPts val="1000"/>
+              </a:spcBef>
+              <a:buFont typeface="Arial" panose="020B0604020202020204" pitchFamily="34" charset="0"/>
+              <a:buChar char="•"/>
+              <a:defRPr sz="2800" kern="1200">
+                <a:solidFill>
+                  <a:schemeClr val="tx1"/>
+                </a:solidFill>
+                <a:latin typeface="+mn-lt"/>
+                <a:ea typeface="+mn-ea"/>
+                <a:cs typeface="+mn-cs"/>
+              </a:defRPr>
+            </a:lvl1pPr>
+            <a:lvl2pPr marL="685800" indent="-228600" algn="l" defTabSz="914400" rtl="0" eaLnBrk="1" latinLnBrk="0" hangingPunct="1">
+              <a:lnSpc>
+                <a:spcPct val="90000"/>
+              </a:lnSpc>
+              <a:spcBef>
+                <a:spcPts val="500"/>
+              </a:spcBef>
+              <a:buFont typeface="Arial" panose="020B0604020202020204" pitchFamily="34" charset="0"/>
+              <a:buChar char="•"/>
+              <a:defRPr sz="2400" kern="1200">
+                <a:solidFill>
+                  <a:schemeClr val="tx1"/>
+                </a:solidFill>
+                <a:latin typeface="+mn-lt"/>
+                <a:ea typeface="+mn-ea"/>
+                <a:cs typeface="+mn-cs"/>
+              </a:defRPr>
+            </a:lvl2pPr>
+            <a:lvl3pPr marL="1143000" indent="-228600" algn="l" defTabSz="914400" rtl="0" eaLnBrk="1" latinLnBrk="0" hangingPunct="1">
+              <a:lnSpc>
+                <a:spcPct val="90000"/>
+              </a:lnSpc>
+              <a:spcBef>
+                <a:spcPts val="500"/>
+              </a:spcBef>
+              <a:buFont typeface="Arial" panose="020B0604020202020204" pitchFamily="34" charset="0"/>
+              <a:buChar char="•"/>
+              <a:defRPr sz="2000" kern="1200">
+                <a:solidFill>
+                  <a:schemeClr val="tx1"/>
+                </a:solidFill>
+                <a:latin typeface="+mn-lt"/>
+                <a:ea typeface="+mn-ea"/>
+                <a:cs typeface="+mn-cs"/>
+              </a:defRPr>
+            </a:lvl3pPr>
+            <a:lvl4pPr marL="1600200" indent="-228600" algn="l" defTabSz="914400" rtl="0" eaLnBrk="1" latinLnBrk="0" hangingPunct="1">
+              <a:lnSpc>
+                <a:spcPct val="90000"/>
+              </a:lnSpc>
+              <a:spcBef>
+                <a:spcPts val="500"/>
+              </a:spcBef>
+              <a:buFont typeface="Arial" panose="020B0604020202020204" pitchFamily="34" charset="0"/>
+              <a:buChar char="•"/>
+              <a:defRPr sz="1800" kern="1200">
+                <a:solidFill>
+                  <a:schemeClr val="tx1"/>
+                </a:solidFill>
+                <a:latin typeface="+mn-lt"/>
+                <a:ea typeface="+mn-ea"/>
+                <a:cs typeface="+mn-cs"/>
+              </a:defRPr>
+            </a:lvl4pPr>
+            <a:lvl5pPr marL="2057400" indent="-228600" algn="l" defTabSz="914400" rtl="0" eaLnBrk="1" latinLnBrk="0" hangingPunct="1">
+              <a:lnSpc>
+                <a:spcPct val="90000"/>
+              </a:lnSpc>
+              <a:spcBef>
+                <a:spcPts val="500"/>
+              </a:spcBef>
+              <a:buFont typeface="Arial" panose="020B0604020202020204" pitchFamily="34" charset="0"/>
+              <a:buChar char="•"/>
+              <a:defRPr sz="1800" kern="1200">
+                <a:solidFill>
+                  <a:schemeClr val="tx1"/>
+                </a:solidFill>
+                <a:latin typeface="+mn-lt"/>
+                <a:ea typeface="+mn-ea"/>
+                <a:cs typeface="+mn-cs"/>
+              </a:defRPr>
+            </a:lvl5pPr>
+            <a:lvl6pPr marL="2514600" indent="-228600" algn="l" defTabSz="914400" rtl="0" eaLnBrk="1" latinLnBrk="0" hangingPunct="1">
+              <a:lnSpc>
+                <a:spcPct val="90000"/>
+              </a:lnSpc>
+              <a:spcBef>
+                <a:spcPts val="500"/>
+              </a:spcBef>
+              <a:buFont typeface="Arial" panose="020B0604020202020204" pitchFamily="34" charset="0"/>
+              <a:buChar char="•"/>
+              <a:defRPr sz="1800" kern="1200">
+                <a:solidFill>
+                  <a:schemeClr val="tx1"/>
+                </a:solidFill>
+                <a:latin typeface="+mn-lt"/>
+                <a:ea typeface="+mn-ea"/>
+                <a:cs typeface="+mn-cs"/>
+              </a:defRPr>
+            </a:lvl6pPr>
+            <a:lvl7pPr marL="2971800" indent="-228600" algn="l" defTabSz="914400" rtl="0" eaLnBrk="1" latinLnBrk="0" hangingPunct="1">
+              <a:lnSpc>
+                <a:spcPct val="90000"/>
+              </a:lnSpc>
+              <a:spcBef>
+                <a:spcPts val="500"/>
+              </a:spcBef>
+              <a:buFont typeface="Arial" panose="020B0604020202020204" pitchFamily="34" charset="0"/>
+              <a:buChar char="•"/>
+              <a:defRPr sz="1800" kern="1200">
+                <a:solidFill>
+                  <a:schemeClr val="tx1"/>
+                </a:solidFill>
+                <a:latin typeface="+mn-lt"/>
+                <a:ea typeface="+mn-ea"/>
+                <a:cs typeface="+mn-cs"/>
+              </a:defRPr>
+            </a:lvl7pPr>
+            <a:lvl8pPr marL="3429000" indent="-228600" algn="l" defTabSz="914400" rtl="0" eaLnBrk="1" latinLnBrk="0" hangingPunct="1">
+              <a:lnSpc>
+                <a:spcPct val="90000"/>
+              </a:lnSpc>
+              <a:spcBef>
+                <a:spcPts val="500"/>
+              </a:spcBef>
+              <a:buFont typeface="Arial" panose="020B0604020202020204" pitchFamily="34" charset="0"/>
+              <a:buChar char="•"/>
+              <a:defRPr sz="1800" kern="1200">
+                <a:solidFill>
+                  <a:schemeClr val="tx1"/>
+                </a:solidFill>
+                <a:latin typeface="+mn-lt"/>
+                <a:ea typeface="+mn-ea"/>
+                <a:cs typeface="+mn-cs"/>
+              </a:defRPr>
+            </a:lvl8pPr>
+            <a:lvl9pPr marL="3886200" indent="-228600" algn="l" defTabSz="914400" rtl="0" eaLnBrk="1" latinLnBrk="0" hangingPunct="1">
+              <a:lnSpc>
+                <a:spcPct val="90000"/>
+              </a:lnSpc>
+              <a:spcBef>
+                <a:spcPts val="500"/>
+              </a:spcBef>
+              <a:buFont typeface="Arial" panose="020B0604020202020204" pitchFamily="34" charset="0"/>
+              <a:buChar char="•"/>
+              <a:defRPr sz="1800" kern="1200">
+                <a:solidFill>
+                  <a:schemeClr val="tx1"/>
+                </a:solidFill>
+                <a:latin typeface="+mn-lt"/>
+                <a:ea typeface="+mn-ea"/>
+                <a:cs typeface="+mn-cs"/>
+              </a:defRPr>
+            </a:lvl9pPr>
+          </a:lstStyle>
+          <a:p>
+            <a:pPr marL="0" indent="0" algn="just">
+              <a:buFont typeface="Arial" panose="020B0604020202020204" pitchFamily="34" charset="0"/>
+              <a:buNone/>
+            </a:pPr>
+            <a:r>
+              <a:rPr lang="en-US" dirty="0">
+                <a:latin typeface="Times New Roman" panose="02020603050405020304" pitchFamily="18" charset="0"/>
+                <a:cs typeface="Times New Roman" panose="02020603050405020304" pitchFamily="18" charset="0"/>
+              </a:rPr>
+              <a:t>The Kotlin </a:t>
+            </a:r>
+            <a:r>
+              <a:rPr lang="en-US" dirty="0" err="1">
+                <a:latin typeface="Times New Roman" panose="02020603050405020304" pitchFamily="18" charset="0"/>
+                <a:cs typeface="Times New Roman" panose="02020603050405020304" pitchFamily="18" charset="0"/>
+              </a:rPr>
+              <a:t>InfluxDB</a:t>
+            </a:r>
+            <a:r>
+              <a:rPr lang="en-US" dirty="0">
+                <a:latin typeface="Times New Roman" panose="02020603050405020304" pitchFamily="18" charset="0"/>
+                <a:cs typeface="Times New Roman" panose="02020603050405020304" pitchFamily="18" charset="0"/>
+              </a:rPr>
+              <a:t> 2.0 Client – </a:t>
+            </a:r>
+            <a:r>
+              <a:rPr lang="ru-RU" dirty="0">
+                <a:latin typeface="Times New Roman" panose="02020603050405020304" pitchFamily="18" charset="0"/>
+                <a:cs typeface="Times New Roman" panose="02020603050405020304" pitchFamily="18" charset="0"/>
+              </a:rPr>
+              <a:t>это клиент, который предоставляет возможность производить запросы и запись в </a:t>
+            </a:r>
+            <a:r>
+              <a:rPr lang="en-US" dirty="0" err="1">
+                <a:latin typeface="Times New Roman" panose="02020603050405020304" pitchFamily="18" charset="0"/>
+                <a:cs typeface="Times New Roman" panose="02020603050405020304" pitchFamily="18" charset="0"/>
+              </a:rPr>
+              <a:t>InfluxDV</a:t>
+            </a:r>
+            <a:r>
+              <a:rPr lang="en-US" dirty="0">
+                <a:latin typeface="Times New Roman" panose="02020603050405020304" pitchFamily="18" charset="0"/>
+                <a:cs typeface="Times New Roman" panose="02020603050405020304" pitchFamily="18" charset="0"/>
+              </a:rPr>
+              <a:t> 2.0 </a:t>
+            </a:r>
+            <a:r>
+              <a:rPr lang="ru-RU" dirty="0">
+                <a:latin typeface="Times New Roman" panose="02020603050405020304" pitchFamily="18" charset="0"/>
+                <a:cs typeface="Times New Roman" panose="02020603050405020304" pitchFamily="18" charset="0"/>
+              </a:rPr>
+              <a:t>с использованием языка программирования </a:t>
+            </a:r>
+            <a:r>
+              <a:rPr lang="en-US" dirty="0">
+                <a:latin typeface="Times New Roman" panose="02020603050405020304" pitchFamily="18" charset="0"/>
+                <a:cs typeface="Times New Roman" panose="02020603050405020304" pitchFamily="18" charset="0"/>
+              </a:rPr>
+              <a:t>Kotlin.</a:t>
+            </a:r>
+            <a:endParaRPr lang="ru-RU" dirty="0">
+              <a:latin typeface="Times New Roman" panose="02020603050405020304" pitchFamily="18" charset="0"/>
+              <a:cs typeface="Times New Roman" panose="02020603050405020304" pitchFamily="18" charset="0"/>
+            </a:endParaRPr>
+          </a:p>
+        </p:txBody>
+      </p:sp>
+      <p:graphicFrame>
+        <p:nvGraphicFramePr>
+          <p:cNvPr id="13" name="Таблица 7">
+            <a:extLst>
+              <a:ext uri="{FF2B5EF4-FFF2-40B4-BE49-F238E27FC236}">
+                <a16:creationId xmlns:a16="http://schemas.microsoft.com/office/drawing/2014/main" id="{CDEDAB64-72FA-48C5-8A91-C4082C6D3532}"/>
+              </a:ext>
+            </a:extLst>
+          </p:cNvPr>
+          <p:cNvGraphicFramePr>
+            <a:graphicFrameLocks noGrp="1"/>
+          </p:cNvGraphicFramePr>
+          <p:nvPr>
+            <p:extLst>
+              <p:ext uri="{D42A27DB-BD31-4B8C-83A1-F6EECF244321}">
+                <p14:modId xmlns:p14="http://schemas.microsoft.com/office/powerpoint/2010/main" val="3431159207"/>
+              </p:ext>
+            </p:extLst>
+          </p:nvPr>
+        </p:nvGraphicFramePr>
+        <p:xfrm>
+          <a:off x="990600" y="3429000"/>
+          <a:ext cx="10363200" cy="2693504"/>
+        </p:xfrm>
+        <a:graphic>
+          <a:graphicData uri="http://schemas.openxmlformats.org/drawingml/2006/table">
+            <a:tbl>
+              <a:tblPr firstRow="1" bandRow="1">
+                <a:tableStyleId>{073A0DAA-6AF3-43AB-8588-CEC1D06C72B9}</a:tableStyleId>
+              </a:tblPr>
+              <a:tblGrid>
+                <a:gridCol w="5181600">
+                  <a:extLst>
+                    <a:ext uri="{9D8B030D-6E8A-4147-A177-3AD203B41FA5}">
+                      <a16:colId xmlns:a16="http://schemas.microsoft.com/office/drawing/2014/main" val="3130025223"/>
+                    </a:ext>
+                  </a:extLst>
+                </a:gridCol>
+                <a:gridCol w="5181600">
+                  <a:extLst>
+                    <a:ext uri="{9D8B030D-6E8A-4147-A177-3AD203B41FA5}">
+                      <a16:colId xmlns:a16="http://schemas.microsoft.com/office/drawing/2014/main" val="1185311801"/>
+                    </a:ext>
+                  </a:extLst>
+                </a:gridCol>
+              </a:tblGrid>
+              <a:tr h="664997">
+                <a:tc>
+                  <a:txBody>
+                    <a:bodyPr/>
+                    <a:lstStyle/>
+                    <a:p>
+                      <a:r>
+                        <a:rPr lang="ru-RU" dirty="0">
+                          <a:latin typeface="Times New Roman" panose="02020603050405020304" pitchFamily="18" charset="0"/>
+                          <a:cs typeface="Times New Roman" panose="02020603050405020304" pitchFamily="18" charset="0"/>
+                        </a:rPr>
+                        <a:t>Поддерживаемый на текущий момент функционал</a:t>
+                      </a:r>
+                    </a:p>
+                  </a:txBody>
+                  <a:tcPr/>
+                </a:tc>
+                <a:tc>
+                  <a:txBody>
+                    <a:bodyPr/>
+                    <a:lstStyle/>
+                    <a:p>
+                      <a:r>
+                        <a:rPr lang="ru-RU" dirty="0">
+                          <a:latin typeface="Times New Roman" panose="02020603050405020304" pitchFamily="18" charset="0"/>
+                          <a:cs typeface="Times New Roman" panose="02020603050405020304" pitchFamily="18" charset="0"/>
+                        </a:rPr>
+                        <a:t>Отсутствующий, но требующийся функционал</a:t>
+                      </a:r>
+                    </a:p>
+                  </a:txBody>
+                  <a:tcPr/>
+                </a:tc>
+                <a:extLst>
+                  <a:ext uri="{0D108BD9-81ED-4DB2-BD59-A6C34878D82A}">
+                    <a16:rowId xmlns:a16="http://schemas.microsoft.com/office/drawing/2014/main" val="2239062112"/>
+                  </a:ext>
+                </a:extLst>
+              </a:tr>
+              <a:tr h="585300">
+                <a:tc>
+                  <a:txBody>
+                    <a:bodyPr/>
+                    <a:lstStyle/>
+                    <a:p>
+                      <a:r>
+                        <a:rPr lang="ru-RU" dirty="0">
+                          <a:latin typeface="Times New Roman" panose="02020603050405020304" pitchFamily="18" charset="0"/>
+                          <a:cs typeface="Times New Roman" panose="02020603050405020304" pitchFamily="18" charset="0"/>
+                        </a:rPr>
+                        <a:t>Запись и чтение с использованием </a:t>
+                      </a:r>
+                      <a:r>
+                        <a:rPr lang="en-US" dirty="0" err="1">
+                          <a:latin typeface="Times New Roman" panose="02020603050405020304" pitchFamily="18" charset="0"/>
+                          <a:cs typeface="Times New Roman" panose="02020603050405020304" pitchFamily="18" charset="0"/>
+                        </a:rPr>
+                        <a:t>InfluxQL</a:t>
+                      </a:r>
+                      <a:endParaRPr lang="ru-RU" dirty="0">
+                        <a:latin typeface="Times New Roman" panose="02020603050405020304" pitchFamily="18" charset="0"/>
+                        <a:cs typeface="Times New Roman" panose="02020603050405020304" pitchFamily="18" charset="0"/>
+                      </a:endParaRPr>
+                    </a:p>
+                  </a:txBody>
+                  <a:tcPr/>
+                </a:tc>
+                <a:tc>
+                  <a:txBody>
+                    <a:bodyPr/>
+                    <a:lstStyle/>
+                    <a:p>
+                      <a:r>
+                        <a:rPr lang="ru-RU" dirty="0">
+                          <a:latin typeface="Times New Roman" panose="02020603050405020304" pitchFamily="18" charset="0"/>
+                          <a:cs typeface="Times New Roman" panose="02020603050405020304" pitchFamily="18" charset="0"/>
+                        </a:rPr>
+                        <a:t>Проверка существования именного хранилища</a:t>
+                      </a:r>
+                    </a:p>
+                  </a:txBody>
+                  <a:tcPr/>
+                </a:tc>
+                <a:extLst>
+                  <a:ext uri="{0D108BD9-81ED-4DB2-BD59-A6C34878D82A}">
+                    <a16:rowId xmlns:a16="http://schemas.microsoft.com/office/drawing/2014/main" val="191967762"/>
+                  </a:ext>
+                </a:extLst>
+              </a:tr>
+              <a:tr h="1443207">
+                <a:tc>
+                  <a:txBody>
+                    <a:bodyPr/>
+                    <a:lstStyle/>
+                    <a:p>
+                      <a:r>
+                        <a:rPr lang="ru-RU" dirty="0">
+                          <a:latin typeface="Times New Roman" panose="02020603050405020304" pitchFamily="18" charset="0"/>
+                          <a:cs typeface="Times New Roman" panose="02020603050405020304" pitchFamily="18" charset="0"/>
+                        </a:rPr>
+                        <a:t>Запись и чтение с </a:t>
+                      </a:r>
+                      <a:r>
+                        <a:rPr lang="ru-RU" dirty="0" err="1">
+                          <a:latin typeface="Times New Roman" panose="02020603050405020304" pitchFamily="18" charset="0"/>
+                          <a:cs typeface="Times New Roman" panose="02020603050405020304" pitchFamily="18" charset="0"/>
+                        </a:rPr>
+                        <a:t>использоваем</a:t>
+                      </a:r>
+                      <a:r>
+                        <a:rPr lang="ru-RU" dirty="0">
+                          <a:latin typeface="Times New Roman" panose="02020603050405020304" pitchFamily="18" charset="0"/>
+                          <a:cs typeface="Times New Roman" panose="02020603050405020304" pitchFamily="18" charset="0"/>
+                        </a:rPr>
+                        <a:t> </a:t>
+                      </a:r>
+                      <a:r>
+                        <a:rPr lang="en-US" dirty="0">
+                          <a:latin typeface="Times New Roman" panose="02020603050405020304" pitchFamily="18" charset="0"/>
+                          <a:cs typeface="Times New Roman" panose="02020603050405020304" pitchFamily="18" charset="0"/>
+                        </a:rPr>
+                        <a:t>Flux</a:t>
+                      </a:r>
+                      <a:endParaRPr lang="ru-RU" dirty="0">
+                        <a:latin typeface="Times New Roman" panose="02020603050405020304" pitchFamily="18" charset="0"/>
+                        <a:cs typeface="Times New Roman" panose="02020603050405020304" pitchFamily="18" charset="0"/>
+                      </a:endParaRPr>
+                    </a:p>
+                  </a:txBody>
+                  <a:tcPr/>
+                </a:tc>
+                <a:tc>
+                  <a:txBody>
+                    <a:bodyPr/>
+                    <a:lstStyle/>
+                    <a:p>
+                      <a:r>
+                        <a:rPr lang="ru-RU" dirty="0">
+                          <a:latin typeface="Times New Roman" panose="02020603050405020304" pitchFamily="18" charset="0"/>
+                          <a:cs typeface="Times New Roman" panose="02020603050405020304" pitchFamily="18" charset="0"/>
+                        </a:rPr>
+                        <a:t>Создание именного хранилища</a:t>
+                      </a:r>
+                    </a:p>
+                  </a:txBody>
+                  <a:tcPr/>
+                </a:tc>
+                <a:extLst>
+                  <a:ext uri="{0D108BD9-81ED-4DB2-BD59-A6C34878D82A}">
+                    <a16:rowId xmlns:a16="http://schemas.microsoft.com/office/drawing/2014/main" val="296043579"/>
+                  </a:ext>
+                </a:extLst>
+              </a:tr>
+            </a:tbl>
+          </a:graphicData>
+        </a:graphic>
+      </p:graphicFrame>
     </p:spTree>
     <p:extLst>
       <p:ext uri="{BB962C8B-B14F-4D97-AF65-F5344CB8AC3E}">
@@ -8790,7 +7544,7 @@
           <p:cNvPr id="2" name="Заголовок 1">
             <a:extLst>
               <a:ext uri="{FF2B5EF4-FFF2-40B4-BE49-F238E27FC236}">
-                <a16:creationId xmlns:a16="http://schemas.microsoft.com/office/drawing/2014/main" id="{A8A78197-F0E5-482A-9DF3-DA7661662131}"/>
+                <a16:creationId xmlns:a16="http://schemas.microsoft.com/office/drawing/2014/main" id="{12282183-8C79-48B4-ACCA-29F61EC95C08}"/>
               </a:ext>
             </a:extLst>
           </p:cNvPr>
@@ -8801,12 +7555,7 @@
             <p:ph type="title"/>
           </p:nvPr>
         </p:nvSpPr>
-        <p:spPr>
-          <a:xfrm>
-            <a:off x="838200" y="0"/>
-            <a:ext cx="10515600" cy="1325563"/>
-          </a:xfrm>
-        </p:spPr>
+        <p:spPr/>
         <p:txBody>
           <a:bodyPr/>
           <a:lstStyle/>
@@ -8817,8 +7566,114 @@
                 <a:latin typeface="Times New Roman" panose="02020603050405020304" pitchFamily="18" charset="0"/>
                 <a:cs typeface="Times New Roman" panose="02020603050405020304" pitchFamily="18" charset="0"/>
               </a:rPr>
-              <a:t>Стресс на рабочем месте</a:t>
-            </a:r>
+              <a:t>Существующие решения</a:t>
+            </a:r>
+          </a:p>
+        </p:txBody>
+      </p:sp>
+      <p:sp>
+        <p:nvSpPr>
+          <p:cNvPr id="3" name="Объект 2">
+            <a:extLst>
+              <a:ext uri="{FF2B5EF4-FFF2-40B4-BE49-F238E27FC236}">
+                <a16:creationId xmlns:a16="http://schemas.microsoft.com/office/drawing/2014/main" id="{4326DA48-DB22-4385-B4DB-57824046568A}"/>
+              </a:ext>
+            </a:extLst>
+          </p:cNvPr>
+          <p:cNvSpPr>
+            <a:spLocks noGrp="1"/>
+          </p:cNvSpPr>
+          <p:nvPr>
+            <p:ph idx="1"/>
+          </p:nvPr>
+        </p:nvSpPr>
+        <p:spPr>
+          <a:xfrm>
+            <a:off x="971608" y="3722298"/>
+            <a:ext cx="10781090" cy="2626291"/>
+          </a:xfrm>
+        </p:spPr>
+        <p:txBody>
+          <a:bodyPr>
+            <a:normAutofit/>
+          </a:bodyPr>
+          <a:lstStyle/>
+          <a:p>
+            <a:pPr marL="0" indent="0" algn="just">
+              <a:buNone/>
+            </a:pPr>
+            <a:r>
+              <a:rPr lang="ru-RU" dirty="0">
+                <a:latin typeface="Times New Roman" panose="02020603050405020304" pitchFamily="18" charset="0"/>
+                <a:cs typeface="Times New Roman" panose="02020603050405020304" pitchFamily="18" charset="0"/>
+              </a:rPr>
+              <a:t>Предоставляемый интерфейсом функционал полон и непосредственно используется в реализации </a:t>
+            </a:r>
+            <a:r>
+              <a:rPr lang="en-US" dirty="0">
+                <a:latin typeface="Times New Roman" panose="02020603050405020304" pitchFamily="18" charset="0"/>
+                <a:cs typeface="Times New Roman" panose="02020603050405020304" pitchFamily="18" charset="0"/>
+              </a:rPr>
+              <a:t>Web-</a:t>
+            </a:r>
+            <a:r>
+              <a:rPr lang="ru-RU" dirty="0">
+                <a:latin typeface="Times New Roman" panose="02020603050405020304" pitchFamily="18" charset="0"/>
+                <a:cs typeface="Times New Roman" panose="02020603050405020304" pitchFamily="18" charset="0"/>
+              </a:rPr>
+              <a:t>клиента СУБД.</a:t>
+            </a:r>
+          </a:p>
+          <a:p>
+            <a:pPr marL="0" indent="0" algn="just">
+              <a:buNone/>
+            </a:pPr>
+            <a:endParaRPr lang="ru-RU" dirty="0">
+              <a:latin typeface="Times New Roman" panose="02020603050405020304" pitchFamily="18" charset="0"/>
+              <a:cs typeface="Times New Roman" panose="02020603050405020304" pitchFamily="18" charset="0"/>
+            </a:endParaRPr>
+          </a:p>
+          <a:p>
+            <a:pPr marL="0" indent="0" algn="just">
+              <a:buNone/>
+            </a:pPr>
+            <a:r>
+              <a:rPr lang="ru-RU" dirty="0">
+                <a:latin typeface="Times New Roman" panose="02020603050405020304" pitchFamily="18" charset="0"/>
+                <a:cs typeface="Times New Roman" panose="02020603050405020304" pitchFamily="18" charset="0"/>
+              </a:rPr>
+              <a:t>Недостаток: формирование множественных </a:t>
+            </a:r>
+            <a:r>
+              <a:rPr lang="en-US" dirty="0">
+                <a:latin typeface="Times New Roman" panose="02020603050405020304" pitchFamily="18" charset="0"/>
+                <a:cs typeface="Times New Roman" panose="02020603050405020304" pitchFamily="18" charset="0"/>
+              </a:rPr>
+              <a:t>HTTP-</a:t>
+            </a:r>
+            <a:r>
+              <a:rPr lang="ru-RU" dirty="0">
+                <a:latin typeface="Times New Roman" panose="02020603050405020304" pitchFamily="18" charset="0"/>
+                <a:cs typeface="Times New Roman" panose="02020603050405020304" pitchFamily="18" charset="0"/>
+              </a:rPr>
+              <a:t>запросов и их обработка.</a:t>
+            </a:r>
+          </a:p>
+          <a:p>
+            <a:pPr marL="0" indent="0" algn="just">
+              <a:buNone/>
+            </a:pPr>
+            <a:endParaRPr lang="ru-RU" dirty="0">
+              <a:latin typeface="Times New Roman" panose="02020603050405020304" pitchFamily="18" charset="0"/>
+              <a:cs typeface="Times New Roman" panose="02020603050405020304" pitchFamily="18" charset="0"/>
+            </a:endParaRPr>
+          </a:p>
+          <a:p>
+            <a:pPr algn="just"/>
+            <a:endParaRPr lang="ru-RU" dirty="0">
+              <a:latin typeface="Times New Roman" panose="02020603050405020304" pitchFamily="18" charset="0"/>
+              <a:cs typeface="Times New Roman" panose="02020603050405020304" pitchFamily="18" charset="0"/>
+            </a:endParaRPr>
           </a:p>
         </p:txBody>
       </p:sp>
@@ -8827,7 +7682,7 @@
           <p:cNvPr id="4" name="Номер слайда 3">
             <a:extLst>
               <a:ext uri="{FF2B5EF4-FFF2-40B4-BE49-F238E27FC236}">
-                <a16:creationId xmlns:a16="http://schemas.microsoft.com/office/drawing/2014/main" id="{91DF3383-A895-4B0B-9937-2AAF01F676C3}"/>
+                <a16:creationId xmlns:a16="http://schemas.microsoft.com/office/drawing/2014/main" id="{8323610E-C707-4F7D-AF57-1BCE159B30BA}"/>
               </a:ext>
             </a:extLst>
           </p:cNvPr>
@@ -8847,589 +7702,302 @@
               <a:rPr lang="ru-RU" smtClean="0"/>
               <a:t>4</a:t>
             </a:fld>
-            <a:endParaRPr lang="ru-RU" dirty="0"/>
-          </a:p>
-        </p:txBody>
-      </p:sp>
-      <p:graphicFrame>
-        <p:nvGraphicFramePr>
-          <p:cNvPr id="5" name="Таблица 5">
-            <a:extLst>
-              <a:ext uri="{FF2B5EF4-FFF2-40B4-BE49-F238E27FC236}">
-                <a16:creationId xmlns:a16="http://schemas.microsoft.com/office/drawing/2014/main" id="{02B8C3A1-0097-46F3-BF8F-AC58662B1ABF}"/>
-              </a:ext>
-            </a:extLst>
-          </p:cNvPr>
-          <p:cNvGraphicFramePr>
-            <a:graphicFrameLocks noGrp="1"/>
-          </p:cNvGraphicFramePr>
-          <p:nvPr>
-            <p:extLst>
-              <p:ext uri="{D42A27DB-BD31-4B8C-83A1-F6EECF244321}">
-                <p14:modId xmlns:p14="http://schemas.microsoft.com/office/powerpoint/2010/main" val="622038128"/>
-              </p:ext>
-            </p:extLst>
-          </p:nvPr>
-        </p:nvGraphicFramePr>
-        <p:xfrm>
-          <a:off x="0" y="1032718"/>
-          <a:ext cx="12192000" cy="5323630"/>
-        </p:xfrm>
-        <a:graphic>
-          <a:graphicData uri="http://schemas.openxmlformats.org/drawingml/2006/table">
-            <a:tbl>
-              <a:tblPr firstRow="1" bandRow="1">
-                <a:tableStyleId>{073A0DAA-6AF3-43AB-8588-CEC1D06C72B9}</a:tableStyleId>
-              </a:tblPr>
-              <a:tblGrid>
-                <a:gridCol w="3775910">
-                  <a:extLst>
-                    <a:ext uri="{9D8B030D-6E8A-4147-A177-3AD203B41FA5}">
-                      <a16:colId xmlns:a16="http://schemas.microsoft.com/office/drawing/2014/main" val="1383018408"/>
-                    </a:ext>
-                  </a:extLst>
-                </a:gridCol>
-                <a:gridCol w="8416090">
-                  <a:extLst>
-                    <a:ext uri="{9D8B030D-6E8A-4147-A177-3AD203B41FA5}">
-                      <a16:colId xmlns:a16="http://schemas.microsoft.com/office/drawing/2014/main" val="1099064396"/>
-                    </a:ext>
-                  </a:extLst>
-                </a:gridCol>
-              </a:tblGrid>
-              <a:tr h="368620">
-                <a:tc>
-                  <a:txBody>
-                    <a:bodyPr/>
-                    <a:lstStyle/>
-                    <a:p>
-                      <a:pPr algn="just"/>
-                      <a:r>
-                        <a:rPr lang="ru-RU" sz="1400" b="1" dirty="0">
-                          <a:effectLst/>
-                          <a:latin typeface="Times New Roman" panose="02020603050405020304" pitchFamily="18" charset="0"/>
-                          <a:cs typeface="Times New Roman" panose="02020603050405020304" pitchFamily="18" charset="0"/>
-                        </a:rPr>
-                        <a:t>Источник</a:t>
-                      </a:r>
-                    </a:p>
-                  </a:txBody>
-                  <a:tcPr/>
-                </a:tc>
-                <a:tc>
-                  <a:txBody>
-                    <a:bodyPr/>
-                    <a:lstStyle/>
-                    <a:p>
-                      <a:pPr algn="just"/>
-                      <a:r>
-                        <a:rPr lang="ru-RU" sz="1400" b="1" dirty="0">
-                          <a:effectLst/>
-                          <a:latin typeface="Times New Roman" panose="02020603050405020304" pitchFamily="18" charset="0"/>
-                          <a:cs typeface="Times New Roman" panose="02020603050405020304" pitchFamily="18" charset="0"/>
-                        </a:rPr>
-                        <a:t>Примеры</a:t>
-                      </a:r>
-                    </a:p>
-                  </a:txBody>
-                  <a:tcPr/>
-                </a:tc>
-                <a:extLst>
-                  <a:ext uri="{0D108BD9-81ED-4DB2-BD59-A6C34878D82A}">
-                    <a16:rowId xmlns:a16="http://schemas.microsoft.com/office/drawing/2014/main" val="3018537188"/>
-                  </a:ext>
-                </a:extLst>
-              </a:tr>
-              <a:tr h="781951">
-                <a:tc>
-                  <a:txBody>
-                    <a:bodyPr/>
-                    <a:lstStyle/>
-                    <a:p>
-                      <a:pPr algn="just"/>
-                      <a:r>
-                        <a:rPr lang="ru-RU" sz="1400" b="0" dirty="0">
-                          <a:effectLst/>
-                          <a:latin typeface="Times New Roman" panose="02020603050405020304" pitchFamily="18" charset="0"/>
-                          <a:cs typeface="Times New Roman" panose="02020603050405020304" pitchFamily="18" charset="0"/>
-                        </a:rPr>
-                        <a:t>Режим трудовой деятельности</a:t>
-                      </a:r>
-                    </a:p>
-                  </a:txBody>
-                  <a:tcPr/>
-                </a:tc>
-                <a:tc>
-                  <a:txBody>
-                    <a:bodyPr/>
-                    <a:lstStyle/>
-                    <a:p>
-                      <a:pPr marL="285750" indent="-285750" algn="just">
-                        <a:buFont typeface="Arial" panose="020B0604020202020204" pitchFamily="34" charset="0"/>
-                        <a:buChar char="•"/>
-                      </a:pPr>
-                      <a:r>
-                        <a:rPr lang="ru-RU" sz="1400" b="0" dirty="0">
-                          <a:effectLst/>
-                          <a:latin typeface="Times New Roman" panose="02020603050405020304" pitchFamily="18" charset="0"/>
-                          <a:cs typeface="Times New Roman" panose="02020603050405020304" pitchFamily="18" charset="0"/>
-                        </a:rPr>
-                        <a:t>плохие условия труда,</a:t>
-                      </a:r>
-                    </a:p>
-                    <a:p>
-                      <a:pPr marL="285750" indent="-285750" algn="just">
-                        <a:buFont typeface="Arial" panose="020B0604020202020204" pitchFamily="34" charset="0"/>
-                        <a:buChar char="•"/>
-                      </a:pPr>
-                      <a:r>
-                        <a:rPr lang="ru-RU" sz="1400" b="0" dirty="0">
-                          <a:effectLst/>
-                          <a:latin typeface="Times New Roman" panose="02020603050405020304" pitchFamily="18" charset="0"/>
-                          <a:cs typeface="Times New Roman" panose="02020603050405020304" pitchFamily="18" charset="0"/>
-                        </a:rPr>
-                        <a:t>слишком интенсивный режим деятельности,</a:t>
-                      </a:r>
-                    </a:p>
-                    <a:p>
-                      <a:pPr marL="285750" indent="-285750" algn="just">
-                        <a:buFont typeface="Arial" panose="020B0604020202020204" pitchFamily="34" charset="0"/>
-                        <a:buChar char="•"/>
-                      </a:pPr>
-                      <a:r>
-                        <a:rPr lang="ru-RU" sz="1400" b="0" dirty="0">
-                          <a:effectLst/>
-                          <a:latin typeface="Times New Roman" panose="02020603050405020304" pitchFamily="18" charset="0"/>
-                          <a:cs typeface="Times New Roman" panose="02020603050405020304" pitchFamily="18" charset="0"/>
-                        </a:rPr>
-                        <a:t>нехватка времени.</a:t>
-                      </a:r>
-                    </a:p>
-                  </a:txBody>
-                  <a:tcPr/>
-                </a:tc>
-                <a:extLst>
-                  <a:ext uri="{0D108BD9-81ED-4DB2-BD59-A6C34878D82A}">
-                    <a16:rowId xmlns:a16="http://schemas.microsoft.com/office/drawing/2014/main" val="3262333981"/>
-                  </a:ext>
-                </a:extLst>
-              </a:tr>
-              <a:tr h="1010020">
-                <a:tc>
-                  <a:txBody>
-                    <a:bodyPr/>
-                    <a:lstStyle/>
-                    <a:p>
-                      <a:pPr algn="just"/>
-                      <a:r>
-                        <a:rPr lang="ru-RU" sz="1400" b="0" dirty="0">
-                          <a:effectLst/>
-                          <a:latin typeface="Times New Roman" panose="02020603050405020304" pitchFamily="18" charset="0"/>
-                          <a:cs typeface="Times New Roman" panose="02020603050405020304" pitchFamily="18" charset="0"/>
-                        </a:rPr>
-                        <a:t>Роль работника в организации</a:t>
-                      </a:r>
-                    </a:p>
-                  </a:txBody>
-                  <a:tcPr/>
-                </a:tc>
-                <a:tc>
-                  <a:txBody>
-                    <a:bodyPr/>
-                    <a:lstStyle/>
-                    <a:p>
-                      <a:pPr marL="285750" indent="-285750" algn="just">
-                        <a:buFont typeface="Arial" panose="020B0604020202020204" pitchFamily="34" charset="0"/>
-                        <a:buChar char="•"/>
-                      </a:pPr>
-                      <a:r>
-                        <a:rPr lang="ru-RU" sz="1400" b="0" dirty="0">
-                          <a:effectLst/>
-                          <a:latin typeface="Times New Roman" panose="02020603050405020304" pitchFamily="18" charset="0"/>
-                          <a:cs typeface="Times New Roman" panose="02020603050405020304" pitchFamily="18" charset="0"/>
-                        </a:rPr>
-                        <a:t>ролевые конфликты,</a:t>
-                      </a:r>
-                    </a:p>
-                    <a:p>
-                      <a:pPr marL="285750" indent="-285750" algn="just">
-                        <a:buFont typeface="Arial" panose="020B0604020202020204" pitchFamily="34" charset="0"/>
-                        <a:buChar char="•"/>
-                      </a:pPr>
-                      <a:r>
-                        <a:rPr lang="ru-RU" sz="1400" b="0" dirty="0">
-                          <a:effectLst/>
-                          <a:latin typeface="Times New Roman" panose="02020603050405020304" pitchFamily="18" charset="0"/>
-                          <a:cs typeface="Times New Roman" panose="02020603050405020304" pitchFamily="18" charset="0"/>
-                        </a:rPr>
-                        <a:t>повышенная ответственность,</a:t>
-                      </a:r>
-                    </a:p>
-                    <a:p>
-                      <a:pPr marL="285750" indent="-285750" algn="just">
-                        <a:buFont typeface="Arial" panose="020B0604020202020204" pitchFamily="34" charset="0"/>
-                        <a:buChar char="•"/>
-                      </a:pPr>
-                      <a:r>
-                        <a:rPr lang="ru-RU" sz="1400" b="0" dirty="0">
-                          <a:effectLst/>
-                          <a:latin typeface="Times New Roman" panose="02020603050405020304" pitchFamily="18" charset="0"/>
-                          <a:cs typeface="Times New Roman" panose="02020603050405020304" pitchFamily="18" charset="0"/>
-                        </a:rPr>
-                        <a:t>недостаток полномочий,</a:t>
-                      </a:r>
-                    </a:p>
-                    <a:p>
-                      <a:pPr marL="285750" indent="-285750" algn="just">
-                        <a:buFont typeface="Arial" panose="020B0604020202020204" pitchFamily="34" charset="0"/>
-                        <a:buChar char="•"/>
-                      </a:pPr>
-                      <a:r>
-                        <a:rPr lang="ru-RU" sz="1400" b="0" dirty="0">
-                          <a:effectLst/>
-                          <a:latin typeface="Times New Roman" panose="02020603050405020304" pitchFamily="18" charset="0"/>
-                          <a:cs typeface="Times New Roman" panose="02020603050405020304" pitchFamily="18" charset="0"/>
-                        </a:rPr>
-                        <a:t>ролевая неопределённость.</a:t>
-                      </a:r>
-                    </a:p>
-                  </a:txBody>
-                  <a:tcPr/>
-                </a:tc>
-                <a:extLst>
-                  <a:ext uri="{0D108BD9-81ED-4DB2-BD59-A6C34878D82A}">
-                    <a16:rowId xmlns:a16="http://schemas.microsoft.com/office/drawing/2014/main" val="3055950571"/>
-                  </a:ext>
-                </a:extLst>
-              </a:tr>
-              <a:tr h="589117">
-                <a:tc>
-                  <a:txBody>
-                    <a:bodyPr/>
-                    <a:lstStyle/>
-                    <a:p>
-                      <a:pPr algn="just"/>
-                      <a:r>
-                        <a:rPr lang="ru-RU" sz="1400" b="0" dirty="0">
-                          <a:effectLst/>
-                          <a:latin typeface="Times New Roman" panose="02020603050405020304" pitchFamily="18" charset="0"/>
-                          <a:cs typeface="Times New Roman" panose="02020603050405020304" pitchFamily="18" charset="0"/>
-                        </a:rPr>
-                        <a:t>Коммуникативные факторы</a:t>
-                      </a:r>
-                    </a:p>
-                  </a:txBody>
-                  <a:tcPr/>
-                </a:tc>
-                <a:tc>
-                  <a:txBody>
-                    <a:bodyPr/>
-                    <a:lstStyle/>
-                    <a:p>
-                      <a:pPr marL="285750" indent="-285750" algn="just">
-                        <a:buFont typeface="Arial" panose="020B0604020202020204" pitchFamily="34" charset="0"/>
-                        <a:buChar char="•"/>
-                      </a:pPr>
-                      <a:r>
-                        <a:rPr lang="ru-RU" sz="1400" b="0" dirty="0">
-                          <a:effectLst/>
-                          <a:latin typeface="Times New Roman" panose="02020603050405020304" pitchFamily="18" charset="0"/>
-                          <a:cs typeface="Times New Roman" panose="02020603050405020304" pitchFamily="18" charset="0"/>
-                        </a:rPr>
-                        <a:t>взаимоотношения с руководством, подчинёнными или коллегами,</a:t>
-                      </a:r>
-                    </a:p>
-                    <a:p>
-                      <a:pPr marL="285750" indent="-285750" algn="just">
-                        <a:buFont typeface="Arial" panose="020B0604020202020204" pitchFamily="34" charset="0"/>
-                        <a:buChar char="•"/>
-                      </a:pPr>
-                      <a:r>
-                        <a:rPr lang="ru-RU" sz="1400" b="0" dirty="0">
-                          <a:effectLst/>
-                          <a:latin typeface="Times New Roman" panose="02020603050405020304" pitchFamily="18" charset="0"/>
-                          <a:cs typeface="Times New Roman" panose="02020603050405020304" pitchFamily="18" charset="0"/>
-                        </a:rPr>
-                        <a:t>трудности делегирования полномочий.</a:t>
-                      </a:r>
-                    </a:p>
-                  </a:txBody>
-                  <a:tcPr/>
-                </a:tc>
-                <a:extLst>
-                  <a:ext uri="{0D108BD9-81ED-4DB2-BD59-A6C34878D82A}">
-                    <a16:rowId xmlns:a16="http://schemas.microsoft.com/office/drawing/2014/main" val="4046169263"/>
-                  </a:ext>
-                </a:extLst>
-              </a:tr>
-              <a:tr h="1010020">
-                <a:tc>
-                  <a:txBody>
-                    <a:bodyPr/>
-                    <a:lstStyle/>
-                    <a:p>
-                      <a:pPr algn="just"/>
-                      <a:r>
-                        <a:rPr lang="ru-RU" sz="1400" b="0" dirty="0">
-                          <a:effectLst/>
-                          <a:latin typeface="Times New Roman" panose="02020603050405020304" pitchFamily="18" charset="0"/>
-                          <a:cs typeface="Times New Roman" panose="02020603050405020304" pitchFamily="18" charset="0"/>
-                        </a:rPr>
-                        <a:t>Трудности построения деловой карьеры</a:t>
-                      </a:r>
-                    </a:p>
-                  </a:txBody>
-                  <a:tcPr/>
-                </a:tc>
-                <a:tc>
-                  <a:txBody>
-                    <a:bodyPr/>
-                    <a:lstStyle/>
-                    <a:p>
-                      <a:pPr marL="285750" indent="-285750" algn="just">
-                        <a:buFont typeface="Arial" panose="020B0604020202020204" pitchFamily="34" charset="0"/>
-                        <a:buChar char="•"/>
-                      </a:pPr>
-                      <a:r>
-                        <a:rPr lang="ru-RU" sz="1400" b="0" dirty="0">
-                          <a:effectLst/>
-                          <a:latin typeface="Times New Roman" panose="02020603050405020304" pitchFamily="18" charset="0"/>
-                          <a:cs typeface="Times New Roman" panose="02020603050405020304" pitchFamily="18" charset="0"/>
-                        </a:rPr>
-                        <a:t>неадекватный уровень притязаний,</a:t>
-                      </a:r>
-                    </a:p>
-                    <a:p>
-                      <a:pPr marL="285750" indent="-285750" algn="just">
-                        <a:buFont typeface="Arial" panose="020B0604020202020204" pitchFamily="34" charset="0"/>
-                        <a:buChar char="•"/>
-                      </a:pPr>
-                      <a:r>
-                        <a:rPr lang="ru-RU" sz="1400" b="0" dirty="0">
-                          <a:effectLst/>
-                          <a:latin typeface="Times New Roman" panose="02020603050405020304" pitchFamily="18" charset="0"/>
-                          <a:cs typeface="Times New Roman" panose="02020603050405020304" pitchFamily="18" charset="0"/>
-                        </a:rPr>
-                        <a:t>профессиональная неуспешность,</a:t>
-                      </a:r>
-                    </a:p>
-                    <a:p>
-                      <a:pPr marL="285750" indent="-285750" algn="just">
-                        <a:buFont typeface="Arial" panose="020B0604020202020204" pitchFamily="34" charset="0"/>
-                        <a:buChar char="•"/>
-                      </a:pPr>
-                      <a:r>
-                        <a:rPr lang="ru-RU" sz="1400" b="0" dirty="0">
-                          <a:effectLst/>
-                          <a:latin typeface="Times New Roman" panose="02020603050405020304" pitchFamily="18" charset="0"/>
-                          <a:cs typeface="Times New Roman" panose="02020603050405020304" pitchFamily="18" charset="0"/>
-                        </a:rPr>
-                        <a:t>слишком медленный или слишком быстрый карьерный рост,</a:t>
-                      </a:r>
-                    </a:p>
-                    <a:p>
-                      <a:pPr marL="285750" indent="-285750" algn="just">
-                        <a:buFont typeface="Arial" panose="020B0604020202020204" pitchFamily="34" charset="0"/>
-                        <a:buChar char="•"/>
-                      </a:pPr>
-                      <a:r>
-                        <a:rPr lang="ru-RU" sz="1400" b="0" dirty="0">
-                          <a:effectLst/>
-                          <a:latin typeface="Times New Roman" panose="02020603050405020304" pitchFamily="18" charset="0"/>
-                          <a:cs typeface="Times New Roman" panose="02020603050405020304" pitchFamily="18" charset="0"/>
-                        </a:rPr>
-                        <a:t>страх перед увольнением.</a:t>
-                      </a:r>
-                    </a:p>
-                  </a:txBody>
-                  <a:tcPr/>
-                </a:tc>
-                <a:extLst>
-                  <a:ext uri="{0D108BD9-81ED-4DB2-BD59-A6C34878D82A}">
-                    <a16:rowId xmlns:a16="http://schemas.microsoft.com/office/drawing/2014/main" val="532886314"/>
-                  </a:ext>
-                </a:extLst>
-              </a:tr>
-              <a:tr h="781951">
-                <a:tc>
-                  <a:txBody>
-                    <a:bodyPr/>
-                    <a:lstStyle/>
-                    <a:p>
-                      <a:pPr algn="just"/>
-                      <a:r>
-                        <a:rPr lang="ru-RU" sz="1400" b="0" dirty="0">
-                          <a:effectLst/>
-                          <a:latin typeface="Times New Roman" panose="02020603050405020304" pitchFamily="18" charset="0"/>
-                          <a:cs typeface="Times New Roman" panose="02020603050405020304" pitchFamily="18" charset="0"/>
-                        </a:rPr>
-                        <a:t>Факторы, связанные с организационной культурой и психологическим климатом</a:t>
-                      </a:r>
-                    </a:p>
-                  </a:txBody>
-                  <a:tcPr/>
-                </a:tc>
-                <a:tc>
-                  <a:txBody>
-                    <a:bodyPr/>
-                    <a:lstStyle/>
-                    <a:p>
-                      <a:pPr marL="285750" indent="-285750" algn="just">
-                        <a:buFont typeface="Arial" panose="020B0604020202020204" pitchFamily="34" charset="0"/>
-                        <a:buChar char="•"/>
-                      </a:pPr>
-                      <a:r>
-                        <a:rPr lang="ru-RU" sz="1400" b="0" dirty="0">
-                          <a:effectLst/>
-                          <a:latin typeface="Times New Roman" panose="02020603050405020304" pitchFamily="18" charset="0"/>
-                          <a:cs typeface="Times New Roman" panose="02020603050405020304" pitchFamily="18" charset="0"/>
-                        </a:rPr>
-                        <a:t>несоответствие установок и ожиданий работника корпоративной культуре предприятия,</a:t>
-                      </a:r>
-                    </a:p>
-                    <a:p>
-                      <a:pPr marL="285750" indent="-285750" algn="just">
-                        <a:buFont typeface="Arial" panose="020B0604020202020204" pitchFamily="34" charset="0"/>
-                        <a:buChar char="•"/>
-                      </a:pPr>
-                      <a:r>
-                        <a:rPr lang="ru-RU" sz="1400" b="0" dirty="0">
-                          <a:effectLst/>
-                          <a:latin typeface="Times New Roman" panose="02020603050405020304" pitchFamily="18" charset="0"/>
-                          <a:cs typeface="Times New Roman" panose="02020603050405020304" pitchFamily="18" charset="0"/>
-                        </a:rPr>
-                        <a:t>ограничение индивидуальной свободы,</a:t>
-                      </a:r>
-                    </a:p>
-                    <a:p>
-                      <a:pPr marL="285750" indent="-285750" algn="just">
-                        <a:buFont typeface="Arial" panose="020B0604020202020204" pitchFamily="34" charset="0"/>
-                        <a:buChar char="•"/>
-                      </a:pPr>
-                      <a:r>
-                        <a:rPr lang="ru-RU" sz="1400" b="0" dirty="0">
-                          <a:effectLst/>
-                          <a:latin typeface="Times New Roman" panose="02020603050405020304" pitchFamily="18" charset="0"/>
-                          <a:cs typeface="Times New Roman" panose="02020603050405020304" pitchFamily="18" charset="0"/>
-                        </a:rPr>
-                        <a:t>интриги.</a:t>
-                      </a:r>
-                    </a:p>
-                  </a:txBody>
-                  <a:tcPr/>
-                </a:tc>
-                <a:extLst>
-                  <a:ext uri="{0D108BD9-81ED-4DB2-BD59-A6C34878D82A}">
-                    <a16:rowId xmlns:a16="http://schemas.microsoft.com/office/drawing/2014/main" val="41138885"/>
-                  </a:ext>
-                </a:extLst>
-              </a:tr>
-              <a:tr h="781951">
-                <a:tc>
-                  <a:txBody>
-                    <a:bodyPr/>
-                    <a:lstStyle/>
-                    <a:p>
-                      <a:pPr algn="just"/>
-                      <a:r>
-                        <a:rPr lang="ru-RU" sz="1400" b="0" dirty="0" err="1">
-                          <a:effectLst/>
-                          <a:latin typeface="Times New Roman" panose="02020603050405020304" pitchFamily="18" charset="0"/>
-                          <a:cs typeface="Times New Roman" panose="02020603050405020304" pitchFamily="18" charset="0"/>
-                        </a:rPr>
-                        <a:t>Внеорганизационные</a:t>
-                      </a:r>
-                      <a:r>
-                        <a:rPr lang="ru-RU" sz="1400" b="0" dirty="0">
-                          <a:effectLst/>
-                          <a:latin typeface="Times New Roman" panose="02020603050405020304" pitchFamily="18" charset="0"/>
-                          <a:cs typeface="Times New Roman" panose="02020603050405020304" pitchFamily="18" charset="0"/>
-                        </a:rPr>
-                        <a:t> источники стрессов</a:t>
-                      </a:r>
-                    </a:p>
-                  </a:txBody>
-                  <a:tcPr/>
-                </a:tc>
-                <a:tc>
-                  <a:txBody>
-                    <a:bodyPr/>
-                    <a:lstStyle/>
-                    <a:p>
-                      <a:pPr marL="285750" indent="-285750" algn="just">
-                        <a:buFont typeface="Arial" panose="020B0604020202020204" pitchFamily="34" charset="0"/>
-                        <a:buChar char="•"/>
-                      </a:pPr>
-                      <a:r>
-                        <a:rPr lang="ru-RU" sz="1400" b="0" dirty="0">
-                          <a:effectLst/>
-                          <a:latin typeface="Times New Roman" panose="02020603050405020304" pitchFamily="18" charset="0"/>
-                          <a:cs typeface="Times New Roman" panose="02020603050405020304" pitchFamily="18" charset="0"/>
-                        </a:rPr>
-                        <a:t>проблемы в семейной жизни из-за </a:t>
-                      </a:r>
-                      <a:r>
-                        <a:rPr lang="ru-RU" sz="1400" b="0" dirty="0" err="1">
-                          <a:effectLst/>
-                          <a:latin typeface="Times New Roman" panose="02020603050405020304" pitchFamily="18" charset="0"/>
-                          <a:cs typeface="Times New Roman" panose="02020603050405020304" pitchFamily="18" charset="0"/>
-                        </a:rPr>
-                        <a:t>сверхнормальных</a:t>
-                      </a:r>
-                      <a:r>
-                        <a:rPr lang="ru-RU" sz="1400" b="0" dirty="0">
-                          <a:effectLst/>
-                          <a:latin typeface="Times New Roman" panose="02020603050405020304" pitchFamily="18" charset="0"/>
-                          <a:cs typeface="Times New Roman" panose="02020603050405020304" pitchFamily="18" charset="0"/>
-                        </a:rPr>
-                        <a:t> нагрузок на работе,</a:t>
-                      </a:r>
-                    </a:p>
-                    <a:p>
-                      <a:pPr marL="285750" indent="-285750" algn="just">
-                        <a:buFont typeface="Arial" panose="020B0604020202020204" pitchFamily="34" charset="0"/>
-                        <a:buChar char="•"/>
-                      </a:pPr>
-                      <a:r>
-                        <a:rPr lang="ru-RU" sz="1400" b="0" dirty="0">
-                          <a:effectLst/>
-                          <a:latin typeface="Times New Roman" panose="02020603050405020304" pitchFamily="18" charset="0"/>
-                          <a:cs typeface="Times New Roman" panose="02020603050405020304" pitchFamily="18" charset="0"/>
-                        </a:rPr>
-                        <a:t>неумение разделить профессиональную и семейную ролевую стратегию поведения,</a:t>
-                      </a:r>
-                    </a:p>
-                    <a:p>
-                      <a:pPr marL="285750" indent="-285750" algn="just">
-                        <a:buFont typeface="Arial" panose="020B0604020202020204" pitchFamily="34" charset="0"/>
-                        <a:buChar char="•"/>
-                      </a:pPr>
-                      <a:r>
-                        <a:rPr lang="ru-RU" sz="1400" b="0" dirty="0">
-                          <a:effectLst/>
-                          <a:latin typeface="Times New Roman" panose="02020603050405020304" pitchFamily="18" charset="0"/>
-                          <a:cs typeface="Times New Roman" panose="02020603050405020304" pitchFamily="18" charset="0"/>
-                        </a:rPr>
-                        <a:t>семейные конфликты, связанные с притязанием обоих супругов на карьерное продвижение.</a:t>
-                      </a:r>
-                    </a:p>
-                  </a:txBody>
-                  <a:tcPr/>
-                </a:tc>
-                <a:extLst>
-                  <a:ext uri="{0D108BD9-81ED-4DB2-BD59-A6C34878D82A}">
-                    <a16:rowId xmlns:a16="http://schemas.microsoft.com/office/drawing/2014/main" val="244553789"/>
-                  </a:ext>
-                </a:extLst>
-              </a:tr>
-            </a:tbl>
-          </a:graphicData>
-        </a:graphic>
-      </p:graphicFrame>
+            <a:endParaRPr lang="ru-RU"/>
+          </a:p>
+        </p:txBody>
+      </p:sp>
+      <p:pic>
+        <p:nvPicPr>
+          <p:cNvPr id="1026" name="Picture 2" descr="InfluxDB — Википедия">
+            <a:extLst>
+              <a:ext uri="{FF2B5EF4-FFF2-40B4-BE49-F238E27FC236}">
+                <a16:creationId xmlns:a16="http://schemas.microsoft.com/office/drawing/2014/main" id="{3C6CD6B0-5C13-4FE1-9178-EC754E12FFE9}"/>
+              </a:ext>
+            </a:extLst>
+          </p:cNvPr>
+          <p:cNvPicPr>
+            <a:picLocks noChangeAspect="1" noChangeArrowheads="1"/>
+          </p:cNvPicPr>
+          <p:nvPr/>
+        </p:nvPicPr>
+        <p:blipFill>
+          <a:blip r:embed="rId2">
+            <a:extLst>
+              <a:ext uri="{28A0092B-C50C-407E-A947-70E740481C1C}">
+                <a14:useLocalDpi xmlns:a14="http://schemas.microsoft.com/office/drawing/2010/main" val="0"/>
+              </a:ext>
+            </a:extLst>
+          </a:blip>
+          <a:srcRect/>
+          <a:stretch>
+            <a:fillRect/>
+          </a:stretch>
+        </p:blipFill>
+        <p:spPr bwMode="auto">
+          <a:xfrm>
+            <a:off x="8317072" y="1500933"/>
+            <a:ext cx="3435626" cy="1274045"/>
+          </a:xfrm>
+          <a:prstGeom prst="rect">
+            <a:avLst/>
+          </a:prstGeom>
+          <a:noFill/>
+          <a:extLst>
+            <a:ext uri="{909E8E84-426E-40DD-AFC4-6F175D3DCCD1}">
+              <a14:hiddenFill xmlns:a14="http://schemas.microsoft.com/office/drawing/2010/main">
+                <a:solidFill>
+                  <a:srgbClr val="FFFFFF"/>
+                </a:solidFill>
+              </a14:hiddenFill>
+            </a:ext>
+          </a:extLst>
+        </p:spPr>
+      </p:pic>
+      <p:sp>
+        <p:nvSpPr>
+          <p:cNvPr id="9" name="Объект 2">
+            <a:extLst>
+              <a:ext uri="{FF2B5EF4-FFF2-40B4-BE49-F238E27FC236}">
+                <a16:creationId xmlns:a16="http://schemas.microsoft.com/office/drawing/2014/main" id="{5459EEA5-50B8-484E-A0F2-9C70FD39EABD}"/>
+              </a:ext>
+            </a:extLst>
+          </p:cNvPr>
+          <p:cNvSpPr txBox="1">
+            <a:spLocks/>
+          </p:cNvSpPr>
+          <p:nvPr/>
+        </p:nvSpPr>
+        <p:spPr>
+          <a:xfrm>
+            <a:off x="971608" y="1500934"/>
+            <a:ext cx="7638992" cy="1628806"/>
+          </a:xfrm>
+          <a:prstGeom prst="rect">
+            <a:avLst/>
+          </a:prstGeom>
+        </p:spPr>
+        <p:txBody>
+          <a:bodyPr vert="horz" lIns="91440" tIns="45720" rIns="91440" bIns="45720" rtlCol="0">
+            <a:normAutofit/>
+          </a:bodyPr>
+          <a:lstStyle>
+            <a:lvl1pPr marL="228600" indent="-228600" algn="l" defTabSz="914400" rtl="0" eaLnBrk="1" latinLnBrk="0" hangingPunct="1">
+              <a:lnSpc>
+                <a:spcPct val="90000"/>
+              </a:lnSpc>
+              <a:spcBef>
+                <a:spcPts val="1000"/>
+              </a:spcBef>
+              <a:buFont typeface="Arial" panose="020B0604020202020204" pitchFamily="34" charset="0"/>
+              <a:buChar char="•"/>
+              <a:defRPr sz="2800" kern="1200">
+                <a:solidFill>
+                  <a:schemeClr val="tx1"/>
+                </a:solidFill>
+                <a:latin typeface="+mn-lt"/>
+                <a:ea typeface="+mn-ea"/>
+                <a:cs typeface="+mn-cs"/>
+              </a:defRPr>
+            </a:lvl1pPr>
+            <a:lvl2pPr marL="685800" indent="-228600" algn="l" defTabSz="914400" rtl="0" eaLnBrk="1" latinLnBrk="0" hangingPunct="1">
+              <a:lnSpc>
+                <a:spcPct val="90000"/>
+              </a:lnSpc>
+              <a:spcBef>
+                <a:spcPts val="500"/>
+              </a:spcBef>
+              <a:buFont typeface="Arial" panose="020B0604020202020204" pitchFamily="34" charset="0"/>
+              <a:buChar char="•"/>
+              <a:defRPr sz="2400" kern="1200">
+                <a:solidFill>
+                  <a:schemeClr val="tx1"/>
+                </a:solidFill>
+                <a:latin typeface="+mn-lt"/>
+                <a:ea typeface="+mn-ea"/>
+                <a:cs typeface="+mn-cs"/>
+              </a:defRPr>
+            </a:lvl2pPr>
+            <a:lvl3pPr marL="1143000" indent="-228600" algn="l" defTabSz="914400" rtl="0" eaLnBrk="1" latinLnBrk="0" hangingPunct="1">
+              <a:lnSpc>
+                <a:spcPct val="90000"/>
+              </a:lnSpc>
+              <a:spcBef>
+                <a:spcPts val="500"/>
+              </a:spcBef>
+              <a:buFont typeface="Arial" panose="020B0604020202020204" pitchFamily="34" charset="0"/>
+              <a:buChar char="•"/>
+              <a:defRPr sz="2000" kern="1200">
+                <a:solidFill>
+                  <a:schemeClr val="tx1"/>
+                </a:solidFill>
+                <a:latin typeface="+mn-lt"/>
+                <a:ea typeface="+mn-ea"/>
+                <a:cs typeface="+mn-cs"/>
+              </a:defRPr>
+            </a:lvl3pPr>
+            <a:lvl4pPr marL="1600200" indent="-228600" algn="l" defTabSz="914400" rtl="0" eaLnBrk="1" latinLnBrk="0" hangingPunct="1">
+              <a:lnSpc>
+                <a:spcPct val="90000"/>
+              </a:lnSpc>
+              <a:spcBef>
+                <a:spcPts val="500"/>
+              </a:spcBef>
+              <a:buFont typeface="Arial" panose="020B0604020202020204" pitchFamily="34" charset="0"/>
+              <a:buChar char="•"/>
+              <a:defRPr sz="1800" kern="1200">
+                <a:solidFill>
+                  <a:schemeClr val="tx1"/>
+                </a:solidFill>
+                <a:latin typeface="+mn-lt"/>
+                <a:ea typeface="+mn-ea"/>
+                <a:cs typeface="+mn-cs"/>
+              </a:defRPr>
+            </a:lvl4pPr>
+            <a:lvl5pPr marL="2057400" indent="-228600" algn="l" defTabSz="914400" rtl="0" eaLnBrk="1" latinLnBrk="0" hangingPunct="1">
+              <a:lnSpc>
+                <a:spcPct val="90000"/>
+              </a:lnSpc>
+              <a:spcBef>
+                <a:spcPts val="500"/>
+              </a:spcBef>
+              <a:buFont typeface="Arial" panose="020B0604020202020204" pitchFamily="34" charset="0"/>
+              <a:buChar char="•"/>
+              <a:defRPr sz="1800" kern="1200">
+                <a:solidFill>
+                  <a:schemeClr val="tx1"/>
+                </a:solidFill>
+                <a:latin typeface="+mn-lt"/>
+                <a:ea typeface="+mn-ea"/>
+                <a:cs typeface="+mn-cs"/>
+              </a:defRPr>
+            </a:lvl5pPr>
+            <a:lvl6pPr marL="2514600" indent="-228600" algn="l" defTabSz="914400" rtl="0" eaLnBrk="1" latinLnBrk="0" hangingPunct="1">
+              <a:lnSpc>
+                <a:spcPct val="90000"/>
+              </a:lnSpc>
+              <a:spcBef>
+                <a:spcPts val="500"/>
+              </a:spcBef>
+              <a:buFont typeface="Arial" panose="020B0604020202020204" pitchFamily="34" charset="0"/>
+              <a:buChar char="•"/>
+              <a:defRPr sz="1800" kern="1200">
+                <a:solidFill>
+                  <a:schemeClr val="tx1"/>
+                </a:solidFill>
+                <a:latin typeface="+mn-lt"/>
+                <a:ea typeface="+mn-ea"/>
+                <a:cs typeface="+mn-cs"/>
+              </a:defRPr>
+            </a:lvl6pPr>
+            <a:lvl7pPr marL="2971800" indent="-228600" algn="l" defTabSz="914400" rtl="0" eaLnBrk="1" latinLnBrk="0" hangingPunct="1">
+              <a:lnSpc>
+                <a:spcPct val="90000"/>
+              </a:lnSpc>
+              <a:spcBef>
+                <a:spcPts val="500"/>
+              </a:spcBef>
+              <a:buFont typeface="Arial" panose="020B0604020202020204" pitchFamily="34" charset="0"/>
+              <a:buChar char="•"/>
+              <a:defRPr sz="1800" kern="1200">
+                <a:solidFill>
+                  <a:schemeClr val="tx1"/>
+                </a:solidFill>
+                <a:latin typeface="+mn-lt"/>
+                <a:ea typeface="+mn-ea"/>
+                <a:cs typeface="+mn-cs"/>
+              </a:defRPr>
+            </a:lvl7pPr>
+            <a:lvl8pPr marL="3429000" indent="-228600" algn="l" defTabSz="914400" rtl="0" eaLnBrk="1" latinLnBrk="0" hangingPunct="1">
+              <a:lnSpc>
+                <a:spcPct val="90000"/>
+              </a:lnSpc>
+              <a:spcBef>
+                <a:spcPts val="500"/>
+              </a:spcBef>
+              <a:buFont typeface="Arial" panose="020B0604020202020204" pitchFamily="34" charset="0"/>
+              <a:buChar char="•"/>
+              <a:defRPr sz="1800" kern="1200">
+                <a:solidFill>
+                  <a:schemeClr val="tx1"/>
+                </a:solidFill>
+                <a:latin typeface="+mn-lt"/>
+                <a:ea typeface="+mn-ea"/>
+                <a:cs typeface="+mn-cs"/>
+              </a:defRPr>
+            </a:lvl8pPr>
+            <a:lvl9pPr marL="3886200" indent="-228600" algn="l" defTabSz="914400" rtl="0" eaLnBrk="1" latinLnBrk="0" hangingPunct="1">
+              <a:lnSpc>
+                <a:spcPct val="90000"/>
+              </a:lnSpc>
+              <a:spcBef>
+                <a:spcPts val="500"/>
+              </a:spcBef>
+              <a:buFont typeface="Arial" panose="020B0604020202020204" pitchFamily="34" charset="0"/>
+              <a:buChar char="•"/>
+              <a:defRPr sz="1800" kern="1200">
+                <a:solidFill>
+                  <a:schemeClr val="tx1"/>
+                </a:solidFill>
+                <a:latin typeface="+mn-lt"/>
+                <a:ea typeface="+mn-ea"/>
+                <a:cs typeface="+mn-cs"/>
+              </a:defRPr>
+            </a:lvl9pPr>
+          </a:lstStyle>
+          <a:p>
+            <a:pPr marL="0" indent="0" algn="just">
+              <a:buFont typeface="Arial" panose="020B0604020202020204" pitchFamily="34" charset="0"/>
+              <a:buNone/>
+            </a:pPr>
+            <a:r>
+              <a:rPr lang="en-US" dirty="0" err="1">
+                <a:latin typeface="Times New Roman" panose="02020603050405020304" pitchFamily="18" charset="0"/>
+                <a:cs typeface="Times New Roman" panose="02020603050405020304" pitchFamily="18" charset="0"/>
+              </a:rPr>
+              <a:t>InfluxDB</a:t>
+            </a:r>
+            <a:r>
+              <a:rPr lang="en-US" dirty="0">
+                <a:latin typeface="Times New Roman" panose="02020603050405020304" pitchFamily="18" charset="0"/>
+                <a:cs typeface="Times New Roman" panose="02020603050405020304" pitchFamily="18" charset="0"/>
+              </a:rPr>
+              <a:t> API </a:t>
+            </a:r>
+            <a:r>
+              <a:rPr lang="ru-RU" dirty="0">
+                <a:latin typeface="Times New Roman" panose="02020603050405020304" pitchFamily="18" charset="0"/>
+                <a:cs typeface="Times New Roman" panose="02020603050405020304" pitchFamily="18" charset="0"/>
+              </a:rPr>
+              <a:t>предоставляет способ взаимодействия с базой данных с использованием протокола </a:t>
+            </a:r>
+            <a:r>
+              <a:rPr lang="en-US" dirty="0">
+                <a:latin typeface="Times New Roman" panose="02020603050405020304" pitchFamily="18" charset="0"/>
+                <a:cs typeface="Times New Roman" panose="02020603050405020304" pitchFamily="18" charset="0"/>
+              </a:rPr>
+              <a:t>HTTP</a:t>
+            </a:r>
+            <a:r>
+              <a:rPr lang="ru-RU" dirty="0">
+                <a:latin typeface="Times New Roman" panose="02020603050405020304" pitchFamily="18" charset="0"/>
+                <a:cs typeface="Times New Roman" panose="02020603050405020304" pitchFamily="18" charset="0"/>
+              </a:rPr>
+              <a:t>.</a:t>
+            </a:r>
+          </a:p>
+          <a:p>
+            <a:pPr algn="just"/>
+            <a:endParaRPr lang="ru-RU" dirty="0">
+              <a:latin typeface="Times New Roman" panose="02020603050405020304" pitchFamily="18" charset="0"/>
+              <a:cs typeface="Times New Roman" panose="02020603050405020304" pitchFamily="18" charset="0"/>
+            </a:endParaRPr>
+          </a:p>
+        </p:txBody>
+      </p:sp>
     </p:spTree>
     <p:extLst>
       <p:ext uri="{BB962C8B-B14F-4D97-AF65-F5344CB8AC3E}">
-        <p14:creationId xmlns:p14="http://schemas.microsoft.com/office/powerpoint/2010/main" val="2237866845"/>
+        <p14:creationId xmlns:p14="http://schemas.microsoft.com/office/powerpoint/2010/main" val="1453784137"/>
       </p:ext>
     </p:extLst>
   </p:cSld>
@@ -9461,7 +8029,7 @@
           <p:cNvPr id="2" name="Заголовок 1">
             <a:extLst>
               <a:ext uri="{FF2B5EF4-FFF2-40B4-BE49-F238E27FC236}">
-                <a16:creationId xmlns:a16="http://schemas.microsoft.com/office/drawing/2014/main" id="{49B0E010-6F7E-45E0-ADC8-2BF59398400B}"/>
+                <a16:creationId xmlns:a16="http://schemas.microsoft.com/office/drawing/2014/main" id="{A8A78197-F0E5-482A-9DF3-DA7661662131}"/>
               </a:ext>
             </a:extLst>
           </p:cNvPr>
@@ -9472,7 +8040,12 @@
             <p:ph type="title"/>
           </p:nvPr>
         </p:nvSpPr>
-        <p:spPr/>
+        <p:spPr>
+          <a:xfrm>
+            <a:off x="838200" y="0"/>
+            <a:ext cx="10515600" cy="1325563"/>
+          </a:xfrm>
+        </p:spPr>
         <p:txBody>
           <a:bodyPr/>
           <a:lstStyle/>
@@ -9483,8 +8056,19 @@
                 <a:latin typeface="Times New Roman" panose="02020603050405020304" pitchFamily="18" charset="0"/>
                 <a:cs typeface="Times New Roman" panose="02020603050405020304" pitchFamily="18" charset="0"/>
               </a:rPr>
-              <a:t>Стадии стрессовой реакции</a:t>
-            </a:r>
+              <a:t>Протокол </a:t>
+            </a:r>
+            <a:r>
+              <a:rPr lang="en-US" dirty="0">
+                <a:latin typeface="Times New Roman" panose="02020603050405020304" pitchFamily="18" charset="0"/>
+                <a:cs typeface="Times New Roman" panose="02020603050405020304" pitchFamily="18" charset="0"/>
+              </a:rPr>
+              <a:t>HTTP</a:t>
+            </a:r>
+            <a:endParaRPr lang="ru-RU" dirty="0">
+              <a:latin typeface="Times New Roman" panose="02020603050405020304" pitchFamily="18" charset="0"/>
+              <a:cs typeface="Times New Roman" panose="02020603050405020304" pitchFamily="18" charset="0"/>
+            </a:endParaRPr>
           </a:p>
         </p:txBody>
       </p:sp>
@@ -9493,7 +8077,7 @@
           <p:cNvPr id="4" name="Номер слайда 3">
             <a:extLst>
               <a:ext uri="{FF2B5EF4-FFF2-40B4-BE49-F238E27FC236}">
-                <a16:creationId xmlns:a16="http://schemas.microsoft.com/office/drawing/2014/main" id="{B53C015B-F70F-4212-9519-6C44C1671A13}"/>
+                <a16:creationId xmlns:a16="http://schemas.microsoft.com/office/drawing/2014/main" id="{91DF3383-A895-4B0B-9937-2AAF01F676C3}"/>
               </a:ext>
             </a:extLst>
           </p:cNvPr>
@@ -9513,85 +8097,35 @@
               <a:rPr lang="ru-RU" smtClean="0"/>
               <a:t>5</a:t>
             </a:fld>
-            <a:endParaRPr lang="ru-RU"/>
-          </a:p>
-        </p:txBody>
-      </p:sp>
-      <p:pic>
-        <p:nvPicPr>
-          <p:cNvPr id="5" name="Объект 5">
-            <a:extLst>
-              <a:ext uri="{FF2B5EF4-FFF2-40B4-BE49-F238E27FC236}">
-                <a16:creationId xmlns:a16="http://schemas.microsoft.com/office/drawing/2014/main" id="{5DAC97B0-0338-4D8A-A51F-9EA7962FCC3C}"/>
-              </a:ext>
-            </a:extLst>
-          </p:cNvPr>
-          <p:cNvPicPr>
-            <a:picLocks noChangeAspect="1"/>
-          </p:cNvPicPr>
-          <p:nvPr/>
-        </p:nvPicPr>
-        <p:blipFill>
-          <a:blip r:embed="rId2">
-            <a:extLst>
-              <a:ext uri="{28A0092B-C50C-407E-A947-70E740481C1C}">
-                <a14:useLocalDpi xmlns:a14="http://schemas.microsoft.com/office/drawing/2010/main" val="0"/>
-              </a:ext>
-            </a:extLst>
-          </a:blip>
-          <a:stretch>
-            <a:fillRect/>
-          </a:stretch>
-        </p:blipFill>
+            <a:endParaRPr lang="ru-RU" dirty="0"/>
+          </a:p>
+        </p:txBody>
+      </p:sp>
+      <p:sp>
+        <p:nvSpPr>
+          <p:cNvPr id="6" name="Объект 2">
+            <a:extLst>
+              <a:ext uri="{FF2B5EF4-FFF2-40B4-BE49-F238E27FC236}">
+                <a16:creationId xmlns:a16="http://schemas.microsoft.com/office/drawing/2014/main" id="{B45D125C-522A-4819-A93F-79D718DA91F2}"/>
+              </a:ext>
+            </a:extLst>
+          </p:cNvPr>
+          <p:cNvSpPr>
+            <a:spLocks noGrp="1"/>
+          </p:cNvSpPr>
+          <p:nvPr>
+            <p:ph idx="1"/>
+          </p:nvPr>
+        </p:nvSpPr>
         <p:spPr>
           <a:xfrm>
-            <a:off x="5900523" y="1792264"/>
-            <a:ext cx="6153593" cy="3380869"/>
+            <a:off x="838200" y="1214665"/>
+            <a:ext cx="10781090" cy="5141685"/>
           </a:xfrm>
-          <a:prstGeom prst="rect">
-            <a:avLst/>
-          </a:prstGeom>
-          <a:ln w="38100" cap="sq">
-            <a:solidFill>
-              <a:srgbClr val="000000"/>
-            </a:solidFill>
-            <a:prstDash val="solid"/>
-            <a:miter lim="800000"/>
-          </a:ln>
-          <a:effectLst>
-            <a:outerShdw blurRad="50800" dist="38100" dir="2700000" algn="tl" rotWithShape="0">
-              <a:srgbClr val="000000">
-                <a:alpha val="43000"/>
-              </a:srgbClr>
-            </a:outerShdw>
-          </a:effectLst>
         </p:spPr>
-      </p:pic>
-      <p:sp>
-        <p:nvSpPr>
-          <p:cNvPr id="7" name="TextBox 6">
-            <a:extLst>
-              <a:ext uri="{FF2B5EF4-FFF2-40B4-BE49-F238E27FC236}">
-                <a16:creationId xmlns:a16="http://schemas.microsoft.com/office/drawing/2014/main" id="{A25E994C-4103-425D-BAD1-0FF117284DB8}"/>
-              </a:ext>
-            </a:extLst>
-          </p:cNvPr>
-          <p:cNvSpPr txBox="1"/>
-          <p:nvPr/>
-        </p:nvSpPr>
-        <p:spPr>
-          <a:xfrm>
-            <a:off x="838200" y="5402243"/>
-            <a:ext cx="10515600" cy="954107"/>
-          </a:xfrm>
-          <a:prstGeom prst="rect">
-            <a:avLst/>
-          </a:prstGeom>
-          <a:noFill/>
-        </p:spPr>
-        <p:txBody>
-          <a:bodyPr wrap="square">
-            <a:spAutoFit/>
+        <p:txBody>
+          <a:bodyPr>
+            <a:normAutofit/>
           </a:bodyPr>
           <a:lstStyle/>
           <a:p>
@@ -9599,225 +8133,99 @@
               <a:buNone/>
             </a:pPr>
             <a:r>
-              <a:rPr lang="ru-RU" sz="2800" dirty="0">
+              <a:rPr lang="ru-RU" dirty="0">
                 <a:latin typeface="Times New Roman" panose="02020603050405020304" pitchFamily="18" charset="0"/>
                 <a:cs typeface="Times New Roman" panose="02020603050405020304" pitchFamily="18" charset="0"/>
               </a:rPr>
-              <a:t>Важно выявить наступление стадии истощения для дальнейшего плодотворного функционирования организма</a:t>
-            </a:r>
-          </a:p>
-        </p:txBody>
-      </p:sp>
-      <p:graphicFrame>
-        <p:nvGraphicFramePr>
-          <p:cNvPr id="6" name="Таблица 7">
-            <a:extLst>
-              <a:ext uri="{FF2B5EF4-FFF2-40B4-BE49-F238E27FC236}">
-                <a16:creationId xmlns:a16="http://schemas.microsoft.com/office/drawing/2014/main" id="{D4C875E6-F6FB-4C23-B1C5-FFCC8F58B473}"/>
-              </a:ext>
-            </a:extLst>
-          </p:cNvPr>
-          <p:cNvGraphicFramePr>
-            <a:graphicFrameLocks noGrp="1"/>
-          </p:cNvGraphicFramePr>
-          <p:nvPr>
-            <p:extLst>
-              <p:ext uri="{D42A27DB-BD31-4B8C-83A1-F6EECF244321}">
-                <p14:modId xmlns:p14="http://schemas.microsoft.com/office/powerpoint/2010/main" val="3592375698"/>
-              </p:ext>
-            </p:extLst>
-          </p:nvPr>
-        </p:nvGraphicFramePr>
-        <p:xfrm>
-          <a:off x="490551" y="1544093"/>
-          <a:ext cx="5178730" cy="3781302"/>
-        </p:xfrm>
-        <a:graphic>
-          <a:graphicData uri="http://schemas.openxmlformats.org/drawingml/2006/table">
-            <a:tbl>
-              <a:tblPr firstRow="1" bandRow="1">
-                <a:tableStyleId>{073A0DAA-6AF3-43AB-8588-CEC1D06C72B9}</a:tableStyleId>
-              </a:tblPr>
-              <a:tblGrid>
-                <a:gridCol w="2589365">
-                  <a:extLst>
-                    <a:ext uri="{9D8B030D-6E8A-4147-A177-3AD203B41FA5}">
-                      <a16:colId xmlns:a16="http://schemas.microsoft.com/office/drawing/2014/main" val="3130025223"/>
-                    </a:ext>
-                  </a:extLst>
-                </a:gridCol>
-                <a:gridCol w="2589365">
-                  <a:extLst>
-                    <a:ext uri="{9D8B030D-6E8A-4147-A177-3AD203B41FA5}">
-                      <a16:colId xmlns:a16="http://schemas.microsoft.com/office/drawing/2014/main" val="1185311801"/>
-                    </a:ext>
-                  </a:extLst>
-                </a:gridCol>
-              </a:tblGrid>
-              <a:tr h="563370">
-                <a:tc>
-                  <a:txBody>
-                    <a:bodyPr/>
-                    <a:lstStyle/>
-                    <a:p>
-                      <a:r>
-                        <a:rPr lang="ru-RU" dirty="0">
-                          <a:latin typeface="Times New Roman" panose="02020603050405020304" pitchFamily="18" charset="0"/>
-                          <a:cs typeface="Times New Roman" panose="02020603050405020304" pitchFamily="18" charset="0"/>
-                        </a:rPr>
-                        <a:t>Стадия </a:t>
-                      </a:r>
-                    </a:p>
-                  </a:txBody>
-                  <a:tcPr/>
-                </a:tc>
-                <a:tc>
-                  <a:txBody>
-                    <a:bodyPr/>
-                    <a:lstStyle/>
-                    <a:p>
-                      <a:r>
-                        <a:rPr lang="ru-RU" dirty="0">
-                          <a:latin typeface="Times New Roman" panose="02020603050405020304" pitchFamily="18" charset="0"/>
-                          <a:cs typeface="Times New Roman" panose="02020603050405020304" pitchFamily="18" charset="0"/>
-                        </a:rPr>
-                        <a:t>Характеристика</a:t>
-                      </a:r>
-                    </a:p>
-                  </a:txBody>
-                  <a:tcPr/>
-                </a:tc>
-                <a:extLst>
-                  <a:ext uri="{0D108BD9-81ED-4DB2-BD59-A6C34878D82A}">
-                    <a16:rowId xmlns:a16="http://schemas.microsoft.com/office/drawing/2014/main" val="2239062112"/>
-                  </a:ext>
-                </a:extLst>
-              </a:tr>
-              <a:tr h="563370">
-                <a:tc>
-                  <a:txBody>
-                    <a:bodyPr/>
-                    <a:lstStyle/>
-                    <a:p>
-                      <a:r>
-                        <a:rPr lang="ru-RU" dirty="0">
-                          <a:latin typeface="Times New Roman" panose="02020603050405020304" pitchFamily="18" charset="0"/>
-                          <a:cs typeface="Times New Roman" panose="02020603050405020304" pitchFamily="18" charset="0"/>
-                        </a:rPr>
-                        <a:t>Стадия тревоги</a:t>
-                      </a:r>
-                    </a:p>
-                  </a:txBody>
-                  <a:tcPr/>
-                </a:tc>
-                <a:tc>
-                  <a:txBody>
-                    <a:bodyPr/>
-                    <a:lstStyle/>
-                    <a:p>
-                      <a:r>
-                        <a:rPr lang="ru-RU" dirty="0">
-                          <a:latin typeface="Times New Roman" panose="02020603050405020304" pitchFamily="18" charset="0"/>
-                          <a:cs typeface="Times New Roman" panose="02020603050405020304" pitchFamily="18" charset="0"/>
-                        </a:rPr>
-                        <a:t>Реакция организма на раздражители</a:t>
-                      </a:r>
-                    </a:p>
-                  </a:txBody>
-                  <a:tcPr/>
-                </a:tc>
-                <a:extLst>
-                  <a:ext uri="{0D108BD9-81ED-4DB2-BD59-A6C34878D82A}">
-                    <a16:rowId xmlns:a16="http://schemas.microsoft.com/office/drawing/2014/main" val="191967762"/>
-                  </a:ext>
-                </a:extLst>
-              </a:tr>
-              <a:tr h="1389132">
-                <a:tc>
-                  <a:txBody>
-                    <a:bodyPr/>
-                    <a:lstStyle/>
-                    <a:p>
-                      <a:r>
-                        <a:rPr lang="ru-RU" dirty="0">
-                          <a:latin typeface="Times New Roman" panose="02020603050405020304" pitchFamily="18" charset="0"/>
-                          <a:cs typeface="Times New Roman" panose="02020603050405020304" pitchFamily="18" charset="0"/>
-                        </a:rPr>
-                        <a:t>Стадия адаптации</a:t>
-                      </a:r>
-                    </a:p>
-                  </a:txBody>
-                  <a:tcPr/>
-                </a:tc>
-                <a:tc>
-                  <a:txBody>
-                    <a:bodyPr/>
-                    <a:lstStyle/>
-                    <a:p>
-                      <a:r>
-                        <a:rPr lang="ru-RU" dirty="0">
-                          <a:latin typeface="Times New Roman" panose="02020603050405020304" pitchFamily="18" charset="0"/>
-                          <a:cs typeface="Times New Roman" panose="02020603050405020304" pitchFamily="18" charset="0"/>
-                        </a:rPr>
-                        <a:t>Противодействие физиологическим изменениям, возникшим на предыдущей стадии</a:t>
-                      </a:r>
-                    </a:p>
-                  </a:txBody>
-                  <a:tcPr/>
-                </a:tc>
-                <a:extLst>
-                  <a:ext uri="{0D108BD9-81ED-4DB2-BD59-A6C34878D82A}">
-                    <a16:rowId xmlns:a16="http://schemas.microsoft.com/office/drawing/2014/main" val="296043579"/>
-                  </a:ext>
-                </a:extLst>
-              </a:tr>
-              <a:tr h="972393">
-                <a:tc>
-                  <a:txBody>
-                    <a:bodyPr/>
-                    <a:lstStyle/>
-                    <a:p>
-                      <a:r>
-                        <a:rPr lang="ru-RU" dirty="0">
-                          <a:latin typeface="Times New Roman" panose="02020603050405020304" pitchFamily="18" charset="0"/>
-                          <a:cs typeface="Times New Roman" panose="02020603050405020304" pitchFamily="18" charset="0"/>
-                        </a:rPr>
-                        <a:t>Стадия истощения</a:t>
-                      </a:r>
-                    </a:p>
-                  </a:txBody>
-                  <a:tcPr/>
-                </a:tc>
-                <a:tc>
-                  <a:txBody>
-                    <a:bodyPr/>
-                    <a:lstStyle/>
-                    <a:p>
-                      <a:r>
-                        <a:rPr lang="ru-RU" dirty="0">
-                          <a:latin typeface="Times New Roman" panose="02020603050405020304" pitchFamily="18" charset="0"/>
-                          <a:cs typeface="Times New Roman" panose="02020603050405020304" pitchFamily="18" charset="0"/>
-                        </a:rPr>
-                        <a:t>Организм начинает истощать собственную адаптивную способность</a:t>
-                      </a:r>
-                    </a:p>
-                  </a:txBody>
-                  <a:tcPr/>
-                </a:tc>
-                <a:extLst>
-                  <a:ext uri="{0D108BD9-81ED-4DB2-BD59-A6C34878D82A}">
-                    <a16:rowId xmlns:a16="http://schemas.microsoft.com/office/drawing/2014/main" val="1146600484"/>
-                  </a:ext>
-                </a:extLst>
-              </a:tr>
-            </a:tbl>
-          </a:graphicData>
-        </a:graphic>
-      </p:graphicFrame>
+              <a:t>Реализует клиент-серверную технологию, которая предполагает наличие множества клиентов, а также множества серверов.</a:t>
+            </a:r>
+          </a:p>
+          <a:p>
+            <a:pPr marL="0" indent="0" algn="just">
+              <a:buNone/>
+            </a:pPr>
+            <a:endParaRPr lang="ru-RU" dirty="0">
+              <a:latin typeface="Times New Roman" panose="02020603050405020304" pitchFamily="18" charset="0"/>
+              <a:cs typeface="Times New Roman" panose="02020603050405020304" pitchFamily="18" charset="0"/>
+            </a:endParaRPr>
+          </a:p>
+          <a:p>
+            <a:pPr marL="0" indent="0" algn="just">
+              <a:buNone/>
+            </a:pPr>
+            <a:r>
+              <a:rPr lang="ru-RU" dirty="0">
+                <a:latin typeface="Times New Roman" panose="02020603050405020304" pitchFamily="18" charset="0"/>
+                <a:cs typeface="Times New Roman" panose="02020603050405020304" pitchFamily="18" charset="0"/>
+              </a:rPr>
+              <a:t>Главный объект обработки – это ресурс, который записан в форме </a:t>
+            </a:r>
+            <a:r>
+              <a:rPr lang="en-US" dirty="0">
+                <a:latin typeface="Times New Roman" panose="02020603050405020304" pitchFamily="18" charset="0"/>
+                <a:cs typeface="Times New Roman" panose="02020603050405020304" pitchFamily="18" charset="0"/>
+              </a:rPr>
+              <a:t>URI. </a:t>
+            </a:r>
+            <a:r>
+              <a:rPr lang="ru-RU" dirty="0">
+                <a:latin typeface="Times New Roman" panose="02020603050405020304" pitchFamily="18" charset="0"/>
+                <a:cs typeface="Times New Roman" panose="02020603050405020304" pitchFamily="18" charset="0"/>
+              </a:rPr>
+              <a:t>В качестве ресурса выступают файлы.</a:t>
+            </a:r>
+          </a:p>
+          <a:p>
+            <a:pPr marL="0" indent="0" algn="just">
+              <a:buNone/>
+            </a:pPr>
+            <a:endParaRPr lang="ru-RU" dirty="0">
+              <a:latin typeface="Times New Roman" panose="02020603050405020304" pitchFamily="18" charset="0"/>
+              <a:cs typeface="Times New Roman" panose="02020603050405020304" pitchFamily="18" charset="0"/>
+            </a:endParaRPr>
+          </a:p>
+          <a:p>
+            <a:pPr marL="0" indent="0" algn="just">
+              <a:buNone/>
+            </a:pPr>
+            <a:r>
+              <a:rPr lang="ru-RU" dirty="0">
+                <a:latin typeface="Times New Roman" panose="02020603050405020304" pitchFamily="18" charset="0"/>
+                <a:cs typeface="Times New Roman" panose="02020603050405020304" pitchFamily="18" charset="0"/>
+              </a:rPr>
+              <a:t>Каждое сообщение состоит из стартовой строки, заголовков и тела.</a:t>
+            </a:r>
+          </a:p>
+          <a:p>
+            <a:pPr marL="0" indent="0" algn="just">
+              <a:buNone/>
+            </a:pPr>
+            <a:r>
+              <a:rPr lang="ru-RU" dirty="0">
+                <a:latin typeface="Times New Roman" panose="02020603050405020304" pitchFamily="18" charset="0"/>
+                <a:cs typeface="Times New Roman" panose="02020603050405020304" pitchFamily="18" charset="0"/>
+              </a:rPr>
+              <a:t>Стартовая строка включает в себя метод, путь и версию используемого протокола.</a:t>
+            </a:r>
+          </a:p>
+          <a:p>
+            <a:pPr marL="0" indent="0" algn="just">
+              <a:buNone/>
+            </a:pPr>
+            <a:r>
+              <a:rPr lang="ru-RU" dirty="0">
+                <a:latin typeface="Times New Roman" panose="02020603050405020304" pitchFamily="18" charset="0"/>
+                <a:cs typeface="Times New Roman" panose="02020603050405020304" pitchFamily="18" charset="0"/>
+              </a:rPr>
+              <a:t>В ответе сервера на запрос присутствует код состояния, по которому клиент узнает о результатах выполнения запроса.</a:t>
+            </a:r>
+          </a:p>
+        </p:txBody>
+      </p:sp>
     </p:spTree>
     <p:extLst>
       <p:ext uri="{BB962C8B-B14F-4D97-AF65-F5344CB8AC3E}">
-        <p14:creationId xmlns:p14="http://schemas.microsoft.com/office/powerpoint/2010/main" val="364675581"/>
+        <p14:creationId xmlns:p14="http://schemas.microsoft.com/office/powerpoint/2010/main" val="2237866845"/>
       </p:ext>
     </p:extLst>
   </p:cSld>
@@ -9849,7 +8257,7 @@
           <p:cNvPr id="2" name="Заголовок 1">
             <a:extLst>
               <a:ext uri="{FF2B5EF4-FFF2-40B4-BE49-F238E27FC236}">
-                <a16:creationId xmlns:a16="http://schemas.microsoft.com/office/drawing/2014/main" id="{3917B840-19D0-4753-BA8A-A88907380D7E}"/>
+                <a16:creationId xmlns:a16="http://schemas.microsoft.com/office/drawing/2014/main" id="{A52BB516-5B8F-4C76-A32E-F601AF3BC5D9}"/>
               </a:ext>
             </a:extLst>
           </p:cNvPr>
@@ -9860,9 +8268,16 @@
             <p:ph type="title"/>
           </p:nvPr>
         </p:nvSpPr>
-        <p:spPr/>
-        <p:txBody>
-          <a:bodyPr/>
+        <p:spPr>
+          <a:xfrm>
+            <a:off x="838200" y="0"/>
+            <a:ext cx="10515600" cy="1182487"/>
+          </a:xfrm>
+        </p:spPr>
+        <p:txBody>
+          <a:bodyPr>
+            <a:normAutofit/>
+          </a:bodyPr>
           <a:lstStyle/>
           <a:p>
             <a:pPr algn="ctr"/>
@@ -9871,60 +8286,17 @@
                 <a:latin typeface="Times New Roman" panose="02020603050405020304" pitchFamily="18" charset="0"/>
                 <a:cs typeface="Times New Roman" panose="02020603050405020304" pitchFamily="18" charset="0"/>
               </a:rPr>
-              <a:t>Система распознавания усталости водителя (СРУВ)</a:t>
-            </a:r>
-          </a:p>
-        </p:txBody>
-      </p:sp>
-      <p:sp>
-        <p:nvSpPr>
-          <p:cNvPr id="3" name="Объект 2">
-            <a:extLst>
-              <a:ext uri="{FF2B5EF4-FFF2-40B4-BE49-F238E27FC236}">
-                <a16:creationId xmlns:a16="http://schemas.microsoft.com/office/drawing/2014/main" id="{824AA33D-0A58-456B-9311-7860DC033916}"/>
-              </a:ext>
-            </a:extLst>
-          </p:cNvPr>
-          <p:cNvSpPr>
-            <a:spLocks noGrp="1"/>
-          </p:cNvSpPr>
-          <p:nvPr>
-            <p:ph idx="1"/>
-          </p:nvPr>
-        </p:nvSpPr>
-        <p:spPr>
-          <a:xfrm>
-            <a:off x="838200" y="1825625"/>
-            <a:ext cx="10515600" cy="925667"/>
-          </a:xfrm>
-        </p:spPr>
-        <p:txBody>
-          <a:bodyPr/>
-          <a:lstStyle/>
-          <a:p>
-            <a:pPr algn="just"/>
-            <a:endParaRPr lang="ru-RU" dirty="0">
-              <a:latin typeface="Times New Roman" panose="02020603050405020304" pitchFamily="18" charset="0"/>
-              <a:cs typeface="Times New Roman" panose="02020603050405020304" pitchFamily="18" charset="0"/>
-            </a:endParaRPr>
-          </a:p>
-          <a:p>
-            <a:pPr marL="0" indent="0" algn="just">
-              <a:buNone/>
-            </a:pPr>
-            <a:endParaRPr lang="ru-RU" dirty="0">
-              <a:latin typeface="Times New Roman" panose="02020603050405020304" pitchFamily="18" charset="0"/>
-              <a:cs typeface="Times New Roman" panose="02020603050405020304" pitchFamily="18" charset="0"/>
-            </a:endParaRPr>
-          </a:p>
-        </p:txBody>
-      </p:sp>
-      <p:sp>
-        <p:nvSpPr>
-          <p:cNvPr id="5" name="Номер слайда 4">
-            <a:extLst>
-              <a:ext uri="{FF2B5EF4-FFF2-40B4-BE49-F238E27FC236}">
-                <a16:creationId xmlns:a16="http://schemas.microsoft.com/office/drawing/2014/main" id="{2CC91D5E-9871-472B-9A42-89B2B8391E8C}"/>
+              <a:t>Участники и компоненты системы</a:t>
+            </a:r>
+          </a:p>
+        </p:txBody>
+      </p:sp>
+      <p:sp>
+        <p:nvSpPr>
+          <p:cNvPr id="4" name="Номер слайда 3">
+            <a:extLst>
+              <a:ext uri="{FF2B5EF4-FFF2-40B4-BE49-F238E27FC236}">
+                <a16:creationId xmlns:a16="http://schemas.microsoft.com/office/drawing/2014/main" id="{91D0402C-0740-41E0-9CDD-A8827B217731}"/>
               </a:ext>
             </a:extLst>
           </p:cNvPr>
@@ -9948,261 +8320,82 @@
           </a:p>
         </p:txBody>
       </p:sp>
-      <p:graphicFrame>
-        <p:nvGraphicFramePr>
-          <p:cNvPr id="4" name="Таблица 5">
-            <a:extLst>
-              <a:ext uri="{FF2B5EF4-FFF2-40B4-BE49-F238E27FC236}">
-                <a16:creationId xmlns:a16="http://schemas.microsoft.com/office/drawing/2014/main" id="{1E8249B9-1BDF-4222-AF07-A628358376A6}"/>
-              </a:ext>
-            </a:extLst>
-          </p:cNvPr>
-          <p:cNvGraphicFramePr>
-            <a:graphicFrameLocks noGrp="1"/>
-          </p:cNvGraphicFramePr>
-          <p:nvPr>
-            <p:extLst>
-              <p:ext uri="{D42A27DB-BD31-4B8C-83A1-F6EECF244321}">
-                <p14:modId xmlns:p14="http://schemas.microsoft.com/office/powerpoint/2010/main" val="2135335546"/>
-              </p:ext>
-            </p:extLst>
-          </p:nvPr>
-        </p:nvGraphicFramePr>
-        <p:xfrm>
-          <a:off x="838200" y="1843242"/>
-          <a:ext cx="10515600" cy="4513108"/>
-        </p:xfrm>
-        <a:graphic>
-          <a:graphicData uri="http://schemas.openxmlformats.org/drawingml/2006/table">
-            <a:tbl>
-              <a:tblPr firstRow="1" bandRow="1">
-                <a:tableStyleId>{073A0DAA-6AF3-43AB-8588-CEC1D06C72B9}</a:tableStyleId>
-              </a:tblPr>
-              <a:tblGrid>
-                <a:gridCol w="4552950">
-                  <a:extLst>
-                    <a:ext uri="{9D8B030D-6E8A-4147-A177-3AD203B41FA5}">
-                      <a16:colId xmlns:a16="http://schemas.microsoft.com/office/drawing/2014/main" val="3659513295"/>
-                    </a:ext>
-                  </a:extLst>
-                </a:gridCol>
-                <a:gridCol w="5962650">
-                  <a:extLst>
-                    <a:ext uri="{9D8B030D-6E8A-4147-A177-3AD203B41FA5}">
-                      <a16:colId xmlns:a16="http://schemas.microsoft.com/office/drawing/2014/main" val="1371826026"/>
-                    </a:ext>
-                  </a:extLst>
-                </a:gridCol>
-              </a:tblGrid>
-              <a:tr h="512874">
-                <a:tc>
-                  <a:txBody>
-                    <a:bodyPr/>
-                    <a:lstStyle/>
-                    <a:p>
-                      <a:pPr algn="just"/>
-                      <a:r>
-                        <a:rPr lang="ru-RU" sz="2000" dirty="0">
-                          <a:latin typeface="Times New Roman" panose="02020603050405020304" pitchFamily="18" charset="0"/>
-                          <a:cs typeface="Times New Roman" panose="02020603050405020304" pitchFamily="18" charset="0"/>
-                        </a:rPr>
-                        <a:t>Способ реализации функционала</a:t>
-                      </a:r>
-                    </a:p>
-                  </a:txBody>
-                  <a:tcPr/>
-                </a:tc>
-                <a:tc>
-                  <a:txBody>
-                    <a:bodyPr/>
-                    <a:lstStyle/>
-                    <a:p>
-                      <a:pPr algn="just"/>
-                      <a:r>
-                        <a:rPr lang="ru-RU" sz="2000" dirty="0">
-                          <a:latin typeface="Times New Roman" panose="02020603050405020304" pitchFamily="18" charset="0"/>
-                          <a:cs typeface="Times New Roman" panose="02020603050405020304" pitchFamily="18" charset="0"/>
-                        </a:rPr>
-                        <a:t>Рассматриваемые параметры</a:t>
-                      </a:r>
-                    </a:p>
-                  </a:txBody>
-                  <a:tcPr/>
-                </a:tc>
-                <a:extLst>
-                  <a:ext uri="{0D108BD9-81ED-4DB2-BD59-A6C34878D82A}">
-                    <a16:rowId xmlns:a16="http://schemas.microsoft.com/office/drawing/2014/main" val="792917851"/>
-                  </a:ext>
-                </a:extLst>
-              </a:tr>
-              <a:tr h="2499998">
-                <a:tc>
-                  <a:txBody>
-                    <a:bodyPr/>
-                    <a:lstStyle/>
-                    <a:p>
-                      <a:pPr algn="just"/>
-                      <a:r>
-                        <a:rPr lang="ru-RU" sz="2000" dirty="0">
-                          <a:latin typeface="Times New Roman" panose="02020603050405020304" pitchFamily="18" charset="0"/>
-                          <a:cs typeface="Times New Roman" panose="02020603050405020304" pitchFamily="18" charset="0"/>
-                        </a:rPr>
-                        <a:t>Система европейских производителей</a:t>
-                      </a:r>
-                    </a:p>
-                  </a:txBody>
-                  <a:tcPr/>
-                </a:tc>
-                <a:tc>
-                  <a:txBody>
-                    <a:bodyPr/>
-                    <a:lstStyle/>
-                    <a:p>
-                      <a:pPr marL="285750" indent="-285750" algn="just">
-                        <a:buFont typeface="Arial" panose="020B0604020202020204" pitchFamily="34" charset="0"/>
-                        <a:buChar char="•"/>
-                      </a:pPr>
-                      <a:r>
-                        <a:rPr lang="ru-RU" sz="2000" dirty="0">
-                          <a:latin typeface="Times New Roman" panose="02020603050405020304" pitchFamily="18" charset="0"/>
-                          <a:cs typeface="Times New Roman" panose="02020603050405020304" pitchFamily="18" charset="0"/>
-                        </a:rPr>
-                        <a:t>частота и манера движений рулевого колеса,</a:t>
-                      </a:r>
-                    </a:p>
-                    <a:p>
-                      <a:pPr marL="285750" indent="-285750" algn="just">
-                        <a:buFont typeface="Arial" panose="020B0604020202020204" pitchFamily="34" charset="0"/>
-                        <a:buChar char="•"/>
-                      </a:pPr>
-                      <a:r>
-                        <a:rPr lang="ru-RU" sz="2000" dirty="0">
-                          <a:latin typeface="Times New Roman" panose="02020603050405020304" pitchFamily="18" charset="0"/>
-                          <a:cs typeface="Times New Roman" panose="02020603050405020304" pitchFamily="18" charset="0"/>
-                        </a:rPr>
-                        <a:t>частота и сила нажатия на педали газа и тормоза,</a:t>
-                      </a:r>
-                    </a:p>
-                    <a:p>
-                      <a:pPr marL="285750" indent="-285750" algn="just">
-                        <a:buFont typeface="Arial" panose="020B0604020202020204" pitchFamily="34" charset="0"/>
-                        <a:buChar char="•"/>
-                      </a:pPr>
-                      <a:r>
-                        <a:rPr lang="ru-RU" sz="2000" dirty="0">
-                          <a:latin typeface="Times New Roman" panose="02020603050405020304" pitchFamily="18" charset="0"/>
-                          <a:cs typeface="Times New Roman" panose="02020603050405020304" pitchFamily="18" charset="0"/>
-                        </a:rPr>
-                        <a:t>нажатия органов управления радиоэлектронного устройства,</a:t>
-                      </a:r>
-                    </a:p>
-                    <a:p>
-                      <a:pPr marL="285750" indent="-285750" algn="just">
-                        <a:buFont typeface="Arial" panose="020B0604020202020204" pitchFamily="34" charset="0"/>
-                        <a:buChar char="•"/>
-                      </a:pPr>
-                      <a:r>
-                        <a:rPr lang="ru-RU" sz="2000" dirty="0">
-                          <a:latin typeface="Times New Roman" panose="02020603050405020304" pitchFamily="18" charset="0"/>
-                          <a:cs typeface="Times New Roman" panose="02020603050405020304" pitchFamily="18" charset="0"/>
-                        </a:rPr>
-                        <a:t>внешние условия (боковой ветер, состояние дорожного покрытия).</a:t>
-                      </a:r>
-                    </a:p>
-                  </a:txBody>
-                  <a:tcPr/>
-                </a:tc>
-                <a:extLst>
-                  <a:ext uri="{0D108BD9-81ED-4DB2-BD59-A6C34878D82A}">
-                    <a16:rowId xmlns:a16="http://schemas.microsoft.com/office/drawing/2014/main" val="630040212"/>
-                  </a:ext>
-                </a:extLst>
-              </a:tr>
-              <a:tr h="1500236">
-                <a:tc>
-                  <a:txBody>
-                    <a:bodyPr/>
-                    <a:lstStyle/>
-                    <a:p>
-                      <a:pPr algn="just"/>
-                      <a:r>
-                        <a:rPr lang="ru-RU" sz="2000" dirty="0">
-                          <a:latin typeface="Times New Roman" panose="02020603050405020304" pitchFamily="18" charset="0"/>
-                          <a:cs typeface="Times New Roman" panose="02020603050405020304" pitchFamily="18" charset="0"/>
-                        </a:rPr>
-                        <a:t>Система японских производителей</a:t>
-                      </a:r>
-                    </a:p>
-                  </a:txBody>
-                  <a:tcPr/>
-                </a:tc>
-                <a:tc>
-                  <a:txBody>
-                    <a:bodyPr/>
-                    <a:lstStyle/>
-                    <a:p>
-                      <a:pPr marL="285750" indent="-285750" algn="just">
-                        <a:buFont typeface="Arial" panose="020B0604020202020204" pitchFamily="34" charset="0"/>
-                        <a:buChar char="•"/>
-                      </a:pPr>
-                      <a:r>
-                        <a:rPr lang="ru-RU" sz="2000" dirty="0">
-                          <a:latin typeface="Times New Roman" panose="02020603050405020304" pitchFamily="18" charset="0"/>
-                          <a:cs typeface="Times New Roman" panose="02020603050405020304" pitchFamily="18" charset="0"/>
-                        </a:rPr>
-                        <a:t>частота моргания,</a:t>
-                      </a:r>
-                    </a:p>
-                    <a:p>
-                      <a:pPr marL="285750" indent="-285750" algn="just">
-                        <a:buFont typeface="Arial" panose="020B0604020202020204" pitchFamily="34" charset="0"/>
-                        <a:buChar char="•"/>
-                      </a:pPr>
-                      <a:r>
-                        <a:rPr lang="ru-RU" sz="2000" dirty="0">
-                          <a:latin typeface="Times New Roman" panose="02020603050405020304" pitchFamily="18" charset="0"/>
-                          <a:cs typeface="Times New Roman" panose="02020603050405020304" pitchFamily="18" charset="0"/>
-                        </a:rPr>
-                        <a:t>ровность и размеренность дыхания,</a:t>
-                      </a:r>
-                    </a:p>
-                    <a:p>
-                      <a:pPr marL="285750" indent="-285750" algn="just">
-                        <a:buFont typeface="Arial" panose="020B0604020202020204" pitchFamily="34" charset="0"/>
-                        <a:buChar char="•"/>
-                      </a:pPr>
-                      <a:r>
-                        <a:rPr lang="ru-RU" sz="2000" dirty="0">
-                          <a:latin typeface="Times New Roman" panose="02020603050405020304" pitchFamily="18" charset="0"/>
-                          <a:cs typeface="Times New Roman" panose="02020603050405020304" pitchFamily="18" charset="0"/>
-                        </a:rPr>
-                        <a:t>закрытые глаза.</a:t>
-                      </a:r>
-                    </a:p>
-                    <a:p>
-                      <a:pPr algn="just"/>
-                      <a:endParaRPr lang="ru-RU" sz="2000" dirty="0">
-                        <a:latin typeface="Times New Roman" panose="02020603050405020304" pitchFamily="18" charset="0"/>
-                        <a:cs typeface="Times New Roman" panose="02020603050405020304" pitchFamily="18" charset="0"/>
-                      </a:endParaRPr>
-                    </a:p>
-                  </a:txBody>
-                  <a:tcPr/>
-                </a:tc>
-                <a:extLst>
-                  <a:ext uri="{0D108BD9-81ED-4DB2-BD59-A6C34878D82A}">
-                    <a16:rowId xmlns:a16="http://schemas.microsoft.com/office/drawing/2014/main" val="657807505"/>
-                  </a:ext>
-                </a:extLst>
-              </a:tr>
-            </a:tbl>
-          </a:graphicData>
-        </a:graphic>
-      </p:graphicFrame>
+      <p:pic>
+        <p:nvPicPr>
+          <p:cNvPr id="8" name="Рисунок 7">
+            <a:extLst>
+              <a:ext uri="{FF2B5EF4-FFF2-40B4-BE49-F238E27FC236}">
+                <a16:creationId xmlns:a16="http://schemas.microsoft.com/office/drawing/2014/main" id="{D877986C-0CEF-40A4-AFA6-C4C47C85913D}"/>
+              </a:ext>
+            </a:extLst>
+          </p:cNvPr>
+          <p:cNvPicPr>
+            <a:picLocks noChangeAspect="1"/>
+          </p:cNvPicPr>
+          <p:nvPr/>
+        </p:nvPicPr>
+        <p:blipFill>
+          <a:blip r:embed="rId2">
+            <a:extLst>
+              <a:ext uri="{28A0092B-C50C-407E-A947-70E740481C1C}">
+                <a14:useLocalDpi xmlns:a14="http://schemas.microsoft.com/office/drawing/2010/main" val="0"/>
+              </a:ext>
+            </a:extLst>
+          </a:blip>
+          <a:stretch>
+            <a:fillRect/>
+          </a:stretch>
+        </p:blipFill>
+        <p:spPr>
+          <a:xfrm>
+            <a:off x="838200" y="1500187"/>
+            <a:ext cx="4248150" cy="3857625"/>
+          </a:xfrm>
+          <a:prstGeom prst="rect">
+            <a:avLst/>
+          </a:prstGeom>
+        </p:spPr>
+      </p:pic>
+      <p:pic>
+        <p:nvPicPr>
+          <p:cNvPr id="10" name="Рисунок 9">
+            <a:extLst>
+              <a:ext uri="{FF2B5EF4-FFF2-40B4-BE49-F238E27FC236}">
+                <a16:creationId xmlns:a16="http://schemas.microsoft.com/office/drawing/2014/main" id="{4D6C99FF-4E86-4C97-ACE6-4EEC8D399931}"/>
+              </a:ext>
+            </a:extLst>
+          </p:cNvPr>
+          <p:cNvPicPr>
+            <a:picLocks noChangeAspect="1"/>
+          </p:cNvPicPr>
+          <p:nvPr/>
+        </p:nvPicPr>
+        <p:blipFill>
+          <a:blip r:embed="rId3">
+            <a:extLst>
+              <a:ext uri="{28A0092B-C50C-407E-A947-70E740481C1C}">
+                <a14:useLocalDpi xmlns:a14="http://schemas.microsoft.com/office/drawing/2010/main" val="0"/>
+              </a:ext>
+            </a:extLst>
+          </a:blip>
+          <a:stretch>
+            <a:fillRect/>
+          </a:stretch>
+        </p:blipFill>
+        <p:spPr>
+          <a:xfrm>
+            <a:off x="5365252" y="1814584"/>
+            <a:ext cx="6490695" cy="3228832"/>
+          </a:xfrm>
+          <a:prstGeom prst="rect">
+            <a:avLst/>
+          </a:prstGeom>
+        </p:spPr>
+      </p:pic>
     </p:spTree>
     <p:extLst>
       <p:ext uri="{BB962C8B-B14F-4D97-AF65-F5344CB8AC3E}">
-        <p14:creationId xmlns:p14="http://schemas.microsoft.com/office/powerpoint/2010/main" val="4154349701"/>
+        <p14:creationId xmlns:p14="http://schemas.microsoft.com/office/powerpoint/2010/main" val="529127709"/>
       </p:ext>
     </p:extLst>
   </p:cSld>
@@ -10234,7 +8427,7 @@
           <p:cNvPr id="2" name="Заголовок 1">
             <a:extLst>
               <a:ext uri="{FF2B5EF4-FFF2-40B4-BE49-F238E27FC236}">
-                <a16:creationId xmlns:a16="http://schemas.microsoft.com/office/drawing/2014/main" id="{A0EF757F-69BF-4171-8DE3-28C09B6E131C}"/>
+                <a16:creationId xmlns:a16="http://schemas.microsoft.com/office/drawing/2014/main" id="{A52BB516-5B8F-4C76-A32E-F601AF3BC5D9}"/>
               </a:ext>
             </a:extLst>
           </p:cNvPr>
@@ -10245,11 +8438,14 @@
             <p:ph type="title"/>
           </p:nvPr>
         </p:nvSpPr>
-        <p:spPr/>
-        <p:txBody>
-          <a:bodyPr>
-            <a:normAutofit/>
-          </a:bodyPr>
+        <p:spPr>
+          <a:xfrm>
+            <a:off x="838200" y="0"/>
+            <a:ext cx="10515600" cy="1325563"/>
+          </a:xfrm>
+        </p:spPr>
+        <p:txBody>
+          <a:bodyPr/>
           <a:lstStyle/>
           <a:p>
             <a:pPr algn="ctr"/>
@@ -10258,7 +8454,7 @@
                 <a:latin typeface="Times New Roman" panose="02020603050405020304" pitchFamily="18" charset="0"/>
                 <a:cs typeface="Times New Roman" panose="02020603050405020304" pitchFamily="18" charset="0"/>
               </a:rPr>
-              <a:t>Устройства взаимодействия пользователя АРМ с системой</a:t>
+              <a:t>Схема работы сервера</a:t>
             </a:r>
           </a:p>
         </p:txBody>
@@ -10268,7 +8464,7 @@
           <p:cNvPr id="4" name="Номер слайда 3">
             <a:extLst>
               <a:ext uri="{FF2B5EF4-FFF2-40B4-BE49-F238E27FC236}">
-                <a16:creationId xmlns:a16="http://schemas.microsoft.com/office/drawing/2014/main" id="{62365F0F-6BAC-42EA-839B-1BDDBB44D927}"/>
+                <a16:creationId xmlns:a16="http://schemas.microsoft.com/office/drawing/2014/main" id="{91D0402C-0740-41E0-9CDD-A8827B217731}"/>
               </a:ext>
             </a:extLst>
           </p:cNvPr>
@@ -10292,341 +8488,46 @@
           </a:p>
         </p:txBody>
       </p:sp>
-      <p:graphicFrame>
-        <p:nvGraphicFramePr>
-          <p:cNvPr id="5" name="Таблица 5">
-            <a:extLst>
-              <a:ext uri="{FF2B5EF4-FFF2-40B4-BE49-F238E27FC236}">
-                <a16:creationId xmlns:a16="http://schemas.microsoft.com/office/drawing/2014/main" id="{115D9910-A931-4811-B883-64FA709EA89F}"/>
-              </a:ext>
-            </a:extLst>
-          </p:cNvPr>
-          <p:cNvGraphicFramePr>
-            <a:graphicFrameLocks noGrp="1"/>
-          </p:cNvGraphicFramePr>
-          <p:nvPr>
-            <p:extLst>
-              <p:ext uri="{D42A27DB-BD31-4B8C-83A1-F6EECF244321}">
-                <p14:modId xmlns:p14="http://schemas.microsoft.com/office/powerpoint/2010/main" val="3331760872"/>
-              </p:ext>
-            </p:extLst>
-          </p:nvPr>
-        </p:nvGraphicFramePr>
-        <p:xfrm>
-          <a:off x="838199" y="1690688"/>
-          <a:ext cx="10515600" cy="4665663"/>
-        </p:xfrm>
-        <a:graphic>
-          <a:graphicData uri="http://schemas.openxmlformats.org/drawingml/2006/table">
-            <a:tbl>
-              <a:tblPr firstRow="1" bandRow="1">
-                <a:tableStyleId>{073A0DAA-6AF3-43AB-8588-CEC1D06C72B9}</a:tableStyleId>
-              </a:tblPr>
-              <a:tblGrid>
-                <a:gridCol w="5257800">
-                  <a:extLst>
-                    <a:ext uri="{9D8B030D-6E8A-4147-A177-3AD203B41FA5}">
-                      <a16:colId xmlns:a16="http://schemas.microsoft.com/office/drawing/2014/main" val="2452093987"/>
-                    </a:ext>
-                  </a:extLst>
-                </a:gridCol>
-                <a:gridCol w="5257800">
-                  <a:extLst>
-                    <a:ext uri="{9D8B030D-6E8A-4147-A177-3AD203B41FA5}">
-                      <a16:colId xmlns:a16="http://schemas.microsoft.com/office/drawing/2014/main" val="3347751011"/>
-                    </a:ext>
-                  </a:extLst>
-                </a:gridCol>
-              </a:tblGrid>
-              <a:tr h="470433">
-                <a:tc>
-                  <a:txBody>
-                    <a:bodyPr/>
-                    <a:lstStyle/>
-                    <a:p>
-                      <a:pPr algn="ctr"/>
-                      <a:r>
-                        <a:rPr lang="ru-RU" sz="2000" dirty="0">
-                          <a:latin typeface="Times New Roman" panose="02020603050405020304" pitchFamily="18" charset="0"/>
-                          <a:cs typeface="Times New Roman" panose="02020603050405020304" pitchFamily="18" charset="0"/>
-                        </a:rPr>
-                        <a:t>Устройство</a:t>
-                      </a:r>
-                    </a:p>
-                  </a:txBody>
-                  <a:tcPr/>
-                </a:tc>
-                <a:tc>
-                  <a:txBody>
-                    <a:bodyPr/>
-                    <a:lstStyle/>
-                    <a:p>
-                      <a:pPr algn="ctr"/>
-                      <a:r>
-                        <a:rPr lang="ru-RU" sz="2000" dirty="0">
-                          <a:latin typeface="Times New Roman" panose="02020603050405020304" pitchFamily="18" charset="0"/>
-                          <a:cs typeface="Times New Roman" panose="02020603050405020304" pitchFamily="18" charset="0"/>
-                        </a:rPr>
-                        <a:t>Примеры характеристик для снятия</a:t>
-                      </a:r>
-                    </a:p>
-                  </a:txBody>
-                  <a:tcPr/>
-                </a:tc>
-                <a:extLst>
-                  <a:ext uri="{0D108BD9-81ED-4DB2-BD59-A6C34878D82A}">
-                    <a16:rowId xmlns:a16="http://schemas.microsoft.com/office/drawing/2014/main" val="131771336"/>
-                  </a:ext>
-                </a:extLst>
-              </a:tr>
-              <a:tr h="811980">
-                <a:tc>
-                  <a:txBody>
-                    <a:bodyPr/>
-                    <a:lstStyle/>
-                    <a:p>
-                      <a:pPr algn="ctr"/>
-                      <a:r>
-                        <a:rPr lang="ru-RU" sz="2000" dirty="0">
-                          <a:latin typeface="Times New Roman" panose="02020603050405020304" pitchFamily="18" charset="0"/>
-                          <a:cs typeface="Times New Roman" panose="02020603050405020304" pitchFamily="18" charset="0"/>
-                        </a:rPr>
-                        <a:t>Клавиатура</a:t>
-                      </a:r>
-                    </a:p>
-                  </a:txBody>
-                  <a:tcPr/>
-                </a:tc>
-                <a:tc>
-                  <a:txBody>
-                    <a:bodyPr/>
-                    <a:lstStyle/>
-                    <a:p>
-                      <a:pPr algn="ctr"/>
-                      <a:r>
-                        <a:rPr lang="ru-RU" sz="2000" dirty="0">
-                          <a:latin typeface="Times New Roman" panose="02020603050405020304" pitchFamily="18" charset="0"/>
-                          <a:cs typeface="Times New Roman" panose="02020603050405020304" pitchFamily="18" charset="0"/>
-                        </a:rPr>
-                        <a:t>Скорость печати, частота исправления ошибок</a:t>
-                      </a:r>
-                    </a:p>
-                  </a:txBody>
-                  <a:tcPr/>
-                </a:tc>
-                <a:extLst>
-                  <a:ext uri="{0D108BD9-81ED-4DB2-BD59-A6C34878D82A}">
-                    <a16:rowId xmlns:a16="http://schemas.microsoft.com/office/drawing/2014/main" val="1311719436"/>
-                  </a:ext>
-                </a:extLst>
-              </a:tr>
-              <a:tr h="811980">
-                <a:tc>
-                  <a:txBody>
-                    <a:bodyPr/>
-                    <a:lstStyle/>
-                    <a:p>
-                      <a:pPr algn="ctr"/>
-                      <a:r>
-                        <a:rPr lang="ru-RU" sz="2000" dirty="0">
-                          <a:latin typeface="Times New Roman" panose="02020603050405020304" pitchFamily="18" charset="0"/>
-                          <a:cs typeface="Times New Roman" panose="02020603050405020304" pitchFamily="18" charset="0"/>
-                        </a:rPr>
-                        <a:t>Мышь</a:t>
-                      </a:r>
-                    </a:p>
-                  </a:txBody>
-                  <a:tcPr/>
-                </a:tc>
-                <a:tc>
-                  <a:txBody>
-                    <a:bodyPr/>
-                    <a:lstStyle/>
-                    <a:p>
-                      <a:pPr algn="ctr"/>
-                      <a:r>
-                        <a:rPr lang="ru-RU" sz="2000" dirty="0">
-                          <a:latin typeface="Times New Roman" panose="02020603050405020304" pitchFamily="18" charset="0"/>
-                          <a:cs typeface="Times New Roman" panose="02020603050405020304" pitchFamily="18" charset="0"/>
-                        </a:rPr>
-                        <a:t>Частота нажатий клавиш и скорость движения</a:t>
-                      </a:r>
-                    </a:p>
-                  </a:txBody>
-                  <a:tcPr/>
-                </a:tc>
-                <a:extLst>
-                  <a:ext uri="{0D108BD9-81ED-4DB2-BD59-A6C34878D82A}">
-                    <a16:rowId xmlns:a16="http://schemas.microsoft.com/office/drawing/2014/main" val="3472675467"/>
-                  </a:ext>
-                </a:extLst>
-              </a:tr>
-              <a:tr h="470433">
-                <a:tc>
-                  <a:txBody>
-                    <a:bodyPr/>
-                    <a:lstStyle/>
-                    <a:p>
-                      <a:pPr algn="ctr"/>
-                      <a:r>
-                        <a:rPr lang="ru-RU" sz="2000" dirty="0">
-                          <a:latin typeface="Times New Roman" panose="02020603050405020304" pitchFamily="18" charset="0"/>
-                          <a:cs typeface="Times New Roman" panose="02020603050405020304" pitchFamily="18" charset="0"/>
-                        </a:rPr>
-                        <a:t>Графический планшет</a:t>
-                      </a:r>
-                    </a:p>
-                  </a:txBody>
-                  <a:tcPr/>
-                </a:tc>
-                <a:tc>
-                  <a:txBody>
-                    <a:bodyPr/>
-                    <a:lstStyle/>
-                    <a:p>
-                      <a:pPr algn="ctr"/>
-                      <a:endParaRPr lang="ru-RU" sz="2000" dirty="0">
-                        <a:latin typeface="Times New Roman" panose="02020603050405020304" pitchFamily="18" charset="0"/>
-                        <a:cs typeface="Times New Roman" panose="02020603050405020304" pitchFamily="18" charset="0"/>
-                      </a:endParaRPr>
-                    </a:p>
-                  </a:txBody>
-                  <a:tcPr/>
-                </a:tc>
-                <a:extLst>
-                  <a:ext uri="{0D108BD9-81ED-4DB2-BD59-A6C34878D82A}">
-                    <a16:rowId xmlns:a16="http://schemas.microsoft.com/office/drawing/2014/main" val="4158684449"/>
-                  </a:ext>
-                </a:extLst>
-              </a:tr>
-              <a:tr h="470433">
-                <a:tc>
-                  <a:txBody>
-                    <a:bodyPr/>
-                    <a:lstStyle/>
-                    <a:p>
-                      <a:pPr algn="ctr"/>
-                      <a:r>
-                        <a:rPr lang="ru-RU" sz="2000" dirty="0">
-                          <a:latin typeface="Times New Roman" panose="02020603050405020304" pitchFamily="18" charset="0"/>
-                          <a:cs typeface="Times New Roman" panose="02020603050405020304" pitchFamily="18" charset="0"/>
-                        </a:rPr>
-                        <a:t>Игровой манипулятор</a:t>
-                      </a:r>
-                    </a:p>
-                  </a:txBody>
-                  <a:tcPr/>
-                </a:tc>
-                <a:tc>
-                  <a:txBody>
-                    <a:bodyPr/>
-                    <a:lstStyle/>
-                    <a:p>
-                      <a:pPr algn="ctr"/>
-                      <a:endParaRPr lang="ru-RU" sz="2000" dirty="0">
-                        <a:latin typeface="Times New Roman" panose="02020603050405020304" pitchFamily="18" charset="0"/>
-                        <a:cs typeface="Times New Roman" panose="02020603050405020304" pitchFamily="18" charset="0"/>
-                      </a:endParaRPr>
-                    </a:p>
-                  </a:txBody>
-                  <a:tcPr/>
-                </a:tc>
-                <a:extLst>
-                  <a:ext uri="{0D108BD9-81ED-4DB2-BD59-A6C34878D82A}">
-                    <a16:rowId xmlns:a16="http://schemas.microsoft.com/office/drawing/2014/main" val="226085207"/>
-                  </a:ext>
-                </a:extLst>
-              </a:tr>
-              <a:tr h="1159971">
-                <a:tc>
-                  <a:txBody>
-                    <a:bodyPr/>
-                    <a:lstStyle/>
-                    <a:p>
-                      <a:pPr algn="ctr"/>
-                      <a:r>
-                        <a:rPr lang="ru-RU" sz="2000" dirty="0">
-                          <a:latin typeface="Times New Roman" panose="02020603050405020304" pitchFamily="18" charset="0"/>
-                          <a:cs typeface="Times New Roman" panose="02020603050405020304" pitchFamily="18" charset="0"/>
-                        </a:rPr>
-                        <a:t>Веб-камера</a:t>
-                      </a:r>
-                    </a:p>
-                  </a:txBody>
-                  <a:tcPr/>
-                </a:tc>
-                <a:tc>
-                  <a:txBody>
-                    <a:bodyPr/>
-                    <a:lstStyle/>
-                    <a:p>
-                      <a:pPr algn="ctr"/>
-                      <a:r>
-                        <a:rPr lang="ru-RU" sz="2000" dirty="0">
-                          <a:latin typeface="Times New Roman" panose="02020603050405020304" pitchFamily="18" charset="0"/>
-                          <a:cs typeface="Times New Roman" panose="02020603050405020304" pitchFamily="18" charset="0"/>
-                        </a:rPr>
-                        <a:t>Мимика, жесты, частота моргания, ровность и размеренность дыхания, момент закрытых глаз</a:t>
-                      </a:r>
-                    </a:p>
-                  </a:txBody>
-                  <a:tcPr/>
-                </a:tc>
-                <a:extLst>
-                  <a:ext uri="{0D108BD9-81ED-4DB2-BD59-A6C34878D82A}">
-                    <a16:rowId xmlns:a16="http://schemas.microsoft.com/office/drawing/2014/main" val="2730823779"/>
-                  </a:ext>
-                </a:extLst>
-              </a:tr>
-              <a:tr h="470433">
-                <a:tc>
-                  <a:txBody>
-                    <a:bodyPr/>
-                    <a:lstStyle/>
-                    <a:p>
-                      <a:pPr algn="ctr"/>
-                      <a:r>
-                        <a:rPr lang="ru-RU" sz="2000" dirty="0">
-                          <a:latin typeface="Times New Roman" panose="02020603050405020304" pitchFamily="18" charset="0"/>
-                          <a:cs typeface="Times New Roman" panose="02020603050405020304" pitchFamily="18" charset="0"/>
-                        </a:rPr>
-                        <a:t>Микрофон</a:t>
-                      </a:r>
-                    </a:p>
-                  </a:txBody>
-                  <a:tcPr/>
-                </a:tc>
-                <a:tc>
-                  <a:txBody>
-                    <a:bodyPr/>
-                    <a:lstStyle/>
-                    <a:p>
-                      <a:pPr algn="ctr"/>
-                      <a:r>
-                        <a:rPr lang="ru-RU" sz="2000" dirty="0">
-                          <a:latin typeface="Times New Roman" panose="02020603050405020304" pitchFamily="18" charset="0"/>
-                          <a:cs typeface="Times New Roman" panose="02020603050405020304" pitchFamily="18" charset="0"/>
-                        </a:rPr>
-                        <a:t>Тембр голоса, скорость речи</a:t>
-                      </a:r>
-                    </a:p>
-                  </a:txBody>
-                  <a:tcPr/>
-                </a:tc>
-                <a:extLst>
-                  <a:ext uri="{0D108BD9-81ED-4DB2-BD59-A6C34878D82A}">
-                    <a16:rowId xmlns:a16="http://schemas.microsoft.com/office/drawing/2014/main" val="1380033199"/>
-                  </a:ext>
-                </a:extLst>
-              </a:tr>
-            </a:tbl>
-          </a:graphicData>
-        </a:graphic>
-      </p:graphicFrame>
+      <p:pic>
+        <p:nvPicPr>
+          <p:cNvPr id="10" name="Рисунок 9">
+            <a:extLst>
+              <a:ext uri="{FF2B5EF4-FFF2-40B4-BE49-F238E27FC236}">
+                <a16:creationId xmlns:a16="http://schemas.microsoft.com/office/drawing/2014/main" id="{0281AEA8-8111-4313-ADD5-AE026AAB739C}"/>
+              </a:ext>
+            </a:extLst>
+          </p:cNvPr>
+          <p:cNvPicPr>
+            <a:picLocks noChangeAspect="1"/>
+          </p:cNvPicPr>
+          <p:nvPr/>
+        </p:nvPicPr>
+        <p:blipFill>
+          <a:blip r:embed="rId2">
+            <a:extLst>
+              <a:ext uri="{28A0092B-C50C-407E-A947-70E740481C1C}">
+                <a14:useLocalDpi xmlns:a14="http://schemas.microsoft.com/office/drawing/2010/main" val="0"/>
+              </a:ext>
+            </a:extLst>
+          </a:blip>
+          <a:stretch>
+            <a:fillRect/>
+          </a:stretch>
+        </p:blipFill>
+        <p:spPr>
+          <a:xfrm>
+            <a:off x="838200" y="1325563"/>
+            <a:ext cx="10029734" cy="5030787"/>
+          </a:xfrm>
+          <a:prstGeom prst="rect">
+            <a:avLst/>
+          </a:prstGeom>
+        </p:spPr>
+      </p:pic>
     </p:spTree>
     <p:extLst>
       <p:ext uri="{BB962C8B-B14F-4D97-AF65-F5344CB8AC3E}">
-        <p14:creationId xmlns:p14="http://schemas.microsoft.com/office/powerpoint/2010/main" val="1312954370"/>
+        <p14:creationId xmlns:p14="http://schemas.microsoft.com/office/powerpoint/2010/main" val="3386407847"/>
       </p:ext>
     </p:extLst>
   </p:cSld>
@@ -10658,7 +8559,7 @@
           <p:cNvPr id="2" name="Заголовок 1">
             <a:extLst>
               <a:ext uri="{FF2B5EF4-FFF2-40B4-BE49-F238E27FC236}">
-                <a16:creationId xmlns:a16="http://schemas.microsoft.com/office/drawing/2014/main" id="{A0EF757F-69BF-4171-8DE3-28C09B6E131C}"/>
+                <a16:creationId xmlns:a16="http://schemas.microsoft.com/office/drawing/2014/main" id="{468B4AB4-7911-47AF-BE73-9C18F227ED44}"/>
               </a:ext>
             </a:extLst>
           </p:cNvPr>
@@ -10671,9 +8572,7 @@
         </p:nvSpPr>
         <p:spPr/>
         <p:txBody>
-          <a:bodyPr>
-            <a:normAutofit/>
-          </a:bodyPr>
+          <a:bodyPr/>
           <a:lstStyle/>
           <a:p>
             <a:pPr algn="ctr"/>
@@ -10682,8 +8581,19 @@
                 <a:latin typeface="Times New Roman" panose="02020603050405020304" pitchFamily="18" charset="0"/>
                 <a:cs typeface="Times New Roman" panose="02020603050405020304" pitchFamily="18" charset="0"/>
               </a:rPr>
-              <a:t>Биохимические процессы в организме человека в стрессовой ситуации</a:t>
-            </a:r>
+              <a:t>Протокол </a:t>
+            </a:r>
+            <a:r>
+              <a:rPr lang="en-US" dirty="0">
+                <a:latin typeface="Times New Roman" panose="02020603050405020304" pitchFamily="18" charset="0"/>
+                <a:cs typeface="Times New Roman" panose="02020603050405020304" pitchFamily="18" charset="0"/>
+              </a:rPr>
+              <a:t>YDVP</a:t>
+            </a:r>
+            <a:endParaRPr lang="ru-RU" dirty="0">
+              <a:latin typeface="Times New Roman" panose="02020603050405020304" pitchFamily="18" charset="0"/>
+              <a:cs typeface="Times New Roman" panose="02020603050405020304" pitchFamily="18" charset="0"/>
+            </a:endParaRPr>
           </a:p>
         </p:txBody>
       </p:sp>
@@ -10692,7 +8602,7 @@
           <p:cNvPr id="4" name="Номер слайда 3">
             <a:extLst>
               <a:ext uri="{FF2B5EF4-FFF2-40B4-BE49-F238E27FC236}">
-                <a16:creationId xmlns:a16="http://schemas.microsoft.com/office/drawing/2014/main" id="{62365F0F-6BAC-42EA-839B-1BDDBB44D927}"/>
+                <a16:creationId xmlns:a16="http://schemas.microsoft.com/office/drawing/2014/main" id="{BA467C9D-93CC-44EF-AC03-631FDDDFAD86}"/>
               </a:ext>
             </a:extLst>
           </p:cNvPr>
@@ -10716,12 +8626,83 @@
           </a:p>
         </p:txBody>
       </p:sp>
+      <p:sp>
+        <p:nvSpPr>
+          <p:cNvPr id="8" name="Объект 2">
+            <a:extLst>
+              <a:ext uri="{FF2B5EF4-FFF2-40B4-BE49-F238E27FC236}">
+                <a16:creationId xmlns:a16="http://schemas.microsoft.com/office/drawing/2014/main" id="{12696B94-5AD4-48B9-9A14-0ED71D478D76}"/>
+              </a:ext>
+            </a:extLst>
+          </p:cNvPr>
+          <p:cNvSpPr>
+            <a:spLocks noGrp="1"/>
+          </p:cNvSpPr>
+          <p:nvPr>
+            <p:ph idx="1"/>
+          </p:nvPr>
+        </p:nvSpPr>
+        <p:spPr>
+          <a:xfrm>
+            <a:off x="838200" y="1351191"/>
+            <a:ext cx="10781090" cy="1325564"/>
+          </a:xfrm>
+        </p:spPr>
+        <p:txBody>
+          <a:bodyPr>
+            <a:normAutofit/>
+          </a:bodyPr>
+          <a:lstStyle/>
+          <a:p>
+            <a:pPr marL="0" indent="0" algn="just">
+              <a:buNone/>
+            </a:pPr>
+            <a:r>
+              <a:rPr lang="ru-RU" dirty="0">
+                <a:latin typeface="Times New Roman" panose="02020603050405020304" pitchFamily="18" charset="0"/>
+                <a:cs typeface="Times New Roman" panose="02020603050405020304" pitchFamily="18" charset="0"/>
+              </a:rPr>
+              <a:t>Протокол </a:t>
+            </a:r>
+            <a:r>
+              <a:rPr lang="en-US" dirty="0">
+                <a:latin typeface="Times New Roman" panose="02020603050405020304" pitchFamily="18" charset="0"/>
+                <a:cs typeface="Times New Roman" panose="02020603050405020304" pitchFamily="18" charset="0"/>
+              </a:rPr>
+              <a:t>YDVP – </a:t>
+            </a:r>
+            <a:r>
+              <a:rPr lang="ru-RU" dirty="0">
+                <a:latin typeface="Times New Roman" panose="02020603050405020304" pitchFamily="18" charset="0"/>
+                <a:cs typeface="Times New Roman" panose="02020603050405020304" pitchFamily="18" charset="0"/>
+              </a:rPr>
+              <a:t>это протокол для взаимодействия пользователя и сервера в реализуемой системе. Данный протокол основан на существующем стандарте </a:t>
+            </a:r>
+            <a:r>
+              <a:rPr lang="en-US" dirty="0">
+                <a:latin typeface="Times New Roman" panose="02020603050405020304" pitchFamily="18" charset="0"/>
+                <a:cs typeface="Times New Roman" panose="02020603050405020304" pitchFamily="18" charset="0"/>
+              </a:rPr>
+              <a:t>HTTP.</a:t>
+            </a:r>
+          </a:p>
+          <a:p>
+            <a:pPr marL="0" indent="0" algn="just">
+              <a:buNone/>
+            </a:pPr>
+            <a:endParaRPr lang="ru-RU" dirty="0">
+              <a:latin typeface="Times New Roman" panose="02020603050405020304" pitchFamily="18" charset="0"/>
+              <a:cs typeface="Times New Roman" panose="02020603050405020304" pitchFamily="18" charset="0"/>
+            </a:endParaRPr>
+          </a:p>
+        </p:txBody>
+      </p:sp>
       <p:graphicFrame>
         <p:nvGraphicFramePr>
-          <p:cNvPr id="5" name="Таблица 5">
-            <a:extLst>
-              <a:ext uri="{FF2B5EF4-FFF2-40B4-BE49-F238E27FC236}">
-                <a16:creationId xmlns:a16="http://schemas.microsoft.com/office/drawing/2014/main" id="{D7BF8A93-FEBE-4309-825F-6BAE1914580C}"/>
+          <p:cNvPr id="11" name="Таблица 7">
+            <a:extLst>
+              <a:ext uri="{FF2B5EF4-FFF2-40B4-BE49-F238E27FC236}">
+                <a16:creationId xmlns:a16="http://schemas.microsoft.com/office/drawing/2014/main" id="{D1D0AA94-FD53-48A5-8031-92D6ACCF2D3E}"/>
               </a:ext>
             </a:extLst>
           </p:cNvPr>
@@ -10731,14 +8712,14 @@
           <p:nvPr>
             <p:extLst>
               <p:ext uri="{D42A27DB-BD31-4B8C-83A1-F6EECF244321}">
-                <p14:modId xmlns:p14="http://schemas.microsoft.com/office/powerpoint/2010/main" val="557446541"/>
+                <p14:modId xmlns:p14="http://schemas.microsoft.com/office/powerpoint/2010/main" val="88189404"/>
               </p:ext>
             </p:extLst>
           </p:nvPr>
         </p:nvGraphicFramePr>
         <p:xfrm>
-          <a:off x="838199" y="1778952"/>
-          <a:ext cx="10515600" cy="4617021"/>
+          <a:off x="914400" y="2717570"/>
+          <a:ext cx="10439400" cy="3210790"/>
         </p:xfrm>
         <a:graphic>
           <a:graphicData uri="http://schemas.openxmlformats.org/drawingml/2006/table">
@@ -10747,34 +8728,97 @@
                 <a:tableStyleId>{073A0DAA-6AF3-43AB-8588-CEC1D06C72B9}</a:tableStyleId>
               </a:tblPr>
               <a:tblGrid>
-                <a:gridCol w="3629026">
+                <a:gridCol w="5219700">
                   <a:extLst>
                     <a:ext uri="{9D8B030D-6E8A-4147-A177-3AD203B41FA5}">
-                      <a16:colId xmlns:a16="http://schemas.microsoft.com/office/drawing/2014/main" val="4233719091"/>
+                      <a16:colId xmlns:a16="http://schemas.microsoft.com/office/drawing/2014/main" val="4012184352"/>
                     </a:ext>
                   </a:extLst>
                 </a:gridCol>
-                <a:gridCol w="6886574">
+                <a:gridCol w="5219700">
                   <a:extLst>
                     <a:ext uri="{9D8B030D-6E8A-4147-A177-3AD203B41FA5}">
-                      <a16:colId xmlns:a16="http://schemas.microsoft.com/office/drawing/2014/main" val="1401260425"/>
+                      <a16:colId xmlns:a16="http://schemas.microsoft.com/office/drawing/2014/main" val="3130025223"/>
                     </a:ext>
                   </a:extLst>
                 </a:gridCol>
               </a:tblGrid>
-              <a:tr h="356617">
+              <a:tr h="1107670">
                 <a:tc>
                   <a:txBody>
                     <a:bodyPr/>
                     <a:lstStyle/>
                     <a:p>
-                      <a:pPr algn="just"/>
                       <a:r>
-                        <a:rPr lang="ru-RU" sz="2000" dirty="0">
+                        <a:rPr lang="ru-RU" dirty="0">
                           <a:latin typeface="Times New Roman" panose="02020603050405020304" pitchFamily="18" charset="0"/>
                           <a:cs typeface="Times New Roman" panose="02020603050405020304" pitchFamily="18" charset="0"/>
                         </a:rPr>
-                        <a:t>Стадия</a:t>
+                        <a:t>Имя компонента(-</a:t>
+                      </a:r>
+                      <a:r>
+                        <a:rPr lang="ru-RU" dirty="0" err="1">
+                          <a:latin typeface="Times New Roman" panose="02020603050405020304" pitchFamily="18" charset="0"/>
+                          <a:cs typeface="Times New Roman" panose="02020603050405020304" pitchFamily="18" charset="0"/>
+                        </a:rPr>
+                        <a:t>ов</a:t>
+                      </a:r>
+                      <a:r>
+                        <a:rPr lang="ru-RU" dirty="0">
+                          <a:latin typeface="Times New Roman" panose="02020603050405020304" pitchFamily="18" charset="0"/>
+                          <a:cs typeface="Times New Roman" panose="02020603050405020304" pitchFamily="18" charset="0"/>
+                        </a:rPr>
+                        <a:t>) </a:t>
+                      </a:r>
+                      <a:r>
+                        <a:rPr lang="en-US" dirty="0">
+                          <a:latin typeface="Times New Roman" panose="02020603050405020304" pitchFamily="18" charset="0"/>
+                          <a:cs typeface="Times New Roman" panose="02020603050405020304" pitchFamily="18" charset="0"/>
+                        </a:rPr>
+                        <a:t>YDVP</a:t>
+                      </a:r>
+                      <a:endParaRPr lang="ru-RU" dirty="0">
+                        <a:latin typeface="Times New Roman" panose="02020603050405020304" pitchFamily="18" charset="0"/>
+                        <a:cs typeface="Times New Roman" panose="02020603050405020304" pitchFamily="18" charset="0"/>
+                      </a:endParaRPr>
+                    </a:p>
+                  </a:txBody>
+                  <a:tcPr/>
+                </a:tc>
+                <a:tc>
+                  <a:txBody>
+                    <a:bodyPr/>
+                    <a:lstStyle/>
+                    <a:p>
+                      <a:r>
+                        <a:rPr lang="ru-RU" dirty="0">
+                          <a:latin typeface="Times New Roman" panose="02020603050405020304" pitchFamily="18" charset="0"/>
+                          <a:cs typeface="Times New Roman" panose="02020603050405020304" pitchFamily="18" charset="0"/>
+                        </a:rPr>
+                        <a:t>Структурные составляющие</a:t>
+                      </a:r>
+                    </a:p>
+                  </a:txBody>
+                  <a:tcPr/>
+                </a:tc>
+                <a:extLst>
+                  <a:ext uri="{0D108BD9-81ED-4DB2-BD59-A6C34878D82A}">
+                    <a16:rowId xmlns:a16="http://schemas.microsoft.com/office/drawing/2014/main" val="2239062112"/>
+                  </a:ext>
+                </a:extLst>
+              </a:tr>
+              <a:tr h="516172">
+                <a:tc>
+                  <a:txBody>
+                    <a:bodyPr/>
+                    <a:lstStyle/>
+                    <a:p>
+                      <a:r>
+                        <a:rPr lang="ru-RU" dirty="0">
+                          <a:latin typeface="Times New Roman" panose="02020603050405020304" pitchFamily="18" charset="0"/>
+                          <a:cs typeface="Times New Roman" panose="02020603050405020304" pitchFamily="18" charset="0"/>
+                        </a:rPr>
+                        <a:t>Запрос и ответ</a:t>
                       </a:r>
                     </a:p>
                   </a:txBody>
@@ -10785,13 +8829,51 @@
                     <a:bodyPr/>
                     <a:lstStyle/>
                     <a:p>
-                      <a:pPr algn="just"/>
+                      <a:pPr marL="285750" indent="-285750">
+                        <a:buFont typeface="Arial" panose="020B0604020202020204" pitchFamily="34" charset="0"/>
+                        <a:buChar char="•"/>
+                      </a:pPr>
                       <a:r>
-                        <a:rPr lang="ru-RU" sz="2000" dirty="0">
+                        <a:rPr lang="ru-RU" dirty="0">
                           <a:latin typeface="Times New Roman" panose="02020603050405020304" pitchFamily="18" charset="0"/>
                           <a:cs typeface="Times New Roman" panose="02020603050405020304" pitchFamily="18" charset="0"/>
                         </a:rPr>
-                        <a:t>Процессы</a:t>
+                        <a:t>стартовая строка (определяет тип сообщения), </a:t>
+                      </a:r>
+                    </a:p>
+                    <a:p>
+                      <a:pPr marL="285750" indent="-285750">
+                        <a:buFont typeface="Arial" panose="020B0604020202020204" pitchFamily="34" charset="0"/>
+                        <a:buChar char="•"/>
+                      </a:pPr>
+                      <a:r>
+                        <a:rPr lang="ru-RU" dirty="0">
+                          <a:latin typeface="Times New Roman" panose="02020603050405020304" pitchFamily="18" charset="0"/>
+                          <a:cs typeface="Times New Roman" panose="02020603050405020304" pitchFamily="18" charset="0"/>
+                        </a:rPr>
+                        <a:t>заголовок (характеризует тело сообщения</a:t>
+                      </a:r>
+                    </a:p>
+                    <a:p>
+                      <a:r>
+                        <a:rPr lang="ru-RU" dirty="0">
+                          <a:latin typeface="Times New Roman" panose="02020603050405020304" pitchFamily="18" charset="0"/>
+                          <a:cs typeface="Times New Roman" panose="02020603050405020304" pitchFamily="18" charset="0"/>
+                        </a:rPr>
+                        <a:t>параметры передачи и др.), </a:t>
+                      </a:r>
+                    </a:p>
+                    <a:p>
+                      <a:pPr marL="285750" indent="-285750">
+                        <a:buFont typeface="Arial" panose="020B0604020202020204" pitchFamily="34" charset="0"/>
+                        <a:buChar char="•"/>
+                      </a:pPr>
+                      <a:r>
+                        <a:rPr lang="ru-RU" dirty="0">
+                          <a:latin typeface="Times New Roman" panose="02020603050405020304" pitchFamily="18" charset="0"/>
+                          <a:cs typeface="Times New Roman" panose="02020603050405020304" pitchFamily="18" charset="0"/>
+                        </a:rPr>
+                        <a:t>тело (данные сообщения).</a:t>
                       </a:r>
                     </a:p>
                   </a:txBody>
@@ -10799,23 +8881,22 @@
                 </a:tc>
                 <a:extLst>
                   <a:ext uri="{0D108BD9-81ED-4DB2-BD59-A6C34878D82A}">
-                    <a16:rowId xmlns:a16="http://schemas.microsoft.com/office/drawing/2014/main" val="2171005643"/>
+                    <a16:rowId xmlns:a16="http://schemas.microsoft.com/office/drawing/2014/main" val="191967762"/>
                   </a:ext>
                 </a:extLst>
               </a:tr>
-              <a:tr h="1406927">
+              <a:tr h="811033">
                 <a:tc>
                   <a:txBody>
                     <a:bodyPr/>
                     <a:lstStyle/>
                     <a:p>
-                      <a:pPr algn="just"/>
                       <a:r>
-                        <a:rPr lang="ru-RU" sz="2000" dirty="0">
+                        <a:rPr lang="ru-RU" dirty="0">
                           <a:latin typeface="Times New Roman" panose="02020603050405020304" pitchFamily="18" charset="0"/>
                           <a:cs typeface="Times New Roman" panose="02020603050405020304" pitchFamily="18" charset="0"/>
                         </a:rPr>
-                        <a:t>Стадия реакции тревоги</a:t>
+                        <a:t>Стартовая строка запроса</a:t>
                       </a:r>
                     </a:p>
                   </a:txBody>
@@ -10826,69 +8907,56 @@
                     <a:bodyPr/>
                     <a:lstStyle/>
                     <a:p>
-                      <a:pPr marL="285750" indent="-285750" algn="just">
+                      <a:pPr marL="285750" indent="-285750">
                         <a:buFont typeface="Arial" panose="020B0604020202020204" pitchFamily="34" charset="0"/>
                         <a:buChar char="•"/>
                       </a:pPr>
                       <a:r>
-                        <a:rPr lang="ru-RU" sz="2000" dirty="0">
+                        <a:rPr lang="ru-RU" dirty="0">
                           <a:latin typeface="Times New Roman" panose="02020603050405020304" pitchFamily="18" charset="0"/>
                           <a:cs typeface="Times New Roman" panose="02020603050405020304" pitchFamily="18" charset="0"/>
                         </a:rPr>
-                        <a:t>выброс адреналина и кортизола,</a:t>
+                        <a:t>метод (тип запроса),</a:t>
                       </a:r>
                     </a:p>
                     <a:p>
-                      <a:pPr marL="285750" indent="-285750" algn="just">
+                      <a:pPr marL="285750" indent="-285750">
                         <a:buFont typeface="Arial" panose="020B0604020202020204" pitchFamily="34" charset="0"/>
                         <a:buChar char="•"/>
                       </a:pPr>
                       <a:r>
-                        <a:rPr lang="ru-RU" sz="2000" dirty="0">
+                        <a:rPr lang="ru-RU" dirty="0">
                           <a:latin typeface="Times New Roman" panose="02020603050405020304" pitchFamily="18" charset="0"/>
                           <a:cs typeface="Times New Roman" panose="02020603050405020304" pitchFamily="18" charset="0"/>
                         </a:rPr>
-                        <a:t>повышение уровня сахара в крови,</a:t>
+                        <a:t>путь к запрашиваемому ресурсу,</a:t>
                       </a:r>
                     </a:p>
                     <a:p>
-                      <a:pPr marL="285750" indent="-285750" algn="just">
+                      <a:pPr marL="285750" indent="-285750">
                         <a:buFont typeface="Arial" panose="020B0604020202020204" pitchFamily="34" charset="0"/>
                         <a:buChar char="•"/>
                       </a:pPr>
                       <a:r>
-                        <a:rPr lang="ru-RU" sz="2000" dirty="0">
+                        <a:rPr lang="ru-RU" dirty="0">
                           <a:latin typeface="Times New Roman" panose="02020603050405020304" pitchFamily="18" charset="0"/>
                           <a:cs typeface="Times New Roman" panose="02020603050405020304" pitchFamily="18" charset="0"/>
                         </a:rPr>
-                        <a:t>повышение давления,</a:t>
+                        <a:t>в</a:t>
                       </a:r>
-                    </a:p>
-                    <a:p>
-                      <a:pPr marL="285750" indent="-285750" algn="just">
-                        <a:buFont typeface="Arial" panose="020B0604020202020204" pitchFamily="34" charset="0"/>
-                        <a:buChar char="•"/>
-                      </a:pPr>
                       <a:r>
-                        <a:rPr lang="ru-RU" sz="2000" dirty="0">
+                        <a:rPr lang="ru-RU">
                           <a:latin typeface="Times New Roman" panose="02020603050405020304" pitchFamily="18" charset="0"/>
                           <a:cs typeface="Times New Roman" panose="02020603050405020304" pitchFamily="18" charset="0"/>
                         </a:rPr>
-                        <a:t>нормальный уровень </a:t>
+                        <a:t>ерсия </a:t>
                       </a:r>
                       <a:r>
-                        <a:rPr lang="ru-RU" sz="2000" dirty="0" err="1">
+                        <a:rPr lang="ru-RU" dirty="0">
                           <a:latin typeface="Times New Roman" panose="02020603050405020304" pitchFamily="18" charset="0"/>
                           <a:cs typeface="Times New Roman" panose="02020603050405020304" pitchFamily="18" charset="0"/>
                         </a:rPr>
-                        <a:t>дегидроэпиандростерона</a:t>
-                      </a:r>
-                      <a:r>
-                        <a:rPr lang="ru-RU" sz="2000" dirty="0">
-                          <a:latin typeface="Times New Roman" panose="02020603050405020304" pitchFamily="18" charset="0"/>
-                          <a:cs typeface="Times New Roman" panose="02020603050405020304" pitchFamily="18" charset="0"/>
-                        </a:rPr>
-                        <a:t>.</a:t>
+                        <a:t>используемого протокола</a:t>
                       </a:r>
                     </a:p>
                   </a:txBody>
@@ -10896,169 +8964,7 @@
                 </a:tc>
                 <a:extLst>
                   <a:ext uri="{0D108BD9-81ED-4DB2-BD59-A6C34878D82A}">
-                    <a16:rowId xmlns:a16="http://schemas.microsoft.com/office/drawing/2014/main" val="4095460281"/>
-                  </a:ext>
-                </a:extLst>
-              </a:tr>
-              <a:tr h="1934525">
-                <a:tc>
-                  <a:txBody>
-                    <a:bodyPr/>
-                    <a:lstStyle/>
-                    <a:p>
-                      <a:pPr algn="just"/>
-                      <a:r>
-                        <a:rPr lang="ru-RU" sz="2000" dirty="0">
-                          <a:latin typeface="Times New Roman" panose="02020603050405020304" pitchFamily="18" charset="0"/>
-                          <a:cs typeface="Times New Roman" panose="02020603050405020304" pitchFamily="18" charset="0"/>
-                        </a:rPr>
-                        <a:t>Стадия адаптации</a:t>
-                      </a:r>
-                    </a:p>
-                  </a:txBody>
-                  <a:tcPr/>
-                </a:tc>
-                <a:tc>
-                  <a:txBody>
-                    <a:bodyPr/>
-                    <a:lstStyle/>
-                    <a:p>
-                      <a:pPr marL="285750" indent="-285750" algn="just">
-                        <a:buFont typeface="Arial" panose="020B0604020202020204" pitchFamily="34" charset="0"/>
-                        <a:buChar char="•"/>
-                      </a:pPr>
-                      <a:r>
-                        <a:rPr lang="ru-RU" sz="2000" dirty="0">
-                          <a:latin typeface="Times New Roman" panose="02020603050405020304" pitchFamily="18" charset="0"/>
-                          <a:cs typeface="Times New Roman" panose="02020603050405020304" pitchFamily="18" charset="0"/>
-                        </a:rPr>
-                        <a:t>уменьшение уровня кортизола и частоты сердечных сокращений,</a:t>
-                      </a:r>
-                    </a:p>
-                    <a:p>
-                      <a:pPr marL="285750" indent="-285750" algn="just">
-                        <a:buFont typeface="Arial" panose="020B0604020202020204" pitchFamily="34" charset="0"/>
-                        <a:buChar char="•"/>
-                      </a:pPr>
-                      <a:r>
-                        <a:rPr lang="ru-RU" sz="2000" dirty="0">
-                          <a:latin typeface="Times New Roman" panose="02020603050405020304" pitchFamily="18" charset="0"/>
-                          <a:cs typeface="Times New Roman" panose="02020603050405020304" pitchFamily="18" charset="0"/>
-                        </a:rPr>
-                        <a:t>возврат давления к нормальным значениям,</a:t>
-                      </a:r>
-                    </a:p>
-                    <a:p>
-                      <a:pPr marL="285750" indent="-285750" algn="just">
-                        <a:buFont typeface="Arial" panose="020B0604020202020204" pitchFamily="34" charset="0"/>
-                        <a:buChar char="•"/>
-                      </a:pPr>
-                      <a:r>
-                        <a:rPr lang="ru-RU" sz="2000" dirty="0">
-                          <a:latin typeface="Times New Roman" panose="02020603050405020304" pitchFamily="18" charset="0"/>
-                          <a:cs typeface="Times New Roman" panose="02020603050405020304" pitchFamily="18" charset="0"/>
-                        </a:rPr>
-                        <a:t>низкий уровень </a:t>
-                      </a:r>
-                      <a:r>
-                        <a:rPr lang="ru-RU" sz="2000" dirty="0" err="1">
-                          <a:latin typeface="Times New Roman" panose="02020603050405020304" pitchFamily="18" charset="0"/>
-                          <a:cs typeface="Times New Roman" panose="02020603050405020304" pitchFamily="18" charset="0"/>
-                        </a:rPr>
-                        <a:t>дегидроэпиандростерона</a:t>
-                      </a:r>
-                      <a:r>
-                        <a:rPr lang="ru-RU" sz="2000" dirty="0">
-                          <a:latin typeface="Times New Roman" panose="02020603050405020304" pitchFamily="18" charset="0"/>
-                          <a:cs typeface="Times New Roman" panose="02020603050405020304" pitchFamily="18" charset="0"/>
-                        </a:rPr>
-                        <a:t>.</a:t>
-                      </a:r>
-                    </a:p>
-                    <a:p>
-                      <a:pPr algn="just"/>
-                      <a:endParaRPr lang="ru-RU" sz="2000" dirty="0">
-                        <a:latin typeface="Times New Roman" panose="02020603050405020304" pitchFamily="18" charset="0"/>
-                        <a:cs typeface="Times New Roman" panose="02020603050405020304" pitchFamily="18" charset="0"/>
-                      </a:endParaRPr>
-                    </a:p>
-                  </a:txBody>
-                  <a:tcPr/>
-                </a:tc>
-                <a:extLst>
-                  <a:ext uri="{0D108BD9-81ED-4DB2-BD59-A6C34878D82A}">
-                    <a16:rowId xmlns:a16="http://schemas.microsoft.com/office/drawing/2014/main" val="2152741788"/>
-                  </a:ext>
-                </a:extLst>
-              </a:tr>
-              <a:tr h="879329">
-                <a:tc>
-                  <a:txBody>
-                    <a:bodyPr/>
-                    <a:lstStyle/>
-                    <a:p>
-                      <a:pPr algn="just"/>
-                      <a:r>
-                        <a:rPr lang="ru-RU" sz="2000" dirty="0">
-                          <a:latin typeface="Times New Roman" panose="02020603050405020304" pitchFamily="18" charset="0"/>
-                          <a:cs typeface="Times New Roman" panose="02020603050405020304" pitchFamily="18" charset="0"/>
-                        </a:rPr>
-                        <a:t>Стадия истощения</a:t>
-                      </a:r>
-                    </a:p>
-                  </a:txBody>
-                  <a:tcPr/>
-                </a:tc>
-                <a:tc>
-                  <a:txBody>
-                    <a:bodyPr/>
-                    <a:lstStyle/>
-                    <a:p>
-                      <a:pPr marL="285750" indent="-285750" algn="just">
-                        <a:buFont typeface="Arial" panose="020B0604020202020204" pitchFamily="34" charset="0"/>
-                        <a:buChar char="•"/>
-                      </a:pPr>
-                      <a:r>
-                        <a:rPr lang="ru-RU" sz="2000" dirty="0">
-                          <a:latin typeface="Times New Roman" panose="02020603050405020304" pitchFamily="18" charset="0"/>
-                          <a:cs typeface="Times New Roman" panose="02020603050405020304" pitchFamily="18" charset="0"/>
-                        </a:rPr>
-                        <a:t>низкий уровень кортизола,</a:t>
-                      </a:r>
-                    </a:p>
-                    <a:p>
-                      <a:pPr marL="285750" indent="-285750" algn="just">
-                        <a:buFont typeface="Arial" panose="020B0604020202020204" pitchFamily="34" charset="0"/>
-                        <a:buChar char="•"/>
-                      </a:pPr>
-                      <a:r>
-                        <a:rPr lang="ru-RU" sz="2000" dirty="0">
-                          <a:latin typeface="Times New Roman" panose="02020603050405020304" pitchFamily="18" charset="0"/>
-                          <a:cs typeface="Times New Roman" panose="02020603050405020304" pitchFamily="18" charset="0"/>
-                        </a:rPr>
-                        <a:t>нормальный уровень </a:t>
-                      </a:r>
-                      <a:r>
-                        <a:rPr lang="ru-RU" sz="2000" dirty="0" err="1">
-                          <a:latin typeface="Times New Roman" panose="02020603050405020304" pitchFamily="18" charset="0"/>
-                          <a:cs typeface="Times New Roman" panose="02020603050405020304" pitchFamily="18" charset="0"/>
-                        </a:rPr>
-                        <a:t>дегидроэпиандростерона</a:t>
-                      </a:r>
-                      <a:r>
-                        <a:rPr lang="ru-RU" sz="2000" dirty="0">
-                          <a:latin typeface="Times New Roman" panose="02020603050405020304" pitchFamily="18" charset="0"/>
-                          <a:cs typeface="Times New Roman" panose="02020603050405020304" pitchFamily="18" charset="0"/>
-                        </a:rPr>
-                        <a:t>.</a:t>
-                      </a:r>
-                    </a:p>
-                  </a:txBody>
-                  <a:tcPr/>
-                </a:tc>
-                <a:extLst>
-                  <a:ext uri="{0D108BD9-81ED-4DB2-BD59-A6C34878D82A}">
-                    <a16:rowId xmlns:a16="http://schemas.microsoft.com/office/drawing/2014/main" val="961920662"/>
+                    <a16:rowId xmlns:a16="http://schemas.microsoft.com/office/drawing/2014/main" val="1235588215"/>
                   </a:ext>
                 </a:extLst>
               </a:tr>
@@ -11069,7 +8975,7 @@
     </p:spTree>
     <p:extLst>
       <p:ext uri="{BB962C8B-B14F-4D97-AF65-F5344CB8AC3E}">
-        <p14:creationId xmlns:p14="http://schemas.microsoft.com/office/powerpoint/2010/main" val="126097617"/>
+        <p14:creationId xmlns:p14="http://schemas.microsoft.com/office/powerpoint/2010/main" val="3746025936"/>
       </p:ext>
     </p:extLst>
   </p:cSld>
@@ -11101,7 +9007,7 @@
           <p:cNvPr id="2" name="Заголовок 1">
             <a:extLst>
               <a:ext uri="{FF2B5EF4-FFF2-40B4-BE49-F238E27FC236}">
-                <a16:creationId xmlns:a16="http://schemas.microsoft.com/office/drawing/2014/main" id="{295BBDC1-D0BB-4DC6-B7D0-150AA3A2535C}"/>
+                <a16:creationId xmlns:a16="http://schemas.microsoft.com/office/drawing/2014/main" id="{E7D3F968-33A2-4E4B-9105-AFAA6F76252E}"/>
               </a:ext>
             </a:extLst>
           </p:cNvPr>
@@ -11112,25 +9018,18 @@
             <p:ph type="title"/>
           </p:nvPr>
         </p:nvSpPr>
-        <p:spPr>
-          <a:xfrm>
-            <a:off x="809204" y="145601"/>
-            <a:ext cx="10544596" cy="865904"/>
-          </a:xfrm>
-        </p:spPr>
-        <p:txBody>
-          <a:bodyPr>
-            <a:normAutofit fontScale="90000"/>
-          </a:bodyPr>
+        <p:spPr/>
+        <p:txBody>
+          <a:bodyPr/>
           <a:lstStyle/>
           <a:p>
             <a:pPr algn="ctr"/>
             <a:r>
-              <a:rPr lang="ru-RU" sz="4400" dirty="0">
+              <a:rPr lang="en-US" dirty="0">
                 <a:latin typeface="Times New Roman" panose="02020603050405020304" pitchFamily="18" charset="0"/>
                 <a:cs typeface="Times New Roman" panose="02020603050405020304" pitchFamily="18" charset="0"/>
               </a:rPr>
-              <a:t>Действия и характеристики, необходимых для определения усталости оператора АРМ</a:t>
+              <a:t>InfluxDB</a:t>
             </a:r>
             <a:endParaRPr lang="ru-RU" dirty="0">
               <a:latin typeface="Times New Roman" panose="02020603050405020304" pitchFamily="18" charset="0"/>
@@ -11139,936 +9038,86 @@
           </a:p>
         </p:txBody>
       </p:sp>
-      <p:graphicFrame>
-        <p:nvGraphicFramePr>
-          <p:cNvPr id="5" name="Таблица 5">
-            <a:extLst>
-              <a:ext uri="{FF2B5EF4-FFF2-40B4-BE49-F238E27FC236}">
-                <a16:creationId xmlns:a16="http://schemas.microsoft.com/office/drawing/2014/main" id="{D2AD770C-9985-4760-BA84-FD05385696CF}"/>
-              </a:ext>
-            </a:extLst>
-          </p:cNvPr>
-          <p:cNvGraphicFramePr>
-            <a:graphicFrameLocks noGrp="1"/>
-          </p:cNvGraphicFramePr>
+      <p:sp>
+        <p:nvSpPr>
+          <p:cNvPr id="3" name="Объект 2">
+            <a:extLst>
+              <a:ext uri="{FF2B5EF4-FFF2-40B4-BE49-F238E27FC236}">
+                <a16:creationId xmlns:a16="http://schemas.microsoft.com/office/drawing/2014/main" id="{069814F5-5532-470B-8757-E196820FDE98}"/>
+              </a:ext>
+            </a:extLst>
+          </p:cNvPr>
+          <p:cNvSpPr>
+            <a:spLocks noGrp="1"/>
+          </p:cNvSpPr>
           <p:nvPr>
             <p:ph idx="1"/>
-            <p:extLst>
-              <p:ext uri="{D42A27DB-BD31-4B8C-83A1-F6EECF244321}">
-                <p14:modId xmlns:p14="http://schemas.microsoft.com/office/powerpoint/2010/main" val="2145786959"/>
-              </p:ext>
-            </p:extLst>
-          </p:nvPr>
-        </p:nvGraphicFramePr>
-        <p:xfrm>
-          <a:off x="0" y="1118415"/>
-          <a:ext cx="12192000" cy="5168080"/>
-        </p:xfrm>
-        <a:graphic>
-          <a:graphicData uri="http://schemas.openxmlformats.org/drawingml/2006/table">
-            <a:tbl>
-              <a:tblPr firstRow="1" bandRow="1">
-                <a:tableStyleId>{073A0DAA-6AF3-43AB-8588-CEC1D06C72B9}</a:tableStyleId>
-              </a:tblPr>
-              <a:tblGrid>
-                <a:gridCol w="4200525">
-                  <a:extLst>
-                    <a:ext uri="{9D8B030D-6E8A-4147-A177-3AD203B41FA5}">
-                      <a16:colId xmlns:a16="http://schemas.microsoft.com/office/drawing/2014/main" val="1383621040"/>
-                    </a:ext>
-                  </a:extLst>
-                </a:gridCol>
-                <a:gridCol w="2276475">
-                  <a:extLst>
-                    <a:ext uri="{9D8B030D-6E8A-4147-A177-3AD203B41FA5}">
-                      <a16:colId xmlns:a16="http://schemas.microsoft.com/office/drawing/2014/main" val="1317915417"/>
-                    </a:ext>
-                  </a:extLst>
-                </a:gridCol>
-                <a:gridCol w="5715000">
-                  <a:extLst>
-                    <a:ext uri="{9D8B030D-6E8A-4147-A177-3AD203B41FA5}">
-                      <a16:colId xmlns:a16="http://schemas.microsoft.com/office/drawing/2014/main" val="3213189503"/>
-                    </a:ext>
-                  </a:extLst>
-                </a:gridCol>
-              </a:tblGrid>
-              <a:tr h="307915">
-                <a:tc>
-                  <a:txBody>
-                    <a:bodyPr/>
-                    <a:lstStyle/>
-                    <a:p>
-                      <a:pPr algn="just"/>
-                      <a:r>
-                        <a:rPr lang="ru-RU" sz="1400" dirty="0"/>
-                        <a:t>Характеристика</a:t>
-                      </a:r>
-                      <a:endParaRPr lang="ru-RU" sz="1400" dirty="0">
-                        <a:latin typeface="Times New Roman" panose="02020603050405020304" pitchFamily="18" charset="0"/>
-                        <a:cs typeface="Times New Roman" panose="02020603050405020304" pitchFamily="18" charset="0"/>
-                      </a:endParaRPr>
-                    </a:p>
-                  </a:txBody>
-                  <a:tcPr/>
-                </a:tc>
-                <a:tc>
-                  <a:txBody>
-                    <a:bodyPr/>
-                    <a:lstStyle/>
-                    <a:p>
-                      <a:pPr algn="just"/>
-                      <a:r>
-                        <a:rPr lang="ru-RU" sz="1400" dirty="0"/>
-                        <a:t>Средство снятия</a:t>
-                      </a:r>
-                      <a:endParaRPr lang="ru-RU" sz="1400" dirty="0">
-                        <a:latin typeface="Times New Roman" panose="02020603050405020304" pitchFamily="18" charset="0"/>
-                        <a:cs typeface="Times New Roman" panose="02020603050405020304" pitchFamily="18" charset="0"/>
-                      </a:endParaRPr>
-                    </a:p>
-                  </a:txBody>
-                  <a:tcPr/>
-                </a:tc>
-                <a:tc>
-                  <a:txBody>
-                    <a:bodyPr/>
-                    <a:lstStyle/>
-                    <a:p>
-                      <a:pPr algn="just"/>
-                      <a:r>
-                        <a:rPr lang="ru-RU" sz="1400" dirty="0"/>
-                        <a:t>Периодичность снятия</a:t>
-                      </a:r>
-                      <a:endParaRPr lang="ru-RU" sz="1400" dirty="0">
-                        <a:latin typeface="Times New Roman" panose="02020603050405020304" pitchFamily="18" charset="0"/>
-                        <a:cs typeface="Times New Roman" panose="02020603050405020304" pitchFamily="18" charset="0"/>
-                      </a:endParaRPr>
-                    </a:p>
-                  </a:txBody>
-                  <a:tcPr/>
-                </a:tc>
-                <a:extLst>
-                  <a:ext uri="{0D108BD9-81ED-4DB2-BD59-A6C34878D82A}">
-                    <a16:rowId xmlns:a16="http://schemas.microsoft.com/office/drawing/2014/main" val="4239653009"/>
-                  </a:ext>
-                </a:extLst>
-              </a:tr>
-              <a:tr h="497671">
-                <a:tc>
-                  <a:txBody>
-                    <a:bodyPr/>
-                    <a:lstStyle/>
-                    <a:p>
-                      <a:pPr algn="just"/>
-                      <a:r>
-                        <a:rPr lang="ru-RU" sz="1400" dirty="0"/>
-                        <a:t>Уровень адреналина</a:t>
-                      </a:r>
-                      <a:endParaRPr lang="ru-RU" sz="1400" dirty="0">
-                        <a:latin typeface="Times New Roman" panose="02020603050405020304" pitchFamily="18" charset="0"/>
-                        <a:cs typeface="Times New Roman" panose="02020603050405020304" pitchFamily="18" charset="0"/>
-                      </a:endParaRPr>
-                    </a:p>
-                  </a:txBody>
-                  <a:tcPr/>
-                </a:tc>
-                <a:tc>
-                  <a:txBody>
-                    <a:bodyPr/>
-                    <a:lstStyle/>
-                    <a:p>
-                      <a:pPr algn="just"/>
-                      <a:r>
-                        <a:rPr lang="ru-RU" sz="1400" dirty="0"/>
-                        <a:t>Клинический анализ крови</a:t>
-                      </a:r>
-                      <a:endParaRPr lang="ru-RU" sz="1400" dirty="0">
-                        <a:latin typeface="Times New Roman" panose="02020603050405020304" pitchFamily="18" charset="0"/>
-                        <a:cs typeface="Times New Roman" panose="02020603050405020304" pitchFamily="18" charset="0"/>
-                      </a:endParaRPr>
-                    </a:p>
-                  </a:txBody>
-                  <a:tcPr/>
-                </a:tc>
-                <a:tc>
-                  <a:txBody>
-                    <a:bodyPr/>
-                    <a:lstStyle/>
-                    <a:p>
-                      <a:pPr algn="just"/>
-                      <a:r>
-                        <a:rPr lang="ru-RU" sz="1400" dirty="0"/>
-                        <a:t>Каждый период возникновения учащённого дыхания</a:t>
-                      </a:r>
-                      <a:endParaRPr lang="ru-RU" sz="1400" dirty="0">
-                        <a:latin typeface="Times New Roman" panose="02020603050405020304" pitchFamily="18" charset="0"/>
-                        <a:cs typeface="Times New Roman" panose="02020603050405020304" pitchFamily="18" charset="0"/>
-                      </a:endParaRPr>
-                    </a:p>
-                  </a:txBody>
-                  <a:tcPr/>
-                </a:tc>
-                <a:extLst>
-                  <a:ext uri="{0D108BD9-81ED-4DB2-BD59-A6C34878D82A}">
-                    <a16:rowId xmlns:a16="http://schemas.microsoft.com/office/drawing/2014/main" val="147819489"/>
-                  </a:ext>
-                </a:extLst>
-              </a:tr>
-              <a:tr h="307915">
-                <a:tc>
-                  <a:txBody>
-                    <a:bodyPr/>
-                    <a:lstStyle/>
-                    <a:p>
-                      <a:pPr algn="just"/>
-                      <a:r>
-                        <a:rPr lang="ru-RU" sz="1400" dirty="0"/>
-                        <a:t>Уровень кортизола</a:t>
-                      </a:r>
-                      <a:r>
-                        <a:rPr lang="en-US" sz="1400" dirty="0"/>
-                        <a:t> </a:t>
-                      </a:r>
-                      <a:r>
-                        <a:rPr lang="ru-RU" sz="1400" dirty="0"/>
-                        <a:t>и </a:t>
-                      </a:r>
-                      <a:r>
-                        <a:rPr lang="ru-RU" sz="1400" dirty="0" err="1"/>
-                        <a:t>дегидроэпиандростерона</a:t>
-                      </a:r>
-                      <a:endParaRPr lang="ru-RU" sz="1400" dirty="0">
-                        <a:latin typeface="Times New Roman" panose="02020603050405020304" pitchFamily="18" charset="0"/>
-                        <a:cs typeface="Times New Roman" panose="02020603050405020304" pitchFamily="18" charset="0"/>
-                      </a:endParaRPr>
-                    </a:p>
-                  </a:txBody>
-                  <a:tcPr/>
-                </a:tc>
-                <a:tc>
-                  <a:txBody>
-                    <a:bodyPr/>
-                    <a:lstStyle/>
-                    <a:p>
-                      <a:pPr algn="just"/>
-                      <a:r>
-                        <a:rPr lang="ru-RU" sz="1400" dirty="0"/>
-                        <a:t>Анализ слюны</a:t>
-                      </a:r>
-                      <a:endParaRPr lang="ru-RU" sz="1400" dirty="0">
-                        <a:latin typeface="Times New Roman" panose="02020603050405020304" pitchFamily="18" charset="0"/>
-                        <a:cs typeface="Times New Roman" panose="02020603050405020304" pitchFamily="18" charset="0"/>
-                      </a:endParaRPr>
-                    </a:p>
-                  </a:txBody>
-                  <a:tcPr/>
-                </a:tc>
-                <a:tc>
-                  <a:txBody>
-                    <a:bodyPr/>
-                    <a:lstStyle/>
-                    <a:p>
-                      <a:pPr algn="just"/>
-                      <a:r>
-                        <a:rPr lang="ru-RU" sz="1400" dirty="0"/>
-                        <a:t>В периоды фиксации стресса каждые 5-10 минут</a:t>
-                      </a:r>
-                      <a:endParaRPr lang="ru-RU" sz="1400" dirty="0">
-                        <a:latin typeface="Times New Roman" panose="02020603050405020304" pitchFamily="18" charset="0"/>
-                        <a:cs typeface="Times New Roman" panose="02020603050405020304" pitchFamily="18" charset="0"/>
-                      </a:endParaRPr>
-                    </a:p>
-                  </a:txBody>
-                  <a:tcPr/>
-                </a:tc>
-                <a:extLst>
-                  <a:ext uri="{0D108BD9-81ED-4DB2-BD59-A6C34878D82A}">
-                    <a16:rowId xmlns:a16="http://schemas.microsoft.com/office/drawing/2014/main" val="993045803"/>
-                  </a:ext>
-                </a:extLst>
-              </a:tr>
-              <a:tr h="451916">
-                <a:tc>
-                  <a:txBody>
-                    <a:bodyPr/>
-                    <a:lstStyle/>
-                    <a:p>
-                      <a:pPr algn="just"/>
-                      <a:r>
-                        <a:rPr lang="ru-RU" sz="1400" dirty="0"/>
-                        <a:t>Пульс</a:t>
-                      </a:r>
-                      <a:endParaRPr lang="ru-RU" sz="1400" dirty="0">
-                        <a:latin typeface="Times New Roman" panose="02020603050405020304" pitchFamily="18" charset="0"/>
-                        <a:cs typeface="Times New Roman" panose="02020603050405020304" pitchFamily="18" charset="0"/>
-                      </a:endParaRPr>
-                    </a:p>
-                  </a:txBody>
-                  <a:tcPr/>
-                </a:tc>
-                <a:tc>
-                  <a:txBody>
-                    <a:bodyPr/>
-                    <a:lstStyle/>
-                    <a:p>
-                      <a:pPr algn="just"/>
-                      <a:r>
-                        <a:rPr lang="ru-RU" sz="1400" dirty="0"/>
-                        <a:t>Пульсометр, смарт-часы</a:t>
-                      </a:r>
-                      <a:endParaRPr lang="ru-RU" sz="1400" dirty="0">
-                        <a:latin typeface="Times New Roman" panose="02020603050405020304" pitchFamily="18" charset="0"/>
-                        <a:cs typeface="Times New Roman" panose="02020603050405020304" pitchFamily="18" charset="0"/>
-                      </a:endParaRPr>
-                    </a:p>
-                  </a:txBody>
-                  <a:tcPr/>
-                </a:tc>
-                <a:tc>
-                  <a:txBody>
-                    <a:bodyPr/>
-                    <a:lstStyle/>
-                    <a:p>
-                      <a:pPr algn="just"/>
-                      <a:r>
-                        <a:rPr lang="ru-RU" sz="1400" dirty="0"/>
-                        <a:t>Каждые 5 минут, при отклонениях – каждую 1 минуту</a:t>
-                      </a:r>
-                      <a:endParaRPr lang="ru-RU" sz="1400" dirty="0">
-                        <a:latin typeface="Times New Roman" panose="02020603050405020304" pitchFamily="18" charset="0"/>
-                        <a:cs typeface="Times New Roman" panose="02020603050405020304" pitchFamily="18" charset="0"/>
-                      </a:endParaRPr>
-                    </a:p>
-                  </a:txBody>
-                  <a:tcPr/>
-                </a:tc>
-                <a:extLst>
-                  <a:ext uri="{0D108BD9-81ED-4DB2-BD59-A6C34878D82A}">
-                    <a16:rowId xmlns:a16="http://schemas.microsoft.com/office/drawing/2014/main" val="754867574"/>
-                  </a:ext>
-                </a:extLst>
-              </a:tr>
-              <a:tr h="451916">
-                <a:tc>
-                  <a:txBody>
-                    <a:bodyPr/>
-                    <a:lstStyle/>
-                    <a:p>
-                      <a:pPr algn="just"/>
-                      <a:r>
-                        <a:rPr lang="ru-RU" sz="1400" dirty="0"/>
-                        <a:t>Артериальное давление</a:t>
-                      </a:r>
-                      <a:endParaRPr lang="ru-RU" sz="1400" dirty="0">
-                        <a:latin typeface="Times New Roman" panose="02020603050405020304" pitchFamily="18" charset="0"/>
-                        <a:cs typeface="Times New Roman" panose="02020603050405020304" pitchFamily="18" charset="0"/>
-                      </a:endParaRPr>
-                    </a:p>
-                  </a:txBody>
-                  <a:tcPr/>
-                </a:tc>
-                <a:tc>
-                  <a:txBody>
-                    <a:bodyPr/>
-                    <a:lstStyle/>
-                    <a:p>
-                      <a:pPr algn="just"/>
-                      <a:r>
-                        <a:rPr lang="ru-RU" sz="1400" dirty="0"/>
-                        <a:t>Тонометр, смарт-часы</a:t>
-                      </a:r>
-                      <a:endParaRPr lang="ru-RU" sz="1400" dirty="0">
-                        <a:latin typeface="Times New Roman" panose="02020603050405020304" pitchFamily="18" charset="0"/>
-                        <a:cs typeface="Times New Roman" panose="02020603050405020304" pitchFamily="18" charset="0"/>
-                      </a:endParaRPr>
-                    </a:p>
-                  </a:txBody>
-                  <a:tcPr/>
-                </a:tc>
-                <a:tc>
-                  <a:txBody>
-                    <a:bodyPr/>
-                    <a:lstStyle/>
-                    <a:p>
-                      <a:pPr algn="just"/>
-                      <a:r>
-                        <a:rPr lang="ru-RU" sz="1400" dirty="0"/>
-                        <a:t>Каждые 5 минут, при отклонениях – каждую 1 минуту</a:t>
-                      </a:r>
-                      <a:endParaRPr lang="ru-RU" sz="1400" dirty="0">
-                        <a:latin typeface="Times New Roman" panose="02020603050405020304" pitchFamily="18" charset="0"/>
-                        <a:cs typeface="Times New Roman" panose="02020603050405020304" pitchFamily="18" charset="0"/>
-                      </a:endParaRPr>
-                    </a:p>
-                  </a:txBody>
-                  <a:tcPr/>
-                </a:tc>
-                <a:extLst>
-                  <a:ext uri="{0D108BD9-81ED-4DB2-BD59-A6C34878D82A}">
-                    <a16:rowId xmlns:a16="http://schemas.microsoft.com/office/drawing/2014/main" val="439724134"/>
-                  </a:ext>
-                </a:extLst>
-              </a:tr>
-              <a:tr h="307915">
-                <a:tc>
-                  <a:txBody>
-                    <a:bodyPr/>
-                    <a:lstStyle/>
-                    <a:p>
-                      <a:pPr algn="just"/>
-                      <a:r>
-                        <a:rPr lang="ru-RU" sz="1400" dirty="0"/>
-                        <a:t>Скорость печати</a:t>
-                      </a:r>
-                      <a:endParaRPr lang="ru-RU" sz="1400" dirty="0">
-                        <a:latin typeface="Times New Roman" panose="02020603050405020304" pitchFamily="18" charset="0"/>
-                        <a:cs typeface="Times New Roman" panose="02020603050405020304" pitchFamily="18" charset="0"/>
-                      </a:endParaRPr>
-                    </a:p>
-                  </a:txBody>
-                  <a:tcPr/>
-                </a:tc>
-                <a:tc>
-                  <a:txBody>
-                    <a:bodyPr/>
-                    <a:lstStyle/>
-                    <a:p>
-                      <a:pPr algn="just"/>
-                      <a:r>
-                        <a:rPr lang="ru-RU" sz="1400" dirty="0"/>
-                        <a:t>Клавиатура</a:t>
-                      </a:r>
-                      <a:endParaRPr lang="ru-RU" sz="1400" dirty="0">
-                        <a:latin typeface="Times New Roman" panose="02020603050405020304" pitchFamily="18" charset="0"/>
-                        <a:cs typeface="Times New Roman" panose="02020603050405020304" pitchFamily="18" charset="0"/>
-                      </a:endParaRPr>
-                    </a:p>
-                  </a:txBody>
-                  <a:tcPr/>
-                </a:tc>
-                <a:tc>
-                  <a:txBody>
-                    <a:bodyPr/>
-                    <a:lstStyle/>
-                    <a:p>
-                      <a:pPr algn="just"/>
-                      <a:r>
-                        <a:rPr lang="ru-RU" sz="1400" dirty="0"/>
-                        <a:t>В периоды активности</a:t>
-                      </a:r>
-                      <a:endParaRPr lang="ru-RU" sz="1400" dirty="0">
-                        <a:latin typeface="Times New Roman" panose="02020603050405020304" pitchFamily="18" charset="0"/>
-                        <a:cs typeface="Times New Roman" panose="02020603050405020304" pitchFamily="18" charset="0"/>
-                      </a:endParaRPr>
-                    </a:p>
-                  </a:txBody>
-                  <a:tcPr/>
-                </a:tc>
-                <a:extLst>
-                  <a:ext uri="{0D108BD9-81ED-4DB2-BD59-A6C34878D82A}">
-                    <a16:rowId xmlns:a16="http://schemas.microsoft.com/office/drawing/2014/main" val="2676695154"/>
-                  </a:ext>
-                </a:extLst>
-              </a:tr>
-              <a:tr h="497671">
-                <a:tc>
-                  <a:txBody>
-                    <a:bodyPr/>
-                    <a:lstStyle/>
-                    <a:p>
-                      <a:pPr algn="just"/>
-                      <a:r>
-                        <a:rPr lang="ru-RU" sz="1400" dirty="0"/>
-                        <a:t>Частота исправления ошибок в напечатанных словах</a:t>
-                      </a:r>
-                      <a:endParaRPr lang="ru-RU" sz="1400" dirty="0">
-                        <a:latin typeface="Times New Roman" panose="02020603050405020304" pitchFamily="18" charset="0"/>
-                        <a:cs typeface="Times New Roman" panose="02020603050405020304" pitchFamily="18" charset="0"/>
-                      </a:endParaRPr>
-                    </a:p>
-                  </a:txBody>
-                  <a:tcPr/>
-                </a:tc>
-                <a:tc>
-                  <a:txBody>
-                    <a:bodyPr/>
-                    <a:lstStyle/>
-                    <a:p>
-                      <a:pPr algn="just"/>
-                      <a:r>
-                        <a:rPr lang="ru-RU" sz="1400" dirty="0"/>
-                        <a:t>Клавиатура</a:t>
-                      </a:r>
-                      <a:endParaRPr lang="ru-RU" sz="1400" dirty="0">
-                        <a:latin typeface="Times New Roman" panose="02020603050405020304" pitchFamily="18" charset="0"/>
-                        <a:cs typeface="Times New Roman" panose="02020603050405020304" pitchFamily="18" charset="0"/>
-                      </a:endParaRPr>
-                    </a:p>
-                  </a:txBody>
-                  <a:tcPr/>
-                </a:tc>
-                <a:tc>
-                  <a:txBody>
-                    <a:bodyPr/>
-                    <a:lstStyle/>
-                    <a:p>
-                      <a:pPr algn="just"/>
-                      <a:r>
-                        <a:rPr lang="ru-RU" sz="1400" dirty="0"/>
-                        <a:t>В периоды активности пользователя</a:t>
-                      </a:r>
-                      <a:endParaRPr lang="ru-RU" sz="1400" dirty="0">
-                        <a:latin typeface="Times New Roman" panose="02020603050405020304" pitchFamily="18" charset="0"/>
-                        <a:cs typeface="Times New Roman" panose="02020603050405020304" pitchFamily="18" charset="0"/>
-                      </a:endParaRPr>
-                    </a:p>
-                  </a:txBody>
-                  <a:tcPr/>
-                </a:tc>
-                <a:extLst>
-                  <a:ext uri="{0D108BD9-81ED-4DB2-BD59-A6C34878D82A}">
-                    <a16:rowId xmlns:a16="http://schemas.microsoft.com/office/drawing/2014/main" val="525252183"/>
-                  </a:ext>
-                </a:extLst>
-              </a:tr>
-              <a:tr h="497671">
-                <a:tc>
-                  <a:txBody>
-                    <a:bodyPr/>
-                    <a:lstStyle/>
-                    <a:p>
-                      <a:pPr algn="just"/>
-                      <a:r>
-                        <a:rPr lang="ru-RU" sz="1400" dirty="0"/>
-                        <a:t>Частота нажатий клавиш координатного устройства</a:t>
-                      </a:r>
-                      <a:endParaRPr lang="ru-RU" sz="1400" dirty="0">
-                        <a:latin typeface="Times New Roman" panose="02020603050405020304" pitchFamily="18" charset="0"/>
-                        <a:cs typeface="Times New Roman" panose="02020603050405020304" pitchFamily="18" charset="0"/>
-                      </a:endParaRPr>
-                    </a:p>
-                  </a:txBody>
-                  <a:tcPr/>
-                </a:tc>
-                <a:tc>
-                  <a:txBody>
-                    <a:bodyPr/>
-                    <a:lstStyle/>
-                    <a:p>
-                      <a:pPr algn="just"/>
-                      <a:r>
-                        <a:rPr lang="ru-RU" sz="1400" dirty="0"/>
-                        <a:t>Компьютерная мышь</a:t>
-                      </a:r>
-                      <a:endParaRPr lang="ru-RU" sz="1400" dirty="0">
-                        <a:latin typeface="Times New Roman" panose="02020603050405020304" pitchFamily="18" charset="0"/>
-                        <a:cs typeface="Times New Roman" panose="02020603050405020304" pitchFamily="18" charset="0"/>
-                      </a:endParaRPr>
-                    </a:p>
-                  </a:txBody>
-                  <a:tcPr/>
-                </a:tc>
-                <a:tc>
-                  <a:txBody>
-                    <a:bodyPr/>
-                    <a:lstStyle/>
-                    <a:p>
-                      <a:pPr algn="just"/>
-                      <a:r>
-                        <a:rPr lang="ru-RU" sz="1400" dirty="0"/>
-                        <a:t>В периоды активности пользователя</a:t>
-                      </a:r>
-                      <a:endParaRPr lang="ru-RU" sz="1400" dirty="0">
-                        <a:latin typeface="Times New Roman" panose="02020603050405020304" pitchFamily="18" charset="0"/>
-                        <a:cs typeface="Times New Roman" panose="02020603050405020304" pitchFamily="18" charset="0"/>
-                      </a:endParaRPr>
-                    </a:p>
-                  </a:txBody>
-                  <a:tcPr/>
-                </a:tc>
-                <a:extLst>
-                  <a:ext uri="{0D108BD9-81ED-4DB2-BD59-A6C34878D82A}">
-                    <a16:rowId xmlns:a16="http://schemas.microsoft.com/office/drawing/2014/main" val="121669282"/>
-                  </a:ext>
-                </a:extLst>
-              </a:tr>
-              <a:tr h="307915">
-                <a:tc>
-                  <a:txBody>
-                    <a:bodyPr/>
-                    <a:lstStyle/>
-                    <a:p>
-                      <a:pPr algn="just"/>
-                      <a:r>
-                        <a:rPr lang="ru-RU" sz="1400" dirty="0"/>
-                        <a:t>Мимика</a:t>
-                      </a:r>
-                      <a:endParaRPr lang="ru-RU" sz="1400" dirty="0">
-                        <a:latin typeface="Times New Roman" panose="02020603050405020304" pitchFamily="18" charset="0"/>
-                        <a:cs typeface="Times New Roman" panose="02020603050405020304" pitchFamily="18" charset="0"/>
-                      </a:endParaRPr>
-                    </a:p>
-                  </a:txBody>
-                  <a:tcPr/>
-                </a:tc>
-                <a:tc>
-                  <a:txBody>
-                    <a:bodyPr/>
-                    <a:lstStyle/>
-                    <a:p>
-                      <a:pPr algn="just"/>
-                      <a:r>
-                        <a:rPr lang="ru-RU" sz="1400" dirty="0"/>
-                        <a:t>Веб-камера</a:t>
-                      </a:r>
-                      <a:endParaRPr lang="ru-RU" sz="1400" dirty="0">
-                        <a:latin typeface="Times New Roman" panose="02020603050405020304" pitchFamily="18" charset="0"/>
-                        <a:cs typeface="Times New Roman" panose="02020603050405020304" pitchFamily="18" charset="0"/>
-                      </a:endParaRPr>
-                    </a:p>
-                  </a:txBody>
-                  <a:tcPr/>
-                </a:tc>
-                <a:tc>
-                  <a:txBody>
-                    <a:bodyPr/>
-                    <a:lstStyle/>
-                    <a:p>
-                      <a:pPr algn="just"/>
-                      <a:r>
-                        <a:rPr lang="ru-RU" sz="1400" dirty="0"/>
-                        <a:t>Непрерывно</a:t>
-                      </a:r>
-                      <a:endParaRPr lang="ru-RU" sz="1400" dirty="0">
-                        <a:latin typeface="Times New Roman" panose="02020603050405020304" pitchFamily="18" charset="0"/>
-                        <a:cs typeface="Times New Roman" panose="02020603050405020304" pitchFamily="18" charset="0"/>
-                      </a:endParaRPr>
-                    </a:p>
-                  </a:txBody>
-                  <a:tcPr/>
-                </a:tc>
-                <a:extLst>
-                  <a:ext uri="{0D108BD9-81ED-4DB2-BD59-A6C34878D82A}">
-                    <a16:rowId xmlns:a16="http://schemas.microsoft.com/office/drawing/2014/main" val="3757636557"/>
-                  </a:ext>
-                </a:extLst>
-              </a:tr>
-              <a:tr h="307915">
-                <a:tc>
-                  <a:txBody>
-                    <a:bodyPr/>
-                    <a:lstStyle/>
-                    <a:p>
-                      <a:pPr algn="just"/>
-                      <a:r>
-                        <a:rPr lang="ru-RU" sz="1400" dirty="0"/>
-                        <a:t>Жесты</a:t>
-                      </a:r>
-                      <a:endParaRPr lang="ru-RU" sz="1400" dirty="0">
-                        <a:latin typeface="Times New Roman" panose="02020603050405020304" pitchFamily="18" charset="0"/>
-                        <a:cs typeface="Times New Roman" panose="02020603050405020304" pitchFamily="18" charset="0"/>
-                      </a:endParaRPr>
-                    </a:p>
-                  </a:txBody>
-                  <a:tcPr/>
-                </a:tc>
-                <a:tc>
-                  <a:txBody>
-                    <a:bodyPr/>
-                    <a:lstStyle/>
-                    <a:p>
-                      <a:pPr algn="just"/>
-                      <a:r>
-                        <a:rPr lang="ru-RU" sz="1400" dirty="0"/>
-                        <a:t>Веб-камера</a:t>
-                      </a:r>
-                      <a:endParaRPr lang="ru-RU" sz="1400" dirty="0">
-                        <a:latin typeface="Times New Roman" panose="02020603050405020304" pitchFamily="18" charset="0"/>
-                        <a:cs typeface="Times New Roman" panose="02020603050405020304" pitchFamily="18" charset="0"/>
-                      </a:endParaRPr>
-                    </a:p>
-                  </a:txBody>
-                  <a:tcPr/>
-                </a:tc>
-                <a:tc>
-                  <a:txBody>
-                    <a:bodyPr/>
-                    <a:lstStyle/>
-                    <a:p>
-                      <a:pPr algn="just"/>
-                      <a:r>
-                        <a:rPr lang="ru-RU" sz="1400" dirty="0"/>
-                        <a:t>Непрерывно</a:t>
-                      </a:r>
-                      <a:endParaRPr lang="ru-RU" sz="1400" dirty="0">
-                        <a:latin typeface="Times New Roman" panose="02020603050405020304" pitchFamily="18" charset="0"/>
-                        <a:cs typeface="Times New Roman" panose="02020603050405020304" pitchFamily="18" charset="0"/>
-                      </a:endParaRPr>
-                    </a:p>
-                  </a:txBody>
-                  <a:tcPr/>
-                </a:tc>
-                <a:extLst>
-                  <a:ext uri="{0D108BD9-81ED-4DB2-BD59-A6C34878D82A}">
-                    <a16:rowId xmlns:a16="http://schemas.microsoft.com/office/drawing/2014/main" val="491952609"/>
-                  </a:ext>
-                </a:extLst>
-              </a:tr>
-              <a:tr h="307915">
-                <a:tc>
-                  <a:txBody>
-                    <a:bodyPr/>
-                    <a:lstStyle/>
-                    <a:p>
-                      <a:pPr algn="just"/>
-                      <a:r>
-                        <a:rPr lang="ru-RU" sz="1400" dirty="0"/>
-                        <a:t>Частота моргания</a:t>
-                      </a:r>
-                      <a:endParaRPr lang="ru-RU" sz="1400" dirty="0">
-                        <a:latin typeface="Times New Roman" panose="02020603050405020304" pitchFamily="18" charset="0"/>
-                        <a:cs typeface="Times New Roman" panose="02020603050405020304" pitchFamily="18" charset="0"/>
-                      </a:endParaRPr>
-                    </a:p>
-                  </a:txBody>
-                  <a:tcPr/>
-                </a:tc>
-                <a:tc>
-                  <a:txBody>
-                    <a:bodyPr/>
-                    <a:lstStyle/>
-                    <a:p>
-                      <a:pPr algn="just"/>
-                      <a:r>
-                        <a:rPr lang="ru-RU" sz="1400" dirty="0"/>
-                        <a:t>Веб-камера</a:t>
-                      </a:r>
-                      <a:endParaRPr lang="ru-RU" sz="1400" dirty="0">
-                        <a:latin typeface="Times New Roman" panose="02020603050405020304" pitchFamily="18" charset="0"/>
-                        <a:cs typeface="Times New Roman" panose="02020603050405020304" pitchFamily="18" charset="0"/>
-                      </a:endParaRPr>
-                    </a:p>
-                  </a:txBody>
-                  <a:tcPr/>
-                </a:tc>
-                <a:tc>
-                  <a:txBody>
-                    <a:bodyPr/>
-                    <a:lstStyle/>
-                    <a:p>
-                      <a:pPr algn="just"/>
-                      <a:r>
-                        <a:rPr lang="ru-RU" sz="1400" dirty="0"/>
-                        <a:t>Непрерывно</a:t>
-                      </a:r>
-                      <a:endParaRPr lang="ru-RU" sz="1400" dirty="0">
-                        <a:latin typeface="Times New Roman" panose="02020603050405020304" pitchFamily="18" charset="0"/>
-                        <a:cs typeface="Times New Roman" panose="02020603050405020304" pitchFamily="18" charset="0"/>
-                      </a:endParaRPr>
-                    </a:p>
-                  </a:txBody>
-                  <a:tcPr/>
-                </a:tc>
-                <a:extLst>
-                  <a:ext uri="{0D108BD9-81ED-4DB2-BD59-A6C34878D82A}">
-                    <a16:rowId xmlns:a16="http://schemas.microsoft.com/office/drawing/2014/main" val="417821750"/>
-                  </a:ext>
-                </a:extLst>
-              </a:tr>
-              <a:tr h="307915">
-                <a:tc>
-                  <a:txBody>
-                    <a:bodyPr/>
-                    <a:lstStyle/>
-                    <a:p>
-                      <a:pPr algn="just"/>
-                      <a:r>
-                        <a:rPr lang="ru-RU" sz="1400" dirty="0"/>
-                        <a:t>Ровно и размеренность дыхания</a:t>
-                      </a:r>
-                      <a:endParaRPr lang="ru-RU" sz="1400" dirty="0">
-                        <a:latin typeface="Times New Roman" panose="02020603050405020304" pitchFamily="18" charset="0"/>
-                        <a:cs typeface="Times New Roman" panose="02020603050405020304" pitchFamily="18" charset="0"/>
-                      </a:endParaRPr>
-                    </a:p>
-                  </a:txBody>
-                  <a:tcPr/>
-                </a:tc>
-                <a:tc>
-                  <a:txBody>
-                    <a:bodyPr/>
-                    <a:lstStyle/>
-                    <a:p>
-                      <a:pPr algn="just"/>
-                      <a:r>
-                        <a:rPr lang="ru-RU" sz="1400" dirty="0"/>
-                        <a:t>Смарт-часы, веб-камеры</a:t>
-                      </a:r>
-                      <a:endParaRPr lang="ru-RU" sz="1400" dirty="0">
-                        <a:latin typeface="Times New Roman" panose="02020603050405020304" pitchFamily="18" charset="0"/>
-                        <a:cs typeface="Times New Roman" panose="02020603050405020304" pitchFamily="18" charset="0"/>
-                      </a:endParaRPr>
-                    </a:p>
-                  </a:txBody>
-                  <a:tcPr/>
-                </a:tc>
-                <a:tc>
-                  <a:txBody>
-                    <a:bodyPr/>
-                    <a:lstStyle/>
-                    <a:p>
-                      <a:pPr algn="just"/>
-                      <a:r>
-                        <a:rPr lang="ru-RU" sz="1400" dirty="0"/>
-                        <a:t>Непрерывно</a:t>
-                      </a:r>
-                      <a:endParaRPr lang="ru-RU" sz="1400" dirty="0">
-                        <a:latin typeface="Times New Roman" panose="02020603050405020304" pitchFamily="18" charset="0"/>
-                        <a:cs typeface="Times New Roman" panose="02020603050405020304" pitchFamily="18" charset="0"/>
-                      </a:endParaRPr>
-                    </a:p>
-                  </a:txBody>
-                  <a:tcPr/>
-                </a:tc>
-                <a:extLst>
-                  <a:ext uri="{0D108BD9-81ED-4DB2-BD59-A6C34878D82A}">
-                    <a16:rowId xmlns:a16="http://schemas.microsoft.com/office/drawing/2014/main" val="2242049887"/>
-                  </a:ext>
-                </a:extLst>
-              </a:tr>
-              <a:tr h="307915">
-                <a:tc>
-                  <a:txBody>
-                    <a:bodyPr/>
-                    <a:lstStyle/>
-                    <a:p>
-                      <a:pPr algn="just"/>
-                      <a:r>
-                        <a:rPr lang="ru-RU" sz="1400" dirty="0"/>
-                        <a:t>Тембр голоса</a:t>
-                      </a:r>
-                      <a:endParaRPr lang="ru-RU" sz="1400" dirty="0">
-                        <a:latin typeface="Times New Roman" panose="02020603050405020304" pitchFamily="18" charset="0"/>
-                        <a:cs typeface="Times New Roman" panose="02020603050405020304" pitchFamily="18" charset="0"/>
-                      </a:endParaRPr>
-                    </a:p>
-                  </a:txBody>
-                  <a:tcPr/>
-                </a:tc>
-                <a:tc>
-                  <a:txBody>
-                    <a:bodyPr/>
-                    <a:lstStyle/>
-                    <a:p>
-                      <a:pPr algn="just"/>
-                      <a:r>
-                        <a:rPr lang="ru-RU" sz="1400" dirty="0"/>
-                        <a:t>Микрофон</a:t>
-                      </a:r>
-                      <a:endParaRPr lang="ru-RU" sz="1400" dirty="0">
-                        <a:latin typeface="Times New Roman" panose="02020603050405020304" pitchFamily="18" charset="0"/>
-                        <a:cs typeface="Times New Roman" panose="02020603050405020304" pitchFamily="18" charset="0"/>
-                      </a:endParaRPr>
-                    </a:p>
-                  </a:txBody>
-                  <a:tcPr/>
-                </a:tc>
-                <a:tc>
-                  <a:txBody>
-                    <a:bodyPr/>
-                    <a:lstStyle/>
-                    <a:p>
-                      <a:pPr algn="just"/>
-                      <a:r>
-                        <a:rPr lang="ru-RU" sz="1400" dirty="0"/>
-                        <a:t>В периоды активности пользователя</a:t>
-                      </a:r>
-                      <a:endParaRPr lang="ru-RU" sz="1400" dirty="0">
-                        <a:latin typeface="Times New Roman" panose="02020603050405020304" pitchFamily="18" charset="0"/>
-                        <a:cs typeface="Times New Roman" panose="02020603050405020304" pitchFamily="18" charset="0"/>
-                      </a:endParaRPr>
-                    </a:p>
-                  </a:txBody>
-                  <a:tcPr/>
-                </a:tc>
-                <a:extLst>
-                  <a:ext uri="{0D108BD9-81ED-4DB2-BD59-A6C34878D82A}">
-                    <a16:rowId xmlns:a16="http://schemas.microsoft.com/office/drawing/2014/main" val="2602645427"/>
-                  </a:ext>
-                </a:extLst>
-              </a:tr>
-              <a:tr h="307915">
-                <a:tc>
-                  <a:txBody>
-                    <a:bodyPr/>
-                    <a:lstStyle/>
-                    <a:p>
-                      <a:pPr algn="just"/>
-                      <a:r>
-                        <a:rPr lang="ru-RU" sz="1400" dirty="0"/>
-                        <a:t>Скорость речи</a:t>
-                      </a:r>
-                      <a:endParaRPr lang="ru-RU" sz="1400" dirty="0">
-                        <a:latin typeface="Times New Roman" panose="02020603050405020304" pitchFamily="18" charset="0"/>
-                        <a:cs typeface="Times New Roman" panose="02020603050405020304" pitchFamily="18" charset="0"/>
-                      </a:endParaRPr>
-                    </a:p>
-                  </a:txBody>
-                  <a:tcPr/>
-                </a:tc>
-                <a:tc>
-                  <a:txBody>
-                    <a:bodyPr/>
-                    <a:lstStyle/>
-                    <a:p>
-                      <a:pPr algn="just"/>
-                      <a:r>
-                        <a:rPr lang="ru-RU" sz="1400" dirty="0"/>
-                        <a:t>Микрофон</a:t>
-                      </a:r>
-                      <a:endParaRPr lang="ru-RU" sz="1400" dirty="0">
-                        <a:latin typeface="Times New Roman" panose="02020603050405020304" pitchFamily="18" charset="0"/>
-                        <a:cs typeface="Times New Roman" panose="02020603050405020304" pitchFamily="18" charset="0"/>
-                      </a:endParaRPr>
-                    </a:p>
-                  </a:txBody>
-                  <a:tcPr/>
-                </a:tc>
-                <a:tc>
-                  <a:txBody>
-                    <a:bodyPr/>
-                    <a:lstStyle/>
-                    <a:p>
-                      <a:pPr algn="just"/>
-                      <a:r>
-                        <a:rPr lang="ru-RU" sz="1400" dirty="0"/>
-                        <a:t>В периоды активности пользователя</a:t>
-                      </a:r>
-                      <a:endParaRPr lang="ru-RU" sz="1400" dirty="0">
-                        <a:latin typeface="Times New Roman" panose="02020603050405020304" pitchFamily="18" charset="0"/>
-                        <a:cs typeface="Times New Roman" panose="02020603050405020304" pitchFamily="18" charset="0"/>
-                      </a:endParaRPr>
-                    </a:p>
-                  </a:txBody>
-                  <a:tcPr/>
-                </a:tc>
-                <a:extLst>
-                  <a:ext uri="{0D108BD9-81ED-4DB2-BD59-A6C34878D82A}">
-                    <a16:rowId xmlns:a16="http://schemas.microsoft.com/office/drawing/2014/main" val="116310030"/>
-                  </a:ext>
-                </a:extLst>
-              </a:tr>
-            </a:tbl>
-          </a:graphicData>
-        </a:graphic>
-      </p:graphicFrame>
+          </p:nvPr>
+        </p:nvSpPr>
+        <p:spPr>
+          <a:xfrm>
+            <a:off x="838201" y="1825624"/>
+            <a:ext cx="10442096" cy="3344553"/>
+          </a:xfrm>
+        </p:spPr>
+        <p:txBody>
+          <a:bodyPr>
+            <a:normAutofit/>
+          </a:bodyPr>
+          <a:lstStyle/>
+          <a:p>
+            <a:pPr marL="0" indent="0" algn="just">
+              <a:buNone/>
+            </a:pPr>
+            <a:r>
+              <a:rPr lang="ru-RU" dirty="0">
+                <a:latin typeface="Times New Roman" panose="02020603050405020304" pitchFamily="18" charset="0"/>
+                <a:cs typeface="Times New Roman" panose="02020603050405020304" pitchFamily="18" charset="0"/>
+              </a:rPr>
+              <a:t>Назначение: хранение больших объёмов данных с метками времени.</a:t>
+            </a:r>
+          </a:p>
+          <a:p>
+            <a:pPr marL="0" indent="0" algn="just">
+              <a:buNone/>
+            </a:pPr>
+            <a:r>
+              <a:rPr lang="ru-RU" dirty="0">
+                <a:latin typeface="Times New Roman" panose="02020603050405020304" pitchFamily="18" charset="0"/>
+                <a:cs typeface="Times New Roman" panose="02020603050405020304" pitchFamily="18" charset="0"/>
+              </a:rPr>
+              <a:t>Сценарии позволяют удалять данные по времени.</a:t>
+            </a:r>
+          </a:p>
+          <a:p>
+            <a:pPr marL="0" indent="0" algn="just">
+              <a:buNone/>
+            </a:pPr>
+            <a:r>
+              <a:rPr lang="ru-RU" dirty="0">
+                <a:latin typeface="Times New Roman" panose="02020603050405020304" pitchFamily="18" charset="0"/>
+                <a:cs typeface="Times New Roman" panose="02020603050405020304" pitchFamily="18" charset="0"/>
+              </a:rPr>
+              <a:t>Является одной из самых популярных СУБД временных рядов, продолжает развиваться.</a:t>
+            </a:r>
+          </a:p>
+          <a:p>
+            <a:pPr marL="0" indent="0" algn="just">
+              <a:buNone/>
+            </a:pPr>
+            <a:endParaRPr lang="ru-RU" dirty="0">
+              <a:latin typeface="Times New Roman" panose="02020603050405020304" pitchFamily="18" charset="0"/>
+              <a:cs typeface="Times New Roman" panose="02020603050405020304" pitchFamily="18" charset="0"/>
+            </a:endParaRPr>
+          </a:p>
+        </p:txBody>
+      </p:sp>
       <p:sp>
         <p:nvSpPr>
           <p:cNvPr id="4" name="Номер слайда 3">
             <a:extLst>
               <a:ext uri="{FF2B5EF4-FFF2-40B4-BE49-F238E27FC236}">
-                <a16:creationId xmlns:a16="http://schemas.microsoft.com/office/drawing/2014/main" id="{F3D5A9D4-64A2-4174-9065-0D40A8FF4713}"/>
+                <a16:creationId xmlns:a16="http://schemas.microsoft.com/office/drawing/2014/main" id="{5E78739E-0F5D-41FA-922D-5101DAF64E6F}"/>
               </a:ext>
             </a:extLst>
           </p:cNvPr>
@@ -12092,10 +9141,257 @@
           </a:p>
         </p:txBody>
       </p:sp>
+      <p:pic>
+        <p:nvPicPr>
+          <p:cNvPr id="1026" name="Picture 2" descr="InfluxDB — Википедия">
+            <a:extLst>
+              <a:ext uri="{FF2B5EF4-FFF2-40B4-BE49-F238E27FC236}">
+                <a16:creationId xmlns:a16="http://schemas.microsoft.com/office/drawing/2014/main" id="{B50982BA-AA30-4B6C-B85C-22FD9B657790}"/>
+              </a:ext>
+            </a:extLst>
+          </p:cNvPr>
+          <p:cNvPicPr>
+            <a:picLocks noChangeAspect="1" noChangeArrowheads="1"/>
+          </p:cNvPicPr>
+          <p:nvPr/>
+        </p:nvPicPr>
+        <p:blipFill>
+          <a:blip r:embed="rId2">
+            <a:extLst>
+              <a:ext uri="{28A0092B-C50C-407E-A947-70E740481C1C}">
+                <a14:useLocalDpi xmlns:a14="http://schemas.microsoft.com/office/drawing/2010/main" val="0"/>
+              </a:ext>
+            </a:extLst>
+          </a:blip>
+          <a:srcRect/>
+          <a:stretch>
+            <a:fillRect/>
+          </a:stretch>
+        </p:blipFill>
+        <p:spPr bwMode="auto">
+          <a:xfrm>
+            <a:off x="2302581" y="3763450"/>
+            <a:ext cx="7586837" cy="2813453"/>
+          </a:xfrm>
+          <a:prstGeom prst="rect">
+            <a:avLst/>
+          </a:prstGeom>
+          <a:noFill/>
+          <a:extLst>
+            <a:ext uri="{909E8E84-426E-40DD-AFC4-6F175D3DCCD1}">
+              <a14:hiddenFill xmlns:a14="http://schemas.microsoft.com/office/drawing/2010/main">
+                <a:solidFill>
+                  <a:srgbClr val="FFFFFF"/>
+                </a:solidFill>
+              </a14:hiddenFill>
+            </a:ext>
+          </a:extLst>
+        </p:spPr>
+      </p:pic>
+      <p:sp>
+        <p:nvSpPr>
+          <p:cNvPr id="8" name="Объект 2">
+            <a:extLst>
+              <a:ext uri="{FF2B5EF4-FFF2-40B4-BE49-F238E27FC236}">
+                <a16:creationId xmlns:a16="http://schemas.microsoft.com/office/drawing/2014/main" id="{8EF4E2A5-F9F7-41D0-B73D-DCFDAE9CF85C}"/>
+              </a:ext>
+            </a:extLst>
+          </p:cNvPr>
+          <p:cNvSpPr txBox="1">
+            <a:spLocks/>
+          </p:cNvSpPr>
+          <p:nvPr/>
+        </p:nvSpPr>
+        <p:spPr>
+          <a:xfrm>
+            <a:off x="838199" y="4525564"/>
+            <a:ext cx="8038763" cy="1512152"/>
+          </a:xfrm>
+          <a:prstGeom prst="rect">
+            <a:avLst/>
+          </a:prstGeom>
+        </p:spPr>
+        <p:txBody>
+          <a:bodyPr vert="horz" lIns="91440" tIns="45720" rIns="91440" bIns="45720" rtlCol="0">
+            <a:normAutofit/>
+          </a:bodyPr>
+          <a:lstStyle>
+            <a:lvl1pPr marL="228600" indent="-228600" algn="l" defTabSz="914400" rtl="0" eaLnBrk="1" latinLnBrk="0" hangingPunct="1">
+              <a:lnSpc>
+                <a:spcPct val="90000"/>
+              </a:lnSpc>
+              <a:spcBef>
+                <a:spcPts val="1000"/>
+              </a:spcBef>
+              <a:buFont typeface="Arial" panose="020B0604020202020204" pitchFamily="34" charset="0"/>
+              <a:buChar char="•"/>
+              <a:defRPr sz="2800" kern="1200">
+                <a:solidFill>
+                  <a:schemeClr val="tx1"/>
+                </a:solidFill>
+                <a:latin typeface="+mn-lt"/>
+                <a:ea typeface="+mn-ea"/>
+                <a:cs typeface="+mn-cs"/>
+              </a:defRPr>
+            </a:lvl1pPr>
+            <a:lvl2pPr marL="685800" indent="-228600" algn="l" defTabSz="914400" rtl="0" eaLnBrk="1" latinLnBrk="0" hangingPunct="1">
+              <a:lnSpc>
+                <a:spcPct val="90000"/>
+              </a:lnSpc>
+              <a:spcBef>
+                <a:spcPts val="500"/>
+              </a:spcBef>
+              <a:buFont typeface="Arial" panose="020B0604020202020204" pitchFamily="34" charset="0"/>
+              <a:buChar char="•"/>
+              <a:defRPr sz="2400" kern="1200">
+                <a:solidFill>
+                  <a:schemeClr val="tx1"/>
+                </a:solidFill>
+                <a:latin typeface="+mn-lt"/>
+                <a:ea typeface="+mn-ea"/>
+                <a:cs typeface="+mn-cs"/>
+              </a:defRPr>
+            </a:lvl2pPr>
+            <a:lvl3pPr marL="1143000" indent="-228600" algn="l" defTabSz="914400" rtl="0" eaLnBrk="1" latinLnBrk="0" hangingPunct="1">
+              <a:lnSpc>
+                <a:spcPct val="90000"/>
+              </a:lnSpc>
+              <a:spcBef>
+                <a:spcPts val="500"/>
+              </a:spcBef>
+              <a:buFont typeface="Arial" panose="020B0604020202020204" pitchFamily="34" charset="0"/>
+              <a:buChar char="•"/>
+              <a:defRPr sz="2000" kern="1200">
+                <a:solidFill>
+                  <a:schemeClr val="tx1"/>
+                </a:solidFill>
+                <a:latin typeface="+mn-lt"/>
+                <a:ea typeface="+mn-ea"/>
+                <a:cs typeface="+mn-cs"/>
+              </a:defRPr>
+            </a:lvl3pPr>
+            <a:lvl4pPr marL="1600200" indent="-228600" algn="l" defTabSz="914400" rtl="0" eaLnBrk="1" latinLnBrk="0" hangingPunct="1">
+              <a:lnSpc>
+                <a:spcPct val="90000"/>
+              </a:lnSpc>
+              <a:spcBef>
+                <a:spcPts val="500"/>
+              </a:spcBef>
+              <a:buFont typeface="Arial" panose="020B0604020202020204" pitchFamily="34" charset="0"/>
+              <a:buChar char="•"/>
+              <a:defRPr sz="1800" kern="1200">
+                <a:solidFill>
+                  <a:schemeClr val="tx1"/>
+                </a:solidFill>
+                <a:latin typeface="+mn-lt"/>
+                <a:ea typeface="+mn-ea"/>
+                <a:cs typeface="+mn-cs"/>
+              </a:defRPr>
+            </a:lvl4pPr>
+            <a:lvl5pPr marL="2057400" indent="-228600" algn="l" defTabSz="914400" rtl="0" eaLnBrk="1" latinLnBrk="0" hangingPunct="1">
+              <a:lnSpc>
+                <a:spcPct val="90000"/>
+              </a:lnSpc>
+              <a:spcBef>
+                <a:spcPts val="500"/>
+              </a:spcBef>
+              <a:buFont typeface="Arial" panose="020B0604020202020204" pitchFamily="34" charset="0"/>
+              <a:buChar char="•"/>
+              <a:defRPr sz="1800" kern="1200">
+                <a:solidFill>
+                  <a:schemeClr val="tx1"/>
+                </a:solidFill>
+                <a:latin typeface="+mn-lt"/>
+                <a:ea typeface="+mn-ea"/>
+                <a:cs typeface="+mn-cs"/>
+              </a:defRPr>
+            </a:lvl5pPr>
+            <a:lvl6pPr marL="2514600" indent="-228600" algn="l" defTabSz="914400" rtl="0" eaLnBrk="1" latinLnBrk="0" hangingPunct="1">
+              <a:lnSpc>
+                <a:spcPct val="90000"/>
+              </a:lnSpc>
+              <a:spcBef>
+                <a:spcPts val="500"/>
+              </a:spcBef>
+              <a:buFont typeface="Arial" panose="020B0604020202020204" pitchFamily="34" charset="0"/>
+              <a:buChar char="•"/>
+              <a:defRPr sz="1800" kern="1200">
+                <a:solidFill>
+                  <a:schemeClr val="tx1"/>
+                </a:solidFill>
+                <a:latin typeface="+mn-lt"/>
+                <a:ea typeface="+mn-ea"/>
+                <a:cs typeface="+mn-cs"/>
+              </a:defRPr>
+            </a:lvl6pPr>
+            <a:lvl7pPr marL="2971800" indent="-228600" algn="l" defTabSz="914400" rtl="0" eaLnBrk="1" latinLnBrk="0" hangingPunct="1">
+              <a:lnSpc>
+                <a:spcPct val="90000"/>
+              </a:lnSpc>
+              <a:spcBef>
+                <a:spcPts val="500"/>
+              </a:spcBef>
+              <a:buFont typeface="Arial" panose="020B0604020202020204" pitchFamily="34" charset="0"/>
+              <a:buChar char="•"/>
+              <a:defRPr sz="1800" kern="1200">
+                <a:solidFill>
+                  <a:schemeClr val="tx1"/>
+                </a:solidFill>
+                <a:latin typeface="+mn-lt"/>
+                <a:ea typeface="+mn-ea"/>
+                <a:cs typeface="+mn-cs"/>
+              </a:defRPr>
+            </a:lvl7pPr>
+            <a:lvl8pPr marL="3429000" indent="-228600" algn="l" defTabSz="914400" rtl="0" eaLnBrk="1" latinLnBrk="0" hangingPunct="1">
+              <a:lnSpc>
+                <a:spcPct val="90000"/>
+              </a:lnSpc>
+              <a:spcBef>
+                <a:spcPts val="500"/>
+              </a:spcBef>
+              <a:buFont typeface="Arial" panose="020B0604020202020204" pitchFamily="34" charset="0"/>
+              <a:buChar char="•"/>
+              <a:defRPr sz="1800" kern="1200">
+                <a:solidFill>
+                  <a:schemeClr val="tx1"/>
+                </a:solidFill>
+                <a:latin typeface="+mn-lt"/>
+                <a:ea typeface="+mn-ea"/>
+                <a:cs typeface="+mn-cs"/>
+              </a:defRPr>
+            </a:lvl8pPr>
+            <a:lvl9pPr marL="3886200" indent="-228600" algn="l" defTabSz="914400" rtl="0" eaLnBrk="1" latinLnBrk="0" hangingPunct="1">
+              <a:lnSpc>
+                <a:spcPct val="90000"/>
+              </a:lnSpc>
+              <a:spcBef>
+                <a:spcPts val="500"/>
+              </a:spcBef>
+              <a:buFont typeface="Arial" panose="020B0604020202020204" pitchFamily="34" charset="0"/>
+              <a:buChar char="•"/>
+              <a:defRPr sz="1800" kern="1200">
+                <a:solidFill>
+                  <a:schemeClr val="tx1"/>
+                </a:solidFill>
+                <a:latin typeface="+mn-lt"/>
+                <a:ea typeface="+mn-ea"/>
+                <a:cs typeface="+mn-cs"/>
+              </a:defRPr>
+            </a:lvl9pPr>
+          </a:lstStyle>
+          <a:p>
+            <a:pPr marL="0" indent="0">
+              <a:buFont typeface="Arial" panose="020B0604020202020204" pitchFamily="34" charset="0"/>
+              <a:buNone/>
+            </a:pPr>
+            <a:endParaRPr lang="ru-RU" dirty="0"/>
+          </a:p>
+        </p:txBody>
+      </p:sp>
     </p:spTree>
     <p:extLst>
       <p:ext uri="{BB962C8B-B14F-4D97-AF65-F5344CB8AC3E}">
-        <p14:creationId xmlns:p14="http://schemas.microsoft.com/office/powerpoint/2010/main" val="818615043"/>
+        <p14:creationId xmlns:p14="http://schemas.microsoft.com/office/powerpoint/2010/main" val="3731640840"/>
       </p:ext>
     </p:extLst>
   </p:cSld>

--- a/documentation/Presentation/presentation.pptx
+++ b/documentation/Presentation/presentation.pptx
@@ -5,7 +5,7 @@
     <p:sldMasterId id="2147483648" r:id="rId1"/>
   </p:sldMasterIdLst>
   <p:notesMasterIdLst>
-    <p:notesMasterId r:id="rId14"/>
+    <p:notesMasterId r:id="rId15"/>
   </p:notesMasterIdLst>
   <p:sldIdLst>
     <p:sldId id="256" r:id="rId2"/>
@@ -17,9 +17,10 @@
     <p:sldId id="273" r:id="rId8"/>
     <p:sldId id="261" r:id="rId9"/>
     <p:sldId id="274" r:id="rId10"/>
-    <p:sldId id="263" r:id="rId11"/>
-    <p:sldId id="264" r:id="rId12"/>
-    <p:sldId id="265" r:id="rId13"/>
+    <p:sldId id="277" r:id="rId11"/>
+    <p:sldId id="278" r:id="rId12"/>
+    <p:sldId id="264" r:id="rId13"/>
+    <p:sldId id="265" r:id="rId14"/>
   </p:sldIdLst>
   <p:sldSz cx="12192000" cy="6858000"/>
   <p:notesSz cx="6858000" cy="9144000"/>
@@ -124,1099 +125,6 @@
     </p:ext>
   </p:extLst>
 </p:presentation>
-</file>
-
-<file path=ppt/charts/chart1.xml><?xml version="1.0" encoding="utf-8"?>
-<c:chartSpace xmlns:c="http://schemas.openxmlformats.org/drawingml/2006/chart" xmlns:a="http://schemas.openxmlformats.org/drawingml/2006/main" xmlns:r="http://schemas.openxmlformats.org/officeDocument/2006/relationships" xmlns:c16r2="http://schemas.microsoft.com/office/drawing/2015/06/chart">
-  <c:date1904 val="0"/>
-  <c:lang val="ru-RU"/>
-  <c:roundedCorners val="0"/>
-  <mc:AlternateContent xmlns:mc="http://schemas.openxmlformats.org/markup-compatibility/2006">
-    <mc:Choice xmlns:c14="http://schemas.microsoft.com/office/drawing/2007/8/2/chart" Requires="c14">
-      <c14:style val="102"/>
-    </mc:Choice>
-    <mc:Fallback>
-      <c:style val="2"/>
-    </mc:Fallback>
-  </mc:AlternateContent>
-  <c:chart>
-    <c:autoTitleDeleted val="1"/>
-    <c:plotArea>
-      <c:layout/>
-      <c:lineChart>
-        <c:grouping val="standard"/>
-        <c:varyColors val="0"/>
-        <c:ser>
-          <c:idx val="0"/>
-          <c:order val="0"/>
-          <c:tx>
-            <c:strRef>
-              <c:f>Лист1!$B$1</c:f>
-              <c:strCache>
-                <c:ptCount val="1"/>
-                <c:pt idx="0">
-                  <c:v>Postgres</c:v>
-                </c:pt>
-              </c:strCache>
-            </c:strRef>
-          </c:tx>
-          <c:spPr>
-            <a:ln w="38100" cap="rnd">
-              <a:solidFill>
-                <a:schemeClr val="accent1"/>
-              </a:solidFill>
-            </a:ln>
-            <a:effectLst>
-              <a:glow rad="139700">
-                <a:schemeClr val="accent1">
-                  <a:satMod val="175000"/>
-                  <a:alpha val="14000"/>
-                </a:schemeClr>
-              </a:glow>
-            </a:effectLst>
-          </c:spPr>
-          <c:marker>
-            <c:symbol val="none"/>
-          </c:marker>
-          <c:cat>
-            <c:numRef>
-              <c:f>Лист1!$A$2:$A$11</c:f>
-              <c:numCache>
-                <c:formatCode>General</c:formatCode>
-                <c:ptCount val="10"/>
-                <c:pt idx="0">
-                  <c:v>10000</c:v>
-                </c:pt>
-                <c:pt idx="1">
-                  <c:v>12000</c:v>
-                </c:pt>
-                <c:pt idx="2">
-                  <c:v>14000</c:v>
-                </c:pt>
-                <c:pt idx="3">
-                  <c:v>16000</c:v>
-                </c:pt>
-                <c:pt idx="4">
-                  <c:v>18000</c:v>
-                </c:pt>
-                <c:pt idx="5">
-                  <c:v>20000</c:v>
-                </c:pt>
-                <c:pt idx="6">
-                  <c:v>22000</c:v>
-                </c:pt>
-                <c:pt idx="7">
-                  <c:v>24000</c:v>
-                </c:pt>
-                <c:pt idx="8">
-                  <c:v>26000</c:v>
-                </c:pt>
-                <c:pt idx="9">
-                  <c:v>28000</c:v>
-                </c:pt>
-              </c:numCache>
-            </c:numRef>
-          </c:cat>
-          <c:val>
-            <c:numRef>
-              <c:f>Лист1!$B$2:$B$11</c:f>
-              <c:numCache>
-                <c:formatCode>General</c:formatCode>
-                <c:ptCount val="10"/>
-                <c:pt idx="0">
-                  <c:v>188</c:v>
-                </c:pt>
-                <c:pt idx="1">
-                  <c:v>248</c:v>
-                </c:pt>
-                <c:pt idx="2">
-                  <c:v>274</c:v>
-                </c:pt>
-                <c:pt idx="3">
-                  <c:v>261</c:v>
-                </c:pt>
-                <c:pt idx="4">
-                  <c:v>266</c:v>
-                </c:pt>
-                <c:pt idx="5">
-                  <c:v>284</c:v>
-                </c:pt>
-                <c:pt idx="6">
-                  <c:v>316</c:v>
-                </c:pt>
-                <c:pt idx="7">
-                  <c:v>340</c:v>
-                </c:pt>
-                <c:pt idx="8">
-                  <c:v>363</c:v>
-                </c:pt>
-                <c:pt idx="9">
-                  <c:v>410</c:v>
-                </c:pt>
-              </c:numCache>
-            </c:numRef>
-          </c:val>
-          <c:smooth val="0"/>
-          <c:extLst>
-            <c:ext xmlns:c16="http://schemas.microsoft.com/office/drawing/2014/chart" uri="{C3380CC4-5D6E-409C-BE32-E72D297353CC}">
-              <c16:uniqueId val="{00000000-DB5C-46CF-9E2C-5630120D16C8}"/>
-            </c:ext>
-          </c:extLst>
-        </c:ser>
-        <c:ser>
-          <c:idx val="1"/>
-          <c:order val="1"/>
-          <c:tx>
-            <c:strRef>
-              <c:f>Лист1!$C$1</c:f>
-              <c:strCache>
-                <c:ptCount val="1"/>
-                <c:pt idx="0">
-                  <c:v>InfluxDB</c:v>
-                </c:pt>
-              </c:strCache>
-            </c:strRef>
-          </c:tx>
-          <c:spPr>
-            <a:ln w="38100" cap="rnd">
-              <a:solidFill>
-                <a:schemeClr val="accent2"/>
-              </a:solidFill>
-            </a:ln>
-            <a:effectLst>
-              <a:glow rad="139700">
-                <a:schemeClr val="accent2">
-                  <a:satMod val="175000"/>
-                  <a:alpha val="14000"/>
-                </a:schemeClr>
-              </a:glow>
-            </a:effectLst>
-          </c:spPr>
-          <c:marker>
-            <c:symbol val="none"/>
-          </c:marker>
-          <c:cat>
-            <c:numRef>
-              <c:f>Лист1!$A$2:$A$11</c:f>
-              <c:numCache>
-                <c:formatCode>General</c:formatCode>
-                <c:ptCount val="10"/>
-                <c:pt idx="0">
-                  <c:v>10000</c:v>
-                </c:pt>
-                <c:pt idx="1">
-                  <c:v>12000</c:v>
-                </c:pt>
-                <c:pt idx="2">
-                  <c:v>14000</c:v>
-                </c:pt>
-                <c:pt idx="3">
-                  <c:v>16000</c:v>
-                </c:pt>
-                <c:pt idx="4">
-                  <c:v>18000</c:v>
-                </c:pt>
-                <c:pt idx="5">
-                  <c:v>20000</c:v>
-                </c:pt>
-                <c:pt idx="6">
-                  <c:v>22000</c:v>
-                </c:pt>
-                <c:pt idx="7">
-                  <c:v>24000</c:v>
-                </c:pt>
-                <c:pt idx="8">
-                  <c:v>26000</c:v>
-                </c:pt>
-                <c:pt idx="9">
-                  <c:v>28000</c:v>
-                </c:pt>
-              </c:numCache>
-            </c:numRef>
-          </c:cat>
-          <c:val>
-            <c:numRef>
-              <c:f>Лист1!$C$2:$C$11</c:f>
-              <c:numCache>
-                <c:formatCode>General</c:formatCode>
-                <c:ptCount val="10"/>
-                <c:pt idx="0">
-                  <c:v>64</c:v>
-                </c:pt>
-                <c:pt idx="1">
-                  <c:v>65</c:v>
-                </c:pt>
-                <c:pt idx="2">
-                  <c:v>60</c:v>
-                </c:pt>
-                <c:pt idx="3">
-                  <c:v>60</c:v>
-                </c:pt>
-                <c:pt idx="4">
-                  <c:v>61</c:v>
-                </c:pt>
-                <c:pt idx="5">
-                  <c:v>68</c:v>
-                </c:pt>
-                <c:pt idx="6">
-                  <c:v>76</c:v>
-                </c:pt>
-                <c:pt idx="7">
-                  <c:v>65</c:v>
-                </c:pt>
-                <c:pt idx="8">
-                  <c:v>65</c:v>
-                </c:pt>
-                <c:pt idx="9">
-                  <c:v>67</c:v>
-                </c:pt>
-              </c:numCache>
-            </c:numRef>
-          </c:val>
-          <c:smooth val="0"/>
-          <c:extLst>
-            <c:ext xmlns:c16="http://schemas.microsoft.com/office/drawing/2014/chart" uri="{C3380CC4-5D6E-409C-BE32-E72D297353CC}">
-              <c16:uniqueId val="{00000001-DB5C-46CF-9E2C-5630120D16C8}"/>
-            </c:ext>
-          </c:extLst>
-        </c:ser>
-        <c:dLbls>
-          <c:showLegendKey val="0"/>
-          <c:showVal val="0"/>
-          <c:showCatName val="0"/>
-          <c:showSerName val="0"/>
-          <c:showPercent val="0"/>
-          <c:showBubbleSize val="0"/>
-        </c:dLbls>
-        <c:smooth val="0"/>
-        <c:axId val="1952664879"/>
-        <c:axId val="1952658639"/>
-      </c:lineChart>
-      <c:catAx>
-        <c:axId val="1952664879"/>
-        <c:scaling>
-          <c:orientation val="minMax"/>
-        </c:scaling>
-        <c:delete val="0"/>
-        <c:axPos val="b"/>
-        <c:majorGridlines>
-          <c:spPr>
-            <a:ln w="9525" cap="flat" cmpd="sng" algn="ctr">
-              <a:solidFill>
-                <a:schemeClr val="bg1">
-                  <a:lumMod val="50000"/>
-                </a:schemeClr>
-              </a:solidFill>
-              <a:round/>
-            </a:ln>
-            <a:effectLst/>
-          </c:spPr>
-        </c:majorGridlines>
-        <c:numFmt formatCode="General" sourceLinked="1"/>
-        <c:majorTickMark val="none"/>
-        <c:minorTickMark val="none"/>
-        <c:tickLblPos val="nextTo"/>
-        <c:spPr>
-          <a:noFill/>
-          <a:ln>
-            <a:noFill/>
-          </a:ln>
-          <a:effectLst/>
-        </c:spPr>
-        <c:txPr>
-          <a:bodyPr rot="-60000000" spcFirstLastPara="1" vertOverflow="ellipsis" vert="horz" wrap="square" anchor="ctr" anchorCtr="1"/>
-          <a:lstStyle/>
-          <a:p>
-            <a:pPr>
-              <a:defRPr sz="1197" b="0" i="0" u="none" strike="noStrike" kern="1200" baseline="0">
-                <a:solidFill>
-                  <a:schemeClr val="lt1">
-                    <a:lumMod val="75000"/>
-                  </a:schemeClr>
-                </a:solidFill>
-                <a:latin typeface="+mn-lt"/>
-                <a:ea typeface="+mn-ea"/>
-                <a:cs typeface="+mn-cs"/>
-              </a:defRPr>
-            </a:pPr>
-            <a:endParaRPr lang="ru-RU"/>
-          </a:p>
-        </c:txPr>
-        <c:crossAx val="1952658639"/>
-        <c:crosses val="autoZero"/>
-        <c:auto val="1"/>
-        <c:lblAlgn val="ctr"/>
-        <c:lblOffset val="100"/>
-        <c:noMultiLvlLbl val="0"/>
-      </c:catAx>
-      <c:valAx>
-        <c:axId val="1952658639"/>
-        <c:scaling>
-          <c:orientation val="minMax"/>
-        </c:scaling>
-        <c:delete val="0"/>
-        <c:axPos val="l"/>
-        <c:majorGridlines>
-          <c:spPr>
-            <a:ln w="12700" cap="flat" cmpd="sng" algn="ctr">
-              <a:solidFill>
-                <a:schemeClr val="bg1">
-                  <a:lumMod val="50000"/>
-                </a:schemeClr>
-              </a:solidFill>
-              <a:round/>
-            </a:ln>
-            <a:effectLst/>
-          </c:spPr>
-        </c:majorGridlines>
-        <c:numFmt formatCode="General" sourceLinked="1"/>
-        <c:majorTickMark val="none"/>
-        <c:minorTickMark val="none"/>
-        <c:tickLblPos val="nextTo"/>
-        <c:spPr>
-          <a:noFill/>
-          <a:ln>
-            <a:noFill/>
-          </a:ln>
-          <a:effectLst/>
-        </c:spPr>
-        <c:txPr>
-          <a:bodyPr rot="-60000000" spcFirstLastPara="1" vertOverflow="ellipsis" vert="horz" wrap="square" anchor="ctr" anchorCtr="1"/>
-          <a:lstStyle/>
-          <a:p>
-            <a:pPr>
-              <a:defRPr sz="1197" b="0" i="0" u="none" strike="noStrike" kern="1200" baseline="0">
-                <a:solidFill>
-                  <a:schemeClr val="lt1">
-                    <a:lumMod val="75000"/>
-                  </a:schemeClr>
-                </a:solidFill>
-                <a:latin typeface="+mn-lt"/>
-                <a:ea typeface="+mn-ea"/>
-                <a:cs typeface="+mn-cs"/>
-              </a:defRPr>
-            </a:pPr>
-            <a:endParaRPr lang="ru-RU"/>
-          </a:p>
-        </c:txPr>
-        <c:crossAx val="1952664879"/>
-        <c:crosses val="autoZero"/>
-        <c:crossBetween val="between"/>
-      </c:valAx>
-      <c:spPr>
-        <a:noFill/>
-        <a:ln>
-          <a:noFill/>
-        </a:ln>
-        <a:effectLst/>
-      </c:spPr>
-    </c:plotArea>
-    <c:legend>
-      <c:legendPos val="t"/>
-      <c:legendEntry>
-        <c:idx val="0"/>
-        <c:txPr>
-          <a:bodyPr rot="0" spcFirstLastPara="1" vertOverflow="ellipsis" vert="horz" wrap="square" anchor="ctr" anchorCtr="1"/>
-          <a:lstStyle/>
-          <a:p>
-            <a:pPr>
-              <a:defRPr sz="1197" b="0" i="0" u="none" strike="noStrike" kern="1200" baseline="0">
-                <a:solidFill>
-                  <a:schemeClr val="lt1">
-                    <a:lumMod val="75000"/>
-                  </a:schemeClr>
-                </a:solidFill>
-                <a:latin typeface="Times New Roman" panose="02020603050405020304" pitchFamily="18" charset="0"/>
-                <a:ea typeface="+mn-ea"/>
-                <a:cs typeface="Times New Roman" panose="02020603050405020304" pitchFamily="18" charset="0"/>
-              </a:defRPr>
-            </a:pPr>
-            <a:endParaRPr lang="ru-RU"/>
-          </a:p>
-        </c:txPr>
-      </c:legendEntry>
-      <c:legendEntry>
-        <c:idx val="1"/>
-        <c:txPr>
-          <a:bodyPr rot="0" spcFirstLastPara="1" vertOverflow="ellipsis" vert="horz" wrap="square" anchor="ctr" anchorCtr="1"/>
-          <a:lstStyle/>
-          <a:p>
-            <a:pPr>
-              <a:defRPr sz="1197" b="0" i="0" u="none" strike="noStrike" kern="1200" baseline="0">
-                <a:solidFill>
-                  <a:schemeClr val="lt1">
-                    <a:lumMod val="75000"/>
-                  </a:schemeClr>
-                </a:solidFill>
-                <a:latin typeface="Times New Roman" panose="02020603050405020304" pitchFamily="18" charset="0"/>
-                <a:ea typeface="+mn-ea"/>
-                <a:cs typeface="Times New Roman" panose="02020603050405020304" pitchFamily="18" charset="0"/>
-              </a:defRPr>
-            </a:pPr>
-            <a:endParaRPr lang="ru-RU"/>
-          </a:p>
-        </c:txPr>
-      </c:legendEntry>
-      <c:overlay val="0"/>
-      <c:spPr>
-        <a:noFill/>
-        <a:ln>
-          <a:noFill/>
-        </a:ln>
-        <a:effectLst/>
-      </c:spPr>
-      <c:txPr>
-        <a:bodyPr rot="0" spcFirstLastPara="1" vertOverflow="ellipsis" vert="horz" wrap="square" anchor="ctr" anchorCtr="1"/>
-        <a:lstStyle/>
-        <a:p>
-          <a:pPr>
-            <a:defRPr sz="1197" b="0" i="0" u="none" strike="noStrike" kern="1200" baseline="0">
-              <a:solidFill>
-                <a:schemeClr val="lt1">
-                  <a:lumMod val="75000"/>
-                </a:schemeClr>
-              </a:solidFill>
-              <a:latin typeface="+mn-lt"/>
-              <a:ea typeface="+mn-ea"/>
-              <a:cs typeface="+mn-cs"/>
-            </a:defRPr>
-          </a:pPr>
-          <a:endParaRPr lang="ru-RU"/>
-        </a:p>
-      </c:txPr>
-    </c:legend>
-    <c:plotVisOnly val="1"/>
-    <c:dispBlanksAs val="gap"/>
-    <c:extLst>
-      <c:ext xmlns:c16r3="http://schemas.microsoft.com/office/drawing/2017/03/chart" uri="{56B9EC1D-385E-4148-901F-78D8002777C0}">
-        <c16r3:dataDisplayOptions16>
-          <c16r3:dispNaAsBlank val="1"/>
-        </c16r3:dataDisplayOptions16>
-      </c:ext>
-    </c:extLst>
-    <c:showDLblsOverMax val="0"/>
-  </c:chart>
-  <c:spPr>
-    <a:solidFill>
-      <a:schemeClr val="dk1">
-        <a:lumMod val="75000"/>
-        <a:lumOff val="25000"/>
-      </a:schemeClr>
-    </a:solidFill>
-    <a:ln w="9525" cap="flat" cmpd="sng" algn="ctr">
-      <a:solidFill>
-        <a:schemeClr val="dk1">
-          <a:lumMod val="15000"/>
-          <a:lumOff val="85000"/>
-        </a:schemeClr>
-      </a:solidFill>
-      <a:round/>
-    </a:ln>
-    <a:effectLst/>
-  </c:spPr>
-  <c:txPr>
-    <a:bodyPr/>
-    <a:lstStyle/>
-    <a:p>
-      <a:pPr>
-        <a:defRPr/>
-      </a:pPr>
-      <a:endParaRPr lang="ru-RU"/>
-    </a:p>
-  </c:txPr>
-  <c:externalData r:id="rId3">
-    <c:autoUpdate val="0"/>
-  </c:externalData>
-</c:chartSpace>
-</file>
-
-<file path=ppt/charts/colors1.xml><?xml version="1.0" encoding="utf-8"?>
-<cs:colorStyle xmlns:cs="http://schemas.microsoft.com/office/drawing/2012/chartStyle" xmlns:a="http://schemas.openxmlformats.org/drawingml/2006/main" meth="cycle" id="10">
-  <a:schemeClr val="accent1"/>
-  <a:schemeClr val="accent2"/>
-  <a:schemeClr val="accent3"/>
-  <a:schemeClr val="accent4"/>
-  <a:schemeClr val="accent5"/>
-  <a:schemeClr val="accent6"/>
-  <cs:variation/>
-  <cs:variation>
-    <a:lumMod val="60000"/>
-  </cs:variation>
-  <cs:variation>
-    <a:lumMod val="80000"/>
-    <a:lumOff val="20000"/>
-  </cs:variation>
-  <cs:variation>
-    <a:lumMod val="80000"/>
-  </cs:variation>
-  <cs:variation>
-    <a:lumMod val="60000"/>
-    <a:lumOff val="40000"/>
-  </cs:variation>
-  <cs:variation>
-    <a:lumMod val="50000"/>
-  </cs:variation>
-  <cs:variation>
-    <a:lumMod val="70000"/>
-    <a:lumOff val="30000"/>
-  </cs:variation>
-  <cs:variation>
-    <a:lumMod val="70000"/>
-  </cs:variation>
-  <cs:variation>
-    <a:lumMod val="50000"/>
-    <a:lumOff val="50000"/>
-  </cs:variation>
-</cs:colorStyle>
-</file>
-
-<file path=ppt/charts/style1.xml><?xml version="1.0" encoding="utf-8"?>
-<cs:chartStyle xmlns:cs="http://schemas.microsoft.com/office/drawing/2012/chartStyle" xmlns:a="http://schemas.openxmlformats.org/drawingml/2006/main" id="236">
-  <cs:axisTitle>
-    <cs:lnRef idx="0"/>
-    <cs:fillRef idx="0"/>
-    <cs:effectRef idx="0"/>
-    <cs:fontRef idx="minor">
-      <a:schemeClr val="lt1">
-        <a:lumMod val="75000"/>
-      </a:schemeClr>
-    </cs:fontRef>
-    <cs:defRPr sz="1197" b="1" kern="1200"/>
-  </cs:axisTitle>
-  <cs:categoryAxis>
-    <cs:lnRef idx="0"/>
-    <cs:fillRef idx="0"/>
-    <cs:effectRef idx="0"/>
-    <cs:fontRef idx="minor">
-      <a:schemeClr val="lt1">
-        <a:lumMod val="75000"/>
-      </a:schemeClr>
-    </cs:fontRef>
-    <cs:defRPr sz="1197" kern="1200"/>
-  </cs:categoryAxis>
-  <cs:chartArea>
-    <cs:lnRef idx="0"/>
-    <cs:fillRef idx="0"/>
-    <cs:effectRef idx="0"/>
-    <cs:fontRef idx="minor">
-      <a:schemeClr val="dk1"/>
-    </cs:fontRef>
-    <cs:spPr>
-      <a:solidFill>
-        <a:schemeClr val="dk1">
-          <a:lumMod val="75000"/>
-          <a:lumOff val="25000"/>
-        </a:schemeClr>
-      </a:solidFill>
-      <a:ln w="9525" cap="flat" cmpd="sng" algn="ctr">
-        <a:solidFill>
-          <a:schemeClr val="dk1">
-            <a:lumMod val="15000"/>
-            <a:lumOff val="85000"/>
-          </a:schemeClr>
-        </a:solidFill>
-        <a:round/>
-      </a:ln>
-    </cs:spPr>
-    <cs:defRPr sz="1197" kern="1200"/>
-  </cs:chartArea>
-  <cs:dataLabel>
-    <cs:lnRef idx="0"/>
-    <cs:fillRef idx="0"/>
-    <cs:effectRef idx="0"/>
-    <cs:fontRef idx="minor">
-      <a:schemeClr val="lt1">
-        <a:lumMod val="75000"/>
-      </a:schemeClr>
-    </cs:fontRef>
-    <cs:defRPr sz="1197" kern="1200"/>
-  </cs:dataLabel>
-  <cs:dataLabelCallout>
-    <cs:lnRef idx="0"/>
-    <cs:fillRef idx="0"/>
-    <cs:effectRef idx="0"/>
-    <cs:fontRef idx="minor">
-      <a:schemeClr val="lt1">
-        <a:lumMod val="15000"/>
-        <a:lumOff val="85000"/>
-      </a:schemeClr>
-    </cs:fontRef>
-    <cs:spPr>
-      <a:solidFill>
-        <a:schemeClr val="dk1">
-          <a:lumMod val="65000"/>
-          <a:lumOff val="35000"/>
-        </a:schemeClr>
-      </a:solidFill>
-    </cs:spPr>
-    <cs:defRPr sz="1197" kern="1200"/>
-    <cs:bodyPr rot="0" spcFirstLastPara="1" vertOverflow="clip" horzOverflow="clip" vert="horz" wrap="square" lIns="36576" tIns="18288" rIns="36576" bIns="18288" anchor="ctr" anchorCtr="1">
-      <a:spAutoFit/>
-    </cs:bodyPr>
-  </cs:dataLabelCallout>
-  <cs:dataPoint>
-    <cs:lnRef idx="0">
-      <cs:styleClr val="auto"/>
-    </cs:lnRef>
-    <cs:fillRef idx="0"/>
-    <cs:effectRef idx="0">
-      <cs:styleClr val="auto"/>
-    </cs:effectRef>
-    <cs:fontRef idx="minor">
-      <a:schemeClr val="dk1"/>
-    </cs:fontRef>
-    <cs:spPr>
-      <a:ln w="9525" cap="flat" cmpd="sng" algn="ctr">
-        <a:solidFill>
-          <a:schemeClr val="phClr"/>
-        </a:solidFill>
-        <a:miter lim="800000"/>
-      </a:ln>
-      <a:effectLst>
-        <a:glow rad="63500">
-          <a:schemeClr val="phClr">
-            <a:satMod val="175000"/>
-            <a:alpha val="25000"/>
-          </a:schemeClr>
-        </a:glow>
-      </a:effectLst>
-    </cs:spPr>
-  </cs:dataPoint>
-  <cs:dataPoint3D>
-    <cs:lnRef idx="0">
-      <cs:styleClr val="auto"/>
-    </cs:lnRef>
-    <cs:fillRef idx="0">
-      <cs:styleClr val="auto"/>
-    </cs:fillRef>
-    <cs:effectRef idx="0">
-      <cs:styleClr val="auto"/>
-    </cs:effectRef>
-    <cs:fontRef idx="minor">
-      <a:schemeClr val="dk1"/>
-    </cs:fontRef>
-    <cs:spPr>
-      <a:ln w="9525" cap="flat" cmpd="sng" algn="ctr">
-        <a:solidFill>
-          <a:schemeClr val="phClr"/>
-        </a:solidFill>
-        <a:miter lim="800000"/>
-      </a:ln>
-      <a:effectLst>
-        <a:glow rad="63500">
-          <a:schemeClr val="phClr">
-            <a:satMod val="175000"/>
-            <a:alpha val="25000"/>
-          </a:schemeClr>
-        </a:glow>
-      </a:effectLst>
-    </cs:spPr>
-  </cs:dataPoint3D>
-  <cs:dataPointLine>
-    <cs:lnRef idx="0">
-      <cs:styleClr val="auto"/>
-    </cs:lnRef>
-    <cs:fillRef idx="0">
-      <cs:styleClr val="auto"/>
-    </cs:fillRef>
-    <cs:effectRef idx="0">
-      <cs:styleClr val="auto"/>
-    </cs:effectRef>
-    <cs:fontRef idx="minor">
-      <a:schemeClr val="dk1"/>
-    </cs:fontRef>
-    <cs:spPr>
-      <a:ln w="22225" cap="rnd">
-        <a:solidFill>
-          <a:schemeClr val="phClr"/>
-        </a:solidFill>
-      </a:ln>
-      <a:effectLst>
-        <a:glow rad="139700">
-          <a:schemeClr val="phClr">
-            <a:satMod val="175000"/>
-            <a:alpha val="14000"/>
-          </a:schemeClr>
-        </a:glow>
-      </a:effectLst>
-    </cs:spPr>
-  </cs:dataPointLine>
-  <cs:dataPointMarker>
-    <cs:lnRef idx="0">
-      <cs:styleClr val="auto"/>
-    </cs:lnRef>
-    <cs:fillRef idx="0">
-      <cs:styleClr val="auto"/>
-    </cs:fillRef>
-    <cs:effectRef idx="0">
-      <cs:styleClr val="auto"/>
-    </cs:effectRef>
-    <cs:fontRef idx="minor">
-      <a:schemeClr val="dk1"/>
-    </cs:fontRef>
-    <cs:spPr>
-      <a:solidFill>
-        <a:schemeClr val="phClr">
-          <a:lumMod val="60000"/>
-          <a:lumOff val="40000"/>
-        </a:schemeClr>
-      </a:solidFill>
-      <a:effectLst>
-        <a:glow rad="63500">
-          <a:schemeClr val="phClr">
-            <a:satMod val="175000"/>
-            <a:alpha val="25000"/>
-          </a:schemeClr>
-        </a:glow>
-      </a:effectLst>
-    </cs:spPr>
-  </cs:dataPointMarker>
-  <cs:dataPointMarkerLayout symbol="circle" size="4"/>
-  <cs:dataPointWireframe>
-    <cs:lnRef idx="0">
-      <cs:styleClr val="auto"/>
-    </cs:lnRef>
-    <cs:fillRef idx="0"/>
-    <cs:effectRef idx="0"/>
-    <cs:fontRef idx="minor">
-      <a:schemeClr val="dk1"/>
-    </cs:fontRef>
-    <cs:spPr>
-      <a:ln w="9525" cap="rnd">
-        <a:solidFill>
-          <a:schemeClr val="phClr"/>
-        </a:solidFill>
-        <a:round/>
-      </a:ln>
-    </cs:spPr>
-  </cs:dataPointWireframe>
-  <cs:dataTable>
-    <cs:lnRef idx="0"/>
-    <cs:fillRef idx="0"/>
-    <cs:effectRef idx="0"/>
-    <cs:fontRef idx="minor">
-      <a:schemeClr val="lt1">
-        <a:lumMod val="75000"/>
-      </a:schemeClr>
-    </cs:fontRef>
-    <cs:spPr>
-      <a:ln w="9525">
-        <a:solidFill>
-          <a:schemeClr val="dk1">
-            <a:lumMod val="50000"/>
-            <a:lumOff val="50000"/>
-          </a:schemeClr>
-        </a:solidFill>
-      </a:ln>
-    </cs:spPr>
-    <cs:defRPr sz="1197" kern="1200"/>
-  </cs:dataTable>
-  <cs:downBar>
-    <cs:lnRef idx="0"/>
-    <cs:fillRef idx="0"/>
-    <cs:effectRef idx="0"/>
-    <cs:fontRef idx="minor">
-      <a:schemeClr val="lt1"/>
-    </cs:fontRef>
-    <cs:spPr>
-      <a:solidFill>
-        <a:schemeClr val="dk1">
-          <a:lumMod val="50000"/>
-          <a:lumOff val="50000"/>
-        </a:schemeClr>
-      </a:solidFill>
-      <a:ln w="9525">
-        <a:solidFill>
-          <a:schemeClr val="dk1">
-            <a:lumMod val="75000"/>
-          </a:schemeClr>
-        </a:solidFill>
-        <a:round/>
-      </a:ln>
-    </cs:spPr>
-  </cs:downBar>
-  <cs:dropLine>
-    <cs:lnRef idx="0"/>
-    <cs:fillRef idx="0"/>
-    <cs:effectRef idx="0"/>
-    <cs:fontRef idx="minor">
-      <a:schemeClr val="dk1"/>
-    </cs:fontRef>
-    <cs:spPr>
-      <a:ln w="9525">
-        <a:solidFill>
-          <a:schemeClr val="lt1">
-            <a:lumMod val="50000"/>
-          </a:schemeClr>
-        </a:solidFill>
-        <a:round/>
-      </a:ln>
-    </cs:spPr>
-  </cs:dropLine>
-  <cs:errorBar>
-    <cs:lnRef idx="0"/>
-    <cs:fillRef idx="0"/>
-    <cs:effectRef idx="0"/>
-    <cs:fontRef idx="minor">
-      <a:schemeClr val="dk1"/>
-    </cs:fontRef>
-    <cs:spPr>
-      <a:ln w="9525">
-        <a:solidFill>
-          <a:schemeClr val="lt1">
-            <a:lumMod val="50000"/>
-          </a:schemeClr>
-        </a:solidFill>
-        <a:round/>
-      </a:ln>
-    </cs:spPr>
-  </cs:errorBar>
-  <cs:floor>
-    <cs:lnRef idx="0"/>
-    <cs:fillRef idx="0"/>
-    <cs:effectRef idx="0"/>
-    <cs:fontRef idx="minor">
-      <a:schemeClr val="dk1"/>
-    </cs:fontRef>
-  </cs:floor>
-  <cs:gridlineMajor>
-    <cs:lnRef idx="0"/>
-    <cs:fillRef idx="0"/>
-    <cs:effectRef idx="0"/>
-    <cs:fontRef idx="minor">
-      <a:schemeClr val="dk1"/>
-    </cs:fontRef>
-    <cs:spPr>
-      <a:ln w="9525" cap="flat" cmpd="sng" algn="ctr">
-        <a:gradFill>
-          <a:gsLst>
-            <a:gs pos="100000">
-              <a:schemeClr val="dk1">
-                <a:lumMod val="75000"/>
-                <a:lumOff val="25000"/>
-              </a:schemeClr>
-            </a:gs>
-            <a:gs pos="0">
-              <a:schemeClr val="dk1">
-                <a:lumMod val="65000"/>
-                <a:lumOff val="35000"/>
-              </a:schemeClr>
-            </a:gs>
-          </a:gsLst>
-          <a:lin ang="5400000" scaled="0"/>
-        </a:gradFill>
-        <a:round/>
-      </a:ln>
-    </cs:spPr>
-  </cs:gridlineMajor>
-  <cs:gridlineMinor>
-    <cs:lnRef idx="0"/>
-    <cs:fillRef idx="0"/>
-    <cs:effectRef idx="0"/>
-    <cs:fontRef idx="minor">
-      <a:schemeClr val="dk1"/>
-    </cs:fontRef>
-    <cs:spPr>
-      <a:ln w="9525" cap="flat" cmpd="sng" algn="ctr">
-        <a:gradFill>
-          <a:gsLst>
-            <a:gs pos="100000">
-              <a:schemeClr val="dk1">
-                <a:lumMod val="75000"/>
-                <a:lumOff val="25000"/>
-                <a:alpha val="25000"/>
-              </a:schemeClr>
-            </a:gs>
-            <a:gs pos="0">
-              <a:schemeClr val="dk1">
-                <a:lumMod val="65000"/>
-                <a:lumOff val="35000"/>
-                <a:alpha val="25000"/>
-              </a:schemeClr>
-            </a:gs>
-          </a:gsLst>
-          <a:lin ang="5400000" scaled="0"/>
-        </a:gradFill>
-        <a:round/>
-      </a:ln>
-    </cs:spPr>
-  </cs:gridlineMinor>
-  <cs:hiLoLine>
-    <cs:lnRef idx="0"/>
-    <cs:fillRef idx="0"/>
-    <cs:effectRef idx="0"/>
-    <cs:fontRef idx="minor">
-      <a:schemeClr val="dk1"/>
-    </cs:fontRef>
-    <cs:spPr>
-      <a:ln w="9525">
-        <a:solidFill>
-          <a:schemeClr val="lt1">
-            <a:lumMod val="50000"/>
-          </a:schemeClr>
-        </a:solidFill>
-        <a:round/>
-      </a:ln>
-    </cs:spPr>
-  </cs:hiLoLine>
-  <cs:leaderLine>
-    <cs:lnRef idx="0"/>
-    <cs:fillRef idx="0"/>
-    <cs:effectRef idx="0"/>
-    <cs:fontRef idx="minor">
-      <a:schemeClr val="dk1"/>
-    </cs:fontRef>
-    <cs:spPr>
-      <a:ln w="9525">
-        <a:solidFill>
-          <a:schemeClr val="lt1">
-            <a:lumMod val="50000"/>
-          </a:schemeClr>
-        </a:solidFill>
-        <a:round/>
-      </a:ln>
-    </cs:spPr>
-  </cs:leaderLine>
-  <cs:legend>
-    <cs:lnRef idx="0"/>
-    <cs:fillRef idx="0"/>
-    <cs:effectRef idx="0"/>
-    <cs:fontRef idx="minor">
-      <a:schemeClr val="lt1">
-        <a:lumMod val="75000"/>
-      </a:schemeClr>
-    </cs:fontRef>
-    <cs:defRPr sz="1197" kern="1200"/>
-  </cs:legend>
-  <cs:plotArea>
-    <cs:lnRef idx="0"/>
-    <cs:fillRef idx="0"/>
-    <cs:effectRef idx="0"/>
-    <cs:fontRef idx="minor">
-      <a:schemeClr val="dk1"/>
-    </cs:fontRef>
-  </cs:plotArea>
-  <cs:plotArea3D>
-    <cs:lnRef idx="0"/>
-    <cs:fillRef idx="0"/>
-    <cs:effectRef idx="0"/>
-    <cs:fontRef idx="minor">
-      <a:schemeClr val="dk1"/>
-    </cs:fontRef>
-  </cs:plotArea3D>
-  <cs:seriesAxis>
-    <cs:lnRef idx="0"/>
-    <cs:fillRef idx="0"/>
-    <cs:effectRef idx="0"/>
-    <cs:fontRef idx="minor">
-      <a:schemeClr val="lt1">
-        <a:lumMod val="75000"/>
-      </a:schemeClr>
-    </cs:fontRef>
-    <cs:defRPr sz="1197" kern="1200"/>
-  </cs:seriesAxis>
-  <cs:seriesLine>
-    <cs:lnRef idx="0"/>
-    <cs:fillRef idx="0"/>
-    <cs:effectRef idx="0"/>
-    <cs:fontRef idx="minor">
-      <a:schemeClr val="dk1"/>
-    </cs:fontRef>
-    <cs:spPr>
-      <a:ln w="9525">
-        <a:solidFill>
-          <a:schemeClr val="lt1">
-            <a:lumMod val="50000"/>
-          </a:schemeClr>
-        </a:solidFill>
-        <a:round/>
-      </a:ln>
-    </cs:spPr>
-  </cs:seriesLine>
-  <cs:title>
-    <cs:lnRef idx="0"/>
-    <cs:fillRef idx="0"/>
-    <cs:effectRef idx="0"/>
-    <cs:fontRef idx="minor">
-      <a:schemeClr val="lt1">
-        <a:lumMod val="85000"/>
-      </a:schemeClr>
-    </cs:fontRef>
-    <cs:defRPr sz="1862" b="1" kern="1200" cap="none" baseline="0"/>
-  </cs:title>
-  <cs:trendline>
-    <cs:lnRef idx="0">
-      <cs:styleClr val="auto"/>
-    </cs:lnRef>
-    <cs:fillRef idx="0"/>
-    <cs:effectRef idx="0"/>
-    <cs:fontRef idx="minor">
-      <a:schemeClr val="lt1"/>
-    </cs:fontRef>
-    <cs:spPr>
-      <a:ln w="25400" cap="rnd">
-        <a:solidFill>
-          <a:schemeClr val="phClr">
-            <a:alpha val="50000"/>
-          </a:schemeClr>
-        </a:solidFill>
-      </a:ln>
-    </cs:spPr>
-  </cs:trendline>
-  <cs:trendlineLabel>
-    <cs:lnRef idx="0"/>
-    <cs:fillRef idx="0"/>
-    <cs:effectRef idx="0"/>
-    <cs:fontRef idx="minor">
-      <a:schemeClr val="lt1">
-        <a:lumMod val="75000"/>
-      </a:schemeClr>
-    </cs:fontRef>
-    <cs:defRPr sz="1197" kern="1200"/>
-  </cs:trendlineLabel>
-  <cs:upBar>
-    <cs:lnRef idx="0"/>
-    <cs:fillRef idx="0"/>
-    <cs:effectRef idx="0"/>
-    <cs:fontRef idx="minor">
-      <a:schemeClr val="dk1"/>
-    </cs:fontRef>
-    <cs:spPr>
-      <a:solidFill>
-        <a:schemeClr val="lt1">
-          <a:lumMod val="85000"/>
-        </a:schemeClr>
-      </a:solidFill>
-      <a:ln w="9525">
-        <a:solidFill>
-          <a:schemeClr val="dk1">
-            <a:lumMod val="50000"/>
-          </a:schemeClr>
-        </a:solidFill>
-        <a:round/>
-      </a:ln>
-    </cs:spPr>
-  </cs:upBar>
-  <cs:valueAxis>
-    <cs:lnRef idx="0"/>
-    <cs:fillRef idx="0"/>
-    <cs:effectRef idx="0"/>
-    <cs:fontRef idx="minor">
-      <a:schemeClr val="lt1">
-        <a:lumMod val="75000"/>
-      </a:schemeClr>
-    </cs:fontRef>
-    <cs:defRPr sz="1197" kern="1200"/>
-  </cs:valueAxis>
-  <cs:wall>
-    <cs:lnRef idx="0"/>
-    <cs:fillRef idx="0"/>
-    <cs:effectRef idx="0"/>
-    <cs:fontRef idx="minor">
-      <a:schemeClr val="dk1"/>
-    </cs:fontRef>
-  </cs:wall>
-</cs:chartStyle>
 </file>
 
 <file path=ppt/notesMasters/notesMaster1.xml><?xml version="1.0" encoding="utf-8"?>
@@ -4991,7 +3899,7 @@
           <p:cNvPr id="2" name="Заголовок 1">
             <a:extLst>
               <a:ext uri="{FF2B5EF4-FFF2-40B4-BE49-F238E27FC236}">
-                <a16:creationId xmlns:a16="http://schemas.microsoft.com/office/drawing/2014/main" id="{35BC007D-BFD1-4AFC-A4F4-D7A12CA851E7}"/>
+                <a16:creationId xmlns:a16="http://schemas.microsoft.com/office/drawing/2014/main" id="{E7D3F968-33A2-4E4B-9105-AFAA6F76252E}"/>
               </a:ext>
             </a:extLst>
           </p:cNvPr>
@@ -5002,16 +3910,9 @@
             <p:ph type="title"/>
           </p:nvPr>
         </p:nvSpPr>
-        <p:spPr>
-          <a:xfrm>
-            <a:off x="838200" y="257905"/>
-            <a:ext cx="10515600" cy="1325563"/>
-          </a:xfrm>
-        </p:spPr>
-        <p:txBody>
-          <a:bodyPr>
-            <a:normAutofit fontScale="90000"/>
-          </a:bodyPr>
+        <p:spPr/>
+        <p:txBody>
+          <a:bodyPr/>
           <a:lstStyle/>
           <a:p>
             <a:pPr algn="ctr"/>
@@ -5020,7 +3921,7 @@
                 <a:latin typeface="Times New Roman" panose="02020603050405020304" pitchFamily="18" charset="0"/>
                 <a:cs typeface="Times New Roman" panose="02020603050405020304" pitchFamily="18" charset="0"/>
               </a:rPr>
-              <a:t>Зависимость времени исполнения запроса от количества записей в таблице по пользователю</a:t>
+              <a:t>Диаграммы классов приложения</a:t>
             </a:r>
           </a:p>
         </p:txBody>
@@ -5030,7 +3931,7 @@
           <p:cNvPr id="4" name="Номер слайда 3">
             <a:extLst>
               <a:ext uri="{FF2B5EF4-FFF2-40B4-BE49-F238E27FC236}">
-                <a16:creationId xmlns:a16="http://schemas.microsoft.com/office/drawing/2014/main" id="{06243C61-ACEF-4DB7-9CE8-8A27B9491D7C}"/>
+                <a16:creationId xmlns:a16="http://schemas.microsoft.com/office/drawing/2014/main" id="{5E78739E-0F5D-41FA-922D-5101DAF64E6F}"/>
               </a:ext>
             </a:extLst>
           </p:cNvPr>
@@ -5050,2029 +3951,36 @@
               <a:rPr lang="ru-RU" smtClean="0"/>
               <a:t>10</a:t>
             </a:fld>
-            <a:endParaRPr lang="ru-RU" dirty="0"/>
-          </a:p>
-        </p:txBody>
-      </p:sp>
-      <p:graphicFrame>
-        <p:nvGraphicFramePr>
-          <p:cNvPr id="5" name="Таблица 5">
-            <a:extLst>
-              <a:ext uri="{FF2B5EF4-FFF2-40B4-BE49-F238E27FC236}">
-                <a16:creationId xmlns:a16="http://schemas.microsoft.com/office/drawing/2014/main" id="{3FAB712F-A278-409B-9601-6639B5DCCECB}"/>
-              </a:ext>
-            </a:extLst>
-          </p:cNvPr>
-          <p:cNvGraphicFramePr>
-            <a:graphicFrameLocks noGrp="1"/>
-          </p:cNvGraphicFramePr>
-          <p:nvPr>
-            <p:extLst>
-              <p:ext uri="{D42A27DB-BD31-4B8C-83A1-F6EECF244321}">
-                <p14:modId xmlns:p14="http://schemas.microsoft.com/office/powerpoint/2010/main" val="1588900050"/>
-              </p:ext>
-            </p:extLst>
-          </p:nvPr>
-        </p:nvGraphicFramePr>
-        <p:xfrm>
-          <a:off x="838200" y="1505121"/>
-          <a:ext cx="4003220" cy="4851230"/>
-        </p:xfrm>
-        <a:graphic>
-          <a:graphicData uri="http://schemas.openxmlformats.org/drawingml/2006/table">
-            <a:tbl>
-              <a:tblPr firstRow="1" bandRow="1">
-                <a:tableStyleId>{073A0DAA-6AF3-43AB-8588-CEC1D06C72B9}</a:tableStyleId>
-              </a:tblPr>
-              <a:tblGrid>
-                <a:gridCol w="1000805">
-                  <a:extLst>
-                    <a:ext uri="{9D8B030D-6E8A-4147-A177-3AD203B41FA5}">
-                      <a16:colId xmlns:a16="http://schemas.microsoft.com/office/drawing/2014/main" val="3026128622"/>
-                    </a:ext>
-                  </a:extLst>
-                </a:gridCol>
-                <a:gridCol w="1000805">
-                  <a:extLst>
-                    <a:ext uri="{9D8B030D-6E8A-4147-A177-3AD203B41FA5}">
-                      <a16:colId xmlns:a16="http://schemas.microsoft.com/office/drawing/2014/main" val="525255447"/>
-                    </a:ext>
-                  </a:extLst>
-                </a:gridCol>
-                <a:gridCol w="1000805">
-                  <a:extLst>
-                    <a:ext uri="{9D8B030D-6E8A-4147-A177-3AD203B41FA5}">
-                      <a16:colId xmlns:a16="http://schemas.microsoft.com/office/drawing/2014/main" val="1121404372"/>
-                    </a:ext>
-                  </a:extLst>
-                </a:gridCol>
-                <a:gridCol w="1000805">
-                  <a:extLst>
-                    <a:ext uri="{9D8B030D-6E8A-4147-A177-3AD203B41FA5}">
-                      <a16:colId xmlns:a16="http://schemas.microsoft.com/office/drawing/2014/main" val="3838671480"/>
-                    </a:ext>
-                  </a:extLst>
-                </a:gridCol>
-              </a:tblGrid>
-              <a:tr h="824235">
-                <a:tc rowSpan="2">
-                  <a:txBody>
-                    <a:bodyPr/>
-                    <a:lstStyle/>
-                    <a:p>
-                      <a:pPr algn="just"/>
-                      <a:r>
-                        <a:rPr lang="ru-RU" sz="1400" dirty="0">
-                          <a:latin typeface="Times New Roman" panose="02020603050405020304" pitchFamily="18" charset="0"/>
-                          <a:cs typeface="Times New Roman" panose="02020603050405020304" pitchFamily="18" charset="0"/>
-                        </a:rPr>
-                        <a:t>Всего записей</a:t>
-                      </a:r>
-                    </a:p>
-                  </a:txBody>
-                  <a:tcPr vert="vert270"/>
-                </a:tc>
-                <a:tc rowSpan="2">
-                  <a:txBody>
-                    <a:bodyPr/>
-                    <a:lstStyle/>
-                    <a:p>
-                      <a:pPr algn="just"/>
-                      <a:r>
-                        <a:rPr lang="ru-RU" sz="1400" dirty="0">
-                          <a:latin typeface="Times New Roman" panose="02020603050405020304" pitchFamily="18" charset="0"/>
-                          <a:cs typeface="Times New Roman" panose="02020603050405020304" pitchFamily="18" charset="0"/>
-                        </a:rPr>
-                        <a:t>Записей пользователя</a:t>
-                      </a:r>
-                    </a:p>
-                  </a:txBody>
-                  <a:tcPr vert="vert270">
-                    <a:lnR w="12700" cap="flat" cmpd="sng" algn="ctr">
-                      <a:solidFill>
-                        <a:schemeClr val="bg1"/>
-                      </a:solidFill>
-                      <a:prstDash val="solid"/>
-                      <a:round/>
-                      <a:headEnd type="none" w="med" len="med"/>
-                      <a:tailEnd type="none" w="med" len="med"/>
-                    </a:lnR>
-                  </a:tcPr>
-                </a:tc>
-                <a:tc gridSpan="2">
-                  <a:txBody>
-                    <a:bodyPr/>
-                    <a:lstStyle/>
-                    <a:p>
-                      <a:pPr algn="ctr"/>
-                      <a:r>
-                        <a:rPr lang="ru-RU" sz="1400" dirty="0">
-                          <a:latin typeface="Times New Roman" panose="02020603050405020304" pitchFamily="18" charset="0"/>
-                          <a:cs typeface="Times New Roman" panose="02020603050405020304" pitchFamily="18" charset="0"/>
-                        </a:rPr>
-                        <a:t>Время запроса, </a:t>
-                      </a:r>
-                      <a:r>
-                        <a:rPr lang="ru-RU" sz="1400" dirty="0" err="1">
-                          <a:latin typeface="Times New Roman" panose="02020603050405020304" pitchFamily="18" charset="0"/>
-                          <a:cs typeface="Times New Roman" panose="02020603050405020304" pitchFamily="18" charset="0"/>
-                        </a:rPr>
-                        <a:t>мс</a:t>
-                      </a:r>
-                      <a:endParaRPr lang="ru-RU" sz="1400" dirty="0">
-                        <a:latin typeface="Times New Roman" panose="02020603050405020304" pitchFamily="18" charset="0"/>
-                        <a:cs typeface="Times New Roman" panose="02020603050405020304" pitchFamily="18" charset="0"/>
-                      </a:endParaRPr>
-                    </a:p>
-                  </a:txBody>
-                  <a:tcPr>
-                    <a:lnL w="12700" cap="flat" cmpd="sng" algn="ctr">
-                      <a:solidFill>
-                        <a:schemeClr val="bg1"/>
-                      </a:solidFill>
-                      <a:prstDash val="solid"/>
-                      <a:round/>
-                      <a:headEnd type="none" w="med" len="med"/>
-                      <a:tailEnd type="none" w="med" len="med"/>
-                    </a:lnL>
-                    <a:lnB w="12700" cap="flat" cmpd="sng" algn="ctr">
-                      <a:solidFill>
-                        <a:schemeClr val="bg1"/>
-                      </a:solidFill>
-                      <a:prstDash val="solid"/>
-                      <a:round/>
-                      <a:headEnd type="none" w="med" len="med"/>
-                      <a:tailEnd type="none" w="med" len="med"/>
-                    </a:lnB>
-                  </a:tcPr>
-                </a:tc>
-                <a:tc hMerge="1">
-                  <a:txBody>
-                    <a:bodyPr/>
-                    <a:lstStyle/>
-                    <a:p>
-                      <a:pPr algn="just"/>
-                      <a:endParaRPr lang="ru-RU" sz="1400" dirty="0">
-                        <a:latin typeface="Times New Roman" panose="02020603050405020304" pitchFamily="18" charset="0"/>
-                        <a:cs typeface="Times New Roman" panose="02020603050405020304" pitchFamily="18" charset="0"/>
-                      </a:endParaRPr>
-                    </a:p>
-                  </a:txBody>
-                  <a:tcPr vert="vert270"/>
-                </a:tc>
-                <a:extLst>
-                  <a:ext uri="{0D108BD9-81ED-4DB2-BD59-A6C34878D82A}">
-                    <a16:rowId xmlns:a16="http://schemas.microsoft.com/office/drawing/2014/main" val="1597251264"/>
-                  </a:ext>
-                </a:extLst>
-              </a:tr>
-              <a:tr h="824235">
-                <a:tc vMerge="1">
-                  <a:txBody>
-                    <a:bodyPr/>
-                    <a:lstStyle/>
-                    <a:p>
-                      <a:endParaRPr lang="ru-RU"/>
-                    </a:p>
-                  </a:txBody>
-                  <a:tcPr/>
-                </a:tc>
-                <a:tc vMerge="1">
-                  <a:txBody>
-                    <a:bodyPr/>
-                    <a:lstStyle/>
-                    <a:p>
-                      <a:endParaRPr lang="ru-RU"/>
-                    </a:p>
-                  </a:txBody>
-                  <a:tcPr/>
-                </a:tc>
-                <a:tc>
-                  <a:txBody>
-                    <a:bodyPr/>
-                    <a:lstStyle/>
-                    <a:p>
-                      <a:pPr marL="0" marR="0" lvl="0" indent="0" algn="just" defTabSz="914400" rtl="0" eaLnBrk="1" fontAlgn="auto" latinLnBrk="0" hangingPunct="1">
-                        <a:lnSpc>
-                          <a:spcPct val="100000"/>
-                        </a:lnSpc>
-                        <a:spcBef>
-                          <a:spcPts val="0"/>
-                        </a:spcBef>
-                        <a:spcAft>
-                          <a:spcPts val="0"/>
-                        </a:spcAft>
-                        <a:buClrTx/>
-                        <a:buSzTx/>
-                        <a:buFontTx/>
-                        <a:buNone/>
-                        <a:tabLst/>
-                        <a:defRPr/>
-                      </a:pPr>
-                      <a:r>
-                        <a:rPr lang="en-US" sz="1400" b="1" dirty="0">
-                          <a:solidFill>
-                            <a:schemeClr val="bg1"/>
-                          </a:solidFill>
-                          <a:latin typeface="Times New Roman" panose="02020603050405020304" pitchFamily="18" charset="0"/>
-                          <a:cs typeface="Times New Roman" panose="02020603050405020304" pitchFamily="18" charset="0"/>
-                        </a:rPr>
-                        <a:t>Postgres</a:t>
-                      </a:r>
-                      <a:endParaRPr lang="ru-RU" sz="1400" b="1" dirty="0">
-                        <a:solidFill>
-                          <a:schemeClr val="bg1"/>
-                        </a:solidFill>
-                        <a:latin typeface="Times New Roman" panose="02020603050405020304" pitchFamily="18" charset="0"/>
-                        <a:cs typeface="Times New Roman" panose="02020603050405020304" pitchFamily="18" charset="0"/>
-                      </a:endParaRPr>
-                    </a:p>
-                    <a:p>
-                      <a:pPr algn="just"/>
-                      <a:endParaRPr lang="ru-RU" sz="1400" dirty="0">
-                        <a:latin typeface="Times New Roman" panose="02020603050405020304" pitchFamily="18" charset="0"/>
-                        <a:cs typeface="Times New Roman" panose="02020603050405020304" pitchFamily="18" charset="0"/>
-                      </a:endParaRPr>
-                    </a:p>
-                  </a:txBody>
-                  <a:tcPr vert="vert270">
-                    <a:lnL w="12700" cap="flat" cmpd="sng" algn="ctr">
-                      <a:solidFill>
-                        <a:schemeClr val="bg1"/>
-                      </a:solidFill>
-                      <a:prstDash val="solid"/>
-                      <a:round/>
-                      <a:headEnd type="none" w="med" len="med"/>
-                      <a:tailEnd type="none" w="med" len="med"/>
-                    </a:lnL>
-                    <a:lnT w="12700" cap="flat" cmpd="sng" algn="ctr">
-                      <a:solidFill>
-                        <a:schemeClr val="bg1"/>
-                      </a:solidFill>
-                      <a:prstDash val="solid"/>
-                      <a:round/>
-                      <a:headEnd type="none" w="med" len="med"/>
-                      <a:tailEnd type="none" w="med" len="med"/>
-                    </a:lnT>
-                    <a:lnB w="38100" cap="flat" cmpd="sng" algn="ctr">
-                      <a:solidFill>
-                        <a:schemeClr val="bg1"/>
-                      </a:solidFill>
-                      <a:prstDash val="solid"/>
-                      <a:round/>
-                      <a:headEnd type="none" w="med" len="med"/>
-                      <a:tailEnd type="none" w="med" len="med"/>
-                    </a:lnB>
-                    <a:solidFill>
-                      <a:schemeClr val="tx1"/>
-                    </a:solidFill>
-                  </a:tcPr>
-                </a:tc>
-                <a:tc>
-                  <a:txBody>
-                    <a:bodyPr/>
-                    <a:lstStyle/>
-                    <a:p>
-                      <a:pPr marL="0" marR="0" lvl="0" indent="0" algn="just" defTabSz="914400" rtl="0" eaLnBrk="1" fontAlgn="auto" latinLnBrk="0" hangingPunct="1">
-                        <a:lnSpc>
-                          <a:spcPct val="100000"/>
-                        </a:lnSpc>
-                        <a:spcBef>
-                          <a:spcPts val="0"/>
-                        </a:spcBef>
-                        <a:spcAft>
-                          <a:spcPts val="0"/>
-                        </a:spcAft>
-                        <a:buClrTx/>
-                        <a:buSzTx/>
-                        <a:buFontTx/>
-                        <a:buNone/>
-                        <a:tabLst/>
-                        <a:defRPr/>
-                      </a:pPr>
-                      <a:r>
-                        <a:rPr lang="en-US" sz="1400" b="1" dirty="0">
-                          <a:solidFill>
-                            <a:schemeClr val="bg1"/>
-                          </a:solidFill>
-                          <a:latin typeface="Times New Roman" panose="02020603050405020304" pitchFamily="18" charset="0"/>
-                          <a:cs typeface="Times New Roman" panose="02020603050405020304" pitchFamily="18" charset="0"/>
-                        </a:rPr>
-                        <a:t>InfluxDB</a:t>
-                      </a:r>
-                      <a:endParaRPr lang="ru-RU" sz="1400" b="1" dirty="0">
-                        <a:solidFill>
-                          <a:schemeClr val="bg1"/>
-                        </a:solidFill>
-                        <a:latin typeface="Times New Roman" panose="02020603050405020304" pitchFamily="18" charset="0"/>
-                        <a:cs typeface="Times New Roman" panose="02020603050405020304" pitchFamily="18" charset="0"/>
-                      </a:endParaRPr>
-                    </a:p>
-                    <a:p>
-                      <a:pPr algn="just"/>
-                      <a:endParaRPr lang="ru-RU" sz="1400" dirty="0">
-                        <a:latin typeface="Times New Roman" panose="02020603050405020304" pitchFamily="18" charset="0"/>
-                        <a:cs typeface="Times New Roman" panose="02020603050405020304" pitchFamily="18" charset="0"/>
-                      </a:endParaRPr>
-                    </a:p>
-                  </a:txBody>
-                  <a:tcPr vert="vert270">
-                    <a:lnT w="12700" cap="flat" cmpd="sng" algn="ctr">
-                      <a:solidFill>
-                        <a:schemeClr val="bg1"/>
-                      </a:solidFill>
-                      <a:prstDash val="solid"/>
-                      <a:round/>
-                      <a:headEnd type="none" w="med" len="med"/>
-                      <a:tailEnd type="none" w="med" len="med"/>
-                    </a:lnT>
-                    <a:lnB w="38100" cap="flat" cmpd="sng" algn="ctr">
-                      <a:solidFill>
-                        <a:schemeClr val="bg1"/>
-                      </a:solidFill>
-                      <a:prstDash val="solid"/>
-                      <a:round/>
-                      <a:headEnd type="none" w="med" len="med"/>
-                      <a:tailEnd type="none" w="med" len="med"/>
-                    </a:lnB>
-                    <a:solidFill>
-                      <a:schemeClr val="tx1"/>
-                    </a:solidFill>
-                  </a:tcPr>
-                </a:tc>
-                <a:extLst>
-                  <a:ext uri="{0D108BD9-81ED-4DB2-BD59-A6C34878D82A}">
-                    <a16:rowId xmlns:a16="http://schemas.microsoft.com/office/drawing/2014/main" val="1695768137"/>
-                  </a:ext>
-                </a:extLst>
-              </a:tr>
-              <a:tr h="320276">
-                <a:tc>
-                  <a:txBody>
-                    <a:bodyPr/>
-                    <a:lstStyle/>
-                    <a:p>
-                      <a:pPr algn="ctr"/>
-                      <a:r>
-                        <a:rPr lang="ru-RU" sz="1400" b="1" dirty="0">
-                          <a:effectLst>
-                            <a:outerShdw blurRad="38100" dist="38100" dir="2700000" algn="tl">
-                              <a:srgbClr val="000000">
-                                <a:alpha val="43137"/>
-                              </a:srgbClr>
-                            </a:outerShdw>
-                          </a:effectLst>
-                          <a:latin typeface="Times New Roman" panose="02020603050405020304" pitchFamily="18" charset="0"/>
-                          <a:cs typeface="Times New Roman" panose="02020603050405020304" pitchFamily="18" charset="0"/>
-                        </a:rPr>
-                        <a:t>30000</a:t>
-                      </a:r>
-                    </a:p>
-                  </a:txBody>
-                  <a:tcPr/>
-                </a:tc>
-                <a:tc>
-                  <a:txBody>
-                    <a:bodyPr/>
-                    <a:lstStyle/>
-                    <a:p>
-                      <a:pPr algn="ctr"/>
-                      <a:r>
-                        <a:rPr lang="ru-RU" sz="1400" b="1" dirty="0">
-                          <a:effectLst>
-                            <a:outerShdw blurRad="38100" dist="38100" dir="2700000" algn="tl">
-                              <a:srgbClr val="000000">
-                                <a:alpha val="43137"/>
-                              </a:srgbClr>
-                            </a:outerShdw>
-                          </a:effectLst>
-                          <a:latin typeface="Times New Roman" panose="02020603050405020304" pitchFamily="18" charset="0"/>
-                          <a:cs typeface="Times New Roman" panose="02020603050405020304" pitchFamily="18" charset="0"/>
-                        </a:rPr>
-                        <a:t>10000</a:t>
-                      </a:r>
-                    </a:p>
-                  </a:txBody>
-                  <a:tcPr/>
-                </a:tc>
-                <a:tc>
-                  <a:txBody>
-                    <a:bodyPr/>
-                    <a:lstStyle/>
-                    <a:p>
-                      <a:pPr algn="ctr"/>
-                      <a:r>
-                        <a:rPr lang="ru-RU" sz="1400" b="1" dirty="0">
-                          <a:effectLst>
-                            <a:outerShdw blurRad="38100" dist="38100" dir="2700000" algn="tl">
-                              <a:srgbClr val="000000">
-                                <a:alpha val="43137"/>
-                              </a:srgbClr>
-                            </a:outerShdw>
-                          </a:effectLst>
-                          <a:latin typeface="Times New Roman" panose="02020603050405020304" pitchFamily="18" charset="0"/>
-                          <a:cs typeface="Times New Roman" panose="02020603050405020304" pitchFamily="18" charset="0"/>
-                        </a:rPr>
-                        <a:t>188</a:t>
-                      </a:r>
-                    </a:p>
-                  </a:txBody>
-                  <a:tcPr>
-                    <a:lnT w="38100" cap="flat" cmpd="sng" algn="ctr">
-                      <a:solidFill>
-                        <a:schemeClr val="bg1"/>
-                      </a:solidFill>
-                      <a:prstDash val="solid"/>
-                      <a:round/>
-                      <a:headEnd type="none" w="med" len="med"/>
-                      <a:tailEnd type="none" w="med" len="med"/>
-                    </a:lnT>
-                  </a:tcPr>
-                </a:tc>
-                <a:tc>
-                  <a:txBody>
-                    <a:bodyPr/>
-                    <a:lstStyle/>
-                    <a:p>
-                      <a:pPr algn="ctr"/>
-                      <a:r>
-                        <a:rPr lang="ru-RU" sz="1400" b="1" dirty="0">
-                          <a:effectLst>
-                            <a:outerShdw blurRad="38100" dist="38100" dir="2700000" algn="tl">
-                              <a:srgbClr val="000000">
-                                <a:alpha val="43137"/>
-                              </a:srgbClr>
-                            </a:outerShdw>
-                          </a:effectLst>
-                          <a:latin typeface="Times New Roman" panose="02020603050405020304" pitchFamily="18" charset="0"/>
-                          <a:cs typeface="Times New Roman" panose="02020603050405020304" pitchFamily="18" charset="0"/>
-                        </a:rPr>
-                        <a:t>64</a:t>
-                      </a:r>
-                    </a:p>
-                  </a:txBody>
-                  <a:tcPr>
-                    <a:lnT w="38100" cap="flat" cmpd="sng" algn="ctr">
-                      <a:solidFill>
-                        <a:schemeClr val="bg1"/>
-                      </a:solidFill>
-                      <a:prstDash val="solid"/>
-                      <a:round/>
-                      <a:headEnd type="none" w="med" len="med"/>
-                      <a:tailEnd type="none" w="med" len="med"/>
-                    </a:lnT>
-                  </a:tcPr>
-                </a:tc>
-                <a:extLst>
-                  <a:ext uri="{0D108BD9-81ED-4DB2-BD59-A6C34878D82A}">
-                    <a16:rowId xmlns:a16="http://schemas.microsoft.com/office/drawing/2014/main" val="3769664378"/>
-                  </a:ext>
-                </a:extLst>
-              </a:tr>
-              <a:tr h="320276">
-                <a:tc>
-                  <a:txBody>
-                    <a:bodyPr/>
-                    <a:lstStyle/>
-                    <a:p>
-                      <a:pPr algn="ctr"/>
-                      <a:r>
-                        <a:rPr lang="ru-RU" sz="1400" dirty="0">
-                          <a:latin typeface="Times New Roman" panose="02020603050405020304" pitchFamily="18" charset="0"/>
-                          <a:cs typeface="Times New Roman" panose="02020603050405020304" pitchFamily="18" charset="0"/>
-                        </a:rPr>
-                        <a:t>36000</a:t>
-                      </a:r>
-                    </a:p>
-                  </a:txBody>
-                  <a:tcPr/>
-                </a:tc>
-                <a:tc>
-                  <a:txBody>
-                    <a:bodyPr/>
-                    <a:lstStyle/>
-                    <a:p>
-                      <a:pPr algn="ctr"/>
-                      <a:r>
-                        <a:rPr lang="ru-RU" sz="1400" dirty="0">
-                          <a:latin typeface="Times New Roman" panose="02020603050405020304" pitchFamily="18" charset="0"/>
-                          <a:cs typeface="Times New Roman" panose="02020603050405020304" pitchFamily="18" charset="0"/>
-                        </a:rPr>
-                        <a:t>12000</a:t>
-                      </a:r>
-                    </a:p>
-                  </a:txBody>
-                  <a:tcPr/>
-                </a:tc>
-                <a:tc>
-                  <a:txBody>
-                    <a:bodyPr/>
-                    <a:lstStyle/>
-                    <a:p>
-                      <a:pPr algn="ctr"/>
-                      <a:r>
-                        <a:rPr lang="ru-RU" sz="1400" dirty="0">
-                          <a:latin typeface="Times New Roman" panose="02020603050405020304" pitchFamily="18" charset="0"/>
-                          <a:cs typeface="Times New Roman" panose="02020603050405020304" pitchFamily="18" charset="0"/>
-                        </a:rPr>
-                        <a:t>248</a:t>
-                      </a:r>
-                    </a:p>
-                  </a:txBody>
-                  <a:tcPr/>
-                </a:tc>
-                <a:tc>
-                  <a:txBody>
-                    <a:bodyPr/>
-                    <a:lstStyle/>
-                    <a:p>
-                      <a:pPr algn="ctr"/>
-                      <a:r>
-                        <a:rPr lang="ru-RU" sz="1400" dirty="0">
-                          <a:latin typeface="Times New Roman" panose="02020603050405020304" pitchFamily="18" charset="0"/>
-                          <a:cs typeface="Times New Roman" panose="02020603050405020304" pitchFamily="18" charset="0"/>
-                        </a:rPr>
-                        <a:t>65</a:t>
-                      </a:r>
-                    </a:p>
-                  </a:txBody>
-                  <a:tcPr/>
-                </a:tc>
-                <a:extLst>
-                  <a:ext uri="{0D108BD9-81ED-4DB2-BD59-A6C34878D82A}">
-                    <a16:rowId xmlns:a16="http://schemas.microsoft.com/office/drawing/2014/main" val="119122561"/>
-                  </a:ext>
-                </a:extLst>
-              </a:tr>
-              <a:tr h="320276">
-                <a:tc>
-                  <a:txBody>
-                    <a:bodyPr/>
-                    <a:lstStyle/>
-                    <a:p>
-                      <a:pPr algn="ctr"/>
-                      <a:r>
-                        <a:rPr lang="ru-RU" sz="1400" dirty="0">
-                          <a:latin typeface="Times New Roman" panose="02020603050405020304" pitchFamily="18" charset="0"/>
-                          <a:cs typeface="Times New Roman" panose="02020603050405020304" pitchFamily="18" charset="0"/>
-                        </a:rPr>
-                        <a:t>42000</a:t>
-                      </a:r>
-                    </a:p>
-                  </a:txBody>
-                  <a:tcPr/>
-                </a:tc>
-                <a:tc>
-                  <a:txBody>
-                    <a:bodyPr/>
-                    <a:lstStyle/>
-                    <a:p>
-                      <a:pPr algn="ctr"/>
-                      <a:r>
-                        <a:rPr lang="ru-RU" sz="1400" dirty="0">
-                          <a:latin typeface="Times New Roman" panose="02020603050405020304" pitchFamily="18" charset="0"/>
-                          <a:cs typeface="Times New Roman" panose="02020603050405020304" pitchFamily="18" charset="0"/>
-                        </a:rPr>
-                        <a:t>14000</a:t>
-                      </a:r>
-                    </a:p>
-                  </a:txBody>
-                  <a:tcPr/>
-                </a:tc>
-                <a:tc>
-                  <a:txBody>
-                    <a:bodyPr/>
-                    <a:lstStyle/>
-                    <a:p>
-                      <a:pPr algn="ctr"/>
-                      <a:r>
-                        <a:rPr lang="ru-RU" sz="1400" dirty="0">
-                          <a:latin typeface="Times New Roman" panose="02020603050405020304" pitchFamily="18" charset="0"/>
-                          <a:cs typeface="Times New Roman" panose="02020603050405020304" pitchFamily="18" charset="0"/>
-                        </a:rPr>
-                        <a:t>274</a:t>
-                      </a:r>
-                    </a:p>
-                  </a:txBody>
-                  <a:tcPr/>
-                </a:tc>
-                <a:tc>
-                  <a:txBody>
-                    <a:bodyPr/>
-                    <a:lstStyle/>
-                    <a:p>
-                      <a:pPr algn="ctr"/>
-                      <a:r>
-                        <a:rPr lang="ru-RU" sz="1400" dirty="0">
-                          <a:latin typeface="Times New Roman" panose="02020603050405020304" pitchFamily="18" charset="0"/>
-                          <a:cs typeface="Times New Roman" panose="02020603050405020304" pitchFamily="18" charset="0"/>
-                        </a:rPr>
-                        <a:t>60</a:t>
-                      </a:r>
-                    </a:p>
-                  </a:txBody>
-                  <a:tcPr/>
-                </a:tc>
-                <a:extLst>
-                  <a:ext uri="{0D108BD9-81ED-4DB2-BD59-A6C34878D82A}">
-                    <a16:rowId xmlns:a16="http://schemas.microsoft.com/office/drawing/2014/main" val="2010290811"/>
-                  </a:ext>
-                </a:extLst>
-              </a:tr>
-              <a:tr h="320276">
-                <a:tc>
-                  <a:txBody>
-                    <a:bodyPr/>
-                    <a:lstStyle/>
-                    <a:p>
-                      <a:pPr algn="ctr"/>
-                      <a:r>
-                        <a:rPr lang="ru-RU" sz="1400" dirty="0">
-                          <a:latin typeface="Times New Roman" panose="02020603050405020304" pitchFamily="18" charset="0"/>
-                          <a:cs typeface="Times New Roman" panose="02020603050405020304" pitchFamily="18" charset="0"/>
-                        </a:rPr>
-                        <a:t>48000</a:t>
-                      </a:r>
-                    </a:p>
-                  </a:txBody>
-                  <a:tcPr/>
-                </a:tc>
-                <a:tc>
-                  <a:txBody>
-                    <a:bodyPr/>
-                    <a:lstStyle/>
-                    <a:p>
-                      <a:pPr algn="ctr"/>
-                      <a:r>
-                        <a:rPr lang="ru-RU" sz="1400" dirty="0">
-                          <a:latin typeface="Times New Roman" panose="02020603050405020304" pitchFamily="18" charset="0"/>
-                          <a:cs typeface="Times New Roman" panose="02020603050405020304" pitchFamily="18" charset="0"/>
-                        </a:rPr>
-                        <a:t>16000</a:t>
-                      </a:r>
-                    </a:p>
-                  </a:txBody>
-                  <a:tcPr/>
-                </a:tc>
-                <a:tc>
-                  <a:txBody>
-                    <a:bodyPr/>
-                    <a:lstStyle/>
-                    <a:p>
-                      <a:pPr algn="ctr"/>
-                      <a:r>
-                        <a:rPr lang="ru-RU" sz="1400" dirty="0">
-                          <a:latin typeface="Times New Roman" panose="02020603050405020304" pitchFamily="18" charset="0"/>
-                          <a:cs typeface="Times New Roman" panose="02020603050405020304" pitchFamily="18" charset="0"/>
-                        </a:rPr>
-                        <a:t>261</a:t>
-                      </a:r>
-                    </a:p>
-                  </a:txBody>
-                  <a:tcPr/>
-                </a:tc>
-                <a:tc>
-                  <a:txBody>
-                    <a:bodyPr/>
-                    <a:lstStyle/>
-                    <a:p>
-                      <a:pPr algn="ctr"/>
-                      <a:r>
-                        <a:rPr lang="ru-RU" sz="1400" dirty="0">
-                          <a:latin typeface="Times New Roman" panose="02020603050405020304" pitchFamily="18" charset="0"/>
-                          <a:cs typeface="Times New Roman" panose="02020603050405020304" pitchFamily="18" charset="0"/>
-                        </a:rPr>
-                        <a:t>60</a:t>
-                      </a:r>
-                    </a:p>
-                  </a:txBody>
-                  <a:tcPr/>
-                </a:tc>
-                <a:extLst>
-                  <a:ext uri="{0D108BD9-81ED-4DB2-BD59-A6C34878D82A}">
-                    <a16:rowId xmlns:a16="http://schemas.microsoft.com/office/drawing/2014/main" val="2806973760"/>
-                  </a:ext>
-                </a:extLst>
-              </a:tr>
-              <a:tr h="320276">
-                <a:tc>
-                  <a:txBody>
-                    <a:bodyPr/>
-                    <a:lstStyle/>
-                    <a:p>
-                      <a:pPr algn="ctr"/>
-                      <a:r>
-                        <a:rPr lang="ru-RU" sz="1400" dirty="0">
-                          <a:latin typeface="Times New Roman" panose="02020603050405020304" pitchFamily="18" charset="0"/>
-                          <a:cs typeface="Times New Roman" panose="02020603050405020304" pitchFamily="18" charset="0"/>
-                        </a:rPr>
-                        <a:t>54000</a:t>
-                      </a:r>
-                    </a:p>
-                  </a:txBody>
-                  <a:tcPr/>
-                </a:tc>
-                <a:tc>
-                  <a:txBody>
-                    <a:bodyPr/>
-                    <a:lstStyle/>
-                    <a:p>
-                      <a:pPr algn="ctr"/>
-                      <a:r>
-                        <a:rPr lang="ru-RU" sz="1400" dirty="0">
-                          <a:latin typeface="Times New Roman" panose="02020603050405020304" pitchFamily="18" charset="0"/>
-                          <a:cs typeface="Times New Roman" panose="02020603050405020304" pitchFamily="18" charset="0"/>
-                        </a:rPr>
-                        <a:t>18000</a:t>
-                      </a:r>
-                    </a:p>
-                  </a:txBody>
-                  <a:tcPr/>
-                </a:tc>
-                <a:tc>
-                  <a:txBody>
-                    <a:bodyPr/>
-                    <a:lstStyle/>
-                    <a:p>
-                      <a:pPr algn="ctr"/>
-                      <a:r>
-                        <a:rPr lang="ru-RU" sz="1400" dirty="0">
-                          <a:latin typeface="Times New Roman" panose="02020603050405020304" pitchFamily="18" charset="0"/>
-                          <a:cs typeface="Times New Roman" panose="02020603050405020304" pitchFamily="18" charset="0"/>
-                        </a:rPr>
-                        <a:t>266</a:t>
-                      </a:r>
-                    </a:p>
-                  </a:txBody>
-                  <a:tcPr/>
-                </a:tc>
-                <a:tc>
-                  <a:txBody>
-                    <a:bodyPr/>
-                    <a:lstStyle/>
-                    <a:p>
-                      <a:pPr algn="ctr"/>
-                      <a:r>
-                        <a:rPr lang="ru-RU" sz="1400" dirty="0">
-                          <a:latin typeface="Times New Roman" panose="02020603050405020304" pitchFamily="18" charset="0"/>
-                          <a:cs typeface="Times New Roman" panose="02020603050405020304" pitchFamily="18" charset="0"/>
-                        </a:rPr>
-                        <a:t>61</a:t>
-                      </a:r>
-                    </a:p>
-                  </a:txBody>
-                  <a:tcPr/>
-                </a:tc>
-                <a:extLst>
-                  <a:ext uri="{0D108BD9-81ED-4DB2-BD59-A6C34878D82A}">
-                    <a16:rowId xmlns:a16="http://schemas.microsoft.com/office/drawing/2014/main" val="2546615165"/>
-                  </a:ext>
-                </a:extLst>
-              </a:tr>
-              <a:tr h="320276">
-                <a:tc>
-                  <a:txBody>
-                    <a:bodyPr/>
-                    <a:lstStyle/>
-                    <a:p>
-                      <a:pPr algn="ctr"/>
-                      <a:r>
-                        <a:rPr lang="ru-RU" sz="1400" dirty="0">
-                          <a:latin typeface="Times New Roman" panose="02020603050405020304" pitchFamily="18" charset="0"/>
-                          <a:cs typeface="Times New Roman" panose="02020603050405020304" pitchFamily="18" charset="0"/>
-                        </a:rPr>
-                        <a:t>60000</a:t>
-                      </a:r>
-                    </a:p>
-                  </a:txBody>
-                  <a:tcPr/>
-                </a:tc>
-                <a:tc>
-                  <a:txBody>
-                    <a:bodyPr/>
-                    <a:lstStyle/>
-                    <a:p>
-                      <a:pPr algn="ctr"/>
-                      <a:r>
-                        <a:rPr lang="ru-RU" sz="1400" dirty="0">
-                          <a:latin typeface="Times New Roman" panose="02020603050405020304" pitchFamily="18" charset="0"/>
-                          <a:cs typeface="Times New Roman" panose="02020603050405020304" pitchFamily="18" charset="0"/>
-                        </a:rPr>
-                        <a:t>20000</a:t>
-                      </a:r>
-                    </a:p>
-                  </a:txBody>
-                  <a:tcPr/>
-                </a:tc>
-                <a:tc>
-                  <a:txBody>
-                    <a:bodyPr/>
-                    <a:lstStyle/>
-                    <a:p>
-                      <a:pPr algn="ctr"/>
-                      <a:r>
-                        <a:rPr lang="ru-RU" sz="1400" dirty="0">
-                          <a:latin typeface="Times New Roman" panose="02020603050405020304" pitchFamily="18" charset="0"/>
-                          <a:cs typeface="Times New Roman" panose="02020603050405020304" pitchFamily="18" charset="0"/>
-                        </a:rPr>
-                        <a:t>284</a:t>
-                      </a:r>
-                    </a:p>
-                  </a:txBody>
-                  <a:tcPr/>
-                </a:tc>
-                <a:tc>
-                  <a:txBody>
-                    <a:bodyPr/>
-                    <a:lstStyle/>
-                    <a:p>
-                      <a:pPr algn="ctr"/>
-                      <a:r>
-                        <a:rPr lang="ru-RU" sz="1400" dirty="0">
-                          <a:latin typeface="Times New Roman" panose="02020603050405020304" pitchFamily="18" charset="0"/>
-                          <a:cs typeface="Times New Roman" panose="02020603050405020304" pitchFamily="18" charset="0"/>
-                        </a:rPr>
-                        <a:t>68</a:t>
-                      </a:r>
-                    </a:p>
-                  </a:txBody>
-                  <a:tcPr/>
-                </a:tc>
-                <a:extLst>
-                  <a:ext uri="{0D108BD9-81ED-4DB2-BD59-A6C34878D82A}">
-                    <a16:rowId xmlns:a16="http://schemas.microsoft.com/office/drawing/2014/main" val="318431100"/>
-                  </a:ext>
-                </a:extLst>
-              </a:tr>
-              <a:tr h="320276">
-                <a:tc>
-                  <a:txBody>
-                    <a:bodyPr/>
-                    <a:lstStyle/>
-                    <a:p>
-                      <a:pPr algn="ctr"/>
-                      <a:r>
-                        <a:rPr lang="ru-RU" sz="1400" dirty="0">
-                          <a:latin typeface="Times New Roman" panose="02020603050405020304" pitchFamily="18" charset="0"/>
-                          <a:cs typeface="Times New Roman" panose="02020603050405020304" pitchFamily="18" charset="0"/>
-                        </a:rPr>
-                        <a:t>66000</a:t>
-                      </a:r>
-                    </a:p>
-                  </a:txBody>
-                  <a:tcPr/>
-                </a:tc>
-                <a:tc>
-                  <a:txBody>
-                    <a:bodyPr/>
-                    <a:lstStyle/>
-                    <a:p>
-                      <a:pPr algn="ctr"/>
-                      <a:r>
-                        <a:rPr lang="ru-RU" sz="1400" dirty="0">
-                          <a:latin typeface="Times New Roman" panose="02020603050405020304" pitchFamily="18" charset="0"/>
-                          <a:cs typeface="Times New Roman" panose="02020603050405020304" pitchFamily="18" charset="0"/>
-                        </a:rPr>
-                        <a:t>22000</a:t>
-                      </a:r>
-                    </a:p>
-                  </a:txBody>
-                  <a:tcPr/>
-                </a:tc>
-                <a:tc>
-                  <a:txBody>
-                    <a:bodyPr/>
-                    <a:lstStyle/>
-                    <a:p>
-                      <a:pPr algn="ctr"/>
-                      <a:r>
-                        <a:rPr lang="ru-RU" sz="1400" dirty="0">
-                          <a:latin typeface="Times New Roman" panose="02020603050405020304" pitchFamily="18" charset="0"/>
-                          <a:cs typeface="Times New Roman" panose="02020603050405020304" pitchFamily="18" charset="0"/>
-                        </a:rPr>
-                        <a:t>316</a:t>
-                      </a:r>
-                    </a:p>
-                  </a:txBody>
-                  <a:tcPr/>
-                </a:tc>
-                <a:tc>
-                  <a:txBody>
-                    <a:bodyPr/>
-                    <a:lstStyle/>
-                    <a:p>
-                      <a:pPr algn="ctr"/>
-                      <a:r>
-                        <a:rPr lang="ru-RU" sz="1400" dirty="0">
-                          <a:latin typeface="Times New Roman" panose="02020603050405020304" pitchFamily="18" charset="0"/>
-                          <a:cs typeface="Times New Roman" panose="02020603050405020304" pitchFamily="18" charset="0"/>
-                        </a:rPr>
-                        <a:t>76</a:t>
-                      </a:r>
-                    </a:p>
-                  </a:txBody>
-                  <a:tcPr/>
-                </a:tc>
-                <a:extLst>
-                  <a:ext uri="{0D108BD9-81ED-4DB2-BD59-A6C34878D82A}">
-                    <a16:rowId xmlns:a16="http://schemas.microsoft.com/office/drawing/2014/main" val="3354454952"/>
-                  </a:ext>
-                </a:extLst>
-              </a:tr>
-              <a:tr h="320276">
-                <a:tc>
-                  <a:txBody>
-                    <a:bodyPr/>
-                    <a:lstStyle/>
-                    <a:p>
-                      <a:pPr algn="ctr"/>
-                      <a:r>
-                        <a:rPr lang="ru-RU" sz="1400" dirty="0">
-                          <a:latin typeface="Times New Roman" panose="02020603050405020304" pitchFamily="18" charset="0"/>
-                          <a:cs typeface="Times New Roman" panose="02020603050405020304" pitchFamily="18" charset="0"/>
-                        </a:rPr>
-                        <a:t>72000</a:t>
-                      </a:r>
-                    </a:p>
-                  </a:txBody>
-                  <a:tcPr/>
-                </a:tc>
-                <a:tc>
-                  <a:txBody>
-                    <a:bodyPr/>
-                    <a:lstStyle/>
-                    <a:p>
-                      <a:pPr algn="ctr"/>
-                      <a:r>
-                        <a:rPr lang="ru-RU" sz="1400" dirty="0">
-                          <a:latin typeface="Times New Roman" panose="02020603050405020304" pitchFamily="18" charset="0"/>
-                          <a:cs typeface="Times New Roman" panose="02020603050405020304" pitchFamily="18" charset="0"/>
-                        </a:rPr>
-                        <a:t>24000</a:t>
-                      </a:r>
-                    </a:p>
-                  </a:txBody>
-                  <a:tcPr/>
-                </a:tc>
-                <a:tc>
-                  <a:txBody>
-                    <a:bodyPr/>
-                    <a:lstStyle/>
-                    <a:p>
-                      <a:pPr algn="ctr"/>
-                      <a:r>
-                        <a:rPr lang="ru-RU" sz="1400" dirty="0">
-                          <a:latin typeface="Times New Roman" panose="02020603050405020304" pitchFamily="18" charset="0"/>
-                          <a:cs typeface="Times New Roman" panose="02020603050405020304" pitchFamily="18" charset="0"/>
-                        </a:rPr>
-                        <a:t>340</a:t>
-                      </a:r>
-                    </a:p>
-                  </a:txBody>
-                  <a:tcPr/>
-                </a:tc>
-                <a:tc>
-                  <a:txBody>
-                    <a:bodyPr/>
-                    <a:lstStyle/>
-                    <a:p>
-                      <a:pPr algn="ctr"/>
-                      <a:r>
-                        <a:rPr lang="ru-RU" sz="1400" dirty="0">
-                          <a:latin typeface="Times New Roman" panose="02020603050405020304" pitchFamily="18" charset="0"/>
-                          <a:cs typeface="Times New Roman" panose="02020603050405020304" pitchFamily="18" charset="0"/>
-                        </a:rPr>
-                        <a:t>65</a:t>
-                      </a:r>
-                    </a:p>
-                  </a:txBody>
-                  <a:tcPr/>
-                </a:tc>
-                <a:extLst>
-                  <a:ext uri="{0D108BD9-81ED-4DB2-BD59-A6C34878D82A}">
-                    <a16:rowId xmlns:a16="http://schemas.microsoft.com/office/drawing/2014/main" val="3349606473"/>
-                  </a:ext>
-                </a:extLst>
-              </a:tr>
-              <a:tr h="320276">
-                <a:tc>
-                  <a:txBody>
-                    <a:bodyPr/>
-                    <a:lstStyle/>
-                    <a:p>
-                      <a:pPr algn="ctr"/>
-                      <a:r>
-                        <a:rPr lang="ru-RU" sz="1400" dirty="0">
-                          <a:latin typeface="Times New Roman" panose="02020603050405020304" pitchFamily="18" charset="0"/>
-                          <a:cs typeface="Times New Roman" panose="02020603050405020304" pitchFamily="18" charset="0"/>
-                        </a:rPr>
-                        <a:t>78000</a:t>
-                      </a:r>
-                    </a:p>
-                  </a:txBody>
-                  <a:tcPr/>
-                </a:tc>
-                <a:tc>
-                  <a:txBody>
-                    <a:bodyPr/>
-                    <a:lstStyle/>
-                    <a:p>
-                      <a:pPr algn="ctr"/>
-                      <a:r>
-                        <a:rPr lang="ru-RU" sz="1400" dirty="0">
-                          <a:latin typeface="Times New Roman" panose="02020603050405020304" pitchFamily="18" charset="0"/>
-                          <a:cs typeface="Times New Roman" panose="02020603050405020304" pitchFamily="18" charset="0"/>
-                        </a:rPr>
-                        <a:t>26000</a:t>
-                      </a:r>
-                    </a:p>
-                  </a:txBody>
-                  <a:tcPr/>
-                </a:tc>
-                <a:tc>
-                  <a:txBody>
-                    <a:bodyPr/>
-                    <a:lstStyle/>
-                    <a:p>
-                      <a:pPr algn="ctr"/>
-                      <a:r>
-                        <a:rPr lang="ru-RU" sz="1400" dirty="0">
-                          <a:latin typeface="Times New Roman" panose="02020603050405020304" pitchFamily="18" charset="0"/>
-                          <a:cs typeface="Times New Roman" panose="02020603050405020304" pitchFamily="18" charset="0"/>
-                        </a:rPr>
-                        <a:t>363</a:t>
-                      </a:r>
-                    </a:p>
-                  </a:txBody>
-                  <a:tcPr/>
-                </a:tc>
-                <a:tc>
-                  <a:txBody>
-                    <a:bodyPr/>
-                    <a:lstStyle/>
-                    <a:p>
-                      <a:pPr algn="ctr"/>
-                      <a:r>
-                        <a:rPr lang="ru-RU" sz="1400" dirty="0">
-                          <a:latin typeface="Times New Roman" panose="02020603050405020304" pitchFamily="18" charset="0"/>
-                          <a:cs typeface="Times New Roman" panose="02020603050405020304" pitchFamily="18" charset="0"/>
-                        </a:rPr>
-                        <a:t>65</a:t>
-                      </a:r>
-                    </a:p>
-                  </a:txBody>
-                  <a:tcPr/>
-                </a:tc>
-                <a:extLst>
-                  <a:ext uri="{0D108BD9-81ED-4DB2-BD59-A6C34878D82A}">
-                    <a16:rowId xmlns:a16="http://schemas.microsoft.com/office/drawing/2014/main" val="4086610400"/>
-                  </a:ext>
-                </a:extLst>
-              </a:tr>
-              <a:tr h="320276">
-                <a:tc>
-                  <a:txBody>
-                    <a:bodyPr/>
-                    <a:lstStyle/>
-                    <a:p>
-                      <a:pPr algn="ctr"/>
-                      <a:r>
-                        <a:rPr lang="ru-RU" sz="1400" b="1" dirty="0">
-                          <a:effectLst>
-                            <a:outerShdw blurRad="38100" dist="38100" dir="2700000" algn="tl">
-                              <a:srgbClr val="000000">
-                                <a:alpha val="43137"/>
-                              </a:srgbClr>
-                            </a:outerShdw>
-                          </a:effectLst>
-                          <a:latin typeface="Times New Roman" panose="02020603050405020304" pitchFamily="18" charset="0"/>
-                          <a:cs typeface="Times New Roman" panose="02020603050405020304" pitchFamily="18" charset="0"/>
-                        </a:rPr>
-                        <a:t>84000</a:t>
-                      </a:r>
-                    </a:p>
-                  </a:txBody>
-                  <a:tcPr/>
-                </a:tc>
-                <a:tc>
-                  <a:txBody>
-                    <a:bodyPr/>
-                    <a:lstStyle/>
-                    <a:p>
-                      <a:pPr algn="ctr"/>
-                      <a:r>
-                        <a:rPr lang="ru-RU" sz="1400" b="1" dirty="0">
-                          <a:effectLst>
-                            <a:outerShdw blurRad="38100" dist="38100" dir="2700000" algn="tl">
-                              <a:srgbClr val="000000">
-                                <a:alpha val="43137"/>
-                              </a:srgbClr>
-                            </a:outerShdw>
-                          </a:effectLst>
-                          <a:latin typeface="Times New Roman" panose="02020603050405020304" pitchFamily="18" charset="0"/>
-                          <a:cs typeface="Times New Roman" panose="02020603050405020304" pitchFamily="18" charset="0"/>
-                        </a:rPr>
-                        <a:t>28000</a:t>
-                      </a:r>
-                    </a:p>
-                  </a:txBody>
-                  <a:tcPr/>
-                </a:tc>
-                <a:tc>
-                  <a:txBody>
-                    <a:bodyPr/>
-                    <a:lstStyle/>
-                    <a:p>
-                      <a:pPr algn="ctr"/>
-                      <a:r>
-                        <a:rPr lang="ru-RU" sz="1400" b="1" i="0" dirty="0">
-                          <a:effectLst>
-                            <a:outerShdw blurRad="38100" dist="38100" dir="2700000" algn="tl">
-                              <a:srgbClr val="000000">
-                                <a:alpha val="43137"/>
-                              </a:srgbClr>
-                            </a:outerShdw>
-                          </a:effectLst>
-                          <a:latin typeface="Times New Roman" panose="02020603050405020304" pitchFamily="18" charset="0"/>
-                          <a:cs typeface="Times New Roman" panose="02020603050405020304" pitchFamily="18" charset="0"/>
-                        </a:rPr>
-                        <a:t>410</a:t>
-                      </a:r>
-                    </a:p>
-                  </a:txBody>
-                  <a:tcPr/>
-                </a:tc>
-                <a:tc>
-                  <a:txBody>
-                    <a:bodyPr/>
-                    <a:lstStyle/>
-                    <a:p>
-                      <a:pPr algn="ctr"/>
-                      <a:r>
-                        <a:rPr lang="ru-RU" sz="1400" b="1" i="0" dirty="0">
-                          <a:effectLst>
-                            <a:outerShdw blurRad="38100" dist="38100" dir="2700000" algn="tl">
-                              <a:srgbClr val="000000">
-                                <a:alpha val="43137"/>
-                              </a:srgbClr>
-                            </a:outerShdw>
-                          </a:effectLst>
-                          <a:latin typeface="Times New Roman" panose="02020603050405020304" pitchFamily="18" charset="0"/>
-                          <a:cs typeface="Times New Roman" panose="02020603050405020304" pitchFamily="18" charset="0"/>
-                        </a:rPr>
-                        <a:t>67</a:t>
-                      </a:r>
-                    </a:p>
-                  </a:txBody>
-                  <a:tcPr/>
-                </a:tc>
-                <a:extLst>
-                  <a:ext uri="{0D108BD9-81ED-4DB2-BD59-A6C34878D82A}">
-                    <a16:rowId xmlns:a16="http://schemas.microsoft.com/office/drawing/2014/main" val="3450142742"/>
-                  </a:ext>
-                </a:extLst>
-              </a:tr>
-            </a:tbl>
-          </a:graphicData>
-        </a:graphic>
-      </p:graphicFrame>
-      <p:graphicFrame>
-        <p:nvGraphicFramePr>
-          <p:cNvPr id="6" name="Объект 6">
-            <a:extLst>
-              <a:ext uri="{FF2B5EF4-FFF2-40B4-BE49-F238E27FC236}">
-                <a16:creationId xmlns:a16="http://schemas.microsoft.com/office/drawing/2014/main" id="{CAF88890-1DA0-46BF-86B5-ED73C2E86470}"/>
-              </a:ext>
-            </a:extLst>
-          </p:cNvPr>
-          <p:cNvGraphicFramePr>
-            <a:graphicFrameLocks noGrp="1"/>
-          </p:cNvGraphicFramePr>
-          <p:nvPr>
-            <p:ph idx="1"/>
-            <p:extLst>
-              <p:ext uri="{D42A27DB-BD31-4B8C-83A1-F6EECF244321}">
-                <p14:modId xmlns:p14="http://schemas.microsoft.com/office/powerpoint/2010/main" val="446043215"/>
-              </p:ext>
-            </p:extLst>
-          </p:nvPr>
-        </p:nvGraphicFramePr>
-        <p:xfrm>
-          <a:off x="5458752" y="1505120"/>
-          <a:ext cx="6303696" cy="2997207"/>
-        </p:xfrm>
-        <a:graphic>
-          <a:graphicData uri="http://schemas.openxmlformats.org/drawingml/2006/chart">
-            <c:chart xmlns:c="http://schemas.openxmlformats.org/drawingml/2006/chart" xmlns:r="http://schemas.openxmlformats.org/officeDocument/2006/relationships" r:id="rId2"/>
-          </a:graphicData>
-        </a:graphic>
-      </p:graphicFrame>
-      <p:sp>
-        <p:nvSpPr>
-          <p:cNvPr id="7" name="TextBox 6">
-            <a:extLst>
-              <a:ext uri="{FF2B5EF4-FFF2-40B4-BE49-F238E27FC236}">
-                <a16:creationId xmlns:a16="http://schemas.microsoft.com/office/drawing/2014/main" id="{B335FC82-21BD-4F9E-AE20-6A604256F518}"/>
-              </a:ext>
-            </a:extLst>
-          </p:cNvPr>
-          <p:cNvSpPr txBox="1"/>
+            <a:endParaRPr lang="ru-RU"/>
+          </a:p>
+        </p:txBody>
+      </p:sp>
+      <p:sp>
+        <p:nvSpPr>
+          <p:cNvPr id="8" name="Объект 2">
+            <a:extLst>
+              <a:ext uri="{FF2B5EF4-FFF2-40B4-BE49-F238E27FC236}">
+                <a16:creationId xmlns:a16="http://schemas.microsoft.com/office/drawing/2014/main" id="{8EF4E2A5-F9F7-41D0-B73D-DCFDAE9CF85C}"/>
+              </a:ext>
+            </a:extLst>
+          </p:cNvPr>
+          <p:cNvSpPr txBox="1">
+            <a:spLocks/>
+          </p:cNvSpPr>
           <p:nvPr/>
         </p:nvSpPr>
         <p:spPr>
           <a:xfrm>
-            <a:off x="5458752" y="4644509"/>
-            <a:ext cx="6096000" cy="1569660"/>
-          </a:xfrm>
-          <a:prstGeom prst="rect">
-            <a:avLst/>
-          </a:prstGeom>
-          <a:noFill/>
-        </p:spPr>
-        <p:txBody>
-          <a:bodyPr wrap="square">
-            <a:spAutoFit/>
-          </a:bodyPr>
-          <a:lstStyle/>
-          <a:p>
-            <a:pPr marL="285750" indent="-285750" algn="just">
-              <a:buFont typeface="Arial" panose="020B0604020202020204" pitchFamily="34" charset="0"/>
-              <a:buChar char="•"/>
-            </a:pPr>
-            <a:r>
-              <a:rPr lang="en-US" sz="2400" dirty="0">
-                <a:latin typeface="Times New Roman" panose="02020603050405020304" pitchFamily="18" charset="0"/>
-                <a:cs typeface="Times New Roman" panose="02020603050405020304" pitchFamily="18" charset="0"/>
-              </a:rPr>
-              <a:t>InfluxDB </a:t>
-            </a:r>
-            <a:r>
-              <a:rPr lang="ru-RU" sz="2400" dirty="0">
-                <a:latin typeface="Times New Roman" panose="02020603050405020304" pitchFamily="18" charset="0"/>
-                <a:cs typeface="Times New Roman" panose="02020603050405020304" pitchFamily="18" charset="0"/>
-              </a:rPr>
-              <a:t>в среднем в ≈ 4.53</a:t>
-            </a:r>
-            <a:r>
-              <a:rPr lang="en-US" sz="2400" dirty="0">
-                <a:latin typeface="Times New Roman" panose="02020603050405020304" pitchFamily="18" charset="0"/>
-                <a:cs typeface="Times New Roman" panose="02020603050405020304" pitchFamily="18" charset="0"/>
-              </a:rPr>
-              <a:t> </a:t>
-            </a:r>
-            <a:r>
-              <a:rPr lang="ru-RU" sz="2400" dirty="0">
-                <a:latin typeface="Times New Roman" panose="02020603050405020304" pitchFamily="18" charset="0"/>
-                <a:cs typeface="Times New Roman" panose="02020603050405020304" pitchFamily="18" charset="0"/>
-              </a:rPr>
-              <a:t>раза быстрее, чем </a:t>
-            </a:r>
-            <a:r>
-              <a:rPr lang="en-US" sz="2400" dirty="0">
-                <a:latin typeface="Times New Roman" panose="02020603050405020304" pitchFamily="18" charset="0"/>
-                <a:cs typeface="Times New Roman" panose="02020603050405020304" pitchFamily="18" charset="0"/>
-              </a:rPr>
-              <a:t>Postgres</a:t>
-            </a:r>
-            <a:r>
-              <a:rPr lang="ru-RU" sz="2400" dirty="0">
-                <a:latin typeface="Times New Roman" panose="02020603050405020304" pitchFamily="18" charset="0"/>
-                <a:cs typeface="Times New Roman" panose="02020603050405020304" pitchFamily="18" charset="0"/>
-              </a:rPr>
-              <a:t>,</a:t>
-            </a:r>
-          </a:p>
-          <a:p>
-            <a:pPr marL="285750" indent="-285750" algn="just">
-              <a:buFont typeface="Arial" panose="020B0604020202020204" pitchFamily="34" charset="0"/>
-              <a:buChar char="•"/>
-            </a:pPr>
-            <a:r>
-              <a:rPr lang="ru-RU" sz="2400" dirty="0">
-                <a:latin typeface="Times New Roman" panose="02020603050405020304" pitchFamily="18" charset="0"/>
-                <a:cs typeface="Times New Roman" panose="02020603050405020304" pitchFamily="18" charset="0"/>
-              </a:rPr>
-              <a:t>время исполнения запросов в </a:t>
-            </a:r>
-            <a:r>
-              <a:rPr lang="en-US" sz="2400" dirty="0">
-                <a:latin typeface="Times New Roman" panose="02020603050405020304" pitchFamily="18" charset="0"/>
-                <a:cs typeface="Times New Roman" panose="02020603050405020304" pitchFamily="18" charset="0"/>
-              </a:rPr>
-              <a:t>InfluxDB</a:t>
-            </a:r>
-            <a:r>
-              <a:rPr lang="ru-RU" sz="2400" dirty="0">
-                <a:latin typeface="Times New Roman" panose="02020603050405020304" pitchFamily="18" charset="0"/>
-                <a:cs typeface="Times New Roman" panose="02020603050405020304" pitchFamily="18" charset="0"/>
-              </a:rPr>
-              <a:t> примерно равно константе.</a:t>
-            </a:r>
-            <a:endParaRPr lang="en-US" sz="2400" dirty="0">
-              <a:latin typeface="Times New Roman" panose="02020603050405020304" pitchFamily="18" charset="0"/>
-              <a:cs typeface="Times New Roman" panose="02020603050405020304" pitchFamily="18" charset="0"/>
-            </a:endParaRPr>
-          </a:p>
-        </p:txBody>
-      </p:sp>
-    </p:spTree>
-    <p:extLst>
-      <p:ext uri="{BB962C8B-B14F-4D97-AF65-F5344CB8AC3E}">
-        <p14:creationId xmlns:p14="http://schemas.microsoft.com/office/powerpoint/2010/main" val="3699967751"/>
-      </p:ext>
-    </p:extLst>
-  </p:cSld>
-  <p:clrMapOvr>
-    <a:masterClrMapping/>
-  </p:clrMapOvr>
-</p:sld>
-</file>
-
-<file path=ppt/slides/slide11.xml><?xml version="1.0" encoding="utf-8"?>
-<p:sld xmlns:a="http://schemas.openxmlformats.org/drawingml/2006/main" xmlns:r="http://schemas.openxmlformats.org/officeDocument/2006/relationships" xmlns:p="http://schemas.openxmlformats.org/presentationml/2006/main">
-  <p:cSld>
-    <p:spTree>
-      <p:nvGrpSpPr>
-        <p:cNvPr id="1" name=""/>
-        <p:cNvGrpSpPr/>
-        <p:nvPr/>
-      </p:nvGrpSpPr>
-      <p:grpSpPr>
-        <a:xfrm>
-          <a:off x="0" y="0"/>
-          <a:ext cx="0" cy="0"/>
-          <a:chOff x="0" y="0"/>
-          <a:chExt cx="0" cy="0"/>
-        </a:xfrm>
-      </p:grpSpPr>
-      <p:sp>
-        <p:nvSpPr>
-          <p:cNvPr id="2" name="Заголовок 1">
-            <a:extLst>
-              <a:ext uri="{FF2B5EF4-FFF2-40B4-BE49-F238E27FC236}">
-                <a16:creationId xmlns:a16="http://schemas.microsoft.com/office/drawing/2014/main" id="{B54A88C3-336B-470E-87D7-33B1810DE79E}"/>
-              </a:ext>
-            </a:extLst>
-          </p:cNvPr>
-          <p:cNvSpPr>
-            <a:spLocks noGrp="1"/>
-          </p:cNvSpPr>
-          <p:nvPr>
-            <p:ph type="title"/>
-          </p:nvPr>
-        </p:nvSpPr>
-        <p:spPr/>
-        <p:txBody>
-          <a:bodyPr/>
-          <a:lstStyle/>
-          <a:p>
-            <a:r>
-              <a:rPr lang="ru-RU" dirty="0">
-                <a:latin typeface="Times New Roman" panose="02020603050405020304" pitchFamily="18" charset="0"/>
-                <a:cs typeface="Times New Roman" panose="02020603050405020304" pitchFamily="18" charset="0"/>
-              </a:rPr>
-              <a:t>Заключение</a:t>
-            </a:r>
-          </a:p>
-        </p:txBody>
-      </p:sp>
-      <p:sp>
-        <p:nvSpPr>
-          <p:cNvPr id="3" name="Объект 2">
-            <a:extLst>
-              <a:ext uri="{FF2B5EF4-FFF2-40B4-BE49-F238E27FC236}">
-                <a16:creationId xmlns:a16="http://schemas.microsoft.com/office/drawing/2014/main" id="{F44DCB31-FDE2-4937-B758-854EE86D248B}"/>
-              </a:ext>
-            </a:extLst>
-          </p:cNvPr>
-          <p:cNvSpPr>
-            <a:spLocks noGrp="1"/>
-          </p:cNvSpPr>
-          <p:nvPr>
-            <p:ph idx="1"/>
-          </p:nvPr>
-        </p:nvSpPr>
-        <p:spPr/>
-        <p:txBody>
-          <a:bodyPr>
-            <a:normAutofit/>
-          </a:bodyPr>
-          <a:lstStyle/>
-          <a:p>
-            <a:pPr marL="514350" indent="-514350">
-              <a:buFont typeface="+mj-lt"/>
-              <a:buAutoNum type="arabicParenR"/>
-            </a:pPr>
-            <a:r>
-              <a:rPr lang="ru-RU" dirty="0">
-                <a:latin typeface="Times New Roman" panose="02020603050405020304" pitchFamily="18" charset="0"/>
-                <a:cs typeface="Times New Roman" panose="02020603050405020304" pitchFamily="18" charset="0"/>
-              </a:rPr>
-              <a:t>был проведён анализ существующих решений в области определения усталости человека</a:t>
-            </a:r>
-            <a:r>
-              <a:rPr lang="en-US" dirty="0">
-                <a:latin typeface="Times New Roman" panose="02020603050405020304" pitchFamily="18" charset="0"/>
-                <a:cs typeface="Times New Roman" panose="02020603050405020304" pitchFamily="18" charset="0"/>
-              </a:rPr>
-              <a:t>;</a:t>
-            </a:r>
-          </a:p>
-          <a:p>
-            <a:pPr marL="514350" indent="-514350">
-              <a:buFont typeface="+mj-lt"/>
-              <a:buAutoNum type="arabicParenR"/>
-            </a:pPr>
-            <a:r>
-              <a:rPr lang="ru-RU" dirty="0">
-                <a:latin typeface="Times New Roman" panose="02020603050405020304" pitchFamily="18" charset="0"/>
-                <a:cs typeface="Times New Roman" panose="02020603050405020304" pitchFamily="18" charset="0"/>
-              </a:rPr>
-              <a:t>был проведён анализ действий и характеристик, позволяющих определить усталость пользователей АРМ</a:t>
-            </a:r>
-            <a:r>
-              <a:rPr lang="en-US" dirty="0">
-                <a:latin typeface="Times New Roman" panose="02020603050405020304" pitchFamily="18" charset="0"/>
-                <a:cs typeface="Times New Roman" panose="02020603050405020304" pitchFamily="18" charset="0"/>
-              </a:rPr>
-              <a:t>; </a:t>
-            </a:r>
-            <a:endParaRPr lang="ru-RU" dirty="0">
-              <a:latin typeface="Times New Roman" panose="02020603050405020304" pitchFamily="18" charset="0"/>
-              <a:cs typeface="Times New Roman" panose="02020603050405020304" pitchFamily="18" charset="0"/>
-            </a:endParaRPr>
-          </a:p>
-          <a:p>
-            <a:pPr marL="514350" indent="-514350">
-              <a:buFont typeface="+mj-lt"/>
-              <a:buAutoNum type="arabicParenR"/>
-            </a:pPr>
-            <a:r>
-              <a:rPr lang="ru-RU" dirty="0">
-                <a:latin typeface="Times New Roman" panose="02020603050405020304" pitchFamily="18" charset="0"/>
-                <a:cs typeface="Times New Roman" panose="02020603050405020304" pitchFamily="18" charset="0"/>
-              </a:rPr>
-              <a:t>была спроектирована база данных, необходимая для хранения и структурирования данных</a:t>
-            </a:r>
-            <a:r>
-              <a:rPr lang="en-US" dirty="0">
-                <a:latin typeface="Times New Roman" panose="02020603050405020304" pitchFamily="18" charset="0"/>
-                <a:cs typeface="Times New Roman" panose="02020603050405020304" pitchFamily="18" charset="0"/>
-              </a:rPr>
-              <a:t>;</a:t>
-            </a:r>
-          </a:p>
-          <a:p>
-            <a:pPr marL="514350" indent="-514350">
-              <a:buFont typeface="+mj-lt"/>
-              <a:buAutoNum type="arabicParenR"/>
-            </a:pPr>
-            <a:r>
-              <a:rPr lang="ru-RU" dirty="0">
-                <a:latin typeface="Times New Roman" panose="02020603050405020304" pitchFamily="18" charset="0"/>
-                <a:cs typeface="Times New Roman" panose="02020603050405020304" pitchFamily="18" charset="0"/>
-              </a:rPr>
-              <a:t>была разработана программа для взаимодействия с БД.</a:t>
-            </a:r>
-          </a:p>
-        </p:txBody>
-      </p:sp>
-      <p:sp>
-        <p:nvSpPr>
-          <p:cNvPr id="4" name="Номер слайда 3">
-            <a:extLst>
-              <a:ext uri="{FF2B5EF4-FFF2-40B4-BE49-F238E27FC236}">
-                <a16:creationId xmlns:a16="http://schemas.microsoft.com/office/drawing/2014/main" id="{9ABB4123-2EBD-4520-B6A2-7E5F54527018}"/>
-              </a:ext>
-            </a:extLst>
-          </p:cNvPr>
-          <p:cNvSpPr>
-            <a:spLocks noGrp="1"/>
-          </p:cNvSpPr>
-          <p:nvPr>
-            <p:ph type="sldNum" sz="quarter" idx="12"/>
-          </p:nvPr>
-        </p:nvSpPr>
-        <p:spPr/>
-        <p:txBody>
-          <a:bodyPr/>
-          <a:lstStyle/>
-          <a:p>
-            <a:fld id="{356812A1-C132-42AC-87BC-7262BD3AB593}" type="slidenum">
-              <a:rPr lang="ru-RU" smtClean="0"/>
-              <a:t>11</a:t>
-            </a:fld>
-            <a:endParaRPr lang="ru-RU"/>
-          </a:p>
-        </p:txBody>
-      </p:sp>
-    </p:spTree>
-    <p:extLst>
-      <p:ext uri="{BB962C8B-B14F-4D97-AF65-F5344CB8AC3E}">
-        <p14:creationId xmlns:p14="http://schemas.microsoft.com/office/powerpoint/2010/main" val="426884880"/>
-      </p:ext>
-    </p:extLst>
-  </p:cSld>
-  <p:clrMapOvr>
-    <a:masterClrMapping/>
-  </p:clrMapOvr>
-</p:sld>
-</file>
-
-<file path=ppt/slides/slide12.xml><?xml version="1.0" encoding="utf-8"?>
-<p:sld xmlns:a="http://schemas.openxmlformats.org/drawingml/2006/main" xmlns:r="http://schemas.openxmlformats.org/officeDocument/2006/relationships" xmlns:p="http://schemas.openxmlformats.org/presentationml/2006/main">
-  <p:cSld>
-    <p:spTree>
-      <p:nvGrpSpPr>
-        <p:cNvPr id="1" name=""/>
-        <p:cNvGrpSpPr/>
-        <p:nvPr/>
-      </p:nvGrpSpPr>
-      <p:grpSpPr>
-        <a:xfrm>
-          <a:off x="0" y="0"/>
-          <a:ext cx="0" cy="0"/>
-          <a:chOff x="0" y="0"/>
-          <a:chExt cx="0" cy="0"/>
-        </a:xfrm>
-      </p:grpSpPr>
-      <p:sp>
-        <p:nvSpPr>
-          <p:cNvPr id="2" name="Заголовок 1">
-            <a:extLst>
-              <a:ext uri="{FF2B5EF4-FFF2-40B4-BE49-F238E27FC236}">
-                <a16:creationId xmlns:a16="http://schemas.microsoft.com/office/drawing/2014/main" id="{E9D25172-127F-4FA5-8F22-F2A7D136426F}"/>
-              </a:ext>
-            </a:extLst>
-          </p:cNvPr>
-          <p:cNvSpPr>
-            <a:spLocks noGrp="1"/>
-          </p:cNvSpPr>
-          <p:nvPr>
-            <p:ph type="title"/>
-          </p:nvPr>
-        </p:nvSpPr>
-        <p:spPr>
-          <a:xfrm>
-            <a:off x="838200" y="5030787"/>
-            <a:ext cx="10515600" cy="1325563"/>
-          </a:xfrm>
-        </p:spPr>
-        <p:txBody>
-          <a:bodyPr>
-            <a:noAutofit/>
-          </a:bodyPr>
-          <a:lstStyle/>
-          <a:p>
-            <a:pPr algn="ctr"/>
-            <a:r>
-              <a:rPr lang="ru-RU" sz="2400" dirty="0">
-                <a:latin typeface="Times New Roman" panose="02020603050405020304" pitchFamily="18" charset="0"/>
-                <a:cs typeface="Times New Roman" panose="02020603050405020304" pitchFamily="18" charset="0"/>
-              </a:rPr>
-              <a:t>МОСКОВСКИЙ ГОСУДАРСТВЕННЫЙ ТЕХНИЧЕСКИЙ УНИВЕРСИТЕТ ИМЕНИ Н.Э. БАУМАНА (НАЦИОНАЛЬНЫЙ ИССЛЕДОВАТЕЛЬСКИЙ УНИВЕРСИТЕТ)</a:t>
-            </a:r>
-            <a:br>
-              <a:rPr lang="ru-RU" sz="2400" dirty="0">
-                <a:latin typeface="Times New Roman" panose="02020603050405020304" pitchFamily="18" charset="0"/>
-                <a:cs typeface="Times New Roman" panose="02020603050405020304" pitchFamily="18" charset="0"/>
-              </a:rPr>
-            </a:br>
-            <a:r>
-              <a:rPr lang="ru-RU" sz="2400" dirty="0">
-                <a:latin typeface="Times New Roman" panose="02020603050405020304" pitchFamily="18" charset="0"/>
-                <a:cs typeface="Times New Roman" panose="02020603050405020304" pitchFamily="18" charset="0"/>
-              </a:rPr>
-              <a:t>МОСКВА, 2021 ГОД</a:t>
-            </a:r>
-          </a:p>
-        </p:txBody>
-      </p:sp>
-      <p:sp>
-        <p:nvSpPr>
-          <p:cNvPr id="3" name="Номер слайда 2">
-            <a:extLst>
-              <a:ext uri="{FF2B5EF4-FFF2-40B4-BE49-F238E27FC236}">
-                <a16:creationId xmlns:a16="http://schemas.microsoft.com/office/drawing/2014/main" id="{D1332F86-AF33-45A4-86CF-C63944E1805F}"/>
-              </a:ext>
-            </a:extLst>
-          </p:cNvPr>
-          <p:cNvSpPr>
-            <a:spLocks noGrp="1"/>
-          </p:cNvSpPr>
-          <p:nvPr>
-            <p:ph type="sldNum" sz="quarter" idx="12"/>
-          </p:nvPr>
-        </p:nvSpPr>
-        <p:spPr/>
-        <p:txBody>
-          <a:bodyPr/>
-          <a:lstStyle/>
-          <a:p>
-            <a:fld id="{356812A1-C132-42AC-87BC-7262BD3AB593}" type="slidenum">
-              <a:rPr lang="ru-RU" smtClean="0"/>
-              <a:t>12</a:t>
-            </a:fld>
-            <a:endParaRPr lang="ru-RU"/>
-          </a:p>
-        </p:txBody>
-      </p:sp>
-    </p:spTree>
-    <p:extLst>
-      <p:ext uri="{BB962C8B-B14F-4D97-AF65-F5344CB8AC3E}">
-        <p14:creationId xmlns:p14="http://schemas.microsoft.com/office/powerpoint/2010/main" val="2438649874"/>
-      </p:ext>
-    </p:extLst>
-  </p:cSld>
-  <p:clrMapOvr>
-    <a:masterClrMapping/>
-  </p:clrMapOvr>
-</p:sld>
-</file>
-
-<file path=ppt/slides/slide2.xml><?xml version="1.0" encoding="utf-8"?>
-<p:sld xmlns:a="http://schemas.openxmlformats.org/drawingml/2006/main" xmlns:r="http://schemas.openxmlformats.org/officeDocument/2006/relationships" xmlns:p="http://schemas.openxmlformats.org/presentationml/2006/main">
-  <p:cSld>
-    <p:spTree>
-      <p:nvGrpSpPr>
-        <p:cNvPr id="1" name=""/>
-        <p:cNvGrpSpPr/>
-        <p:nvPr/>
-      </p:nvGrpSpPr>
-      <p:grpSpPr>
-        <a:xfrm>
-          <a:off x="0" y="0"/>
-          <a:ext cx="0" cy="0"/>
-          <a:chOff x="0" y="0"/>
-          <a:chExt cx="0" cy="0"/>
-        </a:xfrm>
-      </p:grpSpPr>
-      <p:sp>
-        <p:nvSpPr>
-          <p:cNvPr id="2" name="Заголовок 1">
-            <a:extLst>
-              <a:ext uri="{FF2B5EF4-FFF2-40B4-BE49-F238E27FC236}">
-                <a16:creationId xmlns:a16="http://schemas.microsoft.com/office/drawing/2014/main" id="{4657FF81-6D4A-4638-BC86-A0828019E589}"/>
-              </a:ext>
-            </a:extLst>
-          </p:cNvPr>
-          <p:cNvSpPr>
-            <a:spLocks noGrp="1"/>
-          </p:cNvSpPr>
-          <p:nvPr>
-            <p:ph type="title"/>
-          </p:nvPr>
-        </p:nvSpPr>
-        <p:spPr/>
-        <p:txBody>
-          <a:bodyPr/>
-          <a:lstStyle/>
-          <a:p>
-            <a:pPr algn="ctr"/>
-            <a:r>
-              <a:rPr lang="ru-RU" dirty="0">
-                <a:latin typeface="Times New Roman" panose="02020603050405020304" pitchFamily="18" charset="0"/>
-                <a:cs typeface="Times New Roman" panose="02020603050405020304" pitchFamily="18" charset="0"/>
-              </a:rPr>
-              <a:t>Цель и задачи</a:t>
-            </a:r>
-          </a:p>
-        </p:txBody>
-      </p:sp>
-      <p:sp>
-        <p:nvSpPr>
-          <p:cNvPr id="3" name="Объект 2">
-            <a:extLst>
-              <a:ext uri="{FF2B5EF4-FFF2-40B4-BE49-F238E27FC236}">
-                <a16:creationId xmlns:a16="http://schemas.microsoft.com/office/drawing/2014/main" id="{FDD43540-1B9B-4A74-801C-CD9551E40431}"/>
-              </a:ext>
-            </a:extLst>
-          </p:cNvPr>
-          <p:cNvSpPr>
-            <a:spLocks noGrp="1"/>
-          </p:cNvSpPr>
-          <p:nvPr>
-            <p:ph idx="1"/>
-          </p:nvPr>
-        </p:nvSpPr>
-        <p:spPr>
-          <a:xfrm>
-            <a:off x="838200" y="1690688"/>
-            <a:ext cx="10515600" cy="4802187"/>
-          </a:xfrm>
-        </p:spPr>
-        <p:txBody>
-          <a:bodyPr anchor="ctr">
-            <a:normAutofit/>
-          </a:bodyPr>
-          <a:lstStyle/>
-          <a:p>
-            <a:pPr marL="0" indent="0" algn="just">
-              <a:buNone/>
-            </a:pPr>
-            <a:r>
-              <a:rPr lang="ru-RU" sz="2400" dirty="0">
-                <a:latin typeface="Times New Roman" panose="02020603050405020304" pitchFamily="18" charset="0"/>
-                <a:cs typeface="Times New Roman" panose="02020603050405020304" pitchFamily="18" charset="0"/>
-              </a:rPr>
-              <a:t>Спроектировать и реализовать серверное приложение для доступа к базе данных, предназначенной для хранения информации о действиях и характеристиках, необходимых для определения усталости пользователей автоматизированного рабочего места (АРМ).</a:t>
-            </a:r>
-          </a:p>
-          <a:p>
-            <a:pPr marL="0" indent="0" algn="just">
-              <a:buNone/>
-            </a:pPr>
-            <a:endParaRPr lang="ru-RU" sz="2400" dirty="0">
-              <a:latin typeface="Times New Roman" panose="02020603050405020304" pitchFamily="18" charset="0"/>
-              <a:cs typeface="Times New Roman" panose="02020603050405020304" pitchFamily="18" charset="0"/>
-            </a:endParaRPr>
-          </a:p>
-          <a:p>
-            <a:pPr marL="0" indent="0" algn="just">
-              <a:buNone/>
-            </a:pPr>
-            <a:r>
-              <a:rPr lang="ru-RU" sz="2400" dirty="0">
-                <a:latin typeface="Times New Roman" panose="02020603050405020304" pitchFamily="18" charset="0"/>
-                <a:cs typeface="Times New Roman" panose="02020603050405020304" pitchFamily="18" charset="0"/>
-              </a:rPr>
-              <a:t>Для достижения поставленной цели потребуется:</a:t>
-            </a:r>
-          </a:p>
-          <a:p>
-            <a:pPr marL="514350" indent="-514350" algn="just">
-              <a:buFont typeface="+mj-lt"/>
-              <a:buAutoNum type="arabicParenR"/>
-            </a:pPr>
-            <a:r>
-              <a:rPr lang="ru-RU" sz="2400" dirty="0">
-                <a:latin typeface="Times New Roman" panose="02020603050405020304" pitchFamily="18" charset="0"/>
-                <a:cs typeface="Times New Roman" panose="02020603050405020304" pitchFamily="18" charset="0"/>
-              </a:rPr>
-              <a:t>формализовать задачу</a:t>
-            </a:r>
-            <a:r>
-              <a:rPr lang="en-US" sz="2400" dirty="0">
-                <a:latin typeface="Times New Roman" panose="02020603050405020304" pitchFamily="18" charset="0"/>
-                <a:cs typeface="Times New Roman" panose="02020603050405020304" pitchFamily="18" charset="0"/>
-              </a:rPr>
-              <a:t>;</a:t>
-            </a:r>
-          </a:p>
-          <a:p>
-            <a:pPr marL="514350" indent="-514350" algn="just">
-              <a:buFont typeface="+mj-lt"/>
-              <a:buAutoNum type="arabicParenR"/>
-            </a:pPr>
-            <a:r>
-              <a:rPr lang="ru-RU" sz="2400" dirty="0">
-                <a:latin typeface="Times New Roman" panose="02020603050405020304" pitchFamily="18" charset="0"/>
-                <a:cs typeface="Times New Roman" panose="02020603050405020304" pitchFamily="18" charset="0"/>
-              </a:rPr>
-              <a:t>определить требуемую функциональность</a:t>
-            </a:r>
-            <a:r>
-              <a:rPr lang="en-US" sz="2400" dirty="0">
-                <a:latin typeface="Times New Roman" panose="02020603050405020304" pitchFamily="18" charset="0"/>
-                <a:cs typeface="Times New Roman" panose="02020603050405020304" pitchFamily="18" charset="0"/>
-              </a:rPr>
-              <a:t>;</a:t>
-            </a:r>
-            <a:endParaRPr lang="ru-RU" sz="2400" dirty="0">
-              <a:latin typeface="Times New Roman" panose="02020603050405020304" pitchFamily="18" charset="0"/>
-              <a:cs typeface="Times New Roman" panose="02020603050405020304" pitchFamily="18" charset="0"/>
-            </a:endParaRPr>
-          </a:p>
-          <a:p>
-            <a:pPr marL="514350" indent="-514350" algn="just">
-              <a:buFont typeface="+mj-lt"/>
-              <a:buAutoNum type="arabicParenR"/>
-            </a:pPr>
-            <a:r>
-              <a:rPr lang="ru-RU" sz="2400" dirty="0">
-                <a:latin typeface="Times New Roman" panose="02020603050405020304" pitchFamily="18" charset="0"/>
-                <a:cs typeface="Times New Roman" panose="02020603050405020304" pitchFamily="18" charset="0"/>
-              </a:rPr>
-              <a:t>проанализировать существующие решения</a:t>
-            </a:r>
-            <a:r>
-              <a:rPr lang="en-US" sz="2400" dirty="0">
-                <a:latin typeface="Times New Roman" panose="02020603050405020304" pitchFamily="18" charset="0"/>
-                <a:cs typeface="Times New Roman" panose="02020603050405020304" pitchFamily="18" charset="0"/>
-              </a:rPr>
-              <a:t>;</a:t>
-            </a:r>
-          </a:p>
-          <a:p>
-            <a:pPr marL="514350" indent="-514350" algn="just">
-              <a:buFont typeface="+mj-lt"/>
-              <a:buAutoNum type="arabicParenR"/>
-            </a:pPr>
-            <a:r>
-              <a:rPr lang="ru-RU" sz="2400" dirty="0">
-                <a:latin typeface="Times New Roman" panose="02020603050405020304" pitchFamily="18" charset="0"/>
-                <a:cs typeface="Times New Roman" panose="02020603050405020304" pitchFamily="18" charset="0"/>
-              </a:rPr>
-              <a:t>описать протокол взаимодействия клиента и сервера</a:t>
-            </a:r>
-            <a:r>
-              <a:rPr lang="en-US" sz="2400" dirty="0">
-                <a:latin typeface="Times New Roman" panose="02020603050405020304" pitchFamily="18" charset="0"/>
-                <a:cs typeface="Times New Roman" panose="02020603050405020304" pitchFamily="18" charset="0"/>
-              </a:rPr>
-              <a:t>;</a:t>
-            </a:r>
-          </a:p>
-          <a:p>
-            <a:pPr marL="514350" indent="-514350" algn="just">
-              <a:buFont typeface="+mj-lt"/>
-              <a:buAutoNum type="arabicParenR"/>
-            </a:pPr>
-            <a:r>
-              <a:rPr lang="ru-RU" sz="2400" dirty="0">
-                <a:latin typeface="Times New Roman" panose="02020603050405020304" pitchFamily="18" charset="0"/>
-                <a:cs typeface="Times New Roman" panose="02020603050405020304" pitchFamily="18" charset="0"/>
-              </a:rPr>
-              <a:t>разработать приложение для решения поставленной цели.</a:t>
-            </a:r>
-          </a:p>
-        </p:txBody>
-      </p:sp>
-      <p:sp>
-        <p:nvSpPr>
-          <p:cNvPr id="5" name="Номер слайда 4">
-            <a:extLst>
-              <a:ext uri="{FF2B5EF4-FFF2-40B4-BE49-F238E27FC236}">
-                <a16:creationId xmlns:a16="http://schemas.microsoft.com/office/drawing/2014/main" id="{911599AE-B3EE-4F75-82FB-BC55E4531C36}"/>
-              </a:ext>
-            </a:extLst>
-          </p:cNvPr>
-          <p:cNvSpPr>
-            <a:spLocks noGrp="1"/>
-          </p:cNvSpPr>
-          <p:nvPr>
-            <p:ph type="sldNum" sz="quarter" idx="12"/>
-          </p:nvPr>
-        </p:nvSpPr>
-        <p:spPr/>
-        <p:txBody>
-          <a:bodyPr/>
-          <a:lstStyle/>
-          <a:p>
-            <a:fld id="{356812A1-C132-42AC-87BC-7262BD3AB593}" type="slidenum">
-              <a:rPr lang="ru-RU" smtClean="0"/>
-              <a:t>2</a:t>
-            </a:fld>
-            <a:endParaRPr lang="ru-RU"/>
-          </a:p>
-        </p:txBody>
-      </p:sp>
-    </p:spTree>
-    <p:extLst>
-      <p:ext uri="{BB962C8B-B14F-4D97-AF65-F5344CB8AC3E}">
-        <p14:creationId xmlns:p14="http://schemas.microsoft.com/office/powerpoint/2010/main" val="614119428"/>
-      </p:ext>
-    </p:extLst>
-  </p:cSld>
-  <p:clrMapOvr>
-    <a:masterClrMapping/>
-  </p:clrMapOvr>
-</p:sld>
-</file>
-
-<file path=ppt/slides/slide3.xml><?xml version="1.0" encoding="utf-8"?>
-<p:sld xmlns:a="http://schemas.openxmlformats.org/drawingml/2006/main" xmlns:r="http://schemas.openxmlformats.org/officeDocument/2006/relationships" xmlns:p="http://schemas.openxmlformats.org/presentationml/2006/main">
-  <p:cSld>
-    <p:spTree>
-      <p:nvGrpSpPr>
-        <p:cNvPr id="1" name=""/>
-        <p:cNvGrpSpPr/>
-        <p:nvPr/>
-      </p:nvGrpSpPr>
-      <p:grpSpPr>
-        <a:xfrm>
-          <a:off x="0" y="0"/>
-          <a:ext cx="0" cy="0"/>
-          <a:chOff x="0" y="0"/>
-          <a:chExt cx="0" cy="0"/>
-        </a:xfrm>
-      </p:grpSpPr>
-      <p:sp>
-        <p:nvSpPr>
-          <p:cNvPr id="2" name="Заголовок 1">
-            <a:extLst>
-              <a:ext uri="{FF2B5EF4-FFF2-40B4-BE49-F238E27FC236}">
-                <a16:creationId xmlns:a16="http://schemas.microsoft.com/office/drawing/2014/main" id="{12282183-8C79-48B4-ACCA-29F61EC95C08}"/>
-              </a:ext>
-            </a:extLst>
-          </p:cNvPr>
-          <p:cNvSpPr>
-            <a:spLocks noGrp="1"/>
-          </p:cNvSpPr>
-          <p:nvPr>
-            <p:ph type="title"/>
-          </p:nvPr>
-        </p:nvSpPr>
-        <p:spPr/>
-        <p:txBody>
-          <a:bodyPr/>
-          <a:lstStyle/>
-          <a:p>
-            <a:pPr algn="ctr"/>
-            <a:r>
-              <a:rPr lang="ru-RU" dirty="0">
-                <a:latin typeface="Times New Roman" panose="02020603050405020304" pitchFamily="18" charset="0"/>
-                <a:cs typeface="Times New Roman" panose="02020603050405020304" pitchFamily="18" charset="0"/>
-              </a:rPr>
-              <a:t>Существующие решения</a:t>
-            </a:r>
-          </a:p>
-        </p:txBody>
-      </p:sp>
-      <p:sp>
-        <p:nvSpPr>
-          <p:cNvPr id="4" name="Номер слайда 3">
-            <a:extLst>
-              <a:ext uri="{FF2B5EF4-FFF2-40B4-BE49-F238E27FC236}">
-                <a16:creationId xmlns:a16="http://schemas.microsoft.com/office/drawing/2014/main" id="{8323610E-C707-4F7D-AF57-1BCE159B30BA}"/>
-              </a:ext>
-            </a:extLst>
-          </p:cNvPr>
-          <p:cNvSpPr>
-            <a:spLocks noGrp="1"/>
-          </p:cNvSpPr>
-          <p:nvPr>
-            <p:ph type="sldNum" sz="quarter" idx="12"/>
-          </p:nvPr>
-        </p:nvSpPr>
-        <p:spPr/>
-        <p:txBody>
-          <a:bodyPr/>
-          <a:lstStyle/>
-          <a:p>
-            <a:fld id="{356812A1-C132-42AC-87BC-7262BD3AB593}" type="slidenum">
-              <a:rPr lang="ru-RU" smtClean="0"/>
-              <a:t>3</a:t>
-            </a:fld>
-            <a:endParaRPr lang="ru-RU"/>
-          </a:p>
-        </p:txBody>
-      </p:sp>
-      <p:pic>
-        <p:nvPicPr>
-          <p:cNvPr id="8" name="Рисунок 7">
-            <a:extLst>
-              <a:ext uri="{FF2B5EF4-FFF2-40B4-BE49-F238E27FC236}">
-                <a16:creationId xmlns:a16="http://schemas.microsoft.com/office/drawing/2014/main" id="{E2AD21CC-C61D-4771-AFB8-2A40E9BD703C}"/>
-              </a:ext>
-            </a:extLst>
-          </p:cNvPr>
-          <p:cNvPicPr>
-            <a:picLocks noChangeAspect="1"/>
-          </p:cNvPicPr>
-          <p:nvPr/>
-        </p:nvPicPr>
-        <p:blipFill rotWithShape="1">
-          <a:blip r:embed="rId2"/>
-          <a:srcRect r="26684" b="36721"/>
-          <a:stretch/>
-        </p:blipFill>
-        <p:spPr>
-          <a:xfrm>
-            <a:off x="6362153" y="1611752"/>
-            <a:ext cx="4991647" cy="1376019"/>
+            <a:off x="838199" y="4525564"/>
+            <a:ext cx="8038763" cy="1512152"/>
           </a:xfrm>
           <a:prstGeom prst="rect">
             <a:avLst/>
           </a:prstGeom>
         </p:spPr>
-      </p:pic>
-      <p:sp>
-        <p:nvSpPr>
-          <p:cNvPr id="11" name="Объект 2">
-            <a:extLst>
-              <a:ext uri="{FF2B5EF4-FFF2-40B4-BE49-F238E27FC236}">
-                <a16:creationId xmlns:a16="http://schemas.microsoft.com/office/drawing/2014/main" id="{410BA931-50D8-4ADC-915E-109DA0156C43}"/>
-              </a:ext>
-            </a:extLst>
-          </p:cNvPr>
-          <p:cNvSpPr txBox="1">
-            <a:spLocks/>
-          </p:cNvSpPr>
-          <p:nvPr/>
-        </p:nvSpPr>
-        <p:spPr>
-          <a:xfrm>
-            <a:off x="990600" y="1611752"/>
-            <a:ext cx="5371553" cy="1444627"/>
-          </a:xfrm>
-          <a:prstGeom prst="rect">
-            <a:avLst/>
-          </a:prstGeom>
-        </p:spPr>
         <p:txBody>
           <a:bodyPr vert="horz" lIns="91440" tIns="45720" rIns="91440" bIns="45720" rtlCol="0">
-            <a:normAutofit fontScale="85000" lnSpcReduction="20000"/>
+            <a:normAutofit/>
           </a:bodyPr>
           <a:lstStyle>
             <a:lvl1pPr marL="228600" indent="-228600" algn="l" defTabSz="914400" rtl="0" eaLnBrk="1" latinLnBrk="0" hangingPunct="1">
@@ -7239,67 +4147,1861 @@
             </a:lvl9pPr>
           </a:lstStyle>
           <a:p>
+            <a:pPr marL="0" indent="0">
+              <a:buFont typeface="Arial" panose="020B0604020202020204" pitchFamily="34" charset="0"/>
+              <a:buNone/>
+            </a:pPr>
+            <a:endParaRPr lang="ru-RU" dirty="0"/>
+          </a:p>
+        </p:txBody>
+      </p:sp>
+      <p:pic>
+        <p:nvPicPr>
+          <p:cNvPr id="5" name="Рисунок 4">
+            <a:extLst>
+              <a:ext uri="{FF2B5EF4-FFF2-40B4-BE49-F238E27FC236}">
+                <a16:creationId xmlns:a16="http://schemas.microsoft.com/office/drawing/2014/main" id="{8F26BB34-EE31-4633-8E69-19250653B7A7}"/>
+              </a:ext>
+            </a:extLst>
+          </p:cNvPr>
+          <p:cNvPicPr>
+            <a:picLocks noChangeAspect="1"/>
+          </p:cNvPicPr>
+          <p:nvPr/>
+        </p:nvPicPr>
+        <p:blipFill>
+          <a:blip r:embed="rId2">
+            <a:extLst>
+              <a:ext uri="{28A0092B-C50C-407E-A947-70E740481C1C}">
+                <a14:useLocalDpi xmlns:a14="http://schemas.microsoft.com/office/drawing/2010/main" val="0"/>
+              </a:ext>
+            </a:extLst>
+          </a:blip>
+          <a:stretch>
+            <a:fillRect/>
+          </a:stretch>
+        </p:blipFill>
+        <p:spPr>
+          <a:xfrm>
+            <a:off x="1248291" y="1367941"/>
+            <a:ext cx="3554297" cy="5184089"/>
+          </a:xfrm>
+          <a:prstGeom prst="rect">
+            <a:avLst/>
+          </a:prstGeom>
+        </p:spPr>
+      </p:pic>
+      <p:pic>
+        <p:nvPicPr>
+          <p:cNvPr id="7" name="Рисунок 6">
+            <a:extLst>
+              <a:ext uri="{FF2B5EF4-FFF2-40B4-BE49-F238E27FC236}">
+                <a16:creationId xmlns:a16="http://schemas.microsoft.com/office/drawing/2014/main" id="{4658C7A1-628E-45A9-9B18-A7CF5A839346}"/>
+              </a:ext>
+            </a:extLst>
+          </p:cNvPr>
+          <p:cNvPicPr>
+            <a:picLocks noChangeAspect="1"/>
+          </p:cNvPicPr>
+          <p:nvPr/>
+        </p:nvPicPr>
+        <p:blipFill>
+          <a:blip r:embed="rId3">
+            <a:extLst>
+              <a:ext uri="{28A0092B-C50C-407E-A947-70E740481C1C}">
+                <a14:useLocalDpi xmlns:a14="http://schemas.microsoft.com/office/drawing/2010/main" val="0"/>
+              </a:ext>
+            </a:extLst>
+          </a:blip>
+          <a:stretch>
+            <a:fillRect/>
+          </a:stretch>
+        </p:blipFill>
+        <p:spPr>
+          <a:xfrm>
+            <a:off x="5629245" y="1367942"/>
+            <a:ext cx="5314464" cy="5124933"/>
+          </a:xfrm>
+          <a:prstGeom prst="rect">
+            <a:avLst/>
+          </a:prstGeom>
+        </p:spPr>
+      </p:pic>
+    </p:spTree>
+    <p:extLst>
+      <p:ext uri="{BB962C8B-B14F-4D97-AF65-F5344CB8AC3E}">
+        <p14:creationId xmlns:p14="http://schemas.microsoft.com/office/powerpoint/2010/main" val="3574763655"/>
+      </p:ext>
+    </p:extLst>
+  </p:cSld>
+  <p:clrMapOvr>
+    <a:masterClrMapping/>
+  </p:clrMapOvr>
+</p:sld>
+</file>
+
+<file path=ppt/slides/slide11.xml><?xml version="1.0" encoding="utf-8"?>
+<p:sld xmlns:a="http://schemas.openxmlformats.org/drawingml/2006/main" xmlns:r="http://schemas.openxmlformats.org/officeDocument/2006/relationships" xmlns:p="http://schemas.openxmlformats.org/presentationml/2006/main">
+  <p:cSld>
+    <p:spTree>
+      <p:nvGrpSpPr>
+        <p:cNvPr id="1" name=""/>
+        <p:cNvGrpSpPr/>
+        <p:nvPr/>
+      </p:nvGrpSpPr>
+      <p:grpSpPr>
+        <a:xfrm>
+          <a:off x="0" y="0"/>
+          <a:ext cx="0" cy="0"/>
+          <a:chOff x="0" y="0"/>
+          <a:chExt cx="0" cy="0"/>
+        </a:xfrm>
+      </p:grpSpPr>
+      <p:sp>
+        <p:nvSpPr>
+          <p:cNvPr id="2" name="Заголовок 1">
+            <a:extLst>
+              <a:ext uri="{FF2B5EF4-FFF2-40B4-BE49-F238E27FC236}">
+                <a16:creationId xmlns:a16="http://schemas.microsoft.com/office/drawing/2014/main" id="{E7D3F968-33A2-4E4B-9105-AFAA6F76252E}"/>
+              </a:ext>
+            </a:extLst>
+          </p:cNvPr>
+          <p:cNvSpPr>
+            <a:spLocks noGrp="1"/>
+          </p:cNvSpPr>
+          <p:nvPr>
+            <p:ph type="title"/>
+          </p:nvPr>
+        </p:nvSpPr>
+        <p:spPr>
+          <a:xfrm>
+            <a:off x="838199" y="152428"/>
+            <a:ext cx="10515600" cy="1325563"/>
+          </a:xfrm>
+        </p:spPr>
+        <p:txBody>
+          <a:bodyPr/>
+          <a:lstStyle/>
+          <a:p>
+            <a:pPr algn="ctr"/>
+            <a:r>
+              <a:rPr lang="ru-RU" dirty="0">
+                <a:latin typeface="Times New Roman" panose="02020603050405020304" pitchFamily="18" charset="0"/>
+                <a:cs typeface="Times New Roman" panose="02020603050405020304" pitchFamily="18" charset="0"/>
+              </a:rPr>
+              <a:t>Пример работы</a:t>
+            </a:r>
+          </a:p>
+        </p:txBody>
+      </p:sp>
+      <p:sp>
+        <p:nvSpPr>
+          <p:cNvPr id="4" name="Номер слайда 3">
+            <a:extLst>
+              <a:ext uri="{FF2B5EF4-FFF2-40B4-BE49-F238E27FC236}">
+                <a16:creationId xmlns:a16="http://schemas.microsoft.com/office/drawing/2014/main" id="{5E78739E-0F5D-41FA-922D-5101DAF64E6F}"/>
+              </a:ext>
+            </a:extLst>
+          </p:cNvPr>
+          <p:cNvSpPr>
+            <a:spLocks noGrp="1"/>
+          </p:cNvSpPr>
+          <p:nvPr>
+            <p:ph type="sldNum" sz="quarter" idx="12"/>
+          </p:nvPr>
+        </p:nvSpPr>
+        <p:spPr/>
+        <p:txBody>
+          <a:bodyPr/>
+          <a:lstStyle/>
+          <a:p>
+            <a:fld id="{356812A1-C132-42AC-87BC-7262BD3AB593}" type="slidenum">
+              <a:rPr lang="ru-RU" smtClean="0"/>
+              <a:t>11</a:t>
+            </a:fld>
+            <a:endParaRPr lang="ru-RU"/>
+          </a:p>
+        </p:txBody>
+      </p:sp>
+      <p:sp>
+        <p:nvSpPr>
+          <p:cNvPr id="8" name="Объект 2">
+            <a:extLst>
+              <a:ext uri="{FF2B5EF4-FFF2-40B4-BE49-F238E27FC236}">
+                <a16:creationId xmlns:a16="http://schemas.microsoft.com/office/drawing/2014/main" id="{8EF4E2A5-F9F7-41D0-B73D-DCFDAE9CF85C}"/>
+              </a:ext>
+            </a:extLst>
+          </p:cNvPr>
+          <p:cNvSpPr txBox="1">
+            <a:spLocks/>
+          </p:cNvSpPr>
+          <p:nvPr/>
+        </p:nvSpPr>
+        <p:spPr>
+          <a:xfrm>
+            <a:off x="838199" y="4525564"/>
+            <a:ext cx="8038763" cy="1512152"/>
+          </a:xfrm>
+          <a:prstGeom prst="rect">
+            <a:avLst/>
+          </a:prstGeom>
+        </p:spPr>
+        <p:txBody>
+          <a:bodyPr vert="horz" lIns="91440" tIns="45720" rIns="91440" bIns="45720" rtlCol="0">
+            <a:normAutofit/>
+          </a:bodyPr>
+          <a:lstStyle>
+            <a:lvl1pPr marL="228600" indent="-228600" algn="l" defTabSz="914400" rtl="0" eaLnBrk="1" latinLnBrk="0" hangingPunct="1">
+              <a:lnSpc>
+                <a:spcPct val="90000"/>
+              </a:lnSpc>
+              <a:spcBef>
+                <a:spcPts val="1000"/>
+              </a:spcBef>
+              <a:buFont typeface="Arial" panose="020B0604020202020204" pitchFamily="34" charset="0"/>
+              <a:buChar char="•"/>
+              <a:defRPr sz="2800" kern="1200">
+                <a:solidFill>
+                  <a:schemeClr val="tx1"/>
+                </a:solidFill>
+                <a:latin typeface="+mn-lt"/>
+                <a:ea typeface="+mn-ea"/>
+                <a:cs typeface="+mn-cs"/>
+              </a:defRPr>
+            </a:lvl1pPr>
+            <a:lvl2pPr marL="685800" indent="-228600" algn="l" defTabSz="914400" rtl="0" eaLnBrk="1" latinLnBrk="0" hangingPunct="1">
+              <a:lnSpc>
+                <a:spcPct val="90000"/>
+              </a:lnSpc>
+              <a:spcBef>
+                <a:spcPts val="500"/>
+              </a:spcBef>
+              <a:buFont typeface="Arial" panose="020B0604020202020204" pitchFamily="34" charset="0"/>
+              <a:buChar char="•"/>
+              <a:defRPr sz="2400" kern="1200">
+                <a:solidFill>
+                  <a:schemeClr val="tx1"/>
+                </a:solidFill>
+                <a:latin typeface="+mn-lt"/>
+                <a:ea typeface="+mn-ea"/>
+                <a:cs typeface="+mn-cs"/>
+              </a:defRPr>
+            </a:lvl2pPr>
+            <a:lvl3pPr marL="1143000" indent="-228600" algn="l" defTabSz="914400" rtl="0" eaLnBrk="1" latinLnBrk="0" hangingPunct="1">
+              <a:lnSpc>
+                <a:spcPct val="90000"/>
+              </a:lnSpc>
+              <a:spcBef>
+                <a:spcPts val="500"/>
+              </a:spcBef>
+              <a:buFont typeface="Arial" panose="020B0604020202020204" pitchFamily="34" charset="0"/>
+              <a:buChar char="•"/>
+              <a:defRPr sz="2000" kern="1200">
+                <a:solidFill>
+                  <a:schemeClr val="tx1"/>
+                </a:solidFill>
+                <a:latin typeface="+mn-lt"/>
+                <a:ea typeface="+mn-ea"/>
+                <a:cs typeface="+mn-cs"/>
+              </a:defRPr>
+            </a:lvl3pPr>
+            <a:lvl4pPr marL="1600200" indent="-228600" algn="l" defTabSz="914400" rtl="0" eaLnBrk="1" latinLnBrk="0" hangingPunct="1">
+              <a:lnSpc>
+                <a:spcPct val="90000"/>
+              </a:lnSpc>
+              <a:spcBef>
+                <a:spcPts val="500"/>
+              </a:spcBef>
+              <a:buFont typeface="Arial" panose="020B0604020202020204" pitchFamily="34" charset="0"/>
+              <a:buChar char="•"/>
+              <a:defRPr sz="1800" kern="1200">
+                <a:solidFill>
+                  <a:schemeClr val="tx1"/>
+                </a:solidFill>
+                <a:latin typeface="+mn-lt"/>
+                <a:ea typeface="+mn-ea"/>
+                <a:cs typeface="+mn-cs"/>
+              </a:defRPr>
+            </a:lvl4pPr>
+            <a:lvl5pPr marL="2057400" indent="-228600" algn="l" defTabSz="914400" rtl="0" eaLnBrk="1" latinLnBrk="0" hangingPunct="1">
+              <a:lnSpc>
+                <a:spcPct val="90000"/>
+              </a:lnSpc>
+              <a:spcBef>
+                <a:spcPts val="500"/>
+              </a:spcBef>
+              <a:buFont typeface="Arial" panose="020B0604020202020204" pitchFamily="34" charset="0"/>
+              <a:buChar char="•"/>
+              <a:defRPr sz="1800" kern="1200">
+                <a:solidFill>
+                  <a:schemeClr val="tx1"/>
+                </a:solidFill>
+                <a:latin typeface="+mn-lt"/>
+                <a:ea typeface="+mn-ea"/>
+                <a:cs typeface="+mn-cs"/>
+              </a:defRPr>
+            </a:lvl5pPr>
+            <a:lvl6pPr marL="2514600" indent="-228600" algn="l" defTabSz="914400" rtl="0" eaLnBrk="1" latinLnBrk="0" hangingPunct="1">
+              <a:lnSpc>
+                <a:spcPct val="90000"/>
+              </a:lnSpc>
+              <a:spcBef>
+                <a:spcPts val="500"/>
+              </a:spcBef>
+              <a:buFont typeface="Arial" panose="020B0604020202020204" pitchFamily="34" charset="0"/>
+              <a:buChar char="•"/>
+              <a:defRPr sz="1800" kern="1200">
+                <a:solidFill>
+                  <a:schemeClr val="tx1"/>
+                </a:solidFill>
+                <a:latin typeface="+mn-lt"/>
+                <a:ea typeface="+mn-ea"/>
+                <a:cs typeface="+mn-cs"/>
+              </a:defRPr>
+            </a:lvl6pPr>
+            <a:lvl7pPr marL="2971800" indent="-228600" algn="l" defTabSz="914400" rtl="0" eaLnBrk="1" latinLnBrk="0" hangingPunct="1">
+              <a:lnSpc>
+                <a:spcPct val="90000"/>
+              </a:lnSpc>
+              <a:spcBef>
+                <a:spcPts val="500"/>
+              </a:spcBef>
+              <a:buFont typeface="Arial" panose="020B0604020202020204" pitchFamily="34" charset="0"/>
+              <a:buChar char="•"/>
+              <a:defRPr sz="1800" kern="1200">
+                <a:solidFill>
+                  <a:schemeClr val="tx1"/>
+                </a:solidFill>
+                <a:latin typeface="+mn-lt"/>
+                <a:ea typeface="+mn-ea"/>
+                <a:cs typeface="+mn-cs"/>
+              </a:defRPr>
+            </a:lvl7pPr>
+            <a:lvl8pPr marL="3429000" indent="-228600" algn="l" defTabSz="914400" rtl="0" eaLnBrk="1" latinLnBrk="0" hangingPunct="1">
+              <a:lnSpc>
+                <a:spcPct val="90000"/>
+              </a:lnSpc>
+              <a:spcBef>
+                <a:spcPts val="500"/>
+              </a:spcBef>
+              <a:buFont typeface="Arial" panose="020B0604020202020204" pitchFamily="34" charset="0"/>
+              <a:buChar char="•"/>
+              <a:defRPr sz="1800" kern="1200">
+                <a:solidFill>
+                  <a:schemeClr val="tx1"/>
+                </a:solidFill>
+                <a:latin typeface="+mn-lt"/>
+                <a:ea typeface="+mn-ea"/>
+                <a:cs typeface="+mn-cs"/>
+              </a:defRPr>
+            </a:lvl8pPr>
+            <a:lvl9pPr marL="3886200" indent="-228600" algn="l" defTabSz="914400" rtl="0" eaLnBrk="1" latinLnBrk="0" hangingPunct="1">
+              <a:lnSpc>
+                <a:spcPct val="90000"/>
+              </a:lnSpc>
+              <a:spcBef>
+                <a:spcPts val="500"/>
+              </a:spcBef>
+              <a:buFont typeface="Arial" panose="020B0604020202020204" pitchFamily="34" charset="0"/>
+              <a:buChar char="•"/>
+              <a:defRPr sz="1800" kern="1200">
+                <a:solidFill>
+                  <a:schemeClr val="tx1"/>
+                </a:solidFill>
+                <a:latin typeface="+mn-lt"/>
+                <a:ea typeface="+mn-ea"/>
+                <a:cs typeface="+mn-cs"/>
+              </a:defRPr>
+            </a:lvl9pPr>
+          </a:lstStyle>
+          <a:p>
+            <a:pPr marL="0" indent="0">
+              <a:buFont typeface="Arial" panose="020B0604020202020204" pitchFamily="34" charset="0"/>
+              <a:buNone/>
+            </a:pPr>
+            <a:endParaRPr lang="ru-RU" dirty="0"/>
+          </a:p>
+        </p:txBody>
+      </p:sp>
+      <p:sp>
+        <p:nvSpPr>
+          <p:cNvPr id="9" name="Объект 2">
+            <a:extLst>
+              <a:ext uri="{FF2B5EF4-FFF2-40B4-BE49-F238E27FC236}">
+                <a16:creationId xmlns:a16="http://schemas.microsoft.com/office/drawing/2014/main" id="{AF7943D8-E723-4E83-8F76-1B533674BB26}"/>
+              </a:ext>
+            </a:extLst>
+          </p:cNvPr>
+          <p:cNvSpPr>
+            <a:spLocks noGrp="1"/>
+          </p:cNvSpPr>
+          <p:nvPr>
+            <p:ph idx="1"/>
+          </p:nvPr>
+        </p:nvSpPr>
+        <p:spPr>
+          <a:xfrm>
+            <a:off x="838199" y="1390791"/>
+            <a:ext cx="10781090" cy="1325564"/>
+          </a:xfrm>
+        </p:spPr>
+        <p:txBody>
+          <a:bodyPr>
+            <a:normAutofit/>
+          </a:bodyPr>
+          <a:lstStyle/>
+          <a:p>
+            <a:pPr marL="0" indent="0" algn="just">
+              <a:buNone/>
+            </a:pPr>
+            <a:r>
+              <a:rPr lang="ru-RU" dirty="0">
+                <a:latin typeface="Times New Roman" panose="02020603050405020304" pitchFamily="18" charset="0"/>
+                <a:cs typeface="Times New Roman" panose="02020603050405020304" pitchFamily="18" charset="0"/>
+              </a:rPr>
+              <a:t>В примере рассматривается вариант отправки клиентом на сервер некоторых характеристик пользователя.</a:t>
+            </a:r>
+            <a:endParaRPr lang="en-US" dirty="0">
+              <a:latin typeface="Times New Roman" panose="02020603050405020304" pitchFamily="18" charset="0"/>
+              <a:cs typeface="Times New Roman" panose="02020603050405020304" pitchFamily="18" charset="0"/>
+            </a:endParaRPr>
+          </a:p>
+          <a:p>
+            <a:pPr marL="0" indent="0" algn="just">
+              <a:buNone/>
+            </a:pPr>
+            <a:endParaRPr lang="ru-RU" dirty="0">
+              <a:latin typeface="Times New Roman" panose="02020603050405020304" pitchFamily="18" charset="0"/>
+              <a:cs typeface="Times New Roman" panose="02020603050405020304" pitchFamily="18" charset="0"/>
+            </a:endParaRPr>
+          </a:p>
+        </p:txBody>
+      </p:sp>
+      <p:pic>
+        <p:nvPicPr>
+          <p:cNvPr id="6" name="Рисунок 5">
+            <a:extLst>
+              <a:ext uri="{FF2B5EF4-FFF2-40B4-BE49-F238E27FC236}">
+                <a16:creationId xmlns:a16="http://schemas.microsoft.com/office/drawing/2014/main" id="{80B2D6DF-272A-47A1-AC66-6EB2F511612D}"/>
+              </a:ext>
+            </a:extLst>
+          </p:cNvPr>
+          <p:cNvPicPr>
+            <a:picLocks noChangeAspect="1"/>
+          </p:cNvPicPr>
+          <p:nvPr/>
+        </p:nvPicPr>
+        <p:blipFill>
+          <a:blip r:embed="rId2">
+            <a:extLst>
+              <a:ext uri="{28A0092B-C50C-407E-A947-70E740481C1C}">
+                <a14:useLocalDpi xmlns:a14="http://schemas.microsoft.com/office/drawing/2010/main" val="0"/>
+              </a:ext>
+            </a:extLst>
+          </a:blip>
+          <a:stretch>
+            <a:fillRect/>
+          </a:stretch>
+        </p:blipFill>
+        <p:spPr>
+          <a:xfrm>
+            <a:off x="5844209" y="3600174"/>
+            <a:ext cx="6359154" cy="2437542"/>
+          </a:xfrm>
+          <a:prstGeom prst="rect">
+            <a:avLst/>
+          </a:prstGeom>
+        </p:spPr>
+      </p:pic>
+      <p:pic>
+        <p:nvPicPr>
+          <p:cNvPr id="11" name="Рисунок 10">
+            <a:extLst>
+              <a:ext uri="{FF2B5EF4-FFF2-40B4-BE49-F238E27FC236}">
+                <a16:creationId xmlns:a16="http://schemas.microsoft.com/office/drawing/2014/main" id="{B9A81E19-E934-4246-BC85-93461357F111}"/>
+              </a:ext>
+            </a:extLst>
+          </p:cNvPr>
+          <p:cNvPicPr>
+            <a:picLocks noChangeAspect="1"/>
+          </p:cNvPicPr>
+          <p:nvPr/>
+        </p:nvPicPr>
+        <p:blipFill>
+          <a:blip r:embed="rId3">
+            <a:extLst>
+              <a:ext uri="{28A0092B-C50C-407E-A947-70E740481C1C}">
+                <a14:useLocalDpi xmlns:a14="http://schemas.microsoft.com/office/drawing/2010/main" val="0"/>
+              </a:ext>
+            </a:extLst>
+          </a:blip>
+          <a:stretch>
+            <a:fillRect/>
+          </a:stretch>
+        </p:blipFill>
+        <p:spPr>
+          <a:xfrm>
+            <a:off x="0" y="3600174"/>
+            <a:ext cx="5701085" cy="2437542"/>
+          </a:xfrm>
+          <a:prstGeom prst="rect">
+            <a:avLst/>
+          </a:prstGeom>
+        </p:spPr>
+      </p:pic>
+      <p:sp>
+        <p:nvSpPr>
+          <p:cNvPr id="12" name="Объект 2">
+            <a:extLst>
+              <a:ext uri="{FF2B5EF4-FFF2-40B4-BE49-F238E27FC236}">
+                <a16:creationId xmlns:a16="http://schemas.microsoft.com/office/drawing/2014/main" id="{CAF32F82-BBC9-40B4-8606-8DCBDD2F4AB5}"/>
+              </a:ext>
+            </a:extLst>
+          </p:cNvPr>
+          <p:cNvSpPr txBox="1">
+            <a:spLocks/>
+          </p:cNvSpPr>
+          <p:nvPr/>
+        </p:nvSpPr>
+        <p:spPr>
+          <a:xfrm>
+            <a:off x="0" y="2759103"/>
+            <a:ext cx="5782944" cy="827900"/>
+          </a:xfrm>
+          <a:prstGeom prst="rect">
+            <a:avLst/>
+          </a:prstGeom>
+        </p:spPr>
+        <p:txBody>
+          <a:bodyPr vert="horz" lIns="91440" tIns="45720" rIns="91440" bIns="45720" rtlCol="0">
+            <a:normAutofit lnSpcReduction="10000"/>
+          </a:bodyPr>
+          <a:lstStyle>
+            <a:lvl1pPr marL="228600" indent="-228600" algn="l" defTabSz="914400" rtl="0" eaLnBrk="1" latinLnBrk="0" hangingPunct="1">
+              <a:lnSpc>
+                <a:spcPct val="90000"/>
+              </a:lnSpc>
+              <a:spcBef>
+                <a:spcPts val="1000"/>
+              </a:spcBef>
+              <a:buFont typeface="Arial" panose="020B0604020202020204" pitchFamily="34" charset="0"/>
+              <a:buChar char="•"/>
+              <a:defRPr sz="2800" kern="1200">
+                <a:solidFill>
+                  <a:schemeClr val="tx1"/>
+                </a:solidFill>
+                <a:latin typeface="+mn-lt"/>
+                <a:ea typeface="+mn-ea"/>
+                <a:cs typeface="+mn-cs"/>
+              </a:defRPr>
+            </a:lvl1pPr>
+            <a:lvl2pPr marL="685800" indent="-228600" algn="l" defTabSz="914400" rtl="0" eaLnBrk="1" latinLnBrk="0" hangingPunct="1">
+              <a:lnSpc>
+                <a:spcPct val="90000"/>
+              </a:lnSpc>
+              <a:spcBef>
+                <a:spcPts val="500"/>
+              </a:spcBef>
+              <a:buFont typeface="Arial" panose="020B0604020202020204" pitchFamily="34" charset="0"/>
+              <a:buChar char="•"/>
+              <a:defRPr sz="2400" kern="1200">
+                <a:solidFill>
+                  <a:schemeClr val="tx1"/>
+                </a:solidFill>
+                <a:latin typeface="+mn-lt"/>
+                <a:ea typeface="+mn-ea"/>
+                <a:cs typeface="+mn-cs"/>
+              </a:defRPr>
+            </a:lvl2pPr>
+            <a:lvl3pPr marL="1143000" indent="-228600" algn="l" defTabSz="914400" rtl="0" eaLnBrk="1" latinLnBrk="0" hangingPunct="1">
+              <a:lnSpc>
+                <a:spcPct val="90000"/>
+              </a:lnSpc>
+              <a:spcBef>
+                <a:spcPts val="500"/>
+              </a:spcBef>
+              <a:buFont typeface="Arial" panose="020B0604020202020204" pitchFamily="34" charset="0"/>
+              <a:buChar char="•"/>
+              <a:defRPr sz="2000" kern="1200">
+                <a:solidFill>
+                  <a:schemeClr val="tx1"/>
+                </a:solidFill>
+                <a:latin typeface="+mn-lt"/>
+                <a:ea typeface="+mn-ea"/>
+                <a:cs typeface="+mn-cs"/>
+              </a:defRPr>
+            </a:lvl3pPr>
+            <a:lvl4pPr marL="1600200" indent="-228600" algn="l" defTabSz="914400" rtl="0" eaLnBrk="1" latinLnBrk="0" hangingPunct="1">
+              <a:lnSpc>
+                <a:spcPct val="90000"/>
+              </a:lnSpc>
+              <a:spcBef>
+                <a:spcPts val="500"/>
+              </a:spcBef>
+              <a:buFont typeface="Arial" panose="020B0604020202020204" pitchFamily="34" charset="0"/>
+              <a:buChar char="•"/>
+              <a:defRPr sz="1800" kern="1200">
+                <a:solidFill>
+                  <a:schemeClr val="tx1"/>
+                </a:solidFill>
+                <a:latin typeface="+mn-lt"/>
+                <a:ea typeface="+mn-ea"/>
+                <a:cs typeface="+mn-cs"/>
+              </a:defRPr>
+            </a:lvl4pPr>
+            <a:lvl5pPr marL="2057400" indent="-228600" algn="l" defTabSz="914400" rtl="0" eaLnBrk="1" latinLnBrk="0" hangingPunct="1">
+              <a:lnSpc>
+                <a:spcPct val="90000"/>
+              </a:lnSpc>
+              <a:spcBef>
+                <a:spcPts val="500"/>
+              </a:spcBef>
+              <a:buFont typeface="Arial" panose="020B0604020202020204" pitchFamily="34" charset="0"/>
+              <a:buChar char="•"/>
+              <a:defRPr sz="1800" kern="1200">
+                <a:solidFill>
+                  <a:schemeClr val="tx1"/>
+                </a:solidFill>
+                <a:latin typeface="+mn-lt"/>
+                <a:ea typeface="+mn-ea"/>
+                <a:cs typeface="+mn-cs"/>
+              </a:defRPr>
+            </a:lvl5pPr>
+            <a:lvl6pPr marL="2514600" indent="-228600" algn="l" defTabSz="914400" rtl="0" eaLnBrk="1" latinLnBrk="0" hangingPunct="1">
+              <a:lnSpc>
+                <a:spcPct val="90000"/>
+              </a:lnSpc>
+              <a:spcBef>
+                <a:spcPts val="500"/>
+              </a:spcBef>
+              <a:buFont typeface="Arial" panose="020B0604020202020204" pitchFamily="34" charset="0"/>
+              <a:buChar char="•"/>
+              <a:defRPr sz="1800" kern="1200">
+                <a:solidFill>
+                  <a:schemeClr val="tx1"/>
+                </a:solidFill>
+                <a:latin typeface="+mn-lt"/>
+                <a:ea typeface="+mn-ea"/>
+                <a:cs typeface="+mn-cs"/>
+              </a:defRPr>
+            </a:lvl6pPr>
+            <a:lvl7pPr marL="2971800" indent="-228600" algn="l" defTabSz="914400" rtl="0" eaLnBrk="1" latinLnBrk="0" hangingPunct="1">
+              <a:lnSpc>
+                <a:spcPct val="90000"/>
+              </a:lnSpc>
+              <a:spcBef>
+                <a:spcPts val="500"/>
+              </a:spcBef>
+              <a:buFont typeface="Arial" panose="020B0604020202020204" pitchFamily="34" charset="0"/>
+              <a:buChar char="•"/>
+              <a:defRPr sz="1800" kern="1200">
+                <a:solidFill>
+                  <a:schemeClr val="tx1"/>
+                </a:solidFill>
+                <a:latin typeface="+mn-lt"/>
+                <a:ea typeface="+mn-ea"/>
+                <a:cs typeface="+mn-cs"/>
+              </a:defRPr>
+            </a:lvl7pPr>
+            <a:lvl8pPr marL="3429000" indent="-228600" algn="l" defTabSz="914400" rtl="0" eaLnBrk="1" latinLnBrk="0" hangingPunct="1">
+              <a:lnSpc>
+                <a:spcPct val="90000"/>
+              </a:lnSpc>
+              <a:spcBef>
+                <a:spcPts val="500"/>
+              </a:spcBef>
+              <a:buFont typeface="Arial" panose="020B0604020202020204" pitchFamily="34" charset="0"/>
+              <a:buChar char="•"/>
+              <a:defRPr sz="1800" kern="1200">
+                <a:solidFill>
+                  <a:schemeClr val="tx1"/>
+                </a:solidFill>
+                <a:latin typeface="+mn-lt"/>
+                <a:ea typeface="+mn-ea"/>
+                <a:cs typeface="+mn-cs"/>
+              </a:defRPr>
+            </a:lvl8pPr>
+            <a:lvl9pPr marL="3886200" indent="-228600" algn="l" defTabSz="914400" rtl="0" eaLnBrk="1" latinLnBrk="0" hangingPunct="1">
+              <a:lnSpc>
+                <a:spcPct val="90000"/>
+              </a:lnSpc>
+              <a:spcBef>
+                <a:spcPts val="500"/>
+              </a:spcBef>
+              <a:buFont typeface="Arial" panose="020B0604020202020204" pitchFamily="34" charset="0"/>
+              <a:buChar char="•"/>
+              <a:defRPr sz="1800" kern="1200">
+                <a:solidFill>
+                  <a:schemeClr val="tx1"/>
+                </a:solidFill>
+                <a:latin typeface="+mn-lt"/>
+                <a:ea typeface="+mn-ea"/>
+                <a:cs typeface="+mn-cs"/>
+              </a:defRPr>
+            </a:lvl9pPr>
+          </a:lstStyle>
+          <a:p>
+            <a:pPr marL="0" indent="0" algn="ctr">
+              <a:buFont typeface="Arial" panose="020B0604020202020204" pitchFamily="34" charset="0"/>
+              <a:buNone/>
+            </a:pPr>
+            <a:r>
+              <a:rPr lang="ru-RU" dirty="0">
+                <a:latin typeface="Times New Roman" panose="02020603050405020304" pitchFamily="18" charset="0"/>
+                <a:cs typeface="Times New Roman" panose="02020603050405020304" pitchFamily="18" charset="0"/>
+              </a:rPr>
+              <a:t>Результат выполнения запроса на стороне клиента</a:t>
+            </a:r>
+            <a:endParaRPr lang="en-US" dirty="0">
+              <a:latin typeface="Times New Roman" panose="02020603050405020304" pitchFamily="18" charset="0"/>
+              <a:cs typeface="Times New Roman" panose="02020603050405020304" pitchFamily="18" charset="0"/>
+            </a:endParaRPr>
+          </a:p>
+          <a:p>
             <a:pPr marL="0" indent="0" algn="just">
               <a:buFont typeface="Arial" panose="020B0604020202020204" pitchFamily="34" charset="0"/>
               <a:buNone/>
             </a:pPr>
-            <a:r>
-              <a:rPr lang="en-US" dirty="0">
+            <a:endParaRPr lang="ru-RU" dirty="0">
+              <a:latin typeface="Times New Roman" panose="02020603050405020304" pitchFamily="18" charset="0"/>
+              <a:cs typeface="Times New Roman" panose="02020603050405020304" pitchFamily="18" charset="0"/>
+            </a:endParaRPr>
+          </a:p>
+        </p:txBody>
+      </p:sp>
+      <p:sp>
+        <p:nvSpPr>
+          <p:cNvPr id="13" name="Объект 2">
+            <a:extLst>
+              <a:ext uri="{FF2B5EF4-FFF2-40B4-BE49-F238E27FC236}">
+                <a16:creationId xmlns:a16="http://schemas.microsoft.com/office/drawing/2014/main" id="{8C8FACE3-EA5D-4425-88E2-41E50467861D}"/>
+              </a:ext>
+            </a:extLst>
+          </p:cNvPr>
+          <p:cNvSpPr txBox="1">
+            <a:spLocks/>
+          </p:cNvSpPr>
+          <p:nvPr/>
+        </p:nvSpPr>
+        <p:spPr>
+          <a:xfrm>
+            <a:off x="5782944" y="2759103"/>
+            <a:ext cx="5782944" cy="827900"/>
+          </a:xfrm>
+          <a:prstGeom prst="rect">
+            <a:avLst/>
+          </a:prstGeom>
+        </p:spPr>
+        <p:txBody>
+          <a:bodyPr vert="horz" lIns="91440" tIns="45720" rIns="91440" bIns="45720" rtlCol="0">
+            <a:normAutofit lnSpcReduction="10000"/>
+          </a:bodyPr>
+          <a:lstStyle>
+            <a:lvl1pPr marL="228600" indent="-228600" algn="l" defTabSz="914400" rtl="0" eaLnBrk="1" latinLnBrk="0" hangingPunct="1">
+              <a:lnSpc>
+                <a:spcPct val="90000"/>
+              </a:lnSpc>
+              <a:spcBef>
+                <a:spcPts val="1000"/>
+              </a:spcBef>
+              <a:buFont typeface="Arial" panose="020B0604020202020204" pitchFamily="34" charset="0"/>
+              <a:buChar char="•"/>
+              <a:defRPr sz="2800" kern="1200">
+                <a:solidFill>
+                  <a:schemeClr val="tx1"/>
+                </a:solidFill>
+                <a:latin typeface="+mn-lt"/>
+                <a:ea typeface="+mn-ea"/>
+                <a:cs typeface="+mn-cs"/>
+              </a:defRPr>
+            </a:lvl1pPr>
+            <a:lvl2pPr marL="685800" indent="-228600" algn="l" defTabSz="914400" rtl="0" eaLnBrk="1" latinLnBrk="0" hangingPunct="1">
+              <a:lnSpc>
+                <a:spcPct val="90000"/>
+              </a:lnSpc>
+              <a:spcBef>
+                <a:spcPts val="500"/>
+              </a:spcBef>
+              <a:buFont typeface="Arial" panose="020B0604020202020204" pitchFamily="34" charset="0"/>
+              <a:buChar char="•"/>
+              <a:defRPr sz="2400" kern="1200">
+                <a:solidFill>
+                  <a:schemeClr val="tx1"/>
+                </a:solidFill>
+                <a:latin typeface="+mn-lt"/>
+                <a:ea typeface="+mn-ea"/>
+                <a:cs typeface="+mn-cs"/>
+              </a:defRPr>
+            </a:lvl2pPr>
+            <a:lvl3pPr marL="1143000" indent="-228600" algn="l" defTabSz="914400" rtl="0" eaLnBrk="1" latinLnBrk="0" hangingPunct="1">
+              <a:lnSpc>
+                <a:spcPct val="90000"/>
+              </a:lnSpc>
+              <a:spcBef>
+                <a:spcPts val="500"/>
+              </a:spcBef>
+              <a:buFont typeface="Arial" panose="020B0604020202020204" pitchFamily="34" charset="0"/>
+              <a:buChar char="•"/>
+              <a:defRPr sz="2000" kern="1200">
+                <a:solidFill>
+                  <a:schemeClr val="tx1"/>
+                </a:solidFill>
+                <a:latin typeface="+mn-lt"/>
+                <a:ea typeface="+mn-ea"/>
+                <a:cs typeface="+mn-cs"/>
+              </a:defRPr>
+            </a:lvl3pPr>
+            <a:lvl4pPr marL="1600200" indent="-228600" algn="l" defTabSz="914400" rtl="0" eaLnBrk="1" latinLnBrk="0" hangingPunct="1">
+              <a:lnSpc>
+                <a:spcPct val="90000"/>
+              </a:lnSpc>
+              <a:spcBef>
+                <a:spcPts val="500"/>
+              </a:spcBef>
+              <a:buFont typeface="Arial" panose="020B0604020202020204" pitchFamily="34" charset="0"/>
+              <a:buChar char="•"/>
+              <a:defRPr sz="1800" kern="1200">
+                <a:solidFill>
+                  <a:schemeClr val="tx1"/>
+                </a:solidFill>
+                <a:latin typeface="+mn-lt"/>
+                <a:ea typeface="+mn-ea"/>
+                <a:cs typeface="+mn-cs"/>
+              </a:defRPr>
+            </a:lvl4pPr>
+            <a:lvl5pPr marL="2057400" indent="-228600" algn="l" defTabSz="914400" rtl="0" eaLnBrk="1" latinLnBrk="0" hangingPunct="1">
+              <a:lnSpc>
+                <a:spcPct val="90000"/>
+              </a:lnSpc>
+              <a:spcBef>
+                <a:spcPts val="500"/>
+              </a:spcBef>
+              <a:buFont typeface="Arial" panose="020B0604020202020204" pitchFamily="34" charset="0"/>
+              <a:buChar char="•"/>
+              <a:defRPr sz="1800" kern="1200">
+                <a:solidFill>
+                  <a:schemeClr val="tx1"/>
+                </a:solidFill>
+                <a:latin typeface="+mn-lt"/>
+                <a:ea typeface="+mn-ea"/>
+                <a:cs typeface="+mn-cs"/>
+              </a:defRPr>
+            </a:lvl5pPr>
+            <a:lvl6pPr marL="2514600" indent="-228600" algn="l" defTabSz="914400" rtl="0" eaLnBrk="1" latinLnBrk="0" hangingPunct="1">
+              <a:lnSpc>
+                <a:spcPct val="90000"/>
+              </a:lnSpc>
+              <a:spcBef>
+                <a:spcPts val="500"/>
+              </a:spcBef>
+              <a:buFont typeface="Arial" panose="020B0604020202020204" pitchFamily="34" charset="0"/>
+              <a:buChar char="•"/>
+              <a:defRPr sz="1800" kern="1200">
+                <a:solidFill>
+                  <a:schemeClr val="tx1"/>
+                </a:solidFill>
+                <a:latin typeface="+mn-lt"/>
+                <a:ea typeface="+mn-ea"/>
+                <a:cs typeface="+mn-cs"/>
+              </a:defRPr>
+            </a:lvl6pPr>
+            <a:lvl7pPr marL="2971800" indent="-228600" algn="l" defTabSz="914400" rtl="0" eaLnBrk="1" latinLnBrk="0" hangingPunct="1">
+              <a:lnSpc>
+                <a:spcPct val="90000"/>
+              </a:lnSpc>
+              <a:spcBef>
+                <a:spcPts val="500"/>
+              </a:spcBef>
+              <a:buFont typeface="Arial" panose="020B0604020202020204" pitchFamily="34" charset="0"/>
+              <a:buChar char="•"/>
+              <a:defRPr sz="1800" kern="1200">
+                <a:solidFill>
+                  <a:schemeClr val="tx1"/>
+                </a:solidFill>
+                <a:latin typeface="+mn-lt"/>
+                <a:ea typeface="+mn-ea"/>
+                <a:cs typeface="+mn-cs"/>
+              </a:defRPr>
+            </a:lvl7pPr>
+            <a:lvl8pPr marL="3429000" indent="-228600" algn="l" defTabSz="914400" rtl="0" eaLnBrk="1" latinLnBrk="0" hangingPunct="1">
+              <a:lnSpc>
+                <a:spcPct val="90000"/>
+              </a:lnSpc>
+              <a:spcBef>
+                <a:spcPts val="500"/>
+              </a:spcBef>
+              <a:buFont typeface="Arial" panose="020B0604020202020204" pitchFamily="34" charset="0"/>
+              <a:buChar char="•"/>
+              <a:defRPr sz="1800" kern="1200">
+                <a:solidFill>
+                  <a:schemeClr val="tx1"/>
+                </a:solidFill>
+                <a:latin typeface="+mn-lt"/>
+                <a:ea typeface="+mn-ea"/>
+                <a:cs typeface="+mn-cs"/>
+              </a:defRPr>
+            </a:lvl8pPr>
+            <a:lvl9pPr marL="3886200" indent="-228600" algn="l" defTabSz="914400" rtl="0" eaLnBrk="1" latinLnBrk="0" hangingPunct="1">
+              <a:lnSpc>
+                <a:spcPct val="90000"/>
+              </a:lnSpc>
+              <a:spcBef>
+                <a:spcPts val="500"/>
+              </a:spcBef>
+              <a:buFont typeface="Arial" panose="020B0604020202020204" pitchFamily="34" charset="0"/>
+              <a:buChar char="•"/>
+              <a:defRPr sz="1800" kern="1200">
+                <a:solidFill>
+                  <a:schemeClr val="tx1"/>
+                </a:solidFill>
+                <a:latin typeface="+mn-lt"/>
+                <a:ea typeface="+mn-ea"/>
+                <a:cs typeface="+mn-cs"/>
+              </a:defRPr>
+            </a:lvl9pPr>
+          </a:lstStyle>
+          <a:p>
+            <a:pPr marL="0" indent="0" algn="ctr">
+              <a:buFont typeface="Arial" panose="020B0604020202020204" pitchFamily="34" charset="0"/>
+              <a:buNone/>
+            </a:pPr>
+            <a:r>
+              <a:rPr lang="ru-RU" dirty="0">
+                <a:latin typeface="Times New Roman" panose="02020603050405020304" pitchFamily="18" charset="0"/>
+                <a:cs typeface="Times New Roman" panose="02020603050405020304" pitchFamily="18" charset="0"/>
+              </a:rPr>
+              <a:t>Результат выполнения запроса на стороне сервера</a:t>
+            </a:r>
+            <a:endParaRPr lang="en-US" dirty="0">
+              <a:latin typeface="Times New Roman" panose="02020603050405020304" pitchFamily="18" charset="0"/>
+              <a:cs typeface="Times New Roman" panose="02020603050405020304" pitchFamily="18" charset="0"/>
+            </a:endParaRPr>
+          </a:p>
+          <a:p>
+            <a:pPr marL="0" indent="0" algn="just">
+              <a:buFont typeface="Arial" panose="020B0604020202020204" pitchFamily="34" charset="0"/>
+              <a:buNone/>
+            </a:pPr>
+            <a:endParaRPr lang="ru-RU" dirty="0">
+              <a:latin typeface="Times New Roman" panose="02020603050405020304" pitchFamily="18" charset="0"/>
+              <a:cs typeface="Times New Roman" panose="02020603050405020304" pitchFamily="18" charset="0"/>
+            </a:endParaRPr>
+          </a:p>
+        </p:txBody>
+      </p:sp>
+    </p:spTree>
+    <p:extLst>
+      <p:ext uri="{BB962C8B-B14F-4D97-AF65-F5344CB8AC3E}">
+        <p14:creationId xmlns:p14="http://schemas.microsoft.com/office/powerpoint/2010/main" val="3921486708"/>
+      </p:ext>
+    </p:extLst>
+  </p:cSld>
+  <p:clrMapOvr>
+    <a:masterClrMapping/>
+  </p:clrMapOvr>
+</p:sld>
+</file>
+
+<file path=ppt/slides/slide12.xml><?xml version="1.0" encoding="utf-8"?>
+<p:sld xmlns:a="http://schemas.openxmlformats.org/drawingml/2006/main" xmlns:r="http://schemas.openxmlformats.org/officeDocument/2006/relationships" xmlns:p="http://schemas.openxmlformats.org/presentationml/2006/main">
+  <p:cSld>
+    <p:spTree>
+      <p:nvGrpSpPr>
+        <p:cNvPr id="1" name=""/>
+        <p:cNvGrpSpPr/>
+        <p:nvPr/>
+      </p:nvGrpSpPr>
+      <p:grpSpPr>
+        <a:xfrm>
+          <a:off x="0" y="0"/>
+          <a:ext cx="0" cy="0"/>
+          <a:chOff x="0" y="0"/>
+          <a:chExt cx="0" cy="0"/>
+        </a:xfrm>
+      </p:grpSpPr>
+      <p:sp>
+        <p:nvSpPr>
+          <p:cNvPr id="2" name="Заголовок 1">
+            <a:extLst>
+              <a:ext uri="{FF2B5EF4-FFF2-40B4-BE49-F238E27FC236}">
+                <a16:creationId xmlns:a16="http://schemas.microsoft.com/office/drawing/2014/main" id="{B54A88C3-336B-470E-87D7-33B1810DE79E}"/>
+              </a:ext>
+            </a:extLst>
+          </p:cNvPr>
+          <p:cNvSpPr>
+            <a:spLocks noGrp="1"/>
+          </p:cNvSpPr>
+          <p:nvPr>
+            <p:ph type="title"/>
+          </p:nvPr>
+        </p:nvSpPr>
+        <p:spPr/>
+        <p:txBody>
+          <a:bodyPr/>
+          <a:lstStyle/>
+          <a:p>
+            <a:r>
+              <a:rPr lang="ru-RU" dirty="0">
+                <a:latin typeface="Times New Roman" panose="02020603050405020304" pitchFamily="18" charset="0"/>
+                <a:cs typeface="Times New Roman" panose="02020603050405020304" pitchFamily="18" charset="0"/>
+              </a:rPr>
+              <a:t>Заключение</a:t>
+            </a:r>
+          </a:p>
+        </p:txBody>
+      </p:sp>
+      <p:sp>
+        <p:nvSpPr>
+          <p:cNvPr id="3" name="Объект 2">
+            <a:extLst>
+              <a:ext uri="{FF2B5EF4-FFF2-40B4-BE49-F238E27FC236}">
+                <a16:creationId xmlns:a16="http://schemas.microsoft.com/office/drawing/2014/main" id="{F44DCB31-FDE2-4937-B758-854EE86D248B}"/>
+              </a:ext>
+            </a:extLst>
+          </p:cNvPr>
+          <p:cNvSpPr>
+            <a:spLocks noGrp="1"/>
+          </p:cNvSpPr>
+          <p:nvPr>
+            <p:ph idx="1"/>
+          </p:nvPr>
+        </p:nvSpPr>
+        <p:spPr/>
+        <p:txBody>
+          <a:bodyPr>
+            <a:normAutofit/>
+          </a:bodyPr>
+          <a:lstStyle/>
+          <a:p>
+            <a:pPr marL="514350" indent="-514350">
+              <a:buFont typeface="+mj-lt"/>
+              <a:buAutoNum type="arabicParenR"/>
+            </a:pPr>
+            <a:r>
+              <a:rPr lang="ru-RU" dirty="0">
+                <a:latin typeface="Times New Roman" panose="02020603050405020304" pitchFamily="18" charset="0"/>
+                <a:cs typeface="Times New Roman" panose="02020603050405020304" pitchFamily="18" charset="0"/>
+              </a:rPr>
+              <a:t>цель была формализована,</a:t>
+            </a:r>
+          </a:p>
+          <a:p>
+            <a:pPr marL="514350" indent="-514350">
+              <a:buFont typeface="+mj-lt"/>
+              <a:buAutoNum type="arabicParenR"/>
+            </a:pPr>
+            <a:r>
+              <a:rPr lang="ru-RU" dirty="0">
+                <a:latin typeface="Times New Roman" panose="02020603050405020304" pitchFamily="18" charset="0"/>
+                <a:cs typeface="Times New Roman" panose="02020603050405020304" pitchFamily="18" charset="0"/>
+              </a:rPr>
+              <a:t>была определена требуемая функциональность,</a:t>
+            </a:r>
+          </a:p>
+          <a:p>
+            <a:pPr marL="514350" indent="-514350">
+              <a:buFont typeface="+mj-lt"/>
+              <a:buAutoNum type="arabicParenR"/>
+            </a:pPr>
+            <a:r>
+              <a:rPr lang="ru-RU" dirty="0">
+                <a:latin typeface="Times New Roman" panose="02020603050405020304" pitchFamily="18" charset="0"/>
+                <a:cs typeface="Times New Roman" panose="02020603050405020304" pitchFamily="18" charset="0"/>
+              </a:rPr>
+              <a:t>были проанализированы существующие решения,</a:t>
+            </a:r>
+          </a:p>
+          <a:p>
+            <a:pPr marL="514350" indent="-514350">
+              <a:buFont typeface="+mj-lt"/>
+              <a:buAutoNum type="arabicParenR"/>
+            </a:pPr>
+            <a:r>
+              <a:rPr lang="ru-RU" dirty="0">
+                <a:latin typeface="Times New Roman" panose="02020603050405020304" pitchFamily="18" charset="0"/>
+                <a:cs typeface="Times New Roman" panose="02020603050405020304" pitchFamily="18" charset="0"/>
+              </a:rPr>
+              <a:t>был описан протокол взаимодействия клиента и сервера,</a:t>
+            </a:r>
+          </a:p>
+          <a:p>
+            <a:pPr marL="514350" indent="-514350">
+              <a:buFont typeface="+mj-lt"/>
+              <a:buAutoNum type="arabicParenR"/>
+            </a:pPr>
+            <a:r>
+              <a:rPr lang="ru-RU" dirty="0">
+                <a:latin typeface="Times New Roman" panose="02020603050405020304" pitchFamily="18" charset="0"/>
+                <a:cs typeface="Times New Roman" panose="02020603050405020304" pitchFamily="18" charset="0"/>
+              </a:rPr>
+              <a:t>было разработано серверное приложение для доступа к базе данных, предназначенной для хранения информации о действиях и характеристиках, необходимых для определения усталости пользователей АРМ.</a:t>
+            </a:r>
+          </a:p>
+        </p:txBody>
+      </p:sp>
+      <p:sp>
+        <p:nvSpPr>
+          <p:cNvPr id="4" name="Номер слайда 3">
+            <a:extLst>
+              <a:ext uri="{FF2B5EF4-FFF2-40B4-BE49-F238E27FC236}">
+                <a16:creationId xmlns:a16="http://schemas.microsoft.com/office/drawing/2014/main" id="{9ABB4123-2EBD-4520-B6A2-7E5F54527018}"/>
+              </a:ext>
+            </a:extLst>
+          </p:cNvPr>
+          <p:cNvSpPr>
+            <a:spLocks noGrp="1"/>
+          </p:cNvSpPr>
+          <p:nvPr>
+            <p:ph type="sldNum" sz="quarter" idx="12"/>
+          </p:nvPr>
+        </p:nvSpPr>
+        <p:spPr/>
+        <p:txBody>
+          <a:bodyPr/>
+          <a:lstStyle/>
+          <a:p>
+            <a:fld id="{356812A1-C132-42AC-87BC-7262BD3AB593}" type="slidenum">
+              <a:rPr lang="ru-RU" smtClean="0"/>
+              <a:t>12</a:t>
+            </a:fld>
+            <a:endParaRPr lang="ru-RU"/>
+          </a:p>
+        </p:txBody>
+      </p:sp>
+    </p:spTree>
+    <p:extLst>
+      <p:ext uri="{BB962C8B-B14F-4D97-AF65-F5344CB8AC3E}">
+        <p14:creationId xmlns:p14="http://schemas.microsoft.com/office/powerpoint/2010/main" val="426884880"/>
+      </p:ext>
+    </p:extLst>
+  </p:cSld>
+  <p:clrMapOvr>
+    <a:masterClrMapping/>
+  </p:clrMapOvr>
+</p:sld>
+</file>
+
+<file path=ppt/slides/slide13.xml><?xml version="1.0" encoding="utf-8"?>
+<p:sld xmlns:a="http://schemas.openxmlformats.org/drawingml/2006/main" xmlns:r="http://schemas.openxmlformats.org/officeDocument/2006/relationships" xmlns:p="http://schemas.openxmlformats.org/presentationml/2006/main">
+  <p:cSld>
+    <p:spTree>
+      <p:nvGrpSpPr>
+        <p:cNvPr id="1" name=""/>
+        <p:cNvGrpSpPr/>
+        <p:nvPr/>
+      </p:nvGrpSpPr>
+      <p:grpSpPr>
+        <a:xfrm>
+          <a:off x="0" y="0"/>
+          <a:ext cx="0" cy="0"/>
+          <a:chOff x="0" y="0"/>
+          <a:chExt cx="0" cy="0"/>
+        </a:xfrm>
+      </p:grpSpPr>
+      <p:sp>
+        <p:nvSpPr>
+          <p:cNvPr id="2" name="Заголовок 1">
+            <a:extLst>
+              <a:ext uri="{FF2B5EF4-FFF2-40B4-BE49-F238E27FC236}">
+                <a16:creationId xmlns:a16="http://schemas.microsoft.com/office/drawing/2014/main" id="{E9D25172-127F-4FA5-8F22-F2A7D136426F}"/>
+              </a:ext>
+            </a:extLst>
+          </p:cNvPr>
+          <p:cNvSpPr>
+            <a:spLocks noGrp="1"/>
+          </p:cNvSpPr>
+          <p:nvPr>
+            <p:ph type="title"/>
+          </p:nvPr>
+        </p:nvSpPr>
+        <p:spPr>
+          <a:xfrm>
+            <a:off x="838200" y="5030787"/>
+            <a:ext cx="10515600" cy="1325563"/>
+          </a:xfrm>
+        </p:spPr>
+        <p:txBody>
+          <a:bodyPr>
+            <a:noAutofit/>
+          </a:bodyPr>
+          <a:lstStyle/>
+          <a:p>
+            <a:pPr algn="ctr"/>
+            <a:r>
+              <a:rPr lang="ru-RU" sz="2400" dirty="0">
+                <a:latin typeface="Times New Roman" panose="02020603050405020304" pitchFamily="18" charset="0"/>
+                <a:cs typeface="Times New Roman" panose="02020603050405020304" pitchFamily="18" charset="0"/>
+              </a:rPr>
+              <a:t>МОСКОВСКИЙ ГОСУДАРСТВЕННЫЙ ТЕХНИЧЕСКИЙ УНИВЕРСИТЕТ ИМЕНИ Н.Э. БАУМАНА (НАЦИОНАЛЬНЫЙ ИССЛЕДОВАТЕЛЬСКИЙ УНИВЕРСИТЕТ)</a:t>
+            </a:r>
+            <a:br>
+              <a:rPr lang="ru-RU" sz="2400" dirty="0">
+                <a:latin typeface="Times New Roman" panose="02020603050405020304" pitchFamily="18" charset="0"/>
+                <a:cs typeface="Times New Roman" panose="02020603050405020304" pitchFamily="18" charset="0"/>
+              </a:rPr>
+            </a:br>
+            <a:r>
+              <a:rPr lang="ru-RU" sz="2400" dirty="0">
+                <a:latin typeface="Times New Roman" panose="02020603050405020304" pitchFamily="18" charset="0"/>
+                <a:cs typeface="Times New Roman" panose="02020603050405020304" pitchFamily="18" charset="0"/>
+              </a:rPr>
+              <a:t>МОСКВА, 2021 ГОД</a:t>
+            </a:r>
+          </a:p>
+        </p:txBody>
+      </p:sp>
+      <p:sp>
+        <p:nvSpPr>
+          <p:cNvPr id="3" name="Номер слайда 2">
+            <a:extLst>
+              <a:ext uri="{FF2B5EF4-FFF2-40B4-BE49-F238E27FC236}">
+                <a16:creationId xmlns:a16="http://schemas.microsoft.com/office/drawing/2014/main" id="{D1332F86-AF33-45A4-86CF-C63944E1805F}"/>
+              </a:ext>
+            </a:extLst>
+          </p:cNvPr>
+          <p:cNvSpPr>
+            <a:spLocks noGrp="1"/>
+          </p:cNvSpPr>
+          <p:nvPr>
+            <p:ph type="sldNum" sz="quarter" idx="12"/>
+          </p:nvPr>
+        </p:nvSpPr>
+        <p:spPr/>
+        <p:txBody>
+          <a:bodyPr/>
+          <a:lstStyle/>
+          <a:p>
+            <a:fld id="{356812A1-C132-42AC-87BC-7262BD3AB593}" type="slidenum">
+              <a:rPr lang="ru-RU" smtClean="0"/>
+              <a:t>13</a:t>
+            </a:fld>
+            <a:endParaRPr lang="ru-RU"/>
+          </a:p>
+        </p:txBody>
+      </p:sp>
+    </p:spTree>
+    <p:extLst>
+      <p:ext uri="{BB962C8B-B14F-4D97-AF65-F5344CB8AC3E}">
+        <p14:creationId xmlns:p14="http://schemas.microsoft.com/office/powerpoint/2010/main" val="2438649874"/>
+      </p:ext>
+    </p:extLst>
+  </p:cSld>
+  <p:clrMapOvr>
+    <a:masterClrMapping/>
+  </p:clrMapOvr>
+</p:sld>
+</file>
+
+<file path=ppt/slides/slide2.xml><?xml version="1.0" encoding="utf-8"?>
+<p:sld xmlns:a="http://schemas.openxmlformats.org/drawingml/2006/main" xmlns:r="http://schemas.openxmlformats.org/officeDocument/2006/relationships" xmlns:p="http://schemas.openxmlformats.org/presentationml/2006/main">
+  <p:cSld>
+    <p:spTree>
+      <p:nvGrpSpPr>
+        <p:cNvPr id="1" name=""/>
+        <p:cNvGrpSpPr/>
+        <p:nvPr/>
+      </p:nvGrpSpPr>
+      <p:grpSpPr>
+        <a:xfrm>
+          <a:off x="0" y="0"/>
+          <a:ext cx="0" cy="0"/>
+          <a:chOff x="0" y="0"/>
+          <a:chExt cx="0" cy="0"/>
+        </a:xfrm>
+      </p:grpSpPr>
+      <p:sp>
+        <p:nvSpPr>
+          <p:cNvPr id="2" name="Заголовок 1">
+            <a:extLst>
+              <a:ext uri="{FF2B5EF4-FFF2-40B4-BE49-F238E27FC236}">
+                <a16:creationId xmlns:a16="http://schemas.microsoft.com/office/drawing/2014/main" id="{4657FF81-6D4A-4638-BC86-A0828019E589}"/>
+              </a:ext>
+            </a:extLst>
+          </p:cNvPr>
+          <p:cNvSpPr>
+            <a:spLocks noGrp="1"/>
+          </p:cNvSpPr>
+          <p:nvPr>
+            <p:ph type="title"/>
+          </p:nvPr>
+        </p:nvSpPr>
+        <p:spPr/>
+        <p:txBody>
+          <a:bodyPr/>
+          <a:lstStyle/>
+          <a:p>
+            <a:pPr algn="ctr"/>
+            <a:r>
+              <a:rPr lang="ru-RU" dirty="0">
+                <a:latin typeface="Times New Roman" panose="02020603050405020304" pitchFamily="18" charset="0"/>
+                <a:cs typeface="Times New Roman" panose="02020603050405020304" pitchFamily="18" charset="0"/>
+              </a:rPr>
+              <a:t>Цель и задачи</a:t>
+            </a:r>
+          </a:p>
+        </p:txBody>
+      </p:sp>
+      <p:sp>
+        <p:nvSpPr>
+          <p:cNvPr id="3" name="Объект 2">
+            <a:extLst>
+              <a:ext uri="{FF2B5EF4-FFF2-40B4-BE49-F238E27FC236}">
+                <a16:creationId xmlns:a16="http://schemas.microsoft.com/office/drawing/2014/main" id="{FDD43540-1B9B-4A74-801C-CD9551E40431}"/>
+              </a:ext>
+            </a:extLst>
+          </p:cNvPr>
+          <p:cNvSpPr>
+            <a:spLocks noGrp="1"/>
+          </p:cNvSpPr>
+          <p:nvPr>
+            <p:ph idx="1"/>
+          </p:nvPr>
+        </p:nvSpPr>
+        <p:spPr>
+          <a:xfrm>
+            <a:off x="838200" y="1690688"/>
+            <a:ext cx="10515600" cy="4802187"/>
+          </a:xfrm>
+        </p:spPr>
+        <p:txBody>
+          <a:bodyPr anchor="ctr">
+            <a:normAutofit/>
+          </a:bodyPr>
+          <a:lstStyle/>
+          <a:p>
+            <a:pPr marL="0" indent="0" algn="just">
+              <a:buNone/>
+            </a:pPr>
+            <a:r>
+              <a:rPr lang="ru-RU" sz="2400" dirty="0">
+                <a:latin typeface="Times New Roman" panose="02020603050405020304" pitchFamily="18" charset="0"/>
+                <a:cs typeface="Times New Roman" panose="02020603050405020304" pitchFamily="18" charset="0"/>
+              </a:rPr>
+              <a:t>Спроектировать и реализовать серверное приложение для доступа к базе данных, предназначенной для хранения информации о действиях и характеристиках, необходимых для определения усталости пользователей автоматизированного рабочего места (АРМ).</a:t>
+            </a:r>
+          </a:p>
+          <a:p>
+            <a:pPr marL="0" indent="0" algn="just">
+              <a:buNone/>
+            </a:pPr>
+            <a:endParaRPr lang="ru-RU" sz="2400" dirty="0">
+              <a:latin typeface="Times New Roman" panose="02020603050405020304" pitchFamily="18" charset="0"/>
+              <a:cs typeface="Times New Roman" panose="02020603050405020304" pitchFamily="18" charset="0"/>
+            </a:endParaRPr>
+          </a:p>
+          <a:p>
+            <a:pPr marL="0" indent="0" algn="just">
+              <a:buNone/>
+            </a:pPr>
+            <a:r>
+              <a:rPr lang="ru-RU" sz="2400" dirty="0">
+                <a:latin typeface="Times New Roman" panose="02020603050405020304" pitchFamily="18" charset="0"/>
+                <a:cs typeface="Times New Roman" panose="02020603050405020304" pitchFamily="18" charset="0"/>
+              </a:rPr>
+              <a:t>Для достижения поставленной цели потребуется:</a:t>
+            </a:r>
+          </a:p>
+          <a:p>
+            <a:pPr marL="514350" indent="-514350" algn="just">
+              <a:buFont typeface="+mj-lt"/>
+              <a:buAutoNum type="arabicParenR"/>
+            </a:pPr>
+            <a:r>
+              <a:rPr lang="ru-RU" sz="2400" dirty="0">
+                <a:latin typeface="Times New Roman" panose="02020603050405020304" pitchFamily="18" charset="0"/>
+                <a:cs typeface="Times New Roman" panose="02020603050405020304" pitchFamily="18" charset="0"/>
+              </a:rPr>
+              <a:t>формализовать цель</a:t>
+            </a:r>
+            <a:r>
+              <a:rPr lang="en-US" sz="2400" dirty="0">
+                <a:latin typeface="Times New Roman" panose="02020603050405020304" pitchFamily="18" charset="0"/>
+                <a:cs typeface="Times New Roman" panose="02020603050405020304" pitchFamily="18" charset="0"/>
+              </a:rPr>
+              <a:t>;</a:t>
+            </a:r>
+          </a:p>
+          <a:p>
+            <a:pPr marL="514350" indent="-514350" algn="just">
+              <a:buFont typeface="+mj-lt"/>
+              <a:buAutoNum type="arabicParenR"/>
+            </a:pPr>
+            <a:r>
+              <a:rPr lang="ru-RU" sz="2400" dirty="0">
+                <a:latin typeface="Times New Roman" panose="02020603050405020304" pitchFamily="18" charset="0"/>
+                <a:cs typeface="Times New Roman" panose="02020603050405020304" pitchFamily="18" charset="0"/>
+              </a:rPr>
+              <a:t>определить требуемую функциональность</a:t>
+            </a:r>
+            <a:r>
+              <a:rPr lang="en-US" sz="2400" dirty="0">
+                <a:latin typeface="Times New Roman" panose="02020603050405020304" pitchFamily="18" charset="0"/>
+                <a:cs typeface="Times New Roman" panose="02020603050405020304" pitchFamily="18" charset="0"/>
+              </a:rPr>
+              <a:t>;</a:t>
+            </a:r>
+            <a:endParaRPr lang="ru-RU" sz="2400" dirty="0">
+              <a:latin typeface="Times New Roman" panose="02020603050405020304" pitchFamily="18" charset="0"/>
+              <a:cs typeface="Times New Roman" panose="02020603050405020304" pitchFamily="18" charset="0"/>
+            </a:endParaRPr>
+          </a:p>
+          <a:p>
+            <a:pPr marL="514350" indent="-514350" algn="just">
+              <a:buFont typeface="+mj-lt"/>
+              <a:buAutoNum type="arabicParenR"/>
+            </a:pPr>
+            <a:r>
+              <a:rPr lang="ru-RU" sz="2400" dirty="0">
+                <a:latin typeface="Times New Roman" panose="02020603050405020304" pitchFamily="18" charset="0"/>
+                <a:cs typeface="Times New Roman" panose="02020603050405020304" pitchFamily="18" charset="0"/>
+              </a:rPr>
+              <a:t>проанализировать существующие решения</a:t>
+            </a:r>
+            <a:r>
+              <a:rPr lang="en-US" sz="2400" dirty="0">
+                <a:latin typeface="Times New Roman" panose="02020603050405020304" pitchFamily="18" charset="0"/>
+                <a:cs typeface="Times New Roman" panose="02020603050405020304" pitchFamily="18" charset="0"/>
+              </a:rPr>
+              <a:t>;</a:t>
+            </a:r>
+          </a:p>
+          <a:p>
+            <a:pPr marL="514350" indent="-514350" algn="just">
+              <a:buFont typeface="+mj-lt"/>
+              <a:buAutoNum type="arabicParenR"/>
+            </a:pPr>
+            <a:r>
+              <a:rPr lang="ru-RU" sz="2400" dirty="0">
+                <a:latin typeface="Times New Roman" panose="02020603050405020304" pitchFamily="18" charset="0"/>
+                <a:cs typeface="Times New Roman" panose="02020603050405020304" pitchFamily="18" charset="0"/>
+              </a:rPr>
+              <a:t>описать протокол взаимодействия клиента и сервера</a:t>
+            </a:r>
+            <a:r>
+              <a:rPr lang="en-US" sz="2400" dirty="0">
+                <a:latin typeface="Times New Roman" panose="02020603050405020304" pitchFamily="18" charset="0"/>
+                <a:cs typeface="Times New Roman" panose="02020603050405020304" pitchFamily="18" charset="0"/>
+              </a:rPr>
+              <a:t>;</a:t>
+            </a:r>
+          </a:p>
+          <a:p>
+            <a:pPr marL="514350" indent="-514350" algn="just">
+              <a:buFont typeface="+mj-lt"/>
+              <a:buAutoNum type="arabicParenR"/>
+            </a:pPr>
+            <a:r>
+              <a:rPr lang="ru-RU" sz="2400" dirty="0">
+                <a:latin typeface="Times New Roman" panose="02020603050405020304" pitchFamily="18" charset="0"/>
+                <a:cs typeface="Times New Roman" panose="02020603050405020304" pitchFamily="18" charset="0"/>
+              </a:rPr>
+              <a:t>разработать приложение для решения поставленной цели.</a:t>
+            </a:r>
+          </a:p>
+        </p:txBody>
+      </p:sp>
+      <p:sp>
+        <p:nvSpPr>
+          <p:cNvPr id="5" name="Номер слайда 4">
+            <a:extLst>
+              <a:ext uri="{FF2B5EF4-FFF2-40B4-BE49-F238E27FC236}">
+                <a16:creationId xmlns:a16="http://schemas.microsoft.com/office/drawing/2014/main" id="{911599AE-B3EE-4F75-82FB-BC55E4531C36}"/>
+              </a:ext>
+            </a:extLst>
+          </p:cNvPr>
+          <p:cNvSpPr>
+            <a:spLocks noGrp="1"/>
+          </p:cNvSpPr>
+          <p:nvPr>
+            <p:ph type="sldNum" sz="quarter" idx="12"/>
+          </p:nvPr>
+        </p:nvSpPr>
+        <p:spPr/>
+        <p:txBody>
+          <a:bodyPr/>
+          <a:lstStyle/>
+          <a:p>
+            <a:fld id="{356812A1-C132-42AC-87BC-7262BD3AB593}" type="slidenum">
+              <a:rPr lang="ru-RU" smtClean="0"/>
+              <a:t>2</a:t>
+            </a:fld>
+            <a:endParaRPr lang="ru-RU"/>
+          </a:p>
+        </p:txBody>
+      </p:sp>
+    </p:spTree>
+    <p:extLst>
+      <p:ext uri="{BB962C8B-B14F-4D97-AF65-F5344CB8AC3E}">
+        <p14:creationId xmlns:p14="http://schemas.microsoft.com/office/powerpoint/2010/main" val="614119428"/>
+      </p:ext>
+    </p:extLst>
+  </p:cSld>
+  <p:clrMapOvr>
+    <a:masterClrMapping/>
+  </p:clrMapOvr>
+</p:sld>
+</file>
+
+<file path=ppt/slides/slide3.xml><?xml version="1.0" encoding="utf-8"?>
+<p:sld xmlns:a="http://schemas.openxmlformats.org/drawingml/2006/main" xmlns:r="http://schemas.openxmlformats.org/officeDocument/2006/relationships" xmlns:p="http://schemas.openxmlformats.org/presentationml/2006/main">
+  <p:cSld>
+    <p:spTree>
+      <p:nvGrpSpPr>
+        <p:cNvPr id="1" name=""/>
+        <p:cNvGrpSpPr/>
+        <p:nvPr/>
+      </p:nvGrpSpPr>
+      <p:grpSpPr>
+        <a:xfrm>
+          <a:off x="0" y="0"/>
+          <a:ext cx="0" cy="0"/>
+          <a:chOff x="0" y="0"/>
+          <a:chExt cx="0" cy="0"/>
+        </a:xfrm>
+      </p:grpSpPr>
+      <p:sp>
+        <p:nvSpPr>
+          <p:cNvPr id="2" name="Заголовок 1">
+            <a:extLst>
+              <a:ext uri="{FF2B5EF4-FFF2-40B4-BE49-F238E27FC236}">
+                <a16:creationId xmlns:a16="http://schemas.microsoft.com/office/drawing/2014/main" id="{12282183-8C79-48B4-ACCA-29F61EC95C08}"/>
+              </a:ext>
+            </a:extLst>
+          </p:cNvPr>
+          <p:cNvSpPr>
+            <a:spLocks noGrp="1"/>
+          </p:cNvSpPr>
+          <p:nvPr>
+            <p:ph type="title"/>
+          </p:nvPr>
+        </p:nvSpPr>
+        <p:spPr/>
+        <p:txBody>
+          <a:bodyPr/>
+          <a:lstStyle/>
+          <a:p>
+            <a:pPr algn="ctr"/>
+            <a:r>
+              <a:rPr lang="ru-RU" dirty="0">
+                <a:latin typeface="Times New Roman" panose="02020603050405020304" pitchFamily="18" charset="0"/>
+                <a:cs typeface="Times New Roman" panose="02020603050405020304" pitchFamily="18" charset="0"/>
+              </a:rPr>
+              <a:t>Существующие решения</a:t>
+            </a:r>
+          </a:p>
+        </p:txBody>
+      </p:sp>
+      <p:sp>
+        <p:nvSpPr>
+          <p:cNvPr id="4" name="Номер слайда 3">
+            <a:extLst>
+              <a:ext uri="{FF2B5EF4-FFF2-40B4-BE49-F238E27FC236}">
+                <a16:creationId xmlns:a16="http://schemas.microsoft.com/office/drawing/2014/main" id="{8323610E-C707-4F7D-AF57-1BCE159B30BA}"/>
+              </a:ext>
+            </a:extLst>
+          </p:cNvPr>
+          <p:cNvSpPr>
+            <a:spLocks noGrp="1"/>
+          </p:cNvSpPr>
+          <p:nvPr>
+            <p:ph type="sldNum" sz="quarter" idx="12"/>
+          </p:nvPr>
+        </p:nvSpPr>
+        <p:spPr/>
+        <p:txBody>
+          <a:bodyPr/>
+          <a:lstStyle/>
+          <a:p>
+            <a:fld id="{356812A1-C132-42AC-87BC-7262BD3AB593}" type="slidenum">
+              <a:rPr lang="ru-RU" smtClean="0"/>
+              <a:t>3</a:t>
+            </a:fld>
+            <a:endParaRPr lang="ru-RU"/>
+          </a:p>
+        </p:txBody>
+      </p:sp>
+      <p:pic>
+        <p:nvPicPr>
+          <p:cNvPr id="8" name="Рисунок 7">
+            <a:extLst>
+              <a:ext uri="{FF2B5EF4-FFF2-40B4-BE49-F238E27FC236}">
+                <a16:creationId xmlns:a16="http://schemas.microsoft.com/office/drawing/2014/main" id="{E2AD21CC-C61D-4771-AFB8-2A40E9BD703C}"/>
+              </a:ext>
+            </a:extLst>
+          </p:cNvPr>
+          <p:cNvPicPr>
+            <a:picLocks noChangeAspect="1"/>
+          </p:cNvPicPr>
+          <p:nvPr/>
+        </p:nvPicPr>
+        <p:blipFill rotWithShape="1">
+          <a:blip r:embed="rId2"/>
+          <a:srcRect r="26684" b="36721"/>
+          <a:stretch/>
+        </p:blipFill>
+        <p:spPr>
+          <a:xfrm>
+            <a:off x="6362153" y="1611752"/>
+            <a:ext cx="4991647" cy="1376019"/>
+          </a:xfrm>
+          <a:prstGeom prst="rect">
+            <a:avLst/>
+          </a:prstGeom>
+        </p:spPr>
+      </p:pic>
+      <p:sp>
+        <p:nvSpPr>
+          <p:cNvPr id="11" name="Объект 2">
+            <a:extLst>
+              <a:ext uri="{FF2B5EF4-FFF2-40B4-BE49-F238E27FC236}">
+                <a16:creationId xmlns:a16="http://schemas.microsoft.com/office/drawing/2014/main" id="{410BA931-50D8-4ADC-915E-109DA0156C43}"/>
+              </a:ext>
+            </a:extLst>
+          </p:cNvPr>
+          <p:cNvSpPr txBox="1">
+            <a:spLocks/>
+          </p:cNvSpPr>
+          <p:nvPr/>
+        </p:nvSpPr>
+        <p:spPr>
+          <a:xfrm>
+            <a:off x="990600" y="1611752"/>
+            <a:ext cx="5371553" cy="1444627"/>
+          </a:xfrm>
+          <a:prstGeom prst="rect">
+            <a:avLst/>
+          </a:prstGeom>
+        </p:spPr>
+        <p:txBody>
+          <a:bodyPr vert="horz" lIns="91440" tIns="45720" rIns="91440" bIns="45720" rtlCol="0">
+            <a:noAutofit/>
+          </a:bodyPr>
+          <a:lstStyle>
+            <a:lvl1pPr marL="228600" indent="-228600" algn="l" defTabSz="914400" rtl="0" eaLnBrk="1" latinLnBrk="0" hangingPunct="1">
+              <a:lnSpc>
+                <a:spcPct val="90000"/>
+              </a:lnSpc>
+              <a:spcBef>
+                <a:spcPts val="1000"/>
+              </a:spcBef>
+              <a:buFont typeface="Arial" panose="020B0604020202020204" pitchFamily="34" charset="0"/>
+              <a:buChar char="•"/>
+              <a:defRPr sz="2800" kern="1200">
+                <a:solidFill>
+                  <a:schemeClr val="tx1"/>
+                </a:solidFill>
+                <a:latin typeface="+mn-lt"/>
+                <a:ea typeface="+mn-ea"/>
+                <a:cs typeface="+mn-cs"/>
+              </a:defRPr>
+            </a:lvl1pPr>
+            <a:lvl2pPr marL="685800" indent="-228600" algn="l" defTabSz="914400" rtl="0" eaLnBrk="1" latinLnBrk="0" hangingPunct="1">
+              <a:lnSpc>
+                <a:spcPct val="90000"/>
+              </a:lnSpc>
+              <a:spcBef>
+                <a:spcPts val="500"/>
+              </a:spcBef>
+              <a:buFont typeface="Arial" panose="020B0604020202020204" pitchFamily="34" charset="0"/>
+              <a:buChar char="•"/>
+              <a:defRPr sz="2400" kern="1200">
+                <a:solidFill>
+                  <a:schemeClr val="tx1"/>
+                </a:solidFill>
+                <a:latin typeface="+mn-lt"/>
+                <a:ea typeface="+mn-ea"/>
+                <a:cs typeface="+mn-cs"/>
+              </a:defRPr>
+            </a:lvl2pPr>
+            <a:lvl3pPr marL="1143000" indent="-228600" algn="l" defTabSz="914400" rtl="0" eaLnBrk="1" latinLnBrk="0" hangingPunct="1">
+              <a:lnSpc>
+                <a:spcPct val="90000"/>
+              </a:lnSpc>
+              <a:spcBef>
+                <a:spcPts val="500"/>
+              </a:spcBef>
+              <a:buFont typeface="Arial" panose="020B0604020202020204" pitchFamily="34" charset="0"/>
+              <a:buChar char="•"/>
+              <a:defRPr sz="2000" kern="1200">
+                <a:solidFill>
+                  <a:schemeClr val="tx1"/>
+                </a:solidFill>
+                <a:latin typeface="+mn-lt"/>
+                <a:ea typeface="+mn-ea"/>
+                <a:cs typeface="+mn-cs"/>
+              </a:defRPr>
+            </a:lvl3pPr>
+            <a:lvl4pPr marL="1600200" indent="-228600" algn="l" defTabSz="914400" rtl="0" eaLnBrk="1" latinLnBrk="0" hangingPunct="1">
+              <a:lnSpc>
+                <a:spcPct val="90000"/>
+              </a:lnSpc>
+              <a:spcBef>
+                <a:spcPts val="500"/>
+              </a:spcBef>
+              <a:buFont typeface="Arial" panose="020B0604020202020204" pitchFamily="34" charset="0"/>
+              <a:buChar char="•"/>
+              <a:defRPr sz="1800" kern="1200">
+                <a:solidFill>
+                  <a:schemeClr val="tx1"/>
+                </a:solidFill>
+                <a:latin typeface="+mn-lt"/>
+                <a:ea typeface="+mn-ea"/>
+                <a:cs typeface="+mn-cs"/>
+              </a:defRPr>
+            </a:lvl4pPr>
+            <a:lvl5pPr marL="2057400" indent="-228600" algn="l" defTabSz="914400" rtl="0" eaLnBrk="1" latinLnBrk="0" hangingPunct="1">
+              <a:lnSpc>
+                <a:spcPct val="90000"/>
+              </a:lnSpc>
+              <a:spcBef>
+                <a:spcPts val="500"/>
+              </a:spcBef>
+              <a:buFont typeface="Arial" panose="020B0604020202020204" pitchFamily="34" charset="0"/>
+              <a:buChar char="•"/>
+              <a:defRPr sz="1800" kern="1200">
+                <a:solidFill>
+                  <a:schemeClr val="tx1"/>
+                </a:solidFill>
+                <a:latin typeface="+mn-lt"/>
+                <a:ea typeface="+mn-ea"/>
+                <a:cs typeface="+mn-cs"/>
+              </a:defRPr>
+            </a:lvl5pPr>
+            <a:lvl6pPr marL="2514600" indent="-228600" algn="l" defTabSz="914400" rtl="0" eaLnBrk="1" latinLnBrk="0" hangingPunct="1">
+              <a:lnSpc>
+                <a:spcPct val="90000"/>
+              </a:lnSpc>
+              <a:spcBef>
+                <a:spcPts val="500"/>
+              </a:spcBef>
+              <a:buFont typeface="Arial" panose="020B0604020202020204" pitchFamily="34" charset="0"/>
+              <a:buChar char="•"/>
+              <a:defRPr sz="1800" kern="1200">
+                <a:solidFill>
+                  <a:schemeClr val="tx1"/>
+                </a:solidFill>
+                <a:latin typeface="+mn-lt"/>
+                <a:ea typeface="+mn-ea"/>
+                <a:cs typeface="+mn-cs"/>
+              </a:defRPr>
+            </a:lvl6pPr>
+            <a:lvl7pPr marL="2971800" indent="-228600" algn="l" defTabSz="914400" rtl="0" eaLnBrk="1" latinLnBrk="0" hangingPunct="1">
+              <a:lnSpc>
+                <a:spcPct val="90000"/>
+              </a:lnSpc>
+              <a:spcBef>
+                <a:spcPts val="500"/>
+              </a:spcBef>
+              <a:buFont typeface="Arial" panose="020B0604020202020204" pitchFamily="34" charset="0"/>
+              <a:buChar char="•"/>
+              <a:defRPr sz="1800" kern="1200">
+                <a:solidFill>
+                  <a:schemeClr val="tx1"/>
+                </a:solidFill>
+                <a:latin typeface="+mn-lt"/>
+                <a:ea typeface="+mn-ea"/>
+                <a:cs typeface="+mn-cs"/>
+              </a:defRPr>
+            </a:lvl7pPr>
+            <a:lvl8pPr marL="3429000" indent="-228600" algn="l" defTabSz="914400" rtl="0" eaLnBrk="1" latinLnBrk="0" hangingPunct="1">
+              <a:lnSpc>
+                <a:spcPct val="90000"/>
+              </a:lnSpc>
+              <a:spcBef>
+                <a:spcPts val="500"/>
+              </a:spcBef>
+              <a:buFont typeface="Arial" panose="020B0604020202020204" pitchFamily="34" charset="0"/>
+              <a:buChar char="•"/>
+              <a:defRPr sz="1800" kern="1200">
+                <a:solidFill>
+                  <a:schemeClr val="tx1"/>
+                </a:solidFill>
+                <a:latin typeface="+mn-lt"/>
+                <a:ea typeface="+mn-ea"/>
+                <a:cs typeface="+mn-cs"/>
+              </a:defRPr>
+            </a:lvl8pPr>
+            <a:lvl9pPr marL="3886200" indent="-228600" algn="l" defTabSz="914400" rtl="0" eaLnBrk="1" latinLnBrk="0" hangingPunct="1">
+              <a:lnSpc>
+                <a:spcPct val="90000"/>
+              </a:lnSpc>
+              <a:spcBef>
+                <a:spcPts val="500"/>
+              </a:spcBef>
+              <a:buFont typeface="Arial" panose="020B0604020202020204" pitchFamily="34" charset="0"/>
+              <a:buChar char="•"/>
+              <a:defRPr sz="1800" kern="1200">
+                <a:solidFill>
+                  <a:schemeClr val="tx1"/>
+                </a:solidFill>
+                <a:latin typeface="+mn-lt"/>
+                <a:ea typeface="+mn-ea"/>
+                <a:cs typeface="+mn-cs"/>
+              </a:defRPr>
+            </a:lvl9pPr>
+          </a:lstStyle>
+          <a:p>
+            <a:pPr marL="0" indent="0" algn="just">
+              <a:buFont typeface="Arial" panose="020B0604020202020204" pitchFamily="34" charset="0"/>
+              <a:buNone/>
+            </a:pPr>
+            <a:r>
+              <a:rPr lang="en-US" sz="2000" dirty="0">
                 <a:latin typeface="Times New Roman" panose="02020603050405020304" pitchFamily="18" charset="0"/>
                 <a:cs typeface="Times New Roman" panose="02020603050405020304" pitchFamily="18" charset="0"/>
               </a:rPr>
               <a:t>The Kotlin </a:t>
             </a:r>
             <a:r>
-              <a:rPr lang="en-US" dirty="0" err="1">
+              <a:rPr lang="en-US" sz="2000" dirty="0" err="1">
                 <a:latin typeface="Times New Roman" panose="02020603050405020304" pitchFamily="18" charset="0"/>
                 <a:cs typeface="Times New Roman" panose="02020603050405020304" pitchFamily="18" charset="0"/>
               </a:rPr>
               <a:t>InfluxDB</a:t>
             </a:r>
             <a:r>
-              <a:rPr lang="en-US" dirty="0">
+              <a:rPr lang="en-US" sz="2000" dirty="0">
                 <a:latin typeface="Times New Roman" panose="02020603050405020304" pitchFamily="18" charset="0"/>
                 <a:cs typeface="Times New Roman" panose="02020603050405020304" pitchFamily="18" charset="0"/>
               </a:rPr>
               <a:t> 2.0 Client – </a:t>
             </a:r>
             <a:r>
-              <a:rPr lang="ru-RU" dirty="0">
+              <a:rPr lang="ru-RU" sz="2000" dirty="0">
                 <a:latin typeface="Times New Roman" panose="02020603050405020304" pitchFamily="18" charset="0"/>
                 <a:cs typeface="Times New Roman" panose="02020603050405020304" pitchFamily="18" charset="0"/>
               </a:rPr>
               <a:t>это клиент, который предоставляет возможность производить запросы и запись в </a:t>
             </a:r>
             <a:r>
-              <a:rPr lang="en-US" dirty="0" err="1">
+              <a:rPr lang="en-US" sz="2000" dirty="0" err="1">
                 <a:latin typeface="Times New Roman" panose="02020603050405020304" pitchFamily="18" charset="0"/>
                 <a:cs typeface="Times New Roman" panose="02020603050405020304" pitchFamily="18" charset="0"/>
               </a:rPr>
               <a:t>InfluxDV</a:t>
             </a:r>
             <a:r>
-              <a:rPr lang="en-US" dirty="0">
+              <a:rPr lang="en-US" sz="2000" dirty="0">
                 <a:latin typeface="Times New Roman" panose="02020603050405020304" pitchFamily="18" charset="0"/>
                 <a:cs typeface="Times New Roman" panose="02020603050405020304" pitchFamily="18" charset="0"/>
               </a:rPr>
               <a:t> 2.0 </a:t>
             </a:r>
             <a:r>
-              <a:rPr lang="ru-RU" dirty="0">
+              <a:rPr lang="ru-RU" sz="2000" dirty="0">
                 <a:latin typeface="Times New Roman" panose="02020603050405020304" pitchFamily="18" charset="0"/>
                 <a:cs typeface="Times New Roman" panose="02020603050405020304" pitchFamily="18" charset="0"/>
               </a:rPr>
               <a:t>с использованием языка программирования </a:t>
             </a:r>
             <a:r>
-              <a:rPr lang="en-US" dirty="0">
+              <a:rPr lang="en-US" sz="2000" dirty="0">
                 <a:latin typeface="Times New Roman" panose="02020603050405020304" pitchFamily="18" charset="0"/>
                 <a:cs typeface="Times New Roman" panose="02020603050405020304" pitchFamily="18" charset="0"/>
               </a:rPr>
               <a:t>Kotlin.</a:t>
             </a:r>
-            <a:endParaRPr lang="ru-RU" dirty="0">
+            <a:endParaRPr lang="ru-RU" sz="2000" dirty="0">
               <a:latin typeface="Times New Roman" panose="02020603050405020304" pitchFamily="18" charset="0"/>
               <a:cs typeface="Times New Roman" panose="02020603050405020304" pitchFamily="18" charset="0"/>
             </a:endParaRPr>
@@ -8712,14 +7414,14 @@
           <p:nvPr>
             <p:extLst>
               <p:ext uri="{D42A27DB-BD31-4B8C-83A1-F6EECF244321}">
-                <p14:modId xmlns:p14="http://schemas.microsoft.com/office/powerpoint/2010/main" val="88189404"/>
+                <p14:modId xmlns:p14="http://schemas.microsoft.com/office/powerpoint/2010/main" val="373170452"/>
               </p:ext>
             </p:extLst>
           </p:nvPr>
         </p:nvGraphicFramePr>
         <p:xfrm>
           <a:off x="914400" y="2717570"/>
-          <a:ext cx="10439400" cy="3210790"/>
+          <a:ext cx="10439400" cy="3685014"/>
         </p:xfrm>
         <a:graphic>
           <a:graphicData uri="http://schemas.openxmlformats.org/drawingml/2006/table">
@@ -8743,7 +7445,7 @@
                   </a:extLst>
                 </a:gridCol>
               </a:tblGrid>
-              <a:tr h="1107670">
+              <a:tr h="393174">
                 <a:tc>
                   <a:txBody>
                     <a:bodyPr/>
@@ -8797,6 +7499,20 @@
                         </a:rPr>
                         <a:t>Структурные составляющие</a:t>
                       </a:r>
+                      <a:r>
+                        <a:rPr lang="en-US" dirty="0">
+                          <a:latin typeface="Times New Roman" panose="02020603050405020304" pitchFamily="18" charset="0"/>
+                          <a:cs typeface="Times New Roman" panose="02020603050405020304" pitchFamily="18" charset="0"/>
+                        </a:rPr>
+                        <a:t> </a:t>
+                      </a:r>
+                      <a:r>
+                        <a:rPr lang="ru-RU" dirty="0">
+                          <a:latin typeface="Times New Roman" panose="02020603050405020304" pitchFamily="18" charset="0"/>
+                          <a:cs typeface="Times New Roman" panose="02020603050405020304" pitchFamily="18" charset="0"/>
+                        </a:rPr>
+                        <a:t>и описание</a:t>
+                      </a:r>
                     </a:p>
                   </a:txBody>
                   <a:tcPr/>
@@ -8807,7 +7523,7 @@
                   </a:ext>
                 </a:extLst>
               </a:tr>
-              <a:tr h="516172">
+              <a:tr h="1136392">
                 <a:tc>
                   <a:txBody>
                     <a:bodyPr/>
@@ -8885,7 +7601,7 @@
                   </a:ext>
                 </a:extLst>
               </a:tr>
-              <a:tr h="811033">
+              <a:tr h="874148">
                 <a:tc>
                   <a:txBody>
                     <a:bodyPr/>
@@ -8942,21 +7658,101 @@
                           <a:latin typeface="Times New Roman" panose="02020603050405020304" pitchFamily="18" charset="0"/>
                           <a:cs typeface="Times New Roman" panose="02020603050405020304" pitchFamily="18" charset="0"/>
                         </a:rPr>
-                        <a:t>в</a:t>
+                        <a:t>версия используемого протокола</a:t>
                       </a:r>
                       <a:r>
-                        <a:rPr lang="ru-RU">
+                        <a:rPr lang="en-US" dirty="0">
                           <a:latin typeface="Times New Roman" panose="02020603050405020304" pitchFamily="18" charset="0"/>
                           <a:cs typeface="Times New Roman" panose="02020603050405020304" pitchFamily="18" charset="0"/>
                         </a:rPr>
-                        <a:t>ерсия </a:t>
+                        <a:t>.</a:t>
                       </a:r>
+                      <a:endParaRPr lang="ru-RU" dirty="0">
+                        <a:latin typeface="Times New Roman" panose="02020603050405020304" pitchFamily="18" charset="0"/>
+                        <a:cs typeface="Times New Roman" panose="02020603050405020304" pitchFamily="18" charset="0"/>
+                      </a:endParaRPr>
+                    </a:p>
+                  </a:txBody>
+                  <a:tcPr/>
+                </a:tc>
+                <a:extLst>
+                  <a:ext uri="{0D108BD9-81ED-4DB2-BD59-A6C34878D82A}">
+                    <a16:rowId xmlns:a16="http://schemas.microsoft.com/office/drawing/2014/main" val="1235588215"/>
+                  </a:ext>
+                </a:extLst>
+              </a:tr>
+              <a:tr h="1136392">
+                <a:tc>
+                  <a:txBody>
+                    <a:bodyPr/>
+                    <a:lstStyle/>
+                    <a:p>
                       <a:r>
                         <a:rPr lang="ru-RU" dirty="0">
                           <a:latin typeface="Times New Roman" panose="02020603050405020304" pitchFamily="18" charset="0"/>
                           <a:cs typeface="Times New Roman" panose="02020603050405020304" pitchFamily="18" charset="0"/>
                         </a:rPr>
-                        <a:t>используемого протокола</a:t>
+                        <a:t>Стартовая строка ответа</a:t>
+                      </a:r>
+                    </a:p>
+                  </a:txBody>
+                  <a:tcPr/>
+                </a:tc>
+                <a:tc>
+                  <a:txBody>
+                    <a:bodyPr/>
+                    <a:lstStyle/>
+                    <a:p>
+                      <a:pPr marL="285750" indent="-285750">
+                        <a:buFont typeface="Arial" panose="020B0604020202020204" pitchFamily="34" charset="0"/>
+                        <a:buChar char="•"/>
+                      </a:pPr>
+                      <a:r>
+                        <a:rPr lang="ru-RU" dirty="0">
+                          <a:latin typeface="Times New Roman" panose="02020603050405020304" pitchFamily="18" charset="0"/>
+                          <a:cs typeface="Times New Roman" panose="02020603050405020304" pitchFamily="18" charset="0"/>
+                        </a:rPr>
+                        <a:t>версия используемого протокола</a:t>
+                      </a:r>
+                      <a:r>
+                        <a:rPr lang="en-US" dirty="0">
+                          <a:latin typeface="Times New Roman" panose="02020603050405020304" pitchFamily="18" charset="0"/>
+                          <a:cs typeface="Times New Roman" panose="02020603050405020304" pitchFamily="18" charset="0"/>
+                        </a:rPr>
+                        <a:t>;</a:t>
+                      </a:r>
+                    </a:p>
+                    <a:p>
+                      <a:pPr marL="285750" indent="-285750">
+                        <a:buFont typeface="Arial" panose="020B0604020202020204" pitchFamily="34" charset="0"/>
+                        <a:buChar char="•"/>
+                      </a:pPr>
+                      <a:r>
+                        <a:rPr lang="ru-RU" dirty="0">
+                          <a:latin typeface="Times New Roman" panose="02020603050405020304" pitchFamily="18" charset="0"/>
+                          <a:cs typeface="Times New Roman" panose="02020603050405020304" pitchFamily="18" charset="0"/>
+                        </a:rPr>
+                        <a:t>код состояния (определяет дальнейшее содержимое сообщения и поведения клиента)</a:t>
+                      </a:r>
+                      <a:r>
+                        <a:rPr lang="en-US" dirty="0">
+                          <a:latin typeface="Times New Roman" panose="02020603050405020304" pitchFamily="18" charset="0"/>
+                          <a:cs typeface="Times New Roman" panose="02020603050405020304" pitchFamily="18" charset="0"/>
+                        </a:rPr>
+                        <a:t>;</a:t>
+                      </a:r>
+                    </a:p>
+                    <a:p>
+                      <a:pPr marL="285750" indent="-285750">
+                        <a:buFont typeface="Arial" panose="020B0604020202020204" pitchFamily="34" charset="0"/>
+                        <a:buChar char="•"/>
+                      </a:pPr>
+                      <a:r>
+                        <a:rPr lang="ru-RU" dirty="0">
+                          <a:latin typeface="Times New Roman" panose="02020603050405020304" pitchFamily="18" charset="0"/>
+                          <a:cs typeface="Times New Roman" panose="02020603050405020304" pitchFamily="18" charset="0"/>
+                        </a:rPr>
+                        <a:t>пояснение к коду состояния.</a:t>
                       </a:r>
                     </a:p>
                   </a:txBody>
@@ -8964,7 +7760,7 @@
                 </a:tc>
                 <a:extLst>
                   <a:ext uri="{0D108BD9-81ED-4DB2-BD59-A6C34878D82A}">
-                    <a16:rowId xmlns:a16="http://schemas.microsoft.com/office/drawing/2014/main" val="1235588215"/>
+                    <a16:rowId xmlns:a16="http://schemas.microsoft.com/office/drawing/2014/main" val="2295534794"/>
                   </a:ext>
                 </a:extLst>
               </a:tr>
@@ -9025,90 +7821,12 @@
           <a:p>
             <a:pPr algn="ctr"/>
             <a:r>
-              <a:rPr lang="en-US" dirty="0">
-                <a:latin typeface="Times New Roman" panose="02020603050405020304" pitchFamily="18" charset="0"/>
-                <a:cs typeface="Times New Roman" panose="02020603050405020304" pitchFamily="18" charset="0"/>
-              </a:rPr>
-              <a:t>InfluxDB</a:t>
-            </a:r>
-            <a:endParaRPr lang="ru-RU" dirty="0">
-              <a:latin typeface="Times New Roman" panose="02020603050405020304" pitchFamily="18" charset="0"/>
-              <a:cs typeface="Times New Roman" panose="02020603050405020304" pitchFamily="18" charset="0"/>
-            </a:endParaRPr>
-          </a:p>
-        </p:txBody>
-      </p:sp>
-      <p:sp>
-        <p:nvSpPr>
-          <p:cNvPr id="3" name="Объект 2">
-            <a:extLst>
-              <a:ext uri="{FF2B5EF4-FFF2-40B4-BE49-F238E27FC236}">
-                <a16:creationId xmlns:a16="http://schemas.microsoft.com/office/drawing/2014/main" id="{069814F5-5532-470B-8757-E196820FDE98}"/>
-              </a:ext>
-            </a:extLst>
-          </p:cNvPr>
-          <p:cNvSpPr>
-            <a:spLocks noGrp="1"/>
-          </p:cNvSpPr>
-          <p:nvPr>
-            <p:ph idx="1"/>
-          </p:nvPr>
-        </p:nvSpPr>
-        <p:spPr>
-          <a:xfrm>
-            <a:off x="838201" y="1825624"/>
-            <a:ext cx="10442096" cy="3344553"/>
-          </a:xfrm>
-        </p:spPr>
-        <p:txBody>
-          <a:bodyPr>
-            <a:normAutofit/>
-          </a:bodyPr>
-          <a:lstStyle/>
-          <a:p>
-            <a:pPr marL="0" indent="0" algn="just">
-              <a:buNone/>
-            </a:pPr>
-            <a:r>
               <a:rPr lang="ru-RU" dirty="0">
                 <a:latin typeface="Times New Roman" panose="02020603050405020304" pitchFamily="18" charset="0"/>
                 <a:cs typeface="Times New Roman" panose="02020603050405020304" pitchFamily="18" charset="0"/>
               </a:rPr>
-              <a:t>Назначение: хранение больших объёмов данных с метками времени.</a:t>
-            </a:r>
-          </a:p>
-          <a:p>
-            <a:pPr marL="0" indent="0" algn="just">
-              <a:buNone/>
-            </a:pPr>
-            <a:r>
-              <a:rPr lang="ru-RU" dirty="0">
-                <a:latin typeface="Times New Roman" panose="02020603050405020304" pitchFamily="18" charset="0"/>
-                <a:cs typeface="Times New Roman" panose="02020603050405020304" pitchFamily="18" charset="0"/>
-              </a:rPr>
-              <a:t>Сценарии позволяют удалять данные по времени.</a:t>
-            </a:r>
-          </a:p>
-          <a:p>
-            <a:pPr marL="0" indent="0" algn="just">
-              <a:buNone/>
-            </a:pPr>
-            <a:r>
-              <a:rPr lang="ru-RU" dirty="0">
-                <a:latin typeface="Times New Roman" panose="02020603050405020304" pitchFamily="18" charset="0"/>
-                <a:cs typeface="Times New Roman" panose="02020603050405020304" pitchFamily="18" charset="0"/>
-              </a:rPr>
-              <a:t>Является одной из самых популярных СУБД временных рядов, продолжает развиваться.</a:t>
-            </a:r>
-          </a:p>
-          <a:p>
-            <a:pPr marL="0" indent="0" algn="just">
-              <a:buNone/>
-            </a:pPr>
-            <a:endParaRPr lang="ru-RU" dirty="0">
-              <a:latin typeface="Times New Roman" panose="02020603050405020304" pitchFamily="18" charset="0"/>
-              <a:cs typeface="Times New Roman" panose="02020603050405020304" pitchFamily="18" charset="0"/>
-            </a:endParaRPr>
+              <a:t>Технические средства реализации</a:t>
+            </a:r>
           </a:p>
         </p:txBody>
       </p:sp>
@@ -9141,53 +7859,6 @@
           </a:p>
         </p:txBody>
       </p:sp>
-      <p:pic>
-        <p:nvPicPr>
-          <p:cNvPr id="1026" name="Picture 2" descr="InfluxDB — Википедия">
-            <a:extLst>
-              <a:ext uri="{FF2B5EF4-FFF2-40B4-BE49-F238E27FC236}">
-                <a16:creationId xmlns:a16="http://schemas.microsoft.com/office/drawing/2014/main" id="{B50982BA-AA30-4B6C-B85C-22FD9B657790}"/>
-              </a:ext>
-            </a:extLst>
-          </p:cNvPr>
-          <p:cNvPicPr>
-            <a:picLocks noChangeAspect="1" noChangeArrowheads="1"/>
-          </p:cNvPicPr>
-          <p:nvPr/>
-        </p:nvPicPr>
-        <p:blipFill>
-          <a:blip r:embed="rId2">
-            <a:extLst>
-              <a:ext uri="{28A0092B-C50C-407E-A947-70E740481C1C}">
-                <a14:useLocalDpi xmlns:a14="http://schemas.microsoft.com/office/drawing/2010/main" val="0"/>
-              </a:ext>
-            </a:extLst>
-          </a:blip>
-          <a:srcRect/>
-          <a:stretch>
-            <a:fillRect/>
-          </a:stretch>
-        </p:blipFill>
-        <p:spPr bwMode="auto">
-          <a:xfrm>
-            <a:off x="2302581" y="3763450"/>
-            <a:ext cx="7586837" cy="2813453"/>
-          </a:xfrm>
-          <a:prstGeom prst="rect">
-            <a:avLst/>
-          </a:prstGeom>
-          <a:noFill/>
-          <a:extLst>
-            <a:ext uri="{909E8E84-426E-40DD-AFC4-6F175D3DCCD1}">
-              <a14:hiddenFill xmlns:a14="http://schemas.microsoft.com/office/drawing/2010/main">
-                <a:solidFill>
-                  <a:srgbClr val="FFFFFF"/>
-                </a:solidFill>
-              </a14:hiddenFill>
-            </a:ext>
-          </a:extLst>
-        </p:spPr>
-      </p:pic>
       <p:sp>
         <p:nvSpPr>
           <p:cNvPr id="8" name="Объект 2">
@@ -9388,6 +8059,100 @@
           </a:p>
         </p:txBody>
       </p:sp>
+      <p:pic>
+        <p:nvPicPr>
+          <p:cNvPr id="2050" name="Picture 2" descr="Знакомство с Kotlin для Android за один день | by Evgeny Vladimirovich |  NOP::Nuances of Programming | Medium">
+            <a:extLst>
+              <a:ext uri="{FF2B5EF4-FFF2-40B4-BE49-F238E27FC236}">
+                <a16:creationId xmlns:a16="http://schemas.microsoft.com/office/drawing/2014/main" id="{39D8CE3C-88A4-4C18-8C9A-DEEC9C2D7DE5}"/>
+              </a:ext>
+            </a:extLst>
+          </p:cNvPr>
+          <p:cNvPicPr>
+            <a:picLocks noChangeAspect="1" noChangeArrowheads="1"/>
+          </p:cNvPicPr>
+          <p:nvPr/>
+        </p:nvPicPr>
+        <p:blipFill>
+          <a:blip r:embed="rId2">
+            <a:extLst>
+              <a:ext uri="{28A0092B-C50C-407E-A947-70E740481C1C}">
+                <a14:useLocalDpi xmlns:a14="http://schemas.microsoft.com/office/drawing/2010/main" val="0"/>
+              </a:ext>
+            </a:extLst>
+          </a:blip>
+          <a:srcRect/>
+          <a:stretch>
+            <a:fillRect/>
+          </a:stretch>
+        </p:blipFill>
+        <p:spPr bwMode="auto">
+          <a:xfrm>
+            <a:off x="5365308" y="1725222"/>
+            <a:ext cx="6490583" cy="3407556"/>
+          </a:xfrm>
+          <a:prstGeom prst="rect">
+            <a:avLst/>
+          </a:prstGeom>
+          <a:noFill/>
+          <a:extLst>
+            <a:ext uri="{909E8E84-426E-40DD-AFC4-6F175D3DCCD1}">
+              <a14:hiddenFill xmlns:a14="http://schemas.microsoft.com/office/drawing/2010/main">
+                <a:solidFill>
+                  <a:srgbClr val="FFFFFF"/>
+                </a:solidFill>
+              </a14:hiddenFill>
+            </a:ext>
+          </a:extLst>
+        </p:spPr>
+      </p:pic>
+      <p:pic>
+        <p:nvPicPr>
+          <p:cNvPr id="2054" name="Picture 6" descr="IntelliJ IDEA — Википедия">
+            <a:extLst>
+              <a:ext uri="{FF2B5EF4-FFF2-40B4-BE49-F238E27FC236}">
+                <a16:creationId xmlns:a16="http://schemas.microsoft.com/office/drawing/2014/main" id="{74980CFE-1781-4DB4-93BE-6B4861FF2179}"/>
+              </a:ext>
+            </a:extLst>
+          </p:cNvPr>
+          <p:cNvPicPr>
+            <a:picLocks noChangeAspect="1" noChangeArrowheads="1"/>
+          </p:cNvPicPr>
+          <p:nvPr/>
+        </p:nvPicPr>
+        <p:blipFill>
+          <a:blip r:embed="rId3">
+            <a:extLst>
+              <a:ext uri="{28A0092B-C50C-407E-A947-70E740481C1C}">
+                <a14:useLocalDpi xmlns:a14="http://schemas.microsoft.com/office/drawing/2010/main" val="0"/>
+              </a:ext>
+            </a:extLst>
+          </a:blip>
+          <a:srcRect/>
+          <a:stretch>
+            <a:fillRect/>
+          </a:stretch>
+        </p:blipFill>
+        <p:spPr bwMode="auto">
+          <a:xfrm>
+            <a:off x="838199" y="1721036"/>
+            <a:ext cx="3301992" cy="3301992"/>
+          </a:xfrm>
+          <a:prstGeom prst="rect">
+            <a:avLst/>
+          </a:prstGeom>
+          <a:noFill/>
+          <a:extLst>
+            <a:ext uri="{909E8E84-426E-40DD-AFC4-6F175D3DCCD1}">
+              <a14:hiddenFill xmlns:a14="http://schemas.microsoft.com/office/drawing/2010/main">
+                <a:solidFill>
+                  <a:srgbClr val="FFFFFF"/>
+                </a:solidFill>
+              </a14:hiddenFill>
+            </a:ext>
+          </a:extLst>
+        </p:spPr>
+      </p:pic>
     </p:spTree>
     <p:extLst>
       <p:ext uri="{BB962C8B-B14F-4D97-AF65-F5344CB8AC3E}">

--- a/documentation/Presentation/presentation.pptx
+++ b/documentation/Presentation/presentation.pptx
@@ -209,7 +209,7 @@
           <a:p>
             <a:fld id="{D322D285-FB50-4793-AABD-2575DE8C1D5D}" type="datetimeFigureOut">
               <a:rPr lang="ru-RU" smtClean="0"/>
-              <a:t>15.12.2021</a:t>
+              <a:t>16.12.2021</a:t>
             </a:fld>
             <a:endParaRPr lang="ru-RU"/>
           </a:p>
@@ -623,7 +623,7 @@
           <a:p>
             <a:fld id="{2CB17DDD-3B56-4F6F-9842-7AC5DF5A2CEF}" type="datetime1">
               <a:rPr lang="ru-RU" smtClean="0"/>
-              <a:t>15.12.2021</a:t>
+              <a:t>16.12.2021</a:t>
             </a:fld>
             <a:endParaRPr lang="ru-RU"/>
           </a:p>
@@ -821,7 +821,7 @@
           <a:p>
             <a:fld id="{76BE8246-BC4F-40D6-A274-0E589DCF1927}" type="datetime1">
               <a:rPr lang="ru-RU" smtClean="0"/>
-              <a:t>15.12.2021</a:t>
+              <a:t>16.12.2021</a:t>
             </a:fld>
             <a:endParaRPr lang="ru-RU"/>
           </a:p>
@@ -1029,7 +1029,7 @@
           <a:p>
             <a:fld id="{BBB5C6C2-9FE9-4E2E-8DD6-89DA0275FD44}" type="datetime1">
               <a:rPr lang="ru-RU" smtClean="0"/>
-              <a:t>15.12.2021</a:t>
+              <a:t>16.12.2021</a:t>
             </a:fld>
             <a:endParaRPr lang="ru-RU"/>
           </a:p>
@@ -1227,7 +1227,7 @@
           <a:p>
             <a:fld id="{E36328A7-E82E-4EE2-9168-D666DE82EFD6}" type="datetime1">
               <a:rPr lang="ru-RU" smtClean="0"/>
-              <a:t>15.12.2021</a:t>
+              <a:t>16.12.2021</a:t>
             </a:fld>
             <a:endParaRPr lang="ru-RU"/>
           </a:p>
@@ -1502,7 +1502,7 @@
           <a:p>
             <a:fld id="{2E647997-ABF2-4BC1-9871-0491890CE2AD}" type="datetime1">
               <a:rPr lang="ru-RU" smtClean="0"/>
-              <a:t>15.12.2021</a:t>
+              <a:t>16.12.2021</a:t>
             </a:fld>
             <a:endParaRPr lang="ru-RU"/>
           </a:p>
@@ -1767,7 +1767,7 @@
           <a:p>
             <a:fld id="{07A0F077-BCBE-4910-994F-6E7CCA6F3789}" type="datetime1">
               <a:rPr lang="ru-RU" smtClean="0"/>
-              <a:t>15.12.2021</a:t>
+              <a:t>16.12.2021</a:t>
             </a:fld>
             <a:endParaRPr lang="ru-RU"/>
           </a:p>
@@ -2179,7 +2179,7 @@
           <a:p>
             <a:fld id="{2DC91322-7AB8-40A6-BF71-14CA9E824E8E}" type="datetime1">
               <a:rPr lang="ru-RU" smtClean="0"/>
-              <a:t>15.12.2021</a:t>
+              <a:t>16.12.2021</a:t>
             </a:fld>
             <a:endParaRPr lang="ru-RU"/>
           </a:p>
@@ -2320,7 +2320,7 @@
           <a:p>
             <a:fld id="{97C083DF-312B-4271-B91B-E107A59EB49D}" type="datetime1">
               <a:rPr lang="ru-RU" smtClean="0"/>
-              <a:t>15.12.2021</a:t>
+              <a:t>16.12.2021</a:t>
             </a:fld>
             <a:endParaRPr lang="ru-RU"/>
           </a:p>
@@ -2433,7 +2433,7 @@
           <a:p>
             <a:fld id="{3023BD20-5139-4B18-84E4-6360AA14479C}" type="datetime1">
               <a:rPr lang="ru-RU" smtClean="0"/>
-              <a:t>15.12.2021</a:t>
+              <a:t>16.12.2021</a:t>
             </a:fld>
             <a:endParaRPr lang="ru-RU"/>
           </a:p>
@@ -2744,7 +2744,7 @@
           <a:p>
             <a:fld id="{1C6A63DA-E7FA-4BA3-8A6D-FA75CAEA4864}" type="datetime1">
               <a:rPr lang="ru-RU" smtClean="0"/>
-              <a:t>15.12.2021</a:t>
+              <a:t>16.12.2021</a:t>
             </a:fld>
             <a:endParaRPr lang="ru-RU"/>
           </a:p>
@@ -3032,7 +3032,7 @@
           <a:p>
             <a:fld id="{827D114B-3C5E-4146-AD46-58479669C7F9}" type="datetime1">
               <a:rPr lang="ru-RU" smtClean="0"/>
-              <a:t>15.12.2021</a:t>
+              <a:t>16.12.2021</a:t>
             </a:fld>
             <a:endParaRPr lang="ru-RU"/>
           </a:p>
@@ -3273,7 +3273,7 @@
           <a:p>
             <a:fld id="{B36FEB34-0C34-4FF1-BF19-B26582C8F4FD}" type="datetime1">
               <a:rPr lang="ru-RU" smtClean="0"/>
-              <a:t>15.12.2021</a:t>
+              <a:t>16.12.2021</a:t>
             </a:fld>
             <a:endParaRPr lang="ru-RU"/>
           </a:p>
@@ -7192,10 +7192,10 @@
       </p:sp>
       <p:pic>
         <p:nvPicPr>
-          <p:cNvPr id="10" name="Рисунок 9">
-            <a:extLst>
-              <a:ext uri="{FF2B5EF4-FFF2-40B4-BE49-F238E27FC236}">
-                <a16:creationId xmlns:a16="http://schemas.microsoft.com/office/drawing/2014/main" id="{0281AEA8-8111-4313-ADD5-AE026AAB739C}"/>
+          <p:cNvPr id="5" name="Рисунок 4">
+            <a:extLst>
+              <a:ext uri="{FF2B5EF4-FFF2-40B4-BE49-F238E27FC236}">
+                <a16:creationId xmlns:a16="http://schemas.microsoft.com/office/drawing/2014/main" id="{77E05B43-781F-4137-A6E9-CA5745E396B5}"/>
               </a:ext>
             </a:extLst>
           </p:cNvPr>
@@ -7218,8 +7218,8 @@
         </p:blipFill>
         <p:spPr>
           <a:xfrm>
-            <a:off x="838200" y="1325563"/>
-            <a:ext cx="10029734" cy="5030787"/>
+            <a:off x="657308" y="900393"/>
+            <a:ext cx="10877384" cy="5455957"/>
           </a:xfrm>
           <a:prstGeom prst="rect">
             <a:avLst/>
